--- a/Desktop/응소실플젝/2020학년도응소실/응용소프트웨어실습_6조_최종발표자료.pptx
+++ b/Desktop/응소실플젝/2020학년도응소실/응용소프트웨어실습_6조_최종발표자료.pptx
@@ -16,28 +16,29 @@
     <p:sldId id="273" r:id="rId10"/>
     <p:sldId id="283" r:id="rId11"/>
     <p:sldId id="274" r:id="rId12"/>
-    <p:sldId id="269" r:id="rId13"/>
-    <p:sldId id="288" r:id="rId14"/>
-    <p:sldId id="289" r:id="rId15"/>
-    <p:sldId id="290" r:id="rId16"/>
-    <p:sldId id="285" r:id="rId17"/>
-    <p:sldId id="259" r:id="rId18"/>
-    <p:sldId id="287" r:id="rId19"/>
-    <p:sldId id="291" r:id="rId20"/>
-    <p:sldId id="286" r:id="rId21"/>
-    <p:sldId id="293" r:id="rId22"/>
-    <p:sldId id="275" r:id="rId23"/>
-    <p:sldId id="294" r:id="rId24"/>
-    <p:sldId id="270" r:id="rId25"/>
-    <p:sldId id="276" r:id="rId26"/>
-    <p:sldId id="261" r:id="rId27"/>
-    <p:sldId id="277" r:id="rId28"/>
-    <p:sldId id="262" r:id="rId29"/>
-    <p:sldId id="278" r:id="rId30"/>
-    <p:sldId id="263" r:id="rId31"/>
-    <p:sldId id="264" r:id="rId32"/>
-    <p:sldId id="292" r:id="rId33"/>
-    <p:sldId id="271" r:id="rId34"/>
+    <p:sldId id="295" r:id="rId13"/>
+    <p:sldId id="269" r:id="rId14"/>
+    <p:sldId id="288" r:id="rId15"/>
+    <p:sldId id="289" r:id="rId16"/>
+    <p:sldId id="290" r:id="rId17"/>
+    <p:sldId id="285" r:id="rId18"/>
+    <p:sldId id="259" r:id="rId19"/>
+    <p:sldId id="287" r:id="rId20"/>
+    <p:sldId id="291" r:id="rId21"/>
+    <p:sldId id="286" r:id="rId22"/>
+    <p:sldId id="293" r:id="rId23"/>
+    <p:sldId id="275" r:id="rId24"/>
+    <p:sldId id="294" r:id="rId25"/>
+    <p:sldId id="270" r:id="rId26"/>
+    <p:sldId id="276" r:id="rId27"/>
+    <p:sldId id="261" r:id="rId28"/>
+    <p:sldId id="277" r:id="rId29"/>
+    <p:sldId id="262" r:id="rId30"/>
+    <p:sldId id="278" r:id="rId31"/>
+    <p:sldId id="263" r:id="rId32"/>
+    <p:sldId id="264" r:id="rId33"/>
+    <p:sldId id="292" r:id="rId34"/>
+    <p:sldId id="271" r:id="rId35"/>
   </p:sldIdLst>
   <p:sldSz cx="12192000" cy="6858000"/>
   <p:notesSz cx="6858000" cy="9144000"/>
@@ -4963,6 +4964,433 @@
       </p:grpSpPr>
       <p:sp>
         <p:nvSpPr>
+          <p:cNvPr id="13" name="직사각형 12">
+            <a:extLst>
+              <a:ext uri="{FF2B5EF4-FFF2-40B4-BE49-F238E27FC236}">
+                <a16:creationId xmlns:a16="http://schemas.microsoft.com/office/drawing/2014/main" id="{03A9D439-D89E-41D7-829A-66144A0735B5}"/>
+              </a:ext>
+            </a:extLst>
+          </p:cNvPr>
+          <p:cNvSpPr/>
+          <p:nvPr/>
+        </p:nvSpPr>
+        <p:spPr>
+          <a:xfrm>
+            <a:off x="0" y="1"/>
+            <a:ext cx="12192000" cy="6858000"/>
+          </a:xfrm>
+          <a:prstGeom prst="rect">
+            <a:avLst/>
+          </a:prstGeom>
+          <a:gradFill flip="none" rotWithShape="1">
+            <a:gsLst>
+              <a:gs pos="41000">
+                <a:srgbClr val="3C6CC2"/>
+              </a:gs>
+              <a:gs pos="23000">
+                <a:srgbClr val="5781CA"/>
+              </a:gs>
+              <a:gs pos="5000">
+                <a:srgbClr val="9AB4DE"/>
+              </a:gs>
+              <a:gs pos="56000">
+                <a:schemeClr val="accent1">
+                  <a:lumMod val="75000"/>
+                </a:schemeClr>
+              </a:gs>
+              <a:gs pos="77000">
+                <a:srgbClr val="28477E"/>
+              </a:gs>
+              <a:gs pos="100000">
+                <a:srgbClr val="0F1A2F"/>
+              </a:gs>
+            </a:gsLst>
+            <a:lin ang="13500000" scaled="1"/>
+            <a:tileRect/>
+          </a:gradFill>
+        </p:spPr>
+        <p:style>
+          <a:lnRef idx="2">
+            <a:schemeClr val="accent1">
+              <a:shade val="50000"/>
+            </a:schemeClr>
+          </a:lnRef>
+          <a:fillRef idx="1">
+            <a:schemeClr val="accent1"/>
+          </a:fillRef>
+          <a:effectRef idx="0">
+            <a:schemeClr val="accent1"/>
+          </a:effectRef>
+          <a:fontRef idx="minor">
+            <a:schemeClr val="lt1"/>
+          </a:fontRef>
+        </p:style>
+        <p:txBody>
+          <a:bodyPr rtlCol="0" anchor="ctr"/>
+          <a:lstStyle/>
+          <a:p>
+            <a:pPr algn="ctr"/>
+            <a:endParaRPr lang="ko-KR" altLang="en-US"/>
+          </a:p>
+        </p:txBody>
+      </p:sp>
+      <p:sp>
+        <p:nvSpPr>
+          <p:cNvPr id="2" name="제목 1">
+            <a:extLst>
+              <a:ext uri="{FF2B5EF4-FFF2-40B4-BE49-F238E27FC236}">
+                <a16:creationId xmlns:a16="http://schemas.microsoft.com/office/drawing/2014/main" id="{42735CCD-7CE2-430C-9BFE-A4AE290A1A7D}"/>
+              </a:ext>
+            </a:extLst>
+          </p:cNvPr>
+          <p:cNvSpPr>
+            <a:spLocks noGrp="1"/>
+          </p:cNvSpPr>
+          <p:nvPr>
+            <p:ph type="title"/>
+          </p:nvPr>
+        </p:nvSpPr>
+        <p:spPr/>
+        <p:txBody>
+          <a:bodyPr/>
+          <a:lstStyle/>
+          <a:p>
+            <a:r>
+              <a:rPr lang="ko-KR" altLang="en-US" dirty="0">
+                <a:solidFill>
+                  <a:schemeClr val="bg1"/>
+                </a:solidFill>
+              </a:rPr>
+              <a:t>개발에 중점적으로 둔 부분</a:t>
+            </a:r>
+          </a:p>
+        </p:txBody>
+      </p:sp>
+      <p:sp>
+        <p:nvSpPr>
+          <p:cNvPr id="3" name="내용 개체 틀 2">
+            <a:extLst>
+              <a:ext uri="{FF2B5EF4-FFF2-40B4-BE49-F238E27FC236}">
+                <a16:creationId xmlns:a16="http://schemas.microsoft.com/office/drawing/2014/main" id="{69BEF2B0-85AF-443E-9A28-F8B4EAD7CBDB}"/>
+              </a:ext>
+            </a:extLst>
+          </p:cNvPr>
+          <p:cNvSpPr>
+            <a:spLocks noGrp="1"/>
+          </p:cNvSpPr>
+          <p:nvPr>
+            <p:ph idx="1"/>
+          </p:nvPr>
+        </p:nvSpPr>
+        <p:spPr>
+          <a:xfrm>
+            <a:off x="838199" y="1825625"/>
+            <a:ext cx="11057965" cy="4768122"/>
+          </a:xfrm>
+        </p:spPr>
+        <p:txBody>
+          <a:bodyPr>
+            <a:normAutofit/>
+          </a:bodyPr>
+          <a:lstStyle/>
+          <a:p>
+            <a:pPr marL="0" indent="0">
+              <a:buNone/>
+            </a:pPr>
+            <a:endParaRPr lang="en-US" altLang="ko-KR" sz="2000" dirty="0"/>
+          </a:p>
+          <a:p>
+            <a:pPr marL="0" indent="0">
+              <a:buNone/>
+            </a:pPr>
+            <a:r>
+              <a:rPr lang="en-US" altLang="ko-KR" sz="2000" dirty="0">
+                <a:solidFill>
+                  <a:schemeClr val="bg1"/>
+                </a:solidFill>
+              </a:rPr>
+              <a:t>* </a:t>
+            </a:r>
+            <a:r>
+              <a:rPr lang="ko-KR" altLang="en-US" sz="2000" dirty="0">
+                <a:solidFill>
+                  <a:schemeClr val="bg1"/>
+                </a:solidFill>
+              </a:rPr>
+              <a:t>수업 시간에 배운 내용 최대한 활용 및 응용 단계 적용</a:t>
+            </a:r>
+            <a:endParaRPr lang="en-US" altLang="ko-KR" sz="2000" dirty="0">
+              <a:solidFill>
+                <a:schemeClr val="bg1"/>
+              </a:solidFill>
+            </a:endParaRPr>
+          </a:p>
+          <a:p>
+            <a:pPr marL="0" indent="0">
+              <a:buNone/>
+            </a:pPr>
+            <a:endParaRPr lang="en-US" altLang="ko-KR" sz="2000" dirty="0">
+              <a:solidFill>
+                <a:schemeClr val="bg1"/>
+              </a:solidFill>
+            </a:endParaRPr>
+          </a:p>
+          <a:p>
+            <a:pPr marL="457200" indent="-457200">
+              <a:buAutoNum type="arabicPeriod"/>
+            </a:pPr>
+            <a:r>
+              <a:rPr lang="ko-KR" altLang="en-US" sz="2000" dirty="0">
+                <a:solidFill>
+                  <a:schemeClr val="bg1"/>
+                </a:solidFill>
+              </a:rPr>
+              <a:t>서버 클라이언트 통신을 배웠다</a:t>
+            </a:r>
+            <a:r>
+              <a:rPr lang="en-US" altLang="ko-KR" sz="2000" dirty="0">
+                <a:solidFill>
+                  <a:schemeClr val="bg1"/>
+                </a:solidFill>
+              </a:rPr>
+              <a:t>. -&gt; </a:t>
+            </a:r>
+            <a:r>
+              <a:rPr lang="ko-KR" altLang="en-US" sz="2000" dirty="0">
+                <a:solidFill>
+                  <a:schemeClr val="bg1"/>
+                </a:solidFill>
+              </a:rPr>
+              <a:t>서버 사이드 웹 프로그래밍 과 </a:t>
+            </a:r>
+            <a:r>
+              <a:rPr lang="ko-KR" altLang="en-US" sz="2000" dirty="0" err="1">
+                <a:solidFill>
+                  <a:schemeClr val="bg1"/>
+                </a:solidFill>
+              </a:rPr>
+              <a:t>윈폼</a:t>
+            </a:r>
+            <a:r>
+              <a:rPr lang="ko-KR" altLang="en-US" sz="2000" dirty="0">
+                <a:solidFill>
+                  <a:schemeClr val="bg1"/>
+                </a:solidFill>
+              </a:rPr>
+              <a:t> 클라이언트를 통한 작업으로 변경</a:t>
+            </a:r>
+            <a:endParaRPr lang="en-US" altLang="ko-KR" sz="2000" dirty="0">
+              <a:solidFill>
+                <a:schemeClr val="bg1"/>
+              </a:solidFill>
+            </a:endParaRPr>
+          </a:p>
+          <a:p>
+            <a:pPr marL="457200" indent="-457200">
+              <a:buAutoNum type="arabicPeriod"/>
+            </a:pPr>
+            <a:endParaRPr lang="en-US" altLang="ko-KR" sz="2000" dirty="0">
+              <a:solidFill>
+                <a:schemeClr val="bg1"/>
+              </a:solidFill>
+            </a:endParaRPr>
+          </a:p>
+          <a:p>
+            <a:pPr marL="457200" indent="-457200">
+              <a:buAutoNum type="arabicPeriod"/>
+            </a:pPr>
+            <a:r>
+              <a:rPr lang="ko-KR" altLang="en-US" sz="2000" dirty="0" err="1">
+                <a:solidFill>
+                  <a:schemeClr val="bg1"/>
+                </a:solidFill>
+              </a:rPr>
+              <a:t>트리뷰와</a:t>
+            </a:r>
+            <a:r>
+              <a:rPr lang="ko-KR" altLang="en-US" sz="2000" dirty="0">
+                <a:solidFill>
+                  <a:schemeClr val="bg1"/>
+                </a:solidFill>
+              </a:rPr>
+              <a:t> </a:t>
+            </a:r>
+            <a:r>
+              <a:rPr lang="ko-KR" altLang="en-US" sz="2000" dirty="0" err="1">
+                <a:solidFill>
+                  <a:schemeClr val="bg1"/>
+                </a:solidFill>
+              </a:rPr>
+              <a:t>리스트뷰</a:t>
+            </a:r>
+            <a:r>
+              <a:rPr lang="ko-KR" altLang="en-US" sz="2000" dirty="0">
+                <a:solidFill>
+                  <a:schemeClr val="bg1"/>
+                </a:solidFill>
+              </a:rPr>
+              <a:t> 이벤트 등을 배웠다</a:t>
+            </a:r>
+            <a:r>
+              <a:rPr lang="en-US" altLang="ko-KR" sz="2000" dirty="0">
+                <a:solidFill>
+                  <a:schemeClr val="bg1"/>
+                </a:solidFill>
+              </a:rPr>
+              <a:t>. -&gt; </a:t>
+            </a:r>
+            <a:r>
+              <a:rPr lang="ko-KR" altLang="en-US" sz="2000" dirty="0">
+                <a:solidFill>
+                  <a:schemeClr val="bg1"/>
+                </a:solidFill>
+              </a:rPr>
+              <a:t>프로젝트에 데이터베이스를 사용하여 응용하였다</a:t>
+            </a:r>
+            <a:r>
+              <a:rPr lang="en-US" altLang="ko-KR" sz="2000" dirty="0">
+                <a:solidFill>
+                  <a:schemeClr val="bg1"/>
+                </a:solidFill>
+              </a:rPr>
+              <a:t>.</a:t>
+            </a:r>
+          </a:p>
+          <a:p>
+            <a:pPr marL="457200" indent="-457200">
+              <a:buAutoNum type="arabicPeriod"/>
+            </a:pPr>
+            <a:endParaRPr lang="en-US" altLang="ko-KR" sz="2000" dirty="0">
+              <a:solidFill>
+                <a:schemeClr val="bg1"/>
+              </a:solidFill>
+            </a:endParaRPr>
+          </a:p>
+          <a:p>
+            <a:pPr marL="457200" indent="-457200">
+              <a:buAutoNum type="arabicPeriod"/>
+            </a:pPr>
+            <a:r>
+              <a:rPr lang="en-US" altLang="ko-KR" sz="2000" dirty="0">
+                <a:solidFill>
+                  <a:schemeClr val="bg1"/>
+                </a:solidFill>
+              </a:rPr>
+              <a:t>SELENIUM</a:t>
+            </a:r>
+            <a:r>
+              <a:rPr lang="ko-KR" altLang="en-US" sz="2000" dirty="0">
+                <a:solidFill>
+                  <a:schemeClr val="bg1"/>
+                </a:solidFill>
+              </a:rPr>
+              <a:t> </a:t>
+            </a:r>
+            <a:r>
+              <a:rPr lang="ko-KR" altLang="en-US" sz="2000" dirty="0" err="1">
+                <a:solidFill>
+                  <a:schemeClr val="bg1"/>
+                </a:solidFill>
+              </a:rPr>
+              <a:t>크롤링</a:t>
+            </a:r>
+            <a:r>
+              <a:rPr lang="en-US" altLang="ko-KR" sz="2000" dirty="0">
+                <a:solidFill>
+                  <a:schemeClr val="bg1"/>
+                </a:solidFill>
+              </a:rPr>
+              <a:t>,</a:t>
+            </a:r>
+            <a:r>
+              <a:rPr lang="ko-KR" altLang="en-US" sz="2000" dirty="0">
+                <a:solidFill>
+                  <a:schemeClr val="bg1"/>
+                </a:solidFill>
+              </a:rPr>
+              <a:t> </a:t>
+            </a:r>
+            <a:r>
+              <a:rPr lang="en-US" altLang="ko-KR" sz="2000" dirty="0">
+                <a:solidFill>
+                  <a:schemeClr val="bg1"/>
+                </a:solidFill>
+              </a:rPr>
+              <a:t>ASP .NET </a:t>
+            </a:r>
+            <a:r>
+              <a:rPr lang="ko-KR" altLang="en-US" sz="2000" dirty="0">
+                <a:solidFill>
+                  <a:schemeClr val="bg1"/>
+                </a:solidFill>
+              </a:rPr>
+              <a:t>등 수업 시간에 배운 것 이외에 </a:t>
+            </a:r>
+            <a:r>
+              <a:rPr lang="en-US" altLang="ko-KR" sz="2000" dirty="0">
+                <a:solidFill>
+                  <a:schemeClr val="bg1"/>
+                </a:solidFill>
+              </a:rPr>
+              <a:t>C#</a:t>
+            </a:r>
+            <a:r>
+              <a:rPr lang="ko-KR" altLang="en-US" sz="2000" dirty="0">
+                <a:solidFill>
+                  <a:schemeClr val="bg1"/>
+                </a:solidFill>
+              </a:rPr>
+              <a:t>으로 응용 가능한 부분을 진행하였다</a:t>
+            </a:r>
+            <a:r>
+              <a:rPr lang="en-US" altLang="ko-KR" sz="2000" dirty="0">
+                <a:solidFill>
+                  <a:schemeClr val="bg1"/>
+                </a:solidFill>
+              </a:rPr>
+              <a:t>.</a:t>
+            </a:r>
+          </a:p>
+          <a:p>
+            <a:pPr marL="0" indent="0">
+              <a:buNone/>
+            </a:pPr>
+            <a:endParaRPr lang="en-US" altLang="ko-KR" sz="2000" dirty="0"/>
+          </a:p>
+        </p:txBody>
+      </p:sp>
+    </p:spTree>
+    <p:extLst>
+      <p:ext uri="{BB962C8B-B14F-4D97-AF65-F5344CB8AC3E}">
+        <p14:creationId xmlns:p14="http://schemas.microsoft.com/office/powerpoint/2010/main" val="2901025744"/>
+      </p:ext>
+    </p:extLst>
+  </p:cSld>
+  <p:clrMapOvr>
+    <a:masterClrMapping/>
+  </p:clrMapOvr>
+</p:sld>
+</file>
+
+<file path=ppt/slides/slide13.xml><?xml version="1.0" encoding="utf-8"?>
+<p:sld xmlns:a="http://schemas.openxmlformats.org/drawingml/2006/main" xmlns:r="http://schemas.openxmlformats.org/officeDocument/2006/relationships" xmlns:p="http://schemas.openxmlformats.org/presentationml/2006/main">
+  <p:cSld>
+    <p:spTree>
+      <p:nvGrpSpPr>
+        <p:cNvPr id="1" name=""/>
+        <p:cNvGrpSpPr/>
+        <p:nvPr/>
+      </p:nvGrpSpPr>
+      <p:grpSpPr>
+        <a:xfrm>
+          <a:off x="0" y="0"/>
+          <a:ext cx="0" cy="0"/>
+          <a:chOff x="0" y="0"/>
+          <a:chExt cx="0" cy="0"/>
+        </a:xfrm>
+      </p:grpSpPr>
+      <p:sp>
+        <p:nvSpPr>
           <p:cNvPr id="15" name="직사각형 14">
             <a:extLst>
               <a:ext uri="{FF2B5EF4-FFF2-40B4-BE49-F238E27FC236}">
@@ -5630,7 +6058,7 @@
 </p:sld>
 </file>
 
-<file path=ppt/slides/slide13.xml><?xml version="1.0" encoding="utf-8"?>
+<file path=ppt/slides/slide14.xml><?xml version="1.0" encoding="utf-8"?>
 <p:sld xmlns:a="http://schemas.openxmlformats.org/drawingml/2006/main" xmlns:r="http://schemas.openxmlformats.org/officeDocument/2006/relationships" xmlns:p="http://schemas.openxmlformats.org/presentationml/2006/main">
   <p:cSld>
     <p:spTree>
@@ -6323,7 +6751,7 @@
 </p:sld>
 </file>
 
-<file path=ppt/slides/slide14.xml><?xml version="1.0" encoding="utf-8"?>
+<file path=ppt/slides/slide15.xml><?xml version="1.0" encoding="utf-8"?>
 <p:sld xmlns:a="http://schemas.openxmlformats.org/drawingml/2006/main" xmlns:r="http://schemas.openxmlformats.org/officeDocument/2006/relationships" xmlns:p="http://schemas.openxmlformats.org/presentationml/2006/main">
   <p:cSld>
     <p:spTree>
@@ -6834,7 +7262,7 @@
 </p:sld>
 </file>
 
-<file path=ppt/slides/slide15.xml><?xml version="1.0" encoding="utf-8"?>
+<file path=ppt/slides/slide16.xml><?xml version="1.0" encoding="utf-8"?>
 <p:sld xmlns:a="http://schemas.openxmlformats.org/drawingml/2006/main" xmlns:r="http://schemas.openxmlformats.org/officeDocument/2006/relationships" xmlns:p="http://schemas.openxmlformats.org/presentationml/2006/main">
   <p:cSld>
     <p:spTree>
@@ -10132,7 +10560,7 @@
 </p:sld>
 </file>
 
-<file path=ppt/slides/slide16.xml><?xml version="1.0" encoding="utf-8"?>
+<file path=ppt/slides/slide17.xml><?xml version="1.0" encoding="utf-8"?>
 <p:sld xmlns:a="http://schemas.openxmlformats.org/drawingml/2006/main" xmlns:r="http://schemas.openxmlformats.org/officeDocument/2006/relationships" xmlns:p="http://schemas.openxmlformats.org/presentationml/2006/main">
   <p:cSld>
     <p:spTree>
@@ -10665,7 +11093,7 @@
 </p:sld>
 </file>
 
-<file path=ppt/slides/slide17.xml><?xml version="1.0" encoding="utf-8"?>
+<file path=ppt/slides/slide18.xml><?xml version="1.0" encoding="utf-8"?>
 <p:sld xmlns:a="http://schemas.openxmlformats.org/drawingml/2006/main" xmlns:r="http://schemas.openxmlformats.org/officeDocument/2006/relationships" xmlns:p="http://schemas.openxmlformats.org/presentationml/2006/main">
   <p:cSld>
     <p:spTree>
@@ -11458,7 +11886,7 @@
 </p:sld>
 </file>
 
-<file path=ppt/slides/slide18.xml><?xml version="1.0" encoding="utf-8"?>
+<file path=ppt/slides/slide19.xml><?xml version="1.0" encoding="utf-8"?>
 <p:sld xmlns:a="http://schemas.openxmlformats.org/drawingml/2006/main" xmlns:r="http://schemas.openxmlformats.org/officeDocument/2006/relationships" xmlns:p="http://schemas.openxmlformats.org/presentationml/2006/main">
   <p:cSld>
     <p:spTree>
@@ -12251,7 +12679,7 @@
 </p:sld>
 </file>
 
-<file path=ppt/slides/slide19.xml><?xml version="1.0" encoding="utf-8"?>
+<file path=ppt/slides/slide2.xml><?xml version="1.0" encoding="utf-8"?>
 <p:sld xmlns:a="http://schemas.openxmlformats.org/drawingml/2006/main" xmlns:r="http://schemas.openxmlformats.org/officeDocument/2006/relationships" xmlns:p="http://schemas.openxmlformats.org/presentationml/2006/main">
   <p:cSld>
     <p:spTree>
@@ -12270,10 +12698,10 @@
       </p:grpSpPr>
       <p:sp>
         <p:nvSpPr>
-          <p:cNvPr id="40" name="직사각형 39">
-            <a:extLst>
-              <a:ext uri="{FF2B5EF4-FFF2-40B4-BE49-F238E27FC236}">
-                <a16:creationId xmlns:a16="http://schemas.microsoft.com/office/drawing/2014/main" id="{E0A5EDE1-0120-4DF6-B776-64DC834CBA48}"/>
+          <p:cNvPr id="4" name="직사각형 3">
+            <a:extLst>
+              <a:ext uri="{FF2B5EF4-FFF2-40B4-BE49-F238E27FC236}">
+                <a16:creationId xmlns:a16="http://schemas.microsoft.com/office/drawing/2014/main" id="{B7FDB4A6-5E08-4BFC-816F-27705D182473}"/>
               </a:ext>
             </a:extLst>
           </p:cNvPr>
@@ -12362,13 +12790,269 @@
           <a:lstStyle/>
           <a:p>
             <a:r>
+              <a:rPr lang="ko-KR" altLang="en-US" dirty="0">
+                <a:solidFill>
+                  <a:schemeClr val="bg1"/>
+                </a:solidFill>
+              </a:rPr>
+              <a:t>목차</a:t>
+            </a:r>
+          </a:p>
+        </p:txBody>
+      </p:sp>
+      <p:sp>
+        <p:nvSpPr>
+          <p:cNvPr id="3" name="내용 개체 틀 2">
+            <a:extLst>
+              <a:ext uri="{FF2B5EF4-FFF2-40B4-BE49-F238E27FC236}">
+                <a16:creationId xmlns:a16="http://schemas.microsoft.com/office/drawing/2014/main" id="{69BEF2B0-85AF-443E-9A28-F8B4EAD7CBDB}"/>
+              </a:ext>
+            </a:extLst>
+          </p:cNvPr>
+          <p:cNvSpPr>
+            <a:spLocks noGrp="1"/>
+          </p:cNvSpPr>
+          <p:nvPr>
+            <p:ph idx="1"/>
+          </p:nvPr>
+        </p:nvSpPr>
+        <p:spPr/>
+        <p:txBody>
+          <a:bodyPr>
+            <a:normAutofit/>
+          </a:bodyPr>
+          <a:lstStyle/>
+          <a:p>
+            <a:pPr marL="0" indent="0">
+              <a:buNone/>
+            </a:pPr>
+            <a:r>
               <a:rPr lang="en-US" altLang="ko-KR" dirty="0">
                 <a:solidFill>
                   <a:schemeClr val="bg1"/>
                 </a:solidFill>
               </a:rPr>
-              <a:t>2. Windows form(4)</a:t>
-            </a:r>
+              <a:t>1. </a:t>
+            </a:r>
+            <a:r>
+              <a:rPr lang="ko-KR" altLang="en-US" dirty="0">
+                <a:solidFill>
+                  <a:schemeClr val="bg1"/>
+                </a:solidFill>
+              </a:rPr>
+              <a:t>프로젝트 개요</a:t>
+            </a:r>
+            <a:endParaRPr lang="en-US" altLang="ko-KR" dirty="0">
+              <a:solidFill>
+                <a:schemeClr val="bg1"/>
+              </a:solidFill>
+            </a:endParaRPr>
+          </a:p>
+          <a:p>
+            <a:pPr marL="0" indent="0">
+              <a:buNone/>
+            </a:pPr>
+            <a:r>
+              <a:rPr lang="en-US" altLang="ko-KR" dirty="0">
+                <a:solidFill>
+                  <a:schemeClr val="bg1"/>
+                </a:solidFill>
+              </a:rPr>
+              <a:t>2. </a:t>
+            </a:r>
+            <a:r>
+              <a:rPr lang="ko-KR" altLang="en-US" dirty="0">
+                <a:solidFill>
+                  <a:schemeClr val="bg1"/>
+                </a:solidFill>
+              </a:rPr>
+              <a:t>프로젝트 개발 환경</a:t>
+            </a:r>
+            <a:endParaRPr lang="en-US" altLang="ko-KR" dirty="0">
+              <a:solidFill>
+                <a:schemeClr val="bg1"/>
+              </a:solidFill>
+            </a:endParaRPr>
+          </a:p>
+          <a:p>
+            <a:pPr marL="0" indent="0">
+              <a:buNone/>
+            </a:pPr>
+            <a:r>
+              <a:rPr lang="en-US" altLang="ko-KR" dirty="0">
+                <a:solidFill>
+                  <a:schemeClr val="bg1"/>
+                </a:solidFill>
+              </a:rPr>
+              <a:t>3. </a:t>
+            </a:r>
+            <a:r>
+              <a:rPr lang="ko-KR" altLang="en-US" dirty="0">
+                <a:solidFill>
+                  <a:schemeClr val="bg1"/>
+                </a:solidFill>
+              </a:rPr>
+              <a:t>프로젝트 설명</a:t>
+            </a:r>
+            <a:endParaRPr lang="en-US" altLang="ko-KR" dirty="0">
+              <a:solidFill>
+                <a:schemeClr val="bg1"/>
+              </a:solidFill>
+            </a:endParaRPr>
+          </a:p>
+          <a:p>
+            <a:pPr marL="0" indent="0">
+              <a:buNone/>
+            </a:pPr>
+            <a:r>
+              <a:rPr lang="en-US" altLang="ko-KR" dirty="0">
+                <a:solidFill>
+                  <a:schemeClr val="bg1"/>
+                </a:solidFill>
+              </a:rPr>
+              <a:t>4. </a:t>
+            </a:r>
+            <a:r>
+              <a:rPr lang="ko-KR" altLang="en-US" dirty="0">
+                <a:solidFill>
+                  <a:schemeClr val="bg1"/>
+                </a:solidFill>
+              </a:rPr>
+              <a:t>프로젝트 일정 </a:t>
+            </a:r>
+            <a:r>
+              <a:rPr lang="en-US" altLang="ko-KR" dirty="0">
+                <a:solidFill>
+                  <a:schemeClr val="bg1"/>
+                </a:solidFill>
+              </a:rPr>
+              <a:t>&amp; </a:t>
+            </a:r>
+            <a:r>
+              <a:rPr lang="ko-KR" altLang="en-US" dirty="0">
+                <a:solidFill>
+                  <a:schemeClr val="bg1"/>
+                </a:solidFill>
+              </a:rPr>
+              <a:t>팀원 별 역할</a:t>
+            </a:r>
+            <a:endParaRPr lang="en-US" altLang="ko-KR" dirty="0">
+              <a:solidFill>
+                <a:schemeClr val="bg1"/>
+              </a:solidFill>
+            </a:endParaRPr>
+          </a:p>
+          <a:p>
+            <a:pPr marL="0" indent="0">
+              <a:buNone/>
+            </a:pPr>
+            <a:r>
+              <a:rPr lang="en-US" altLang="ko-KR" dirty="0">
+                <a:solidFill>
+                  <a:schemeClr val="bg1"/>
+                </a:solidFill>
+              </a:rPr>
+              <a:t>5. </a:t>
+            </a:r>
+            <a:r>
+              <a:rPr lang="ko-KR" altLang="en-US" dirty="0">
+                <a:solidFill>
+                  <a:schemeClr val="bg1"/>
+                </a:solidFill>
+              </a:rPr>
+              <a:t>시연</a:t>
+            </a:r>
+            <a:endParaRPr lang="en-US" altLang="ko-KR" dirty="0">
+              <a:solidFill>
+                <a:schemeClr val="bg1"/>
+              </a:solidFill>
+            </a:endParaRPr>
+          </a:p>
+          <a:p>
+            <a:pPr marL="0" indent="0">
+              <a:buNone/>
+            </a:pPr>
+            <a:r>
+              <a:rPr lang="en-US" altLang="ko-KR" dirty="0">
+                <a:solidFill>
+                  <a:schemeClr val="bg1"/>
+                </a:solidFill>
+              </a:rPr>
+              <a:t>6. </a:t>
+            </a:r>
+            <a:r>
+              <a:rPr lang="ko-KR" altLang="en-US" dirty="0">
+                <a:solidFill>
+                  <a:schemeClr val="bg1"/>
+                </a:solidFill>
+              </a:rPr>
+              <a:t>발표영상 링크</a:t>
+            </a:r>
+            <a:endParaRPr lang="en-US" altLang="ko-KR" dirty="0">
+              <a:solidFill>
+                <a:schemeClr val="bg1"/>
+              </a:solidFill>
+            </a:endParaRPr>
+          </a:p>
+          <a:p>
+            <a:pPr marL="0" indent="0">
+              <a:buNone/>
+            </a:pPr>
+            <a:r>
+              <a:rPr lang="en-US" altLang="ko-KR" dirty="0">
+                <a:solidFill>
+                  <a:schemeClr val="bg1"/>
+                </a:solidFill>
+              </a:rPr>
+              <a:t>7. </a:t>
+            </a:r>
+            <a:r>
+              <a:rPr lang="ko-KR" altLang="en-US" dirty="0">
+                <a:solidFill>
+                  <a:schemeClr val="bg1"/>
+                </a:solidFill>
+              </a:rPr>
+              <a:t>프로젝트 </a:t>
+            </a:r>
+            <a:r>
+              <a:rPr lang="en-US" altLang="ko-KR" dirty="0" err="1">
+                <a:solidFill>
+                  <a:schemeClr val="bg1"/>
+                </a:solidFill>
+              </a:rPr>
+              <a:t>github</a:t>
+            </a:r>
+            <a:r>
+              <a:rPr lang="ko-KR" altLang="en-US" dirty="0">
+                <a:solidFill>
+                  <a:schemeClr val="bg1"/>
+                </a:solidFill>
+              </a:rPr>
+              <a:t>링크</a:t>
+            </a:r>
+            <a:r>
+              <a:rPr lang="en-US" altLang="ko-KR" dirty="0">
+                <a:solidFill>
+                  <a:schemeClr val="bg1"/>
+                </a:solidFill>
+              </a:rPr>
+              <a:t>, commit </a:t>
+            </a:r>
+            <a:r>
+              <a:rPr lang="ko-KR" altLang="en-US" dirty="0">
+                <a:solidFill>
+                  <a:schemeClr val="bg1"/>
+                </a:solidFill>
+              </a:rPr>
+              <a:t>목록</a:t>
+            </a:r>
+            <a:endParaRPr lang="en-US" altLang="ko-KR" dirty="0">
+              <a:solidFill>
+                <a:schemeClr val="bg1"/>
+              </a:solidFill>
+            </a:endParaRPr>
+          </a:p>
+          <a:p>
             <a:endParaRPr lang="ko-KR" altLang="en-US" dirty="0">
               <a:solidFill>
                 <a:schemeClr val="bg1"/>
@@ -12377,255 +13061,10 @@
           </a:p>
         </p:txBody>
       </p:sp>
-      <p:sp>
-        <p:nvSpPr>
-          <p:cNvPr id="27" name="TextBox 26">
-            <a:extLst>
-              <a:ext uri="{FF2B5EF4-FFF2-40B4-BE49-F238E27FC236}">
-                <a16:creationId xmlns:a16="http://schemas.microsoft.com/office/drawing/2014/main" id="{0B28E471-C629-4D63-8919-AB8187B0F3EE}"/>
-              </a:ext>
-            </a:extLst>
-          </p:cNvPr>
-          <p:cNvSpPr txBox="1"/>
-          <p:nvPr/>
-        </p:nvSpPr>
-        <p:spPr>
-          <a:xfrm>
-            <a:off x="838199" y="1276347"/>
-            <a:ext cx="2509020" cy="353943"/>
-          </a:xfrm>
-          <a:prstGeom prst="rect">
-            <a:avLst/>
-          </a:prstGeom>
-          <a:noFill/>
-        </p:spPr>
-        <p:txBody>
-          <a:bodyPr wrap="none" rtlCol="0">
-            <a:spAutoFit/>
-          </a:bodyPr>
-          <a:lstStyle/>
-          <a:p>
-            <a:r>
-              <a:rPr lang="en-US" altLang="ko-KR" sz="1700" dirty="0">
-                <a:solidFill>
-                  <a:schemeClr val="bg1"/>
-                </a:solidFill>
-              </a:rPr>
-              <a:t>[</a:t>
-            </a:r>
-            <a:r>
-              <a:rPr lang="ko-KR" altLang="en-US" sz="1700" dirty="0">
-                <a:solidFill>
-                  <a:schemeClr val="bg1"/>
-                </a:solidFill>
-              </a:rPr>
-              <a:t>팀원 신청 메일 시스템</a:t>
-            </a:r>
-            <a:r>
-              <a:rPr lang="en-US" altLang="ko-KR" sz="1700" dirty="0">
-                <a:solidFill>
-                  <a:schemeClr val="bg1"/>
-                </a:solidFill>
-              </a:rPr>
-              <a:t>]</a:t>
-            </a:r>
-            <a:endParaRPr lang="ko-KR" altLang="en-US" sz="1700" dirty="0">
-              <a:solidFill>
-                <a:schemeClr val="bg1"/>
-              </a:solidFill>
-            </a:endParaRPr>
-          </a:p>
-        </p:txBody>
-      </p:sp>
-      <p:pic>
-        <p:nvPicPr>
-          <p:cNvPr id="3" name="그림 2">
-            <a:extLst>
-              <a:ext uri="{FF2B5EF4-FFF2-40B4-BE49-F238E27FC236}">
-                <a16:creationId xmlns:a16="http://schemas.microsoft.com/office/drawing/2014/main" id="{6C9A1991-032E-49BC-9C31-8962B78F58F0}"/>
-              </a:ext>
-            </a:extLst>
-          </p:cNvPr>
-          <p:cNvPicPr>
-            <a:picLocks noChangeAspect="1"/>
-          </p:cNvPicPr>
-          <p:nvPr/>
-        </p:nvPicPr>
-        <p:blipFill>
-          <a:blip r:embed="rId2"/>
-          <a:stretch>
-            <a:fillRect/>
-          </a:stretch>
-        </p:blipFill>
-        <p:spPr>
-          <a:xfrm>
-            <a:off x="963271" y="2055811"/>
-            <a:ext cx="8751481" cy="2731341"/>
-          </a:xfrm>
-          <a:prstGeom prst="rect">
-            <a:avLst/>
-          </a:prstGeom>
-        </p:spPr>
-      </p:pic>
-      <p:sp>
-        <p:nvSpPr>
-          <p:cNvPr id="36" name="TextBox 35">
-            <a:extLst>
-              <a:ext uri="{FF2B5EF4-FFF2-40B4-BE49-F238E27FC236}">
-                <a16:creationId xmlns:a16="http://schemas.microsoft.com/office/drawing/2014/main" id="{5B127CD0-212F-4A08-A9A5-E575D3B09E13}"/>
-              </a:ext>
-            </a:extLst>
-          </p:cNvPr>
-          <p:cNvSpPr txBox="1"/>
-          <p:nvPr/>
-        </p:nvSpPr>
-        <p:spPr>
-          <a:xfrm>
-            <a:off x="838199" y="5137704"/>
-            <a:ext cx="9876422" cy="877163"/>
-          </a:xfrm>
-          <a:prstGeom prst="rect">
-            <a:avLst/>
-          </a:prstGeom>
-          <a:noFill/>
-        </p:spPr>
-        <p:txBody>
-          <a:bodyPr wrap="none" rtlCol="0">
-            <a:spAutoFit/>
-          </a:bodyPr>
-          <a:lstStyle/>
-          <a:p>
-            <a:pPr marL="285750" indent="-285750">
-              <a:buFont typeface="Wingdings" panose="05000000000000000000" pitchFamily="2" charset="2"/>
-              <a:buChar char="à"/>
-            </a:pPr>
-            <a:r>
-              <a:rPr lang="ko-KR" altLang="en-US" sz="1700" dirty="0">
-                <a:solidFill>
-                  <a:schemeClr val="bg1"/>
-                </a:solidFill>
-                <a:sym typeface="Wingdings" panose="05000000000000000000" pitchFamily="2" charset="2"/>
-              </a:rPr>
-              <a:t>구글 </a:t>
-            </a:r>
-            <a:r>
-              <a:rPr lang="en-US" altLang="ko-KR" sz="1700" dirty="0">
-                <a:solidFill>
-                  <a:schemeClr val="bg1"/>
-                </a:solidFill>
-                <a:sym typeface="Wingdings" panose="05000000000000000000" pitchFamily="2" charset="2"/>
-              </a:rPr>
-              <a:t>SMTP </a:t>
-            </a:r>
-            <a:r>
-              <a:rPr lang="ko-KR" altLang="en-US" sz="1700" dirty="0">
-                <a:solidFill>
-                  <a:schemeClr val="bg1"/>
-                </a:solidFill>
-                <a:sym typeface="Wingdings" panose="05000000000000000000" pitchFamily="2" charset="2"/>
-              </a:rPr>
-              <a:t>서버 사용</a:t>
-            </a:r>
-            <a:endParaRPr lang="en-US" altLang="ko-KR" sz="1700" dirty="0">
-              <a:solidFill>
-                <a:schemeClr val="bg1"/>
-              </a:solidFill>
-              <a:sym typeface="Wingdings" panose="05000000000000000000" pitchFamily="2" charset="2"/>
-            </a:endParaRPr>
-          </a:p>
-          <a:p>
-            <a:endParaRPr lang="en-US" altLang="ko-KR" sz="1700" dirty="0">
-              <a:solidFill>
-                <a:schemeClr val="bg1"/>
-              </a:solidFill>
-              <a:sym typeface="Wingdings" panose="05000000000000000000" pitchFamily="2" charset="2"/>
-            </a:endParaRPr>
-          </a:p>
-          <a:p>
-            <a:r>
-              <a:rPr lang="en-US" altLang="ko-KR" sz="1700" dirty="0">
-                <a:solidFill>
-                  <a:schemeClr val="bg1"/>
-                </a:solidFill>
-                <a:sym typeface="Wingdings" panose="05000000000000000000" pitchFamily="2" charset="2"/>
-              </a:rPr>
-              <a:t>- </a:t>
-            </a:r>
-            <a:r>
-              <a:rPr lang="ko-KR" altLang="en-US" sz="1700" dirty="0">
-                <a:solidFill>
-                  <a:schemeClr val="bg1"/>
-                </a:solidFill>
-                <a:sym typeface="Wingdings" panose="05000000000000000000" pitchFamily="2" charset="2"/>
-              </a:rPr>
-              <a:t>메일 보내기 버튼을 누르면 </a:t>
-            </a:r>
-            <a:r>
-              <a:rPr lang="en-US" altLang="ko-KR" sz="1700" dirty="0">
-                <a:solidFill>
-                  <a:schemeClr val="bg1"/>
-                </a:solidFill>
-                <a:sym typeface="Wingdings" panose="05000000000000000000" pitchFamily="2" charset="2"/>
-              </a:rPr>
-              <a:t>‘</a:t>
-            </a:r>
-            <a:r>
-              <a:rPr lang="ko-KR" altLang="en-US" sz="1700" dirty="0" err="1">
-                <a:solidFill>
-                  <a:schemeClr val="bg1"/>
-                </a:solidFill>
-                <a:sym typeface="Wingdings" panose="05000000000000000000" pitchFamily="2" charset="2"/>
-              </a:rPr>
-              <a:t>티밍</a:t>
-            </a:r>
-            <a:r>
-              <a:rPr lang="en-US" altLang="ko-KR" sz="1700" dirty="0">
-                <a:solidFill>
-                  <a:schemeClr val="bg1"/>
-                </a:solidFill>
-                <a:sym typeface="Wingdings" panose="05000000000000000000" pitchFamily="2" charset="2"/>
-              </a:rPr>
-              <a:t>’ </a:t>
-            </a:r>
-            <a:r>
-              <a:rPr lang="ko-KR" altLang="en-US" sz="1700" dirty="0">
-                <a:solidFill>
-                  <a:schemeClr val="bg1"/>
-                </a:solidFill>
-                <a:sym typeface="Wingdings" panose="05000000000000000000" pitchFamily="2" charset="2"/>
-              </a:rPr>
-              <a:t>제작사에서 팀원 신청이 들어왔다고 아이디어 주인 메일로</a:t>
-            </a:r>
-            <a:r>
-              <a:rPr lang="en-US" altLang="ko-KR" sz="1700" dirty="0">
-                <a:solidFill>
-                  <a:schemeClr val="bg1"/>
-                </a:solidFill>
-                <a:sym typeface="Wingdings" panose="05000000000000000000" pitchFamily="2" charset="2"/>
-              </a:rPr>
-              <a:t> </a:t>
-            </a:r>
-            <a:r>
-              <a:rPr lang="ko-KR" altLang="en-US" sz="1700" dirty="0">
-                <a:solidFill>
-                  <a:schemeClr val="bg1"/>
-                </a:solidFill>
-                <a:sym typeface="Wingdings" panose="05000000000000000000" pitchFamily="2" charset="2"/>
-              </a:rPr>
-              <a:t>받기</a:t>
-            </a:r>
-            <a:endParaRPr lang="ko-KR" altLang="en-US" sz="1700" dirty="0">
-              <a:solidFill>
-                <a:schemeClr val="bg1"/>
-              </a:solidFill>
-            </a:endParaRPr>
-          </a:p>
-        </p:txBody>
-      </p:sp>
     </p:spTree>
     <p:extLst>
       <p:ext uri="{BB962C8B-B14F-4D97-AF65-F5344CB8AC3E}">
-        <p14:creationId xmlns:p14="http://schemas.microsoft.com/office/powerpoint/2010/main" val="4217513896"/>
+        <p14:creationId xmlns:p14="http://schemas.microsoft.com/office/powerpoint/2010/main" val="687175909"/>
       </p:ext>
     </p:extLst>
   </p:cSld>
@@ -12635,7 +13074,7 @@
 </p:sld>
 </file>
 
-<file path=ppt/slides/slide2.xml><?xml version="1.0" encoding="utf-8"?>
+<file path=ppt/slides/slide20.xml><?xml version="1.0" encoding="utf-8"?>
 <p:sld xmlns:a="http://schemas.openxmlformats.org/drawingml/2006/main" xmlns:r="http://schemas.openxmlformats.org/officeDocument/2006/relationships" xmlns:p="http://schemas.openxmlformats.org/presentationml/2006/main">
   <p:cSld>
     <p:spTree>
@@ -12654,10 +13093,10 @@
       </p:grpSpPr>
       <p:sp>
         <p:nvSpPr>
-          <p:cNvPr id="4" name="직사각형 3">
-            <a:extLst>
-              <a:ext uri="{FF2B5EF4-FFF2-40B4-BE49-F238E27FC236}">
-                <a16:creationId xmlns:a16="http://schemas.microsoft.com/office/drawing/2014/main" id="{B7FDB4A6-5E08-4BFC-816F-27705D182473}"/>
+          <p:cNvPr id="40" name="직사각형 39">
+            <a:extLst>
+              <a:ext uri="{FF2B5EF4-FFF2-40B4-BE49-F238E27FC236}">
+                <a16:creationId xmlns:a16="http://schemas.microsoft.com/office/drawing/2014/main" id="{E0A5EDE1-0120-4DF6-B776-64DC834CBA48}"/>
               </a:ext>
             </a:extLst>
           </p:cNvPr>
@@ -12746,269 +13185,13 @@
           <a:lstStyle/>
           <a:p>
             <a:r>
-              <a:rPr lang="ko-KR" altLang="en-US" dirty="0">
-                <a:solidFill>
-                  <a:schemeClr val="bg1"/>
-                </a:solidFill>
-              </a:rPr>
-              <a:t>목차</a:t>
-            </a:r>
-          </a:p>
-        </p:txBody>
-      </p:sp>
-      <p:sp>
-        <p:nvSpPr>
-          <p:cNvPr id="3" name="내용 개체 틀 2">
-            <a:extLst>
-              <a:ext uri="{FF2B5EF4-FFF2-40B4-BE49-F238E27FC236}">
-                <a16:creationId xmlns:a16="http://schemas.microsoft.com/office/drawing/2014/main" id="{69BEF2B0-85AF-443E-9A28-F8B4EAD7CBDB}"/>
-              </a:ext>
-            </a:extLst>
-          </p:cNvPr>
-          <p:cNvSpPr>
-            <a:spLocks noGrp="1"/>
-          </p:cNvSpPr>
-          <p:nvPr>
-            <p:ph idx="1"/>
-          </p:nvPr>
-        </p:nvSpPr>
-        <p:spPr/>
-        <p:txBody>
-          <a:bodyPr>
-            <a:normAutofit/>
-          </a:bodyPr>
-          <a:lstStyle/>
-          <a:p>
-            <a:pPr marL="0" indent="0">
-              <a:buNone/>
-            </a:pPr>
-            <a:r>
               <a:rPr lang="en-US" altLang="ko-KR" dirty="0">
                 <a:solidFill>
                   <a:schemeClr val="bg1"/>
                 </a:solidFill>
               </a:rPr>
-              <a:t>1. </a:t>
-            </a:r>
-            <a:r>
-              <a:rPr lang="ko-KR" altLang="en-US" dirty="0">
-                <a:solidFill>
-                  <a:schemeClr val="bg1"/>
-                </a:solidFill>
-              </a:rPr>
-              <a:t>프로젝트 개요</a:t>
-            </a:r>
-            <a:endParaRPr lang="en-US" altLang="ko-KR" dirty="0">
-              <a:solidFill>
-                <a:schemeClr val="bg1"/>
-              </a:solidFill>
-            </a:endParaRPr>
-          </a:p>
-          <a:p>
-            <a:pPr marL="0" indent="0">
-              <a:buNone/>
-            </a:pPr>
-            <a:r>
-              <a:rPr lang="en-US" altLang="ko-KR" dirty="0">
-                <a:solidFill>
-                  <a:schemeClr val="bg1"/>
-                </a:solidFill>
-              </a:rPr>
-              <a:t>2. </a:t>
-            </a:r>
-            <a:r>
-              <a:rPr lang="ko-KR" altLang="en-US" dirty="0">
-                <a:solidFill>
-                  <a:schemeClr val="bg1"/>
-                </a:solidFill>
-              </a:rPr>
-              <a:t>프로젝트 개발 환경</a:t>
-            </a:r>
-            <a:endParaRPr lang="en-US" altLang="ko-KR" dirty="0">
-              <a:solidFill>
-                <a:schemeClr val="bg1"/>
-              </a:solidFill>
-            </a:endParaRPr>
-          </a:p>
-          <a:p>
-            <a:pPr marL="0" indent="0">
-              <a:buNone/>
-            </a:pPr>
-            <a:r>
-              <a:rPr lang="en-US" altLang="ko-KR" dirty="0">
-                <a:solidFill>
-                  <a:schemeClr val="bg1"/>
-                </a:solidFill>
-              </a:rPr>
-              <a:t>3. </a:t>
-            </a:r>
-            <a:r>
-              <a:rPr lang="ko-KR" altLang="en-US" dirty="0">
-                <a:solidFill>
-                  <a:schemeClr val="bg1"/>
-                </a:solidFill>
-              </a:rPr>
-              <a:t>프로젝트 설명</a:t>
-            </a:r>
-            <a:endParaRPr lang="en-US" altLang="ko-KR" dirty="0">
-              <a:solidFill>
-                <a:schemeClr val="bg1"/>
-              </a:solidFill>
-            </a:endParaRPr>
-          </a:p>
-          <a:p>
-            <a:pPr marL="0" indent="0">
-              <a:buNone/>
-            </a:pPr>
-            <a:r>
-              <a:rPr lang="en-US" altLang="ko-KR" dirty="0">
-                <a:solidFill>
-                  <a:schemeClr val="bg1"/>
-                </a:solidFill>
-              </a:rPr>
-              <a:t>4. </a:t>
-            </a:r>
-            <a:r>
-              <a:rPr lang="ko-KR" altLang="en-US" dirty="0">
-                <a:solidFill>
-                  <a:schemeClr val="bg1"/>
-                </a:solidFill>
-              </a:rPr>
-              <a:t>프로젝트 일정 </a:t>
-            </a:r>
-            <a:r>
-              <a:rPr lang="en-US" altLang="ko-KR" dirty="0">
-                <a:solidFill>
-                  <a:schemeClr val="bg1"/>
-                </a:solidFill>
-              </a:rPr>
-              <a:t>&amp; </a:t>
-            </a:r>
-            <a:r>
-              <a:rPr lang="ko-KR" altLang="en-US" dirty="0">
-                <a:solidFill>
-                  <a:schemeClr val="bg1"/>
-                </a:solidFill>
-              </a:rPr>
-              <a:t>팀원 별 역할</a:t>
-            </a:r>
-            <a:endParaRPr lang="en-US" altLang="ko-KR" dirty="0">
-              <a:solidFill>
-                <a:schemeClr val="bg1"/>
-              </a:solidFill>
-            </a:endParaRPr>
-          </a:p>
-          <a:p>
-            <a:pPr marL="0" indent="0">
-              <a:buNone/>
-            </a:pPr>
-            <a:r>
-              <a:rPr lang="en-US" altLang="ko-KR" dirty="0">
-                <a:solidFill>
-                  <a:schemeClr val="bg1"/>
-                </a:solidFill>
-              </a:rPr>
-              <a:t>5. </a:t>
-            </a:r>
-            <a:r>
-              <a:rPr lang="ko-KR" altLang="en-US" dirty="0">
-                <a:solidFill>
-                  <a:schemeClr val="bg1"/>
-                </a:solidFill>
-              </a:rPr>
-              <a:t>시연</a:t>
-            </a:r>
-            <a:endParaRPr lang="en-US" altLang="ko-KR" dirty="0">
-              <a:solidFill>
-                <a:schemeClr val="bg1"/>
-              </a:solidFill>
-            </a:endParaRPr>
-          </a:p>
-          <a:p>
-            <a:pPr marL="0" indent="0">
-              <a:buNone/>
-            </a:pPr>
-            <a:r>
-              <a:rPr lang="en-US" altLang="ko-KR" dirty="0">
-                <a:solidFill>
-                  <a:schemeClr val="bg1"/>
-                </a:solidFill>
-              </a:rPr>
-              <a:t>6. </a:t>
-            </a:r>
-            <a:r>
-              <a:rPr lang="ko-KR" altLang="en-US" dirty="0">
-                <a:solidFill>
-                  <a:schemeClr val="bg1"/>
-                </a:solidFill>
-              </a:rPr>
-              <a:t>발표영상 링크</a:t>
-            </a:r>
-            <a:endParaRPr lang="en-US" altLang="ko-KR" dirty="0">
-              <a:solidFill>
-                <a:schemeClr val="bg1"/>
-              </a:solidFill>
-            </a:endParaRPr>
-          </a:p>
-          <a:p>
-            <a:pPr marL="0" indent="0">
-              <a:buNone/>
-            </a:pPr>
-            <a:r>
-              <a:rPr lang="en-US" altLang="ko-KR" dirty="0">
-                <a:solidFill>
-                  <a:schemeClr val="bg1"/>
-                </a:solidFill>
-              </a:rPr>
-              <a:t>7. </a:t>
-            </a:r>
-            <a:r>
-              <a:rPr lang="ko-KR" altLang="en-US" dirty="0">
-                <a:solidFill>
-                  <a:schemeClr val="bg1"/>
-                </a:solidFill>
-              </a:rPr>
-              <a:t>프로젝트 </a:t>
-            </a:r>
-            <a:r>
-              <a:rPr lang="en-US" altLang="ko-KR" dirty="0" err="1">
-                <a:solidFill>
-                  <a:schemeClr val="bg1"/>
-                </a:solidFill>
-              </a:rPr>
-              <a:t>github</a:t>
-            </a:r>
-            <a:r>
-              <a:rPr lang="ko-KR" altLang="en-US" dirty="0">
-                <a:solidFill>
-                  <a:schemeClr val="bg1"/>
-                </a:solidFill>
-              </a:rPr>
-              <a:t>링크</a:t>
-            </a:r>
-            <a:r>
-              <a:rPr lang="en-US" altLang="ko-KR" dirty="0">
-                <a:solidFill>
-                  <a:schemeClr val="bg1"/>
-                </a:solidFill>
-              </a:rPr>
-              <a:t>, commit </a:t>
-            </a:r>
-            <a:r>
-              <a:rPr lang="ko-KR" altLang="en-US" dirty="0">
-                <a:solidFill>
-                  <a:schemeClr val="bg1"/>
-                </a:solidFill>
-              </a:rPr>
-              <a:t>목록</a:t>
-            </a:r>
-            <a:endParaRPr lang="en-US" altLang="ko-KR" dirty="0">
-              <a:solidFill>
-                <a:schemeClr val="bg1"/>
-              </a:solidFill>
-            </a:endParaRPr>
-          </a:p>
-          <a:p>
+              <a:t>2. Windows form(4)</a:t>
+            </a:r>
             <a:endParaRPr lang="ko-KR" altLang="en-US" dirty="0">
               <a:solidFill>
                 <a:schemeClr val="bg1"/>
@@ -13017,10 +13200,255 @@
           </a:p>
         </p:txBody>
       </p:sp>
+      <p:sp>
+        <p:nvSpPr>
+          <p:cNvPr id="27" name="TextBox 26">
+            <a:extLst>
+              <a:ext uri="{FF2B5EF4-FFF2-40B4-BE49-F238E27FC236}">
+                <a16:creationId xmlns:a16="http://schemas.microsoft.com/office/drawing/2014/main" id="{0B28E471-C629-4D63-8919-AB8187B0F3EE}"/>
+              </a:ext>
+            </a:extLst>
+          </p:cNvPr>
+          <p:cNvSpPr txBox="1"/>
+          <p:nvPr/>
+        </p:nvSpPr>
+        <p:spPr>
+          <a:xfrm>
+            <a:off x="838199" y="1276347"/>
+            <a:ext cx="2509020" cy="353943"/>
+          </a:xfrm>
+          <a:prstGeom prst="rect">
+            <a:avLst/>
+          </a:prstGeom>
+          <a:noFill/>
+        </p:spPr>
+        <p:txBody>
+          <a:bodyPr wrap="none" rtlCol="0">
+            <a:spAutoFit/>
+          </a:bodyPr>
+          <a:lstStyle/>
+          <a:p>
+            <a:r>
+              <a:rPr lang="en-US" altLang="ko-KR" sz="1700" dirty="0">
+                <a:solidFill>
+                  <a:schemeClr val="bg1"/>
+                </a:solidFill>
+              </a:rPr>
+              <a:t>[</a:t>
+            </a:r>
+            <a:r>
+              <a:rPr lang="ko-KR" altLang="en-US" sz="1700" dirty="0">
+                <a:solidFill>
+                  <a:schemeClr val="bg1"/>
+                </a:solidFill>
+              </a:rPr>
+              <a:t>팀원 신청 메일 시스템</a:t>
+            </a:r>
+            <a:r>
+              <a:rPr lang="en-US" altLang="ko-KR" sz="1700" dirty="0">
+                <a:solidFill>
+                  <a:schemeClr val="bg1"/>
+                </a:solidFill>
+              </a:rPr>
+              <a:t>]</a:t>
+            </a:r>
+            <a:endParaRPr lang="ko-KR" altLang="en-US" sz="1700" dirty="0">
+              <a:solidFill>
+                <a:schemeClr val="bg1"/>
+              </a:solidFill>
+            </a:endParaRPr>
+          </a:p>
+        </p:txBody>
+      </p:sp>
+      <p:pic>
+        <p:nvPicPr>
+          <p:cNvPr id="3" name="그림 2">
+            <a:extLst>
+              <a:ext uri="{FF2B5EF4-FFF2-40B4-BE49-F238E27FC236}">
+                <a16:creationId xmlns:a16="http://schemas.microsoft.com/office/drawing/2014/main" id="{6C9A1991-032E-49BC-9C31-8962B78F58F0}"/>
+              </a:ext>
+            </a:extLst>
+          </p:cNvPr>
+          <p:cNvPicPr>
+            <a:picLocks noChangeAspect="1"/>
+          </p:cNvPicPr>
+          <p:nvPr/>
+        </p:nvPicPr>
+        <p:blipFill>
+          <a:blip r:embed="rId2"/>
+          <a:stretch>
+            <a:fillRect/>
+          </a:stretch>
+        </p:blipFill>
+        <p:spPr>
+          <a:xfrm>
+            <a:off x="963271" y="2055811"/>
+            <a:ext cx="8751481" cy="2731341"/>
+          </a:xfrm>
+          <a:prstGeom prst="rect">
+            <a:avLst/>
+          </a:prstGeom>
+        </p:spPr>
+      </p:pic>
+      <p:sp>
+        <p:nvSpPr>
+          <p:cNvPr id="36" name="TextBox 35">
+            <a:extLst>
+              <a:ext uri="{FF2B5EF4-FFF2-40B4-BE49-F238E27FC236}">
+                <a16:creationId xmlns:a16="http://schemas.microsoft.com/office/drawing/2014/main" id="{5B127CD0-212F-4A08-A9A5-E575D3B09E13}"/>
+              </a:ext>
+            </a:extLst>
+          </p:cNvPr>
+          <p:cNvSpPr txBox="1"/>
+          <p:nvPr/>
+        </p:nvSpPr>
+        <p:spPr>
+          <a:xfrm>
+            <a:off x="838199" y="5137704"/>
+            <a:ext cx="9876422" cy="877163"/>
+          </a:xfrm>
+          <a:prstGeom prst="rect">
+            <a:avLst/>
+          </a:prstGeom>
+          <a:noFill/>
+        </p:spPr>
+        <p:txBody>
+          <a:bodyPr wrap="none" rtlCol="0">
+            <a:spAutoFit/>
+          </a:bodyPr>
+          <a:lstStyle/>
+          <a:p>
+            <a:pPr marL="285750" indent="-285750">
+              <a:buFont typeface="Wingdings" panose="05000000000000000000" pitchFamily="2" charset="2"/>
+              <a:buChar char="à"/>
+            </a:pPr>
+            <a:r>
+              <a:rPr lang="ko-KR" altLang="en-US" sz="1700" dirty="0">
+                <a:solidFill>
+                  <a:schemeClr val="bg1"/>
+                </a:solidFill>
+                <a:sym typeface="Wingdings" panose="05000000000000000000" pitchFamily="2" charset="2"/>
+              </a:rPr>
+              <a:t>구글 </a:t>
+            </a:r>
+            <a:r>
+              <a:rPr lang="en-US" altLang="ko-KR" sz="1700" dirty="0">
+                <a:solidFill>
+                  <a:schemeClr val="bg1"/>
+                </a:solidFill>
+                <a:sym typeface="Wingdings" panose="05000000000000000000" pitchFamily="2" charset="2"/>
+              </a:rPr>
+              <a:t>SMTP </a:t>
+            </a:r>
+            <a:r>
+              <a:rPr lang="ko-KR" altLang="en-US" sz="1700" dirty="0">
+                <a:solidFill>
+                  <a:schemeClr val="bg1"/>
+                </a:solidFill>
+                <a:sym typeface="Wingdings" panose="05000000000000000000" pitchFamily="2" charset="2"/>
+              </a:rPr>
+              <a:t>서버 사용</a:t>
+            </a:r>
+            <a:endParaRPr lang="en-US" altLang="ko-KR" sz="1700" dirty="0">
+              <a:solidFill>
+                <a:schemeClr val="bg1"/>
+              </a:solidFill>
+              <a:sym typeface="Wingdings" panose="05000000000000000000" pitchFamily="2" charset="2"/>
+            </a:endParaRPr>
+          </a:p>
+          <a:p>
+            <a:endParaRPr lang="en-US" altLang="ko-KR" sz="1700" dirty="0">
+              <a:solidFill>
+                <a:schemeClr val="bg1"/>
+              </a:solidFill>
+              <a:sym typeface="Wingdings" panose="05000000000000000000" pitchFamily="2" charset="2"/>
+            </a:endParaRPr>
+          </a:p>
+          <a:p>
+            <a:r>
+              <a:rPr lang="en-US" altLang="ko-KR" sz="1700" dirty="0">
+                <a:solidFill>
+                  <a:schemeClr val="bg1"/>
+                </a:solidFill>
+                <a:sym typeface="Wingdings" panose="05000000000000000000" pitchFamily="2" charset="2"/>
+              </a:rPr>
+              <a:t>- </a:t>
+            </a:r>
+            <a:r>
+              <a:rPr lang="ko-KR" altLang="en-US" sz="1700" dirty="0">
+                <a:solidFill>
+                  <a:schemeClr val="bg1"/>
+                </a:solidFill>
+                <a:sym typeface="Wingdings" panose="05000000000000000000" pitchFamily="2" charset="2"/>
+              </a:rPr>
+              <a:t>메일 보내기 버튼을 누르면 </a:t>
+            </a:r>
+            <a:r>
+              <a:rPr lang="en-US" altLang="ko-KR" sz="1700" dirty="0">
+                <a:solidFill>
+                  <a:schemeClr val="bg1"/>
+                </a:solidFill>
+                <a:sym typeface="Wingdings" panose="05000000000000000000" pitchFamily="2" charset="2"/>
+              </a:rPr>
+              <a:t>‘</a:t>
+            </a:r>
+            <a:r>
+              <a:rPr lang="ko-KR" altLang="en-US" sz="1700" dirty="0" err="1">
+                <a:solidFill>
+                  <a:schemeClr val="bg1"/>
+                </a:solidFill>
+                <a:sym typeface="Wingdings" panose="05000000000000000000" pitchFamily="2" charset="2"/>
+              </a:rPr>
+              <a:t>티밍</a:t>
+            </a:r>
+            <a:r>
+              <a:rPr lang="en-US" altLang="ko-KR" sz="1700" dirty="0">
+                <a:solidFill>
+                  <a:schemeClr val="bg1"/>
+                </a:solidFill>
+                <a:sym typeface="Wingdings" panose="05000000000000000000" pitchFamily="2" charset="2"/>
+              </a:rPr>
+              <a:t>’ </a:t>
+            </a:r>
+            <a:r>
+              <a:rPr lang="ko-KR" altLang="en-US" sz="1700" dirty="0">
+                <a:solidFill>
+                  <a:schemeClr val="bg1"/>
+                </a:solidFill>
+                <a:sym typeface="Wingdings" panose="05000000000000000000" pitchFamily="2" charset="2"/>
+              </a:rPr>
+              <a:t>제작사에서 팀원 신청이 들어왔다고 아이디어 주인 메일로</a:t>
+            </a:r>
+            <a:r>
+              <a:rPr lang="en-US" altLang="ko-KR" sz="1700" dirty="0">
+                <a:solidFill>
+                  <a:schemeClr val="bg1"/>
+                </a:solidFill>
+                <a:sym typeface="Wingdings" panose="05000000000000000000" pitchFamily="2" charset="2"/>
+              </a:rPr>
+              <a:t> </a:t>
+            </a:r>
+            <a:r>
+              <a:rPr lang="ko-KR" altLang="en-US" sz="1700" dirty="0">
+                <a:solidFill>
+                  <a:schemeClr val="bg1"/>
+                </a:solidFill>
+                <a:sym typeface="Wingdings" panose="05000000000000000000" pitchFamily="2" charset="2"/>
+              </a:rPr>
+              <a:t>받기</a:t>
+            </a:r>
+            <a:endParaRPr lang="ko-KR" altLang="en-US" sz="1700" dirty="0">
+              <a:solidFill>
+                <a:schemeClr val="bg1"/>
+              </a:solidFill>
+            </a:endParaRPr>
+          </a:p>
+        </p:txBody>
+      </p:sp>
     </p:spTree>
     <p:extLst>
       <p:ext uri="{BB962C8B-B14F-4D97-AF65-F5344CB8AC3E}">
-        <p14:creationId xmlns:p14="http://schemas.microsoft.com/office/powerpoint/2010/main" val="687175909"/>
+        <p14:creationId xmlns:p14="http://schemas.microsoft.com/office/powerpoint/2010/main" val="4217513896"/>
       </p:ext>
     </p:extLst>
   </p:cSld>
@@ -13030,7 +13458,7 @@
 </p:sld>
 </file>
 
-<file path=ppt/slides/slide20.xml><?xml version="1.0" encoding="utf-8"?>
+<file path=ppt/slides/slide21.xml><?xml version="1.0" encoding="utf-8"?>
 <p:sld xmlns:a="http://schemas.openxmlformats.org/drawingml/2006/main" xmlns:r="http://schemas.openxmlformats.org/officeDocument/2006/relationships" xmlns:p="http://schemas.openxmlformats.org/presentationml/2006/main">
   <p:cSld>
     <p:spTree>
@@ -13613,7 +14041,7 @@
 </p:sld>
 </file>
 
-<file path=ppt/slides/slide21.xml><?xml version="1.0" encoding="utf-8"?>
+<file path=ppt/slides/slide22.xml><?xml version="1.0" encoding="utf-8"?>
 <p:sld xmlns:a="http://schemas.openxmlformats.org/drawingml/2006/main" xmlns:r="http://schemas.openxmlformats.org/officeDocument/2006/relationships" xmlns:p="http://schemas.openxmlformats.org/presentationml/2006/main">
   <p:cSld>
     <p:spTree>
@@ -13933,7 +14361,7 @@
 </p:sld>
 </file>
 
-<file path=ppt/slides/slide22.xml><?xml version="1.0" encoding="utf-8"?>
+<file path=ppt/slides/slide23.xml><?xml version="1.0" encoding="utf-8"?>
 <p:sld xmlns:a="http://schemas.openxmlformats.org/drawingml/2006/main" xmlns:r="http://schemas.openxmlformats.org/officeDocument/2006/relationships" xmlns:p="http://schemas.openxmlformats.org/presentationml/2006/main">
   <p:cSld>
     <p:spTree>
@@ -14353,7 +14781,7 @@
 </p:sld>
 </file>
 
-<file path=ppt/slides/slide23.xml><?xml version="1.0" encoding="utf-8"?>
+<file path=ppt/slides/slide24.xml><?xml version="1.0" encoding="utf-8"?>
 <p:sld xmlns:a="http://schemas.openxmlformats.org/drawingml/2006/main" xmlns:r="http://schemas.openxmlformats.org/officeDocument/2006/relationships" xmlns:p="http://schemas.openxmlformats.org/presentationml/2006/main">
   <p:cSld>
     <p:spTree>
@@ -16567,7 +16995,7 @@
 </p:sld>
 </file>
 
-<file path=ppt/slides/slide24.xml><?xml version="1.0" encoding="utf-8"?>
+<file path=ppt/slides/slide25.xml><?xml version="1.0" encoding="utf-8"?>
 <p:sld xmlns:a="http://schemas.openxmlformats.org/drawingml/2006/main" xmlns:r="http://schemas.openxmlformats.org/officeDocument/2006/relationships" xmlns:p="http://schemas.openxmlformats.org/presentationml/2006/main">
   <p:cSld>
     <p:spTree>
@@ -18140,7 +18568,7 @@
 </p:sld>
 </file>
 
-<file path=ppt/slides/slide25.xml><?xml version="1.0" encoding="utf-8"?>
+<file path=ppt/slides/slide26.xml><?xml version="1.0" encoding="utf-8"?>
 <p:sld xmlns:a="http://schemas.openxmlformats.org/drawingml/2006/main" xmlns:r="http://schemas.openxmlformats.org/officeDocument/2006/relationships" xmlns:p="http://schemas.openxmlformats.org/presentationml/2006/main">
   <p:cSld>
     <p:spTree>
@@ -18531,7 +18959,7 @@
 </p:sld>
 </file>
 
-<file path=ppt/slides/slide26.xml><?xml version="1.0" encoding="utf-8"?>
+<file path=ppt/slides/slide27.xml><?xml version="1.0" encoding="utf-8"?>
 <p:sld xmlns:a="http://schemas.openxmlformats.org/drawingml/2006/main" xmlns:r="http://schemas.openxmlformats.org/officeDocument/2006/relationships" xmlns:p="http://schemas.openxmlformats.org/presentationml/2006/main">
   <p:cSld>
     <p:spTree>
@@ -18802,7 +19230,7 @@
 </p:sld>
 </file>
 
-<file path=ppt/slides/slide27.xml><?xml version="1.0" encoding="utf-8"?>
+<file path=ppt/slides/slide28.xml><?xml version="1.0" encoding="utf-8"?>
 <p:sld xmlns:a="http://schemas.openxmlformats.org/drawingml/2006/main" xmlns:r="http://schemas.openxmlformats.org/officeDocument/2006/relationships" xmlns:p="http://schemas.openxmlformats.org/presentationml/2006/main">
   <p:cSld>
     <p:spTree>
@@ -19193,7 +19621,7 @@
 </p:sld>
 </file>
 
-<file path=ppt/slides/slide28.xml><?xml version="1.0" encoding="utf-8"?>
+<file path=ppt/slides/slide29.xml><?xml version="1.0" encoding="utf-8"?>
 <p:sld xmlns:a="http://schemas.openxmlformats.org/drawingml/2006/main" xmlns:r="http://schemas.openxmlformats.org/officeDocument/2006/relationships" xmlns:p="http://schemas.openxmlformats.org/presentationml/2006/main">
   <p:cSld>
     <p:spTree>
@@ -19375,7 +19803,7 @@
 </p:sld>
 </file>
 
-<file path=ppt/slides/slide29.xml><?xml version="1.0" encoding="utf-8"?>
+<file path=ppt/slides/slide3.xml><?xml version="1.0" encoding="utf-8"?>
 <p:sld xmlns:a="http://schemas.openxmlformats.org/drawingml/2006/main" xmlns:r="http://schemas.openxmlformats.org/officeDocument/2006/relationships" xmlns:p="http://schemas.openxmlformats.org/presentationml/2006/main">
   <p:cSld>
     <p:spTree>
@@ -19394,10 +19822,10 @@
       </p:grpSpPr>
       <p:sp>
         <p:nvSpPr>
-          <p:cNvPr id="5" name="직사각형 4">
-            <a:extLst>
-              <a:ext uri="{FF2B5EF4-FFF2-40B4-BE49-F238E27FC236}">
-                <a16:creationId xmlns:a16="http://schemas.microsoft.com/office/drawing/2014/main" id="{D5DB416A-7C13-4B93-8D06-E268E8745438}"/>
+          <p:cNvPr id="4" name="직사각형 3">
+            <a:extLst>
+              <a:ext uri="{FF2B5EF4-FFF2-40B4-BE49-F238E27FC236}">
+                <a16:creationId xmlns:a16="http://schemas.microsoft.com/office/drawing/2014/main" id="{DE14D5EF-6F12-468E-8746-9EC521752E51}"/>
               </a:ext>
             </a:extLst>
           </p:cNvPr>
@@ -19460,11 +19888,7 @@
           <a:lstStyle/>
           <a:p>
             <a:pPr algn="ctr"/>
-            <a:endParaRPr lang="ko-KR" altLang="en-US">
-              <a:solidFill>
-                <a:schemeClr val="bg1"/>
-              </a:solidFill>
-            </a:endParaRPr>
+            <a:endParaRPr lang="ko-KR" altLang="en-US"/>
           </a:p>
         </p:txBody>
       </p:sp>
@@ -19484,251 +19908,49 @@
             <p:ph type="ctrTitle"/>
           </p:nvPr>
         </p:nvSpPr>
-        <p:spPr>
-          <a:xfrm>
-            <a:off x="1524000" y="1776705"/>
-            <a:ext cx="9144000" cy="2387600"/>
-          </a:xfrm>
-        </p:spPr>
+        <p:spPr/>
         <p:txBody>
-          <a:bodyPr>
-            <a:normAutofit/>
-          </a:bodyPr>
+          <a:bodyPr/>
           <a:lstStyle/>
           <a:p>
             <a:r>
-              <a:rPr lang="en-US" altLang="ko-KR" sz="5500" dirty="0">
-                <a:solidFill>
-                  <a:schemeClr val="bg1"/>
-                </a:solidFill>
-              </a:rPr>
-              <a:t>Git hub</a:t>
-            </a:r>
-            <a:r>
               <a:rPr lang="ko-KR" altLang="en-US" sz="5500" dirty="0">
                 <a:solidFill>
                   <a:schemeClr val="bg1"/>
                 </a:solidFill>
               </a:rPr>
-              <a:t> 링크 및</a:t>
-            </a:r>
-            <a:br>
-              <a:rPr lang="en-US" altLang="ko-KR" sz="5500" dirty="0">
-                <a:solidFill>
-                  <a:schemeClr val="bg1"/>
-                </a:solidFill>
-              </a:rPr>
-            </a:br>
-            <a:r>
-              <a:rPr lang="en-US" altLang="ko-KR" sz="5500" dirty="0">
-                <a:solidFill>
-                  <a:schemeClr val="bg1"/>
-                </a:solidFill>
-              </a:rPr>
-              <a:t>commit </a:t>
-            </a:r>
-            <a:r>
-              <a:rPr lang="ko-KR" altLang="en-US" sz="5500" dirty="0">
-                <a:solidFill>
-                  <a:schemeClr val="bg1"/>
-                </a:solidFill>
-              </a:rPr>
-              <a:t>목록</a:t>
+              <a:t>프로젝트 개요</a:t>
             </a:r>
           </a:p>
         </p:txBody>
       </p:sp>
       <p:sp>
         <p:nvSpPr>
-          <p:cNvPr id="4" name="부제목 2">
-            <a:extLst>
-              <a:ext uri="{FF2B5EF4-FFF2-40B4-BE49-F238E27FC236}">
-                <a16:creationId xmlns:a16="http://schemas.microsoft.com/office/drawing/2014/main" id="{D832C4E9-D148-4AC5-AA73-3F97CA54BEC7}"/>
-              </a:ext>
-            </a:extLst>
-          </p:cNvPr>
-          <p:cNvSpPr txBox="1">
-            <a:spLocks/>
+          <p:cNvPr id="3" name="부제목 2">
+            <a:extLst>
+              <a:ext uri="{FF2B5EF4-FFF2-40B4-BE49-F238E27FC236}">
+                <a16:creationId xmlns:a16="http://schemas.microsoft.com/office/drawing/2014/main" id="{7B10D53B-7DA4-4430-8DBC-616224373F6B}"/>
+              </a:ext>
+            </a:extLst>
+          </p:cNvPr>
+          <p:cNvSpPr>
+            <a:spLocks noGrp="1"/>
           </p:cNvSpPr>
-          <p:nvPr/>
+          <p:nvPr>
+            <p:ph type="subTitle" idx="1"/>
+          </p:nvPr>
         </p:nvSpPr>
         <p:spPr>
           <a:xfrm>
             <a:off x="1440110" y="875616"/>
             <a:ext cx="9144000" cy="1655762"/>
           </a:xfrm>
-          <a:prstGeom prst="rect">
-            <a:avLst/>
-          </a:prstGeom>
         </p:spPr>
         <p:txBody>
-          <a:bodyPr vert="horz" lIns="91440" tIns="45720" rIns="91440" bIns="45720" rtlCol="0">
+          <a:bodyPr>
             <a:normAutofit fontScale="92500" lnSpcReduction="20000"/>
           </a:bodyPr>
-          <a:lstStyle>
-            <a:lvl1pPr marL="0" indent="0" algn="ctr" defTabSz="914400" rtl="0" eaLnBrk="1" latinLnBrk="1" hangingPunct="1">
-              <a:lnSpc>
-                <a:spcPct val="90000"/>
-              </a:lnSpc>
-              <a:spcBef>
-                <a:spcPts val="1000"/>
-              </a:spcBef>
-              <a:buFont typeface="Arial" panose="020B0604020202020204" pitchFamily="34" charset="0"/>
-              <a:buNone/>
-              <a:defRPr sz="2400" kern="1200">
-                <a:solidFill>
-                  <a:schemeClr val="tx1"/>
-                </a:solidFill>
-                <a:latin typeface="+mn-lt"/>
-                <a:ea typeface="+mn-ea"/>
-                <a:cs typeface="+mn-cs"/>
-              </a:defRPr>
-            </a:lvl1pPr>
-            <a:lvl2pPr marL="457200" indent="0" algn="ctr" defTabSz="914400" rtl="0" eaLnBrk="1" latinLnBrk="1" hangingPunct="1">
-              <a:lnSpc>
-                <a:spcPct val="90000"/>
-              </a:lnSpc>
-              <a:spcBef>
-                <a:spcPts val="500"/>
-              </a:spcBef>
-              <a:buFont typeface="Arial" panose="020B0604020202020204" pitchFamily="34" charset="0"/>
-              <a:buNone/>
-              <a:defRPr sz="2000" kern="1200">
-                <a:solidFill>
-                  <a:schemeClr val="tx1"/>
-                </a:solidFill>
-                <a:latin typeface="+mn-lt"/>
-                <a:ea typeface="+mn-ea"/>
-                <a:cs typeface="+mn-cs"/>
-              </a:defRPr>
-            </a:lvl2pPr>
-            <a:lvl3pPr marL="914400" indent="0" algn="ctr" defTabSz="914400" rtl="0" eaLnBrk="1" latinLnBrk="1" hangingPunct="1">
-              <a:lnSpc>
-                <a:spcPct val="90000"/>
-              </a:lnSpc>
-              <a:spcBef>
-                <a:spcPts val="500"/>
-              </a:spcBef>
-              <a:buFont typeface="Arial" panose="020B0604020202020204" pitchFamily="34" charset="0"/>
-              <a:buNone/>
-              <a:defRPr sz="1800" kern="1200">
-                <a:solidFill>
-                  <a:schemeClr val="tx1"/>
-                </a:solidFill>
-                <a:latin typeface="+mn-lt"/>
-                <a:ea typeface="+mn-ea"/>
-                <a:cs typeface="+mn-cs"/>
-              </a:defRPr>
-            </a:lvl3pPr>
-            <a:lvl4pPr marL="1371600" indent="0" algn="ctr" defTabSz="914400" rtl="0" eaLnBrk="1" latinLnBrk="1" hangingPunct="1">
-              <a:lnSpc>
-                <a:spcPct val="90000"/>
-              </a:lnSpc>
-              <a:spcBef>
-                <a:spcPts val="500"/>
-              </a:spcBef>
-              <a:buFont typeface="Arial" panose="020B0604020202020204" pitchFamily="34" charset="0"/>
-              <a:buNone/>
-              <a:defRPr sz="1600" kern="1200">
-                <a:solidFill>
-                  <a:schemeClr val="tx1"/>
-                </a:solidFill>
-                <a:latin typeface="+mn-lt"/>
-                <a:ea typeface="+mn-ea"/>
-                <a:cs typeface="+mn-cs"/>
-              </a:defRPr>
-            </a:lvl4pPr>
-            <a:lvl5pPr marL="1828800" indent="0" algn="ctr" defTabSz="914400" rtl="0" eaLnBrk="1" latinLnBrk="1" hangingPunct="1">
-              <a:lnSpc>
-                <a:spcPct val="90000"/>
-              </a:lnSpc>
-              <a:spcBef>
-                <a:spcPts val="500"/>
-              </a:spcBef>
-              <a:buFont typeface="Arial" panose="020B0604020202020204" pitchFamily="34" charset="0"/>
-              <a:buNone/>
-              <a:defRPr sz="1600" kern="1200">
-                <a:solidFill>
-                  <a:schemeClr val="tx1"/>
-                </a:solidFill>
-                <a:latin typeface="+mn-lt"/>
-                <a:ea typeface="+mn-ea"/>
-                <a:cs typeface="+mn-cs"/>
-              </a:defRPr>
-            </a:lvl5pPr>
-            <a:lvl6pPr marL="2286000" indent="0" algn="ctr" defTabSz="914400" rtl="0" eaLnBrk="1" latinLnBrk="1" hangingPunct="1">
-              <a:lnSpc>
-                <a:spcPct val="90000"/>
-              </a:lnSpc>
-              <a:spcBef>
-                <a:spcPts val="500"/>
-              </a:spcBef>
-              <a:buFont typeface="Arial" panose="020B0604020202020204" pitchFamily="34" charset="0"/>
-              <a:buNone/>
-              <a:defRPr sz="1600" kern="1200">
-                <a:solidFill>
-                  <a:schemeClr val="tx1"/>
-                </a:solidFill>
-                <a:latin typeface="+mn-lt"/>
-                <a:ea typeface="+mn-ea"/>
-                <a:cs typeface="+mn-cs"/>
-              </a:defRPr>
-            </a:lvl6pPr>
-            <a:lvl7pPr marL="2743200" indent="0" algn="ctr" defTabSz="914400" rtl="0" eaLnBrk="1" latinLnBrk="1" hangingPunct="1">
-              <a:lnSpc>
-                <a:spcPct val="90000"/>
-              </a:lnSpc>
-              <a:spcBef>
-                <a:spcPts val="500"/>
-              </a:spcBef>
-              <a:buFont typeface="Arial" panose="020B0604020202020204" pitchFamily="34" charset="0"/>
-              <a:buNone/>
-              <a:defRPr sz="1600" kern="1200">
-                <a:solidFill>
-                  <a:schemeClr val="tx1"/>
-                </a:solidFill>
-                <a:latin typeface="+mn-lt"/>
-                <a:ea typeface="+mn-ea"/>
-                <a:cs typeface="+mn-cs"/>
-              </a:defRPr>
-            </a:lvl7pPr>
-            <a:lvl8pPr marL="3200400" indent="0" algn="ctr" defTabSz="914400" rtl="0" eaLnBrk="1" latinLnBrk="1" hangingPunct="1">
-              <a:lnSpc>
-                <a:spcPct val="90000"/>
-              </a:lnSpc>
-              <a:spcBef>
-                <a:spcPts val="500"/>
-              </a:spcBef>
-              <a:buFont typeface="Arial" panose="020B0604020202020204" pitchFamily="34" charset="0"/>
-              <a:buNone/>
-              <a:defRPr sz="1600" kern="1200">
-                <a:solidFill>
-                  <a:schemeClr val="tx1"/>
-                </a:solidFill>
-                <a:latin typeface="+mn-lt"/>
-                <a:ea typeface="+mn-ea"/>
-                <a:cs typeface="+mn-cs"/>
-              </a:defRPr>
-            </a:lvl8pPr>
-            <a:lvl9pPr marL="3657600" indent="0" algn="ctr" defTabSz="914400" rtl="0" eaLnBrk="1" latinLnBrk="1" hangingPunct="1">
-              <a:lnSpc>
-                <a:spcPct val="90000"/>
-              </a:lnSpc>
-              <a:spcBef>
-                <a:spcPts val="500"/>
-              </a:spcBef>
-              <a:buFont typeface="Arial" panose="020B0604020202020204" pitchFamily="34" charset="0"/>
-              <a:buNone/>
-              <a:defRPr sz="1600" kern="1200">
-                <a:solidFill>
-                  <a:schemeClr val="tx1"/>
-                </a:solidFill>
-                <a:latin typeface="+mn-lt"/>
-                <a:ea typeface="+mn-ea"/>
-                <a:cs typeface="+mn-cs"/>
-              </a:defRPr>
-            </a:lvl9pPr>
-          </a:lstStyle>
+          <a:lstStyle/>
           <a:p>
             <a:endParaRPr lang="en-US" altLang="ko-KR" sz="4000" dirty="0">
               <a:solidFill>
@@ -19750,7 +19972,7 @@
                   <a:schemeClr val="bg1"/>
                 </a:solidFill>
               </a:rPr>
-              <a:t>Part 7</a:t>
+              <a:t>Part 1</a:t>
             </a:r>
             <a:endParaRPr lang="ko-KR" altLang="en-US" sz="4000" dirty="0">
               <a:solidFill>
@@ -19763,7 +19985,7 @@
     </p:spTree>
     <p:extLst>
       <p:ext uri="{BB962C8B-B14F-4D97-AF65-F5344CB8AC3E}">
-        <p14:creationId xmlns:p14="http://schemas.microsoft.com/office/powerpoint/2010/main" val="189384959"/>
+        <p14:creationId xmlns:p14="http://schemas.microsoft.com/office/powerpoint/2010/main" val="3657994739"/>
       </p:ext>
     </p:extLst>
   </p:cSld>
@@ -19773,7 +19995,7 @@
 </p:sld>
 </file>
 
-<file path=ppt/slides/slide3.xml><?xml version="1.0" encoding="utf-8"?>
+<file path=ppt/slides/slide30.xml><?xml version="1.0" encoding="utf-8"?>
 <p:sld xmlns:a="http://schemas.openxmlformats.org/drawingml/2006/main" xmlns:r="http://schemas.openxmlformats.org/officeDocument/2006/relationships" xmlns:p="http://schemas.openxmlformats.org/presentationml/2006/main">
   <p:cSld>
     <p:spTree>
@@ -19792,10 +20014,10 @@
       </p:grpSpPr>
       <p:sp>
         <p:nvSpPr>
-          <p:cNvPr id="4" name="직사각형 3">
-            <a:extLst>
-              <a:ext uri="{FF2B5EF4-FFF2-40B4-BE49-F238E27FC236}">
-                <a16:creationId xmlns:a16="http://schemas.microsoft.com/office/drawing/2014/main" id="{DE14D5EF-6F12-468E-8746-9EC521752E51}"/>
+          <p:cNvPr id="5" name="직사각형 4">
+            <a:extLst>
+              <a:ext uri="{FF2B5EF4-FFF2-40B4-BE49-F238E27FC236}">
+                <a16:creationId xmlns:a16="http://schemas.microsoft.com/office/drawing/2014/main" id="{D5DB416A-7C13-4B93-8D06-E268E8745438}"/>
               </a:ext>
             </a:extLst>
           </p:cNvPr>
@@ -19858,7 +20080,11 @@
           <a:lstStyle/>
           <a:p>
             <a:pPr algn="ctr"/>
-            <a:endParaRPr lang="ko-KR" altLang="en-US"/>
+            <a:endParaRPr lang="ko-KR" altLang="en-US">
+              <a:solidFill>
+                <a:schemeClr val="bg1"/>
+              </a:solidFill>
+            </a:endParaRPr>
           </a:p>
         </p:txBody>
       </p:sp>
@@ -19878,49 +20104,251 @@
             <p:ph type="ctrTitle"/>
           </p:nvPr>
         </p:nvSpPr>
-        <p:spPr/>
+        <p:spPr>
+          <a:xfrm>
+            <a:off x="1524000" y="1776705"/>
+            <a:ext cx="9144000" cy="2387600"/>
+          </a:xfrm>
+        </p:spPr>
         <p:txBody>
-          <a:bodyPr/>
+          <a:bodyPr>
+            <a:normAutofit/>
+          </a:bodyPr>
           <a:lstStyle/>
           <a:p>
             <a:r>
+              <a:rPr lang="en-US" altLang="ko-KR" sz="5500" dirty="0">
+                <a:solidFill>
+                  <a:schemeClr val="bg1"/>
+                </a:solidFill>
+              </a:rPr>
+              <a:t>Git hub</a:t>
+            </a:r>
+            <a:r>
               <a:rPr lang="ko-KR" altLang="en-US" sz="5500" dirty="0">
                 <a:solidFill>
                   <a:schemeClr val="bg1"/>
                 </a:solidFill>
               </a:rPr>
-              <a:t>프로젝트 개요</a:t>
+              <a:t> 링크 및</a:t>
+            </a:r>
+            <a:br>
+              <a:rPr lang="en-US" altLang="ko-KR" sz="5500" dirty="0">
+                <a:solidFill>
+                  <a:schemeClr val="bg1"/>
+                </a:solidFill>
+              </a:rPr>
+            </a:br>
+            <a:r>
+              <a:rPr lang="en-US" altLang="ko-KR" sz="5500" dirty="0">
+                <a:solidFill>
+                  <a:schemeClr val="bg1"/>
+                </a:solidFill>
+              </a:rPr>
+              <a:t>commit </a:t>
+            </a:r>
+            <a:r>
+              <a:rPr lang="ko-KR" altLang="en-US" sz="5500" dirty="0">
+                <a:solidFill>
+                  <a:schemeClr val="bg1"/>
+                </a:solidFill>
+              </a:rPr>
+              <a:t>목록</a:t>
             </a:r>
           </a:p>
         </p:txBody>
       </p:sp>
       <p:sp>
         <p:nvSpPr>
-          <p:cNvPr id="3" name="부제목 2">
-            <a:extLst>
-              <a:ext uri="{FF2B5EF4-FFF2-40B4-BE49-F238E27FC236}">
-                <a16:creationId xmlns:a16="http://schemas.microsoft.com/office/drawing/2014/main" id="{7B10D53B-7DA4-4430-8DBC-616224373F6B}"/>
-              </a:ext>
-            </a:extLst>
-          </p:cNvPr>
-          <p:cNvSpPr>
-            <a:spLocks noGrp="1"/>
+          <p:cNvPr id="4" name="부제목 2">
+            <a:extLst>
+              <a:ext uri="{FF2B5EF4-FFF2-40B4-BE49-F238E27FC236}">
+                <a16:creationId xmlns:a16="http://schemas.microsoft.com/office/drawing/2014/main" id="{D832C4E9-D148-4AC5-AA73-3F97CA54BEC7}"/>
+              </a:ext>
+            </a:extLst>
+          </p:cNvPr>
+          <p:cNvSpPr txBox="1">
+            <a:spLocks/>
           </p:cNvSpPr>
-          <p:nvPr>
-            <p:ph type="subTitle" idx="1"/>
-          </p:nvPr>
+          <p:nvPr/>
         </p:nvSpPr>
         <p:spPr>
           <a:xfrm>
             <a:off x="1440110" y="875616"/>
             <a:ext cx="9144000" cy="1655762"/>
           </a:xfrm>
+          <a:prstGeom prst="rect">
+            <a:avLst/>
+          </a:prstGeom>
         </p:spPr>
         <p:txBody>
-          <a:bodyPr>
+          <a:bodyPr vert="horz" lIns="91440" tIns="45720" rIns="91440" bIns="45720" rtlCol="0">
             <a:normAutofit fontScale="92500" lnSpcReduction="20000"/>
           </a:bodyPr>
-          <a:lstStyle/>
+          <a:lstStyle>
+            <a:lvl1pPr marL="0" indent="0" algn="ctr" defTabSz="914400" rtl="0" eaLnBrk="1" latinLnBrk="1" hangingPunct="1">
+              <a:lnSpc>
+                <a:spcPct val="90000"/>
+              </a:lnSpc>
+              <a:spcBef>
+                <a:spcPts val="1000"/>
+              </a:spcBef>
+              <a:buFont typeface="Arial" panose="020B0604020202020204" pitchFamily="34" charset="0"/>
+              <a:buNone/>
+              <a:defRPr sz="2400" kern="1200">
+                <a:solidFill>
+                  <a:schemeClr val="tx1"/>
+                </a:solidFill>
+                <a:latin typeface="+mn-lt"/>
+                <a:ea typeface="+mn-ea"/>
+                <a:cs typeface="+mn-cs"/>
+              </a:defRPr>
+            </a:lvl1pPr>
+            <a:lvl2pPr marL="457200" indent="0" algn="ctr" defTabSz="914400" rtl="0" eaLnBrk="1" latinLnBrk="1" hangingPunct="1">
+              <a:lnSpc>
+                <a:spcPct val="90000"/>
+              </a:lnSpc>
+              <a:spcBef>
+                <a:spcPts val="500"/>
+              </a:spcBef>
+              <a:buFont typeface="Arial" panose="020B0604020202020204" pitchFamily="34" charset="0"/>
+              <a:buNone/>
+              <a:defRPr sz="2000" kern="1200">
+                <a:solidFill>
+                  <a:schemeClr val="tx1"/>
+                </a:solidFill>
+                <a:latin typeface="+mn-lt"/>
+                <a:ea typeface="+mn-ea"/>
+                <a:cs typeface="+mn-cs"/>
+              </a:defRPr>
+            </a:lvl2pPr>
+            <a:lvl3pPr marL="914400" indent="0" algn="ctr" defTabSz="914400" rtl="0" eaLnBrk="1" latinLnBrk="1" hangingPunct="1">
+              <a:lnSpc>
+                <a:spcPct val="90000"/>
+              </a:lnSpc>
+              <a:spcBef>
+                <a:spcPts val="500"/>
+              </a:spcBef>
+              <a:buFont typeface="Arial" panose="020B0604020202020204" pitchFamily="34" charset="0"/>
+              <a:buNone/>
+              <a:defRPr sz="1800" kern="1200">
+                <a:solidFill>
+                  <a:schemeClr val="tx1"/>
+                </a:solidFill>
+                <a:latin typeface="+mn-lt"/>
+                <a:ea typeface="+mn-ea"/>
+                <a:cs typeface="+mn-cs"/>
+              </a:defRPr>
+            </a:lvl3pPr>
+            <a:lvl4pPr marL="1371600" indent="0" algn="ctr" defTabSz="914400" rtl="0" eaLnBrk="1" latinLnBrk="1" hangingPunct="1">
+              <a:lnSpc>
+                <a:spcPct val="90000"/>
+              </a:lnSpc>
+              <a:spcBef>
+                <a:spcPts val="500"/>
+              </a:spcBef>
+              <a:buFont typeface="Arial" panose="020B0604020202020204" pitchFamily="34" charset="0"/>
+              <a:buNone/>
+              <a:defRPr sz="1600" kern="1200">
+                <a:solidFill>
+                  <a:schemeClr val="tx1"/>
+                </a:solidFill>
+                <a:latin typeface="+mn-lt"/>
+                <a:ea typeface="+mn-ea"/>
+                <a:cs typeface="+mn-cs"/>
+              </a:defRPr>
+            </a:lvl4pPr>
+            <a:lvl5pPr marL="1828800" indent="0" algn="ctr" defTabSz="914400" rtl="0" eaLnBrk="1" latinLnBrk="1" hangingPunct="1">
+              <a:lnSpc>
+                <a:spcPct val="90000"/>
+              </a:lnSpc>
+              <a:spcBef>
+                <a:spcPts val="500"/>
+              </a:spcBef>
+              <a:buFont typeface="Arial" panose="020B0604020202020204" pitchFamily="34" charset="0"/>
+              <a:buNone/>
+              <a:defRPr sz="1600" kern="1200">
+                <a:solidFill>
+                  <a:schemeClr val="tx1"/>
+                </a:solidFill>
+                <a:latin typeface="+mn-lt"/>
+                <a:ea typeface="+mn-ea"/>
+                <a:cs typeface="+mn-cs"/>
+              </a:defRPr>
+            </a:lvl5pPr>
+            <a:lvl6pPr marL="2286000" indent="0" algn="ctr" defTabSz="914400" rtl="0" eaLnBrk="1" latinLnBrk="1" hangingPunct="1">
+              <a:lnSpc>
+                <a:spcPct val="90000"/>
+              </a:lnSpc>
+              <a:spcBef>
+                <a:spcPts val="500"/>
+              </a:spcBef>
+              <a:buFont typeface="Arial" panose="020B0604020202020204" pitchFamily="34" charset="0"/>
+              <a:buNone/>
+              <a:defRPr sz="1600" kern="1200">
+                <a:solidFill>
+                  <a:schemeClr val="tx1"/>
+                </a:solidFill>
+                <a:latin typeface="+mn-lt"/>
+                <a:ea typeface="+mn-ea"/>
+                <a:cs typeface="+mn-cs"/>
+              </a:defRPr>
+            </a:lvl6pPr>
+            <a:lvl7pPr marL="2743200" indent="0" algn="ctr" defTabSz="914400" rtl="0" eaLnBrk="1" latinLnBrk="1" hangingPunct="1">
+              <a:lnSpc>
+                <a:spcPct val="90000"/>
+              </a:lnSpc>
+              <a:spcBef>
+                <a:spcPts val="500"/>
+              </a:spcBef>
+              <a:buFont typeface="Arial" panose="020B0604020202020204" pitchFamily="34" charset="0"/>
+              <a:buNone/>
+              <a:defRPr sz="1600" kern="1200">
+                <a:solidFill>
+                  <a:schemeClr val="tx1"/>
+                </a:solidFill>
+                <a:latin typeface="+mn-lt"/>
+                <a:ea typeface="+mn-ea"/>
+                <a:cs typeface="+mn-cs"/>
+              </a:defRPr>
+            </a:lvl7pPr>
+            <a:lvl8pPr marL="3200400" indent="0" algn="ctr" defTabSz="914400" rtl="0" eaLnBrk="1" latinLnBrk="1" hangingPunct="1">
+              <a:lnSpc>
+                <a:spcPct val="90000"/>
+              </a:lnSpc>
+              <a:spcBef>
+                <a:spcPts val="500"/>
+              </a:spcBef>
+              <a:buFont typeface="Arial" panose="020B0604020202020204" pitchFamily="34" charset="0"/>
+              <a:buNone/>
+              <a:defRPr sz="1600" kern="1200">
+                <a:solidFill>
+                  <a:schemeClr val="tx1"/>
+                </a:solidFill>
+                <a:latin typeface="+mn-lt"/>
+                <a:ea typeface="+mn-ea"/>
+                <a:cs typeface="+mn-cs"/>
+              </a:defRPr>
+            </a:lvl8pPr>
+            <a:lvl9pPr marL="3657600" indent="0" algn="ctr" defTabSz="914400" rtl="0" eaLnBrk="1" latinLnBrk="1" hangingPunct="1">
+              <a:lnSpc>
+                <a:spcPct val="90000"/>
+              </a:lnSpc>
+              <a:spcBef>
+                <a:spcPts val="500"/>
+              </a:spcBef>
+              <a:buFont typeface="Arial" panose="020B0604020202020204" pitchFamily="34" charset="0"/>
+              <a:buNone/>
+              <a:defRPr sz="1600" kern="1200">
+                <a:solidFill>
+                  <a:schemeClr val="tx1"/>
+                </a:solidFill>
+                <a:latin typeface="+mn-lt"/>
+                <a:ea typeface="+mn-ea"/>
+                <a:cs typeface="+mn-cs"/>
+              </a:defRPr>
+            </a:lvl9pPr>
+          </a:lstStyle>
           <a:p>
             <a:endParaRPr lang="en-US" altLang="ko-KR" sz="4000" dirty="0">
               <a:solidFill>
@@ -19942,7 +20370,7 @@
                   <a:schemeClr val="bg1"/>
                 </a:solidFill>
               </a:rPr>
-              <a:t>Part 1</a:t>
+              <a:t>Part 7</a:t>
             </a:r>
             <a:endParaRPr lang="ko-KR" altLang="en-US" sz="4000" dirty="0">
               <a:solidFill>
@@ -19955,7 +20383,7 @@
     </p:spTree>
     <p:extLst>
       <p:ext uri="{BB962C8B-B14F-4D97-AF65-F5344CB8AC3E}">
-        <p14:creationId xmlns:p14="http://schemas.microsoft.com/office/powerpoint/2010/main" val="3657994739"/>
+        <p14:creationId xmlns:p14="http://schemas.microsoft.com/office/powerpoint/2010/main" val="189384959"/>
       </p:ext>
     </p:extLst>
   </p:cSld>
@@ -19965,7 +20393,7 @@
 </p:sld>
 </file>
 
-<file path=ppt/slides/slide30.xml><?xml version="1.0" encoding="utf-8"?>
+<file path=ppt/slides/slide31.xml><?xml version="1.0" encoding="utf-8"?>
 <p:sld xmlns:a="http://schemas.openxmlformats.org/drawingml/2006/main" xmlns:r="http://schemas.openxmlformats.org/officeDocument/2006/relationships" xmlns:p="http://schemas.openxmlformats.org/presentationml/2006/main">
   <p:cSld>
     <p:spTree>
@@ -20196,7 +20624,7 @@
 </p:sld>
 </file>
 
-<file path=ppt/slides/slide31.xml><?xml version="1.0" encoding="utf-8"?>
+<file path=ppt/slides/slide32.xml><?xml version="1.0" encoding="utf-8"?>
 <p:sld xmlns:a="http://schemas.openxmlformats.org/drawingml/2006/main" xmlns:r="http://schemas.openxmlformats.org/officeDocument/2006/relationships" xmlns:p="http://schemas.openxmlformats.org/presentationml/2006/main">
   <p:cSld>
     <p:spTree>
@@ -20670,7 +21098,7 @@
 </p:sld>
 </file>
 
-<file path=ppt/slides/slide32.xml><?xml version="1.0" encoding="utf-8"?>
+<file path=ppt/slides/slide33.xml><?xml version="1.0" encoding="utf-8"?>
 <p:sld xmlns:a="http://schemas.openxmlformats.org/drawingml/2006/main" xmlns:r="http://schemas.openxmlformats.org/officeDocument/2006/relationships" xmlns:p="http://schemas.openxmlformats.org/presentationml/2006/main">
   <p:cSld>
     <p:spTree>
@@ -21161,7 +21589,7 @@
 </p:sld>
 </file>
 
-<file path=ppt/slides/slide33.xml><?xml version="1.0" encoding="utf-8"?>
+<file path=ppt/slides/slide34.xml><?xml version="1.0" encoding="utf-8"?>
 <p:sld xmlns:a="http://schemas.openxmlformats.org/drawingml/2006/main" xmlns:r="http://schemas.openxmlformats.org/officeDocument/2006/relationships" xmlns:p="http://schemas.openxmlformats.org/presentationml/2006/main">
   <p:cSld>
     <p:spTree>

--- a/Desktop/응소실플젝/2020학년도응소실/응용소프트웨어실습_6조_최종발표자료.pptx
+++ b/Desktop/응소실플젝/2020학년도응소실/응용소프트웨어실습_6조_최종발표자료.pptx
@@ -12,33 +12,34 @@
     <p:sldId id="279" r:id="rId6"/>
     <p:sldId id="281" r:id="rId7"/>
     <p:sldId id="280" r:id="rId8"/>
-    <p:sldId id="282" r:id="rId9"/>
-    <p:sldId id="273" r:id="rId10"/>
-    <p:sldId id="283" r:id="rId11"/>
-    <p:sldId id="274" r:id="rId12"/>
-    <p:sldId id="295" r:id="rId13"/>
-    <p:sldId id="269" r:id="rId14"/>
-    <p:sldId id="288" r:id="rId15"/>
-    <p:sldId id="289" r:id="rId16"/>
-    <p:sldId id="290" r:id="rId17"/>
-    <p:sldId id="285" r:id="rId18"/>
-    <p:sldId id="259" r:id="rId19"/>
-    <p:sldId id="287" r:id="rId20"/>
-    <p:sldId id="291" r:id="rId21"/>
-    <p:sldId id="286" r:id="rId22"/>
-    <p:sldId id="293" r:id="rId23"/>
-    <p:sldId id="275" r:id="rId24"/>
-    <p:sldId id="294" r:id="rId25"/>
-    <p:sldId id="270" r:id="rId26"/>
-    <p:sldId id="276" r:id="rId27"/>
-    <p:sldId id="261" r:id="rId28"/>
-    <p:sldId id="277" r:id="rId29"/>
-    <p:sldId id="262" r:id="rId30"/>
-    <p:sldId id="278" r:id="rId31"/>
-    <p:sldId id="263" r:id="rId32"/>
-    <p:sldId id="264" r:id="rId33"/>
-    <p:sldId id="292" r:id="rId34"/>
-    <p:sldId id="271" r:id="rId35"/>
+    <p:sldId id="296" r:id="rId9"/>
+    <p:sldId id="282" r:id="rId10"/>
+    <p:sldId id="273" r:id="rId11"/>
+    <p:sldId id="283" r:id="rId12"/>
+    <p:sldId id="274" r:id="rId13"/>
+    <p:sldId id="295" r:id="rId14"/>
+    <p:sldId id="269" r:id="rId15"/>
+    <p:sldId id="288" r:id="rId16"/>
+    <p:sldId id="289" r:id="rId17"/>
+    <p:sldId id="290" r:id="rId18"/>
+    <p:sldId id="285" r:id="rId19"/>
+    <p:sldId id="259" r:id="rId20"/>
+    <p:sldId id="287" r:id="rId21"/>
+    <p:sldId id="291" r:id="rId22"/>
+    <p:sldId id="286" r:id="rId23"/>
+    <p:sldId id="293" r:id="rId24"/>
+    <p:sldId id="275" r:id="rId25"/>
+    <p:sldId id="294" r:id="rId26"/>
+    <p:sldId id="270" r:id="rId27"/>
+    <p:sldId id="276" r:id="rId28"/>
+    <p:sldId id="261" r:id="rId29"/>
+    <p:sldId id="277" r:id="rId30"/>
+    <p:sldId id="262" r:id="rId31"/>
+    <p:sldId id="278" r:id="rId32"/>
+    <p:sldId id="263" r:id="rId33"/>
+    <p:sldId id="264" r:id="rId34"/>
+    <p:sldId id="292" r:id="rId35"/>
+    <p:sldId id="271" r:id="rId36"/>
   </p:sldIdLst>
   <p:sldSz cx="12192000" cy="6858000"/>
   <p:notesSz cx="6858000" cy="9144000"/>
@@ -3864,10 +3865,10 @@
       </p:grpSpPr>
       <p:sp>
         <p:nvSpPr>
-          <p:cNvPr id="13" name="직사각형 12">
-            <a:extLst>
-              <a:ext uri="{FF2B5EF4-FFF2-40B4-BE49-F238E27FC236}">
-                <a16:creationId xmlns:a16="http://schemas.microsoft.com/office/drawing/2014/main" id="{03A9D439-D89E-41D7-829A-66144A0735B5}"/>
+          <p:cNvPr id="5" name="직사각형 4">
+            <a:extLst>
+              <a:ext uri="{FF2B5EF4-FFF2-40B4-BE49-F238E27FC236}">
+                <a16:creationId xmlns:a16="http://schemas.microsoft.com/office/drawing/2014/main" id="{27EEACCD-89B3-4CB2-BCDC-BC0CA24B8239}"/>
               </a:ext>
             </a:extLst>
           </p:cNvPr>
@@ -3930,54 +3931,11 @@
           <a:lstStyle/>
           <a:p>
             <a:pPr algn="ctr"/>
-            <a:endParaRPr lang="ko-KR" altLang="en-US"/>
-          </a:p>
-        </p:txBody>
-      </p:sp>
-      <p:sp>
-        <p:nvSpPr>
-          <p:cNvPr id="12" name="직사각형 11">
-            <a:extLst>
-              <a:ext uri="{FF2B5EF4-FFF2-40B4-BE49-F238E27FC236}">
-                <a16:creationId xmlns:a16="http://schemas.microsoft.com/office/drawing/2014/main" id="{D25FFB5C-7B25-45B1-9063-7109990AF4C9}"/>
-              </a:ext>
-            </a:extLst>
-          </p:cNvPr>
-          <p:cNvSpPr/>
-          <p:nvPr/>
-        </p:nvSpPr>
-        <p:spPr>
-          <a:xfrm>
-            <a:off x="838200" y="1591295"/>
-            <a:ext cx="10344398" cy="3574471"/>
-          </a:xfrm>
-          <a:prstGeom prst="rect">
-            <a:avLst/>
-          </a:prstGeom>
-          <a:solidFill>
-            <a:schemeClr val="bg1"/>
-          </a:solidFill>
-        </p:spPr>
-        <p:style>
-          <a:lnRef idx="1">
-            <a:schemeClr val="accent3"/>
-          </a:lnRef>
-          <a:fillRef idx="3">
-            <a:schemeClr val="accent3"/>
-          </a:fillRef>
-          <a:effectRef idx="2">
-            <a:schemeClr val="accent3"/>
-          </a:effectRef>
-          <a:fontRef idx="minor">
-            <a:schemeClr val="lt1"/>
-          </a:fontRef>
-        </p:style>
-        <p:txBody>
-          <a:bodyPr rtlCol="0" anchor="ctr"/>
-          <a:lstStyle/>
-          <a:p>
-            <a:pPr algn="ctr"/>
-            <a:endParaRPr lang="ko-KR" altLang="en-US"/>
+            <a:endParaRPr lang="ko-KR" altLang="en-US">
+              <a:solidFill>
+                <a:schemeClr val="bg1"/>
+              </a:solidFill>
+            </a:endParaRPr>
           </a:p>
         </p:txBody>
       </p:sp>
@@ -3986,7 +3944,7 @@
           <p:cNvPr id="2" name="제목 1">
             <a:extLst>
               <a:ext uri="{FF2B5EF4-FFF2-40B4-BE49-F238E27FC236}">
-                <a16:creationId xmlns:a16="http://schemas.microsoft.com/office/drawing/2014/main" id="{42735CCD-7CE2-430C-9BFE-A4AE290A1A7D}"/>
+                <a16:creationId xmlns:a16="http://schemas.microsoft.com/office/drawing/2014/main" id="{39B2E460-8AC4-4330-A692-40F926351511}"/>
               </a:ext>
             </a:extLst>
           </p:cNvPr>
@@ -3994,7 +3952,41 @@
             <a:spLocks noGrp="1"/>
           </p:cNvSpPr>
           <p:nvPr>
-            <p:ph type="title"/>
+            <p:ph type="ctrTitle"/>
+          </p:nvPr>
+        </p:nvSpPr>
+        <p:spPr/>
+        <p:txBody>
+          <a:bodyPr>
+            <a:normAutofit/>
+          </a:bodyPr>
+          <a:lstStyle/>
+          <a:p>
+            <a:r>
+              <a:rPr lang="ko-KR" altLang="en-US" sz="5500" dirty="0">
+                <a:solidFill>
+                  <a:schemeClr val="bg1"/>
+                </a:solidFill>
+              </a:rPr>
+              <a:t>프로젝트 개발 환경</a:t>
+            </a:r>
+          </a:p>
+        </p:txBody>
+      </p:sp>
+      <p:sp>
+        <p:nvSpPr>
+          <p:cNvPr id="3" name="부제목 2">
+            <a:extLst>
+              <a:ext uri="{FF2B5EF4-FFF2-40B4-BE49-F238E27FC236}">
+                <a16:creationId xmlns:a16="http://schemas.microsoft.com/office/drawing/2014/main" id="{7B10D53B-7DA4-4430-8DBC-616224373F6B}"/>
+              </a:ext>
+            </a:extLst>
+          </p:cNvPr>
+          <p:cNvSpPr>
+            <a:spLocks noGrp="1"/>
+          </p:cNvSpPr>
+          <p:nvPr>
+            <p:ph type="subTitle" idx="1"/>
           </p:nvPr>
         </p:nvSpPr>
         <p:spPr/>
@@ -4002,540 +3994,231 @@
           <a:bodyPr/>
           <a:lstStyle/>
           <a:p>
-            <a:r>
-              <a:rPr lang="ko-KR" altLang="en-US" dirty="0">
-                <a:solidFill>
-                  <a:schemeClr val="bg1"/>
-                </a:solidFill>
-              </a:rPr>
-              <a:t>개발 환경</a:t>
-            </a:r>
+            <a:endParaRPr lang="ko-KR" altLang="en-US">
+              <a:solidFill>
+                <a:schemeClr val="bg1"/>
+              </a:solidFill>
+            </a:endParaRPr>
           </a:p>
         </p:txBody>
       </p:sp>
       <p:sp>
         <p:nvSpPr>
-          <p:cNvPr id="3" name="내용 개체 틀 2">
-            <a:extLst>
-              <a:ext uri="{FF2B5EF4-FFF2-40B4-BE49-F238E27FC236}">
-                <a16:creationId xmlns:a16="http://schemas.microsoft.com/office/drawing/2014/main" id="{69BEF2B0-85AF-443E-9A28-F8B4EAD7CBDB}"/>
-              </a:ext>
-            </a:extLst>
-          </p:cNvPr>
-          <p:cNvSpPr>
-            <a:spLocks noGrp="1"/>
+          <p:cNvPr id="4" name="부제목 2">
+            <a:extLst>
+              <a:ext uri="{FF2B5EF4-FFF2-40B4-BE49-F238E27FC236}">
+                <a16:creationId xmlns:a16="http://schemas.microsoft.com/office/drawing/2014/main" id="{E50BFC9A-8DDE-4296-A655-9802BCF92882}"/>
+              </a:ext>
+            </a:extLst>
+          </p:cNvPr>
+          <p:cNvSpPr txBox="1">
+            <a:spLocks/>
           </p:cNvSpPr>
-          <p:nvPr>
-            <p:ph idx="1"/>
-          </p:nvPr>
+          <p:nvPr/>
         </p:nvSpPr>
         <p:spPr>
           <a:xfrm>
-            <a:off x="838199" y="1825625"/>
-            <a:ext cx="11057965" cy="4768122"/>
-          </a:xfrm>
-        </p:spPr>
-        <p:txBody>
-          <a:bodyPr>
-            <a:normAutofit lnSpcReduction="10000"/>
-          </a:bodyPr>
-          <a:lstStyle/>
-          <a:p>
-            <a:pPr marL="0" indent="0">
-              <a:buNone/>
-            </a:pPr>
-            <a:endParaRPr lang="en-US" altLang="ko-KR" sz="2000" dirty="0"/>
-          </a:p>
-          <a:p>
-            <a:pPr marL="0" indent="0">
-              <a:buNone/>
-            </a:pPr>
-            <a:endParaRPr lang="en-US" altLang="ko-KR" sz="2000" dirty="0"/>
-          </a:p>
-          <a:p>
-            <a:pPr marL="0" indent="0">
-              <a:buNone/>
-            </a:pPr>
-            <a:endParaRPr lang="en-US" altLang="ko-KR" sz="2000" dirty="0"/>
-          </a:p>
-          <a:p>
-            <a:pPr marL="0" indent="0">
-              <a:buNone/>
-            </a:pPr>
-            <a:endParaRPr lang="en-US" altLang="ko-KR" sz="2000" dirty="0"/>
-          </a:p>
-          <a:p>
-            <a:pPr marL="0" indent="0">
-              <a:buNone/>
-            </a:pPr>
-            <a:endParaRPr lang="en-US" altLang="ko-KR" sz="2000" dirty="0"/>
-          </a:p>
-          <a:p>
-            <a:pPr marL="0" indent="0">
-              <a:buNone/>
-            </a:pPr>
-            <a:endParaRPr lang="en-US" altLang="ko-KR" sz="2000" dirty="0"/>
-          </a:p>
-          <a:p>
-            <a:pPr marL="0" indent="0">
-              <a:buNone/>
-            </a:pPr>
-            <a:endParaRPr lang="en-US" altLang="ko-KR" sz="2000" dirty="0"/>
-          </a:p>
-          <a:p>
-            <a:pPr marL="0" indent="0">
-              <a:buNone/>
-            </a:pPr>
-            <a:endParaRPr lang="en-US" altLang="ko-KR" sz="2000" dirty="0"/>
-          </a:p>
-          <a:p>
-            <a:pPr marL="0" indent="0">
-              <a:buNone/>
-            </a:pPr>
-            <a:endParaRPr lang="en-US" altLang="ko-KR" sz="2000" dirty="0"/>
-          </a:p>
-          <a:p>
-            <a:pPr marL="0" indent="0">
-              <a:buNone/>
-            </a:pPr>
-            <a:r>
-              <a:rPr lang="ko-KR" altLang="en-US" sz="2000" dirty="0">
-                <a:solidFill>
-                  <a:schemeClr val="bg1"/>
-                </a:solidFill>
-              </a:rPr>
-              <a:t>사용 라이브러리 </a:t>
-            </a:r>
-            <a:r>
-              <a:rPr lang="en-US" altLang="ko-KR" sz="2000" dirty="0">
-                <a:solidFill>
-                  <a:schemeClr val="bg1"/>
-                </a:solidFill>
-              </a:rPr>
-              <a:t>: Boot strap4 – </a:t>
-            </a:r>
-            <a:r>
-              <a:rPr lang="en-US" altLang="ko-KR" sz="2000" dirty="0" err="1">
-                <a:solidFill>
-                  <a:schemeClr val="bg1"/>
-                </a:solidFill>
-              </a:rPr>
-              <a:t>coreUI</a:t>
-            </a:r>
-            <a:r>
-              <a:rPr lang="en-US" altLang="ko-KR" sz="2000" dirty="0">
-                <a:solidFill>
-                  <a:schemeClr val="bg1"/>
-                </a:solidFill>
-              </a:rPr>
-              <a:t>, Selenium, </a:t>
-            </a:r>
-            <a:r>
-              <a:rPr lang="ko-KR" altLang="en-US" sz="2000" dirty="0">
-                <a:solidFill>
-                  <a:schemeClr val="bg1"/>
-                </a:solidFill>
-              </a:rPr>
-              <a:t>사용 </a:t>
-            </a:r>
-            <a:r>
-              <a:rPr lang="en-US" altLang="ko-KR" sz="2000" dirty="0">
-                <a:solidFill>
-                  <a:schemeClr val="bg1"/>
-                </a:solidFill>
-              </a:rPr>
-              <a:t>RDBMS : SQL SERVER, </a:t>
-            </a:r>
-            <a:r>
-              <a:rPr lang="ko-KR" altLang="en-US" sz="2000" dirty="0">
-                <a:solidFill>
-                  <a:schemeClr val="bg1"/>
-                </a:solidFill>
-              </a:rPr>
-              <a:t>구글 </a:t>
-            </a:r>
-            <a:r>
-              <a:rPr lang="en-US" altLang="ko-KR" sz="2000" dirty="0">
-                <a:solidFill>
-                  <a:schemeClr val="bg1"/>
-                </a:solidFill>
-              </a:rPr>
-              <a:t>SMTP</a:t>
-            </a:r>
-          </a:p>
-          <a:p>
-            <a:pPr marL="0" indent="0">
-              <a:buNone/>
-            </a:pPr>
-            <a:r>
-              <a:rPr lang="ko-KR" altLang="en-US" sz="2000" dirty="0">
-                <a:solidFill>
-                  <a:schemeClr val="bg1"/>
-                </a:solidFill>
-              </a:rPr>
-              <a:t>사용 언어 </a:t>
-            </a:r>
-            <a:r>
-              <a:rPr lang="en-US" altLang="ko-KR" sz="2000" dirty="0">
-                <a:solidFill>
-                  <a:schemeClr val="bg1"/>
-                </a:solidFill>
-              </a:rPr>
-              <a:t>: ASP .NET, C#, HTML, CSS</a:t>
-            </a:r>
-          </a:p>
-          <a:p>
-            <a:pPr marL="0" indent="0">
-              <a:buNone/>
-            </a:pPr>
-            <a:r>
-              <a:rPr lang="ko-KR" altLang="en-US" sz="2000" dirty="0">
-                <a:solidFill>
-                  <a:schemeClr val="bg1"/>
-                </a:solidFill>
-              </a:rPr>
-              <a:t>운영체제 </a:t>
-            </a:r>
-            <a:r>
-              <a:rPr lang="en-US" altLang="ko-KR" sz="2000" dirty="0">
-                <a:solidFill>
-                  <a:schemeClr val="bg1"/>
-                </a:solidFill>
-              </a:rPr>
-              <a:t>: Windows 10</a:t>
-            </a:r>
-            <a:r>
-              <a:rPr lang="ko-KR" altLang="en-US" sz="2000" dirty="0">
-                <a:solidFill>
-                  <a:schemeClr val="bg1"/>
-                </a:solidFill>
-              </a:rPr>
-              <a:t> </a:t>
-            </a:r>
-          </a:p>
-        </p:txBody>
-      </p:sp>
-      <p:pic>
-        <p:nvPicPr>
-          <p:cNvPr id="4" name="그림 3">
-            <a:extLst>
-              <a:ext uri="{FF2B5EF4-FFF2-40B4-BE49-F238E27FC236}">
-                <a16:creationId xmlns:a16="http://schemas.microsoft.com/office/drawing/2014/main" id="{4A0DD57E-8D15-4065-A20E-E19C6FCFD596}"/>
-              </a:ext>
-            </a:extLst>
-          </p:cNvPr>
-          <p:cNvPicPr>
-            <a:picLocks noChangeAspect="1"/>
-          </p:cNvPicPr>
-          <p:nvPr/>
-        </p:nvPicPr>
-        <p:blipFill>
-          <a:blip r:embed="rId2"/>
-          <a:stretch>
-            <a:fillRect/>
-          </a:stretch>
-        </p:blipFill>
-        <p:spPr>
-          <a:xfrm>
-            <a:off x="1499179" y="2046644"/>
-            <a:ext cx="2332139" cy="2163042"/>
+            <a:off x="1440110" y="875616"/>
+            <a:ext cx="9144000" cy="1655762"/>
           </a:xfrm>
           <a:prstGeom prst="rect">
             <a:avLst/>
           </a:prstGeom>
         </p:spPr>
-      </p:pic>
-      <p:pic>
-        <p:nvPicPr>
-          <p:cNvPr id="5" name="그림 4">
-            <a:extLst>
-              <a:ext uri="{FF2B5EF4-FFF2-40B4-BE49-F238E27FC236}">
-                <a16:creationId xmlns:a16="http://schemas.microsoft.com/office/drawing/2014/main" id="{E4BEE8E8-CFB9-4086-A894-531219CF56BA}"/>
-              </a:ext>
-            </a:extLst>
-          </p:cNvPr>
-          <p:cNvPicPr>
-            <a:picLocks noChangeAspect="1"/>
-          </p:cNvPicPr>
-          <p:nvPr/>
-        </p:nvPicPr>
-        <p:blipFill>
-          <a:blip r:embed="rId3"/>
-          <a:stretch>
-            <a:fillRect/>
-          </a:stretch>
-        </p:blipFill>
-        <p:spPr>
-          <a:xfrm>
-            <a:off x="5047432" y="2046644"/>
-            <a:ext cx="2296838" cy="2163042"/>
-          </a:xfrm>
-          <a:prstGeom prst="rect">
-            <a:avLst/>
-          </a:prstGeom>
-        </p:spPr>
-      </p:pic>
-      <p:pic>
-        <p:nvPicPr>
-          <p:cNvPr id="7" name="그림 6">
-            <a:extLst>
-              <a:ext uri="{FF2B5EF4-FFF2-40B4-BE49-F238E27FC236}">
-                <a16:creationId xmlns:a16="http://schemas.microsoft.com/office/drawing/2014/main" id="{AD980249-75F6-4524-8C8D-3D89B98AC79D}"/>
-              </a:ext>
-            </a:extLst>
-          </p:cNvPr>
-          <p:cNvPicPr>
-            <a:picLocks noChangeAspect="1"/>
-          </p:cNvPicPr>
-          <p:nvPr/>
-        </p:nvPicPr>
-        <p:blipFill>
-          <a:blip r:embed="rId4"/>
-          <a:stretch>
-            <a:fillRect/>
-          </a:stretch>
-        </p:blipFill>
-        <p:spPr>
-          <a:xfrm>
-            <a:off x="8242710" y="2052012"/>
-            <a:ext cx="2693303" cy="2157674"/>
-          </a:xfrm>
-          <a:prstGeom prst="rect">
-            <a:avLst/>
-          </a:prstGeom>
-        </p:spPr>
-      </p:pic>
-      <p:sp>
-        <p:nvSpPr>
-          <p:cNvPr id="8" name="TextBox 7">
-            <a:extLst>
-              <a:ext uri="{FF2B5EF4-FFF2-40B4-BE49-F238E27FC236}">
-                <a16:creationId xmlns:a16="http://schemas.microsoft.com/office/drawing/2014/main" id="{B02BEA5F-DE40-4E35-B22B-893761A69B70}"/>
-              </a:ext>
-            </a:extLst>
-          </p:cNvPr>
-          <p:cNvSpPr txBox="1"/>
-          <p:nvPr/>
-        </p:nvSpPr>
-        <p:spPr>
-          <a:xfrm>
-            <a:off x="1499179" y="4344623"/>
-            <a:ext cx="1608197" cy="369332"/>
-          </a:xfrm>
-          <a:prstGeom prst="rect">
-            <a:avLst/>
-          </a:prstGeom>
-          <a:noFill/>
-        </p:spPr>
         <p:txBody>
-          <a:bodyPr wrap="none" rtlCol="0">
-            <a:spAutoFit/>
+          <a:bodyPr vert="horz" lIns="91440" tIns="45720" rIns="91440" bIns="45720" rtlCol="0">
+            <a:normAutofit fontScale="92500" lnSpcReduction="20000"/>
           </a:bodyPr>
-          <a:lstStyle/>
-          <a:p>
-            <a:r>
-              <a:rPr lang="en-US" altLang="ko-KR" dirty="0" err="1">
-                <a:solidFill>
-                  <a:schemeClr val="accent1">
-                    <a:lumMod val="50000"/>
-                  </a:schemeClr>
-                </a:solidFill>
-              </a:rPr>
-              <a:t>.net</a:t>
-            </a:r>
-            <a:r>
-              <a:rPr lang="ko-KR" altLang="en-US" dirty="0">
-                <a:solidFill>
-                  <a:schemeClr val="accent1">
-                    <a:lumMod val="50000"/>
-                  </a:schemeClr>
-                </a:solidFill>
-              </a:rPr>
-              <a:t> </a:t>
-            </a:r>
-            <a:r>
-              <a:rPr lang="en-US" altLang="ko-KR" dirty="0">
-                <a:solidFill>
-                  <a:schemeClr val="accent1">
-                    <a:lumMod val="50000"/>
-                  </a:schemeClr>
-                </a:solidFill>
-              </a:rPr>
-              <a:t>core</a:t>
-            </a:r>
-            <a:r>
-              <a:rPr lang="ko-KR" altLang="en-US" dirty="0">
-                <a:solidFill>
-                  <a:schemeClr val="accent1">
-                    <a:lumMod val="50000"/>
-                  </a:schemeClr>
-                </a:solidFill>
-              </a:rPr>
-              <a:t> </a:t>
-            </a:r>
-            <a:r>
-              <a:rPr lang="en-US" altLang="ko-KR" dirty="0" err="1">
-                <a:solidFill>
-                  <a:schemeClr val="accent1">
-                    <a:lumMod val="50000"/>
-                  </a:schemeClr>
-                </a:solidFill>
-              </a:rPr>
-              <a:t>mvc</a:t>
-            </a:r>
-            <a:endParaRPr lang="ko-KR" altLang="en-US" dirty="0">
+          <a:lstStyle>
+            <a:lvl1pPr marL="0" indent="0" algn="ctr" defTabSz="914400" rtl="0" eaLnBrk="1" latinLnBrk="1" hangingPunct="1">
+              <a:lnSpc>
+                <a:spcPct val="90000"/>
+              </a:lnSpc>
+              <a:spcBef>
+                <a:spcPts val="1000"/>
+              </a:spcBef>
+              <a:buFont typeface="Arial" panose="020B0604020202020204" pitchFamily="34" charset="0"/>
+              <a:buNone/>
+              <a:defRPr sz="2400" kern="1200">
+                <a:solidFill>
+                  <a:schemeClr val="tx1"/>
+                </a:solidFill>
+                <a:latin typeface="+mn-lt"/>
+                <a:ea typeface="+mn-ea"/>
+                <a:cs typeface="+mn-cs"/>
+              </a:defRPr>
+            </a:lvl1pPr>
+            <a:lvl2pPr marL="457200" indent="0" algn="ctr" defTabSz="914400" rtl="0" eaLnBrk="1" latinLnBrk="1" hangingPunct="1">
+              <a:lnSpc>
+                <a:spcPct val="90000"/>
+              </a:lnSpc>
+              <a:spcBef>
+                <a:spcPts val="500"/>
+              </a:spcBef>
+              <a:buFont typeface="Arial" panose="020B0604020202020204" pitchFamily="34" charset="0"/>
+              <a:buNone/>
+              <a:defRPr sz="2000" kern="1200">
+                <a:solidFill>
+                  <a:schemeClr val="tx1"/>
+                </a:solidFill>
+                <a:latin typeface="+mn-lt"/>
+                <a:ea typeface="+mn-ea"/>
+                <a:cs typeface="+mn-cs"/>
+              </a:defRPr>
+            </a:lvl2pPr>
+            <a:lvl3pPr marL="914400" indent="0" algn="ctr" defTabSz="914400" rtl="0" eaLnBrk="1" latinLnBrk="1" hangingPunct="1">
+              <a:lnSpc>
+                <a:spcPct val="90000"/>
+              </a:lnSpc>
+              <a:spcBef>
+                <a:spcPts val="500"/>
+              </a:spcBef>
+              <a:buFont typeface="Arial" panose="020B0604020202020204" pitchFamily="34" charset="0"/>
+              <a:buNone/>
+              <a:defRPr sz="1800" kern="1200">
+                <a:solidFill>
+                  <a:schemeClr val="tx1"/>
+                </a:solidFill>
+                <a:latin typeface="+mn-lt"/>
+                <a:ea typeface="+mn-ea"/>
+                <a:cs typeface="+mn-cs"/>
+              </a:defRPr>
+            </a:lvl3pPr>
+            <a:lvl4pPr marL="1371600" indent="0" algn="ctr" defTabSz="914400" rtl="0" eaLnBrk="1" latinLnBrk="1" hangingPunct="1">
+              <a:lnSpc>
+                <a:spcPct val="90000"/>
+              </a:lnSpc>
+              <a:spcBef>
+                <a:spcPts val="500"/>
+              </a:spcBef>
+              <a:buFont typeface="Arial" panose="020B0604020202020204" pitchFamily="34" charset="0"/>
+              <a:buNone/>
+              <a:defRPr sz="1600" kern="1200">
+                <a:solidFill>
+                  <a:schemeClr val="tx1"/>
+                </a:solidFill>
+                <a:latin typeface="+mn-lt"/>
+                <a:ea typeface="+mn-ea"/>
+                <a:cs typeface="+mn-cs"/>
+              </a:defRPr>
+            </a:lvl4pPr>
+            <a:lvl5pPr marL="1828800" indent="0" algn="ctr" defTabSz="914400" rtl="0" eaLnBrk="1" latinLnBrk="1" hangingPunct="1">
+              <a:lnSpc>
+                <a:spcPct val="90000"/>
+              </a:lnSpc>
+              <a:spcBef>
+                <a:spcPts val="500"/>
+              </a:spcBef>
+              <a:buFont typeface="Arial" panose="020B0604020202020204" pitchFamily="34" charset="0"/>
+              <a:buNone/>
+              <a:defRPr sz="1600" kern="1200">
+                <a:solidFill>
+                  <a:schemeClr val="tx1"/>
+                </a:solidFill>
+                <a:latin typeface="+mn-lt"/>
+                <a:ea typeface="+mn-ea"/>
+                <a:cs typeface="+mn-cs"/>
+              </a:defRPr>
+            </a:lvl5pPr>
+            <a:lvl6pPr marL="2286000" indent="0" algn="ctr" defTabSz="914400" rtl="0" eaLnBrk="1" latinLnBrk="1" hangingPunct="1">
+              <a:lnSpc>
+                <a:spcPct val="90000"/>
+              </a:lnSpc>
+              <a:spcBef>
+                <a:spcPts val="500"/>
+              </a:spcBef>
+              <a:buFont typeface="Arial" panose="020B0604020202020204" pitchFamily="34" charset="0"/>
+              <a:buNone/>
+              <a:defRPr sz="1600" kern="1200">
+                <a:solidFill>
+                  <a:schemeClr val="tx1"/>
+                </a:solidFill>
+                <a:latin typeface="+mn-lt"/>
+                <a:ea typeface="+mn-ea"/>
+                <a:cs typeface="+mn-cs"/>
+              </a:defRPr>
+            </a:lvl6pPr>
+            <a:lvl7pPr marL="2743200" indent="0" algn="ctr" defTabSz="914400" rtl="0" eaLnBrk="1" latinLnBrk="1" hangingPunct="1">
+              <a:lnSpc>
+                <a:spcPct val="90000"/>
+              </a:lnSpc>
+              <a:spcBef>
+                <a:spcPts val="500"/>
+              </a:spcBef>
+              <a:buFont typeface="Arial" panose="020B0604020202020204" pitchFamily="34" charset="0"/>
+              <a:buNone/>
+              <a:defRPr sz="1600" kern="1200">
+                <a:solidFill>
+                  <a:schemeClr val="tx1"/>
+                </a:solidFill>
+                <a:latin typeface="+mn-lt"/>
+                <a:ea typeface="+mn-ea"/>
+                <a:cs typeface="+mn-cs"/>
+              </a:defRPr>
+            </a:lvl7pPr>
+            <a:lvl8pPr marL="3200400" indent="0" algn="ctr" defTabSz="914400" rtl="0" eaLnBrk="1" latinLnBrk="1" hangingPunct="1">
+              <a:lnSpc>
+                <a:spcPct val="90000"/>
+              </a:lnSpc>
+              <a:spcBef>
+                <a:spcPts val="500"/>
+              </a:spcBef>
+              <a:buFont typeface="Arial" panose="020B0604020202020204" pitchFamily="34" charset="0"/>
+              <a:buNone/>
+              <a:defRPr sz="1600" kern="1200">
+                <a:solidFill>
+                  <a:schemeClr val="tx1"/>
+                </a:solidFill>
+                <a:latin typeface="+mn-lt"/>
+                <a:ea typeface="+mn-ea"/>
+                <a:cs typeface="+mn-cs"/>
+              </a:defRPr>
+            </a:lvl8pPr>
+            <a:lvl9pPr marL="3657600" indent="0" algn="ctr" defTabSz="914400" rtl="0" eaLnBrk="1" latinLnBrk="1" hangingPunct="1">
+              <a:lnSpc>
+                <a:spcPct val="90000"/>
+              </a:lnSpc>
+              <a:spcBef>
+                <a:spcPts val="500"/>
+              </a:spcBef>
+              <a:buFont typeface="Arial" panose="020B0604020202020204" pitchFamily="34" charset="0"/>
+              <a:buNone/>
+              <a:defRPr sz="1600" kern="1200">
+                <a:solidFill>
+                  <a:schemeClr val="tx1"/>
+                </a:solidFill>
+                <a:latin typeface="+mn-lt"/>
+                <a:ea typeface="+mn-ea"/>
+                <a:cs typeface="+mn-cs"/>
+              </a:defRPr>
+            </a:lvl9pPr>
+          </a:lstStyle>
+          <a:p>
+            <a:endParaRPr lang="en-US" altLang="ko-KR" sz="4000" dirty="0">
               <a:solidFill>
-                <a:schemeClr val="accent1">
-                  <a:lumMod val="50000"/>
-                </a:schemeClr>
+                <a:schemeClr val="bg1"/>
               </a:solidFill>
             </a:endParaRPr>
           </a:p>
-        </p:txBody>
-      </p:sp>
-      <p:sp>
-        <p:nvSpPr>
-          <p:cNvPr id="10" name="TextBox 9">
-            <a:extLst>
-              <a:ext uri="{FF2B5EF4-FFF2-40B4-BE49-F238E27FC236}">
-                <a16:creationId xmlns:a16="http://schemas.microsoft.com/office/drawing/2014/main" id="{48752810-7859-434E-962A-628B250DFFC2}"/>
-              </a:ext>
-            </a:extLst>
-          </p:cNvPr>
-          <p:cNvSpPr txBox="1"/>
-          <p:nvPr/>
-        </p:nvSpPr>
-        <p:spPr>
-          <a:xfrm>
-            <a:off x="5047432" y="4348069"/>
-            <a:ext cx="1903983" cy="646331"/>
-          </a:xfrm>
-          <a:prstGeom prst="rect">
-            <a:avLst/>
-          </a:prstGeom>
-          <a:noFill/>
-        </p:spPr>
-        <p:txBody>
-          <a:bodyPr wrap="none" rtlCol="0">
-            <a:spAutoFit/>
-          </a:bodyPr>
-          <a:lstStyle/>
-          <a:p>
-            <a:r>
-              <a:rPr lang="en-US" altLang="ko-KR" dirty="0">
-                <a:solidFill>
-                  <a:schemeClr val="accent1">
-                    <a:lumMod val="50000"/>
-                  </a:schemeClr>
-                </a:solidFill>
-              </a:rPr>
-              <a:t>Windows</a:t>
-            </a:r>
-            <a:r>
-              <a:rPr lang="ko-KR" altLang="en-US" dirty="0">
-                <a:solidFill>
-                  <a:schemeClr val="accent1">
-                    <a:lumMod val="50000"/>
-                  </a:schemeClr>
-                </a:solidFill>
-              </a:rPr>
-              <a:t> </a:t>
-            </a:r>
-            <a:r>
-              <a:rPr lang="en-US" altLang="ko-KR" dirty="0">
-                <a:solidFill>
-                  <a:schemeClr val="accent1">
-                    <a:lumMod val="50000"/>
-                  </a:schemeClr>
-                </a:solidFill>
-              </a:rPr>
-              <a:t>Form</a:t>
-            </a:r>
-          </a:p>
-          <a:p>
-            <a:r>
-              <a:rPr lang="en-US" altLang="ko-KR" dirty="0">
-                <a:solidFill>
-                  <a:schemeClr val="accent1">
-                    <a:lumMod val="50000"/>
-                  </a:schemeClr>
-                </a:solidFill>
-              </a:rPr>
-              <a:t>(</a:t>
-            </a:r>
-            <a:r>
-              <a:rPr lang="en-US" altLang="ko-KR" dirty="0" err="1">
-                <a:solidFill>
-                  <a:schemeClr val="accent1">
-                    <a:lumMod val="50000"/>
-                  </a:schemeClr>
-                </a:solidFill>
-              </a:rPr>
-              <a:t>.net</a:t>
-            </a:r>
-            <a:r>
-              <a:rPr lang="en-US" altLang="ko-KR" dirty="0">
-                <a:solidFill>
-                  <a:schemeClr val="accent1">
-                    <a:lumMod val="50000"/>
-                  </a:schemeClr>
-                </a:solidFill>
-              </a:rPr>
-              <a:t> framework)</a:t>
-            </a:r>
-            <a:endParaRPr lang="ko-KR" altLang="en-US" dirty="0">
+          <a:p>
+            <a:endParaRPr lang="en-US" altLang="ko-KR" sz="4000" dirty="0">
               <a:solidFill>
-                <a:schemeClr val="accent1">
-                  <a:lumMod val="50000"/>
-                </a:schemeClr>
+                <a:schemeClr val="bg1"/>
               </a:solidFill>
             </a:endParaRPr>
           </a:p>
-        </p:txBody>
-      </p:sp>
-      <p:sp>
-        <p:nvSpPr>
-          <p:cNvPr id="11" name="TextBox 10">
-            <a:extLst>
-              <a:ext uri="{FF2B5EF4-FFF2-40B4-BE49-F238E27FC236}">
-                <a16:creationId xmlns:a16="http://schemas.microsoft.com/office/drawing/2014/main" id="{43188C98-B7D3-4F77-8B1C-49112CF37504}"/>
-              </a:ext>
-            </a:extLst>
-          </p:cNvPr>
-          <p:cNvSpPr txBox="1"/>
-          <p:nvPr/>
-        </p:nvSpPr>
-        <p:spPr>
-          <a:xfrm>
-            <a:off x="8245945" y="4353474"/>
-            <a:ext cx="1310487" cy="369332"/>
-          </a:xfrm>
-          <a:prstGeom prst="rect">
-            <a:avLst/>
-          </a:prstGeom>
-          <a:noFill/>
-        </p:spPr>
-        <p:txBody>
-          <a:bodyPr wrap="none" rtlCol="0">
-            <a:spAutoFit/>
-          </a:bodyPr>
-          <a:lstStyle/>
-          <a:p>
-            <a:r>
-              <a:rPr lang="en-US" altLang="ko-KR" dirty="0">
-                <a:solidFill>
-                  <a:schemeClr val="accent1">
-                    <a:lumMod val="50000"/>
-                  </a:schemeClr>
-                </a:solidFill>
-              </a:rPr>
-              <a:t>SQL server</a:t>
-            </a:r>
-            <a:endParaRPr lang="ko-KR" altLang="en-US" dirty="0">
+          <a:p>
+            <a:r>
+              <a:rPr lang="en-US" altLang="ko-KR" sz="4000" dirty="0">
+                <a:solidFill>
+                  <a:schemeClr val="bg1"/>
+                </a:solidFill>
+              </a:rPr>
+              <a:t>Part 2</a:t>
+            </a:r>
+            <a:endParaRPr lang="ko-KR" altLang="en-US" sz="4000" dirty="0">
               <a:solidFill>
-                <a:schemeClr val="accent1">
-                  <a:lumMod val="50000"/>
-                </a:schemeClr>
+                <a:schemeClr val="bg1"/>
               </a:solidFill>
             </a:endParaRPr>
           </a:p>
@@ -4544,7 +4227,7 @@
     </p:spTree>
     <p:extLst>
       <p:ext uri="{BB962C8B-B14F-4D97-AF65-F5344CB8AC3E}">
-        <p14:creationId xmlns:p14="http://schemas.microsoft.com/office/powerpoint/2010/main" val="3180074486"/>
+        <p14:creationId xmlns:p14="http://schemas.microsoft.com/office/powerpoint/2010/main" val="1328205033"/>
       </p:ext>
     </p:extLst>
   </p:cSld>
@@ -4573,10 +4256,10 @@
       </p:grpSpPr>
       <p:sp>
         <p:nvSpPr>
-          <p:cNvPr id="5" name="직사각형 4">
-            <a:extLst>
-              <a:ext uri="{FF2B5EF4-FFF2-40B4-BE49-F238E27FC236}">
-                <a16:creationId xmlns:a16="http://schemas.microsoft.com/office/drawing/2014/main" id="{5474E9E2-9B3C-4EC3-B438-30E252BD8CD9}"/>
+          <p:cNvPr id="13" name="직사각형 12">
+            <a:extLst>
+              <a:ext uri="{FF2B5EF4-FFF2-40B4-BE49-F238E27FC236}">
+                <a16:creationId xmlns:a16="http://schemas.microsoft.com/office/drawing/2014/main" id="{03A9D439-D89E-41D7-829A-66144A0735B5}"/>
               </a:ext>
             </a:extLst>
           </p:cNvPr>
@@ -4639,11 +4322,54 @@
           <a:lstStyle/>
           <a:p>
             <a:pPr algn="ctr"/>
-            <a:endParaRPr lang="ko-KR" altLang="en-US">
-              <a:solidFill>
-                <a:schemeClr val="bg1"/>
-              </a:solidFill>
-            </a:endParaRPr>
+            <a:endParaRPr lang="ko-KR" altLang="en-US"/>
+          </a:p>
+        </p:txBody>
+      </p:sp>
+      <p:sp>
+        <p:nvSpPr>
+          <p:cNvPr id="12" name="직사각형 11">
+            <a:extLst>
+              <a:ext uri="{FF2B5EF4-FFF2-40B4-BE49-F238E27FC236}">
+                <a16:creationId xmlns:a16="http://schemas.microsoft.com/office/drawing/2014/main" id="{D25FFB5C-7B25-45B1-9063-7109990AF4C9}"/>
+              </a:ext>
+            </a:extLst>
+          </p:cNvPr>
+          <p:cNvSpPr/>
+          <p:nvPr/>
+        </p:nvSpPr>
+        <p:spPr>
+          <a:xfrm>
+            <a:off x="838200" y="1591295"/>
+            <a:ext cx="10344398" cy="3574471"/>
+          </a:xfrm>
+          <a:prstGeom prst="rect">
+            <a:avLst/>
+          </a:prstGeom>
+          <a:solidFill>
+            <a:schemeClr val="bg1"/>
+          </a:solidFill>
+        </p:spPr>
+        <p:style>
+          <a:lnRef idx="1">
+            <a:schemeClr val="accent3"/>
+          </a:lnRef>
+          <a:fillRef idx="3">
+            <a:schemeClr val="accent3"/>
+          </a:fillRef>
+          <a:effectRef idx="2">
+            <a:schemeClr val="accent3"/>
+          </a:effectRef>
+          <a:fontRef idx="minor">
+            <a:schemeClr val="lt1"/>
+          </a:fontRef>
+        </p:style>
+        <p:txBody>
+          <a:bodyPr rtlCol="0" anchor="ctr"/>
+          <a:lstStyle/>
+          <a:p>
+            <a:pPr algn="ctr"/>
+            <a:endParaRPr lang="ko-KR" altLang="en-US"/>
           </a:p>
         </p:txBody>
       </p:sp>
@@ -4652,7 +4378,7 @@
           <p:cNvPr id="2" name="제목 1">
             <a:extLst>
               <a:ext uri="{FF2B5EF4-FFF2-40B4-BE49-F238E27FC236}">
-                <a16:creationId xmlns:a16="http://schemas.microsoft.com/office/drawing/2014/main" id="{39B2E460-8AC4-4330-A692-40F926351511}"/>
+                <a16:creationId xmlns:a16="http://schemas.microsoft.com/office/drawing/2014/main" id="{42735CCD-7CE2-430C-9BFE-A4AE290A1A7D}"/>
               </a:ext>
             </a:extLst>
           </p:cNvPr>
@@ -4660,41 +4386,7 @@
             <a:spLocks noGrp="1"/>
           </p:cNvSpPr>
           <p:nvPr>
-            <p:ph type="ctrTitle"/>
-          </p:nvPr>
-        </p:nvSpPr>
-        <p:spPr/>
-        <p:txBody>
-          <a:bodyPr>
-            <a:normAutofit/>
-          </a:bodyPr>
-          <a:lstStyle/>
-          <a:p>
-            <a:r>
-              <a:rPr lang="ko-KR" altLang="en-US" sz="5500" dirty="0">
-                <a:solidFill>
-                  <a:schemeClr val="bg1"/>
-                </a:solidFill>
-              </a:rPr>
-              <a:t>프로젝트 설명</a:t>
-            </a:r>
-          </a:p>
-        </p:txBody>
-      </p:sp>
-      <p:sp>
-        <p:nvSpPr>
-          <p:cNvPr id="3" name="부제목 2">
-            <a:extLst>
-              <a:ext uri="{FF2B5EF4-FFF2-40B4-BE49-F238E27FC236}">
-                <a16:creationId xmlns:a16="http://schemas.microsoft.com/office/drawing/2014/main" id="{7B10D53B-7DA4-4430-8DBC-616224373F6B}"/>
-              </a:ext>
-            </a:extLst>
-          </p:cNvPr>
-          <p:cNvSpPr>
-            <a:spLocks noGrp="1"/>
-          </p:cNvSpPr>
-          <p:nvPr>
-            <p:ph type="subTitle" idx="1"/>
+            <p:ph type="title"/>
           </p:nvPr>
         </p:nvSpPr>
         <p:spPr/>
@@ -4702,231 +4394,564 @@
           <a:bodyPr/>
           <a:lstStyle/>
           <a:p>
-            <a:endParaRPr lang="ko-KR" altLang="en-US">
-              <a:solidFill>
-                <a:schemeClr val="bg1"/>
-              </a:solidFill>
-            </a:endParaRPr>
+            <a:r>
+              <a:rPr lang="ko-KR" altLang="en-US" dirty="0">
+                <a:solidFill>
+                  <a:schemeClr val="bg1"/>
+                </a:solidFill>
+              </a:rPr>
+              <a:t>개발 환경</a:t>
+            </a:r>
           </a:p>
         </p:txBody>
       </p:sp>
       <p:sp>
         <p:nvSpPr>
-          <p:cNvPr id="4" name="부제목 2">
-            <a:extLst>
-              <a:ext uri="{FF2B5EF4-FFF2-40B4-BE49-F238E27FC236}">
-                <a16:creationId xmlns:a16="http://schemas.microsoft.com/office/drawing/2014/main" id="{B42ED9AE-F13F-4AFD-BD3D-345418301642}"/>
-              </a:ext>
-            </a:extLst>
-          </p:cNvPr>
-          <p:cNvSpPr txBox="1">
-            <a:spLocks/>
+          <p:cNvPr id="3" name="내용 개체 틀 2">
+            <a:extLst>
+              <a:ext uri="{FF2B5EF4-FFF2-40B4-BE49-F238E27FC236}">
+                <a16:creationId xmlns:a16="http://schemas.microsoft.com/office/drawing/2014/main" id="{69BEF2B0-85AF-443E-9A28-F8B4EAD7CBDB}"/>
+              </a:ext>
+            </a:extLst>
+          </p:cNvPr>
+          <p:cNvSpPr>
+            <a:spLocks noGrp="1"/>
           </p:cNvSpPr>
-          <p:nvPr/>
+          <p:nvPr>
+            <p:ph idx="1"/>
+          </p:nvPr>
         </p:nvSpPr>
         <p:spPr>
           <a:xfrm>
-            <a:off x="1440110" y="875616"/>
-            <a:ext cx="9144000" cy="1655762"/>
+            <a:off x="838199" y="1825625"/>
+            <a:ext cx="11057965" cy="4768122"/>
+          </a:xfrm>
+        </p:spPr>
+        <p:txBody>
+          <a:bodyPr>
+            <a:normAutofit lnSpcReduction="10000"/>
+          </a:bodyPr>
+          <a:lstStyle/>
+          <a:p>
+            <a:pPr marL="0" indent="0">
+              <a:buNone/>
+            </a:pPr>
+            <a:endParaRPr lang="en-US" altLang="ko-KR" sz="2000" dirty="0"/>
+          </a:p>
+          <a:p>
+            <a:pPr marL="0" indent="0">
+              <a:buNone/>
+            </a:pPr>
+            <a:endParaRPr lang="en-US" altLang="ko-KR" sz="2000" dirty="0"/>
+          </a:p>
+          <a:p>
+            <a:pPr marL="0" indent="0">
+              <a:buNone/>
+            </a:pPr>
+            <a:endParaRPr lang="en-US" altLang="ko-KR" sz="2000" dirty="0"/>
+          </a:p>
+          <a:p>
+            <a:pPr marL="0" indent="0">
+              <a:buNone/>
+            </a:pPr>
+            <a:endParaRPr lang="en-US" altLang="ko-KR" sz="2000" dirty="0"/>
+          </a:p>
+          <a:p>
+            <a:pPr marL="0" indent="0">
+              <a:buNone/>
+            </a:pPr>
+            <a:endParaRPr lang="en-US" altLang="ko-KR" sz="2000" dirty="0"/>
+          </a:p>
+          <a:p>
+            <a:pPr marL="0" indent="0">
+              <a:buNone/>
+            </a:pPr>
+            <a:endParaRPr lang="en-US" altLang="ko-KR" sz="2000" dirty="0"/>
+          </a:p>
+          <a:p>
+            <a:pPr marL="0" indent="0">
+              <a:buNone/>
+            </a:pPr>
+            <a:endParaRPr lang="en-US" altLang="ko-KR" sz="2000" dirty="0"/>
+          </a:p>
+          <a:p>
+            <a:pPr marL="0" indent="0">
+              <a:buNone/>
+            </a:pPr>
+            <a:endParaRPr lang="en-US" altLang="ko-KR" sz="2000" dirty="0"/>
+          </a:p>
+          <a:p>
+            <a:pPr marL="0" indent="0">
+              <a:buNone/>
+            </a:pPr>
+            <a:endParaRPr lang="en-US" altLang="ko-KR" sz="2000" dirty="0"/>
+          </a:p>
+          <a:p>
+            <a:pPr marL="0" indent="0">
+              <a:buNone/>
+            </a:pPr>
+            <a:r>
+              <a:rPr lang="en-US" altLang="ko-KR" sz="2000" dirty="0">
+                <a:solidFill>
+                  <a:schemeClr val="bg1"/>
+                </a:solidFill>
+              </a:rPr>
+              <a:t>* </a:t>
+            </a:r>
+            <a:r>
+              <a:rPr lang="ko-KR" altLang="en-US" sz="2000" dirty="0">
+                <a:solidFill>
+                  <a:schemeClr val="bg1"/>
+                </a:solidFill>
+              </a:rPr>
+              <a:t>사용 라이브러리 </a:t>
+            </a:r>
+            <a:r>
+              <a:rPr lang="en-US" altLang="ko-KR" sz="2000" dirty="0">
+                <a:solidFill>
+                  <a:schemeClr val="bg1"/>
+                </a:solidFill>
+              </a:rPr>
+              <a:t>: Boot strap4 – </a:t>
+            </a:r>
+            <a:r>
+              <a:rPr lang="en-US" altLang="ko-KR" sz="2000" dirty="0" err="1">
+                <a:solidFill>
+                  <a:schemeClr val="bg1"/>
+                </a:solidFill>
+              </a:rPr>
+              <a:t>coreUI</a:t>
+            </a:r>
+            <a:r>
+              <a:rPr lang="en-US" altLang="ko-KR" sz="2000" dirty="0">
+                <a:solidFill>
+                  <a:schemeClr val="bg1"/>
+                </a:solidFill>
+              </a:rPr>
+              <a:t>, Selenium, </a:t>
+            </a:r>
+            <a:r>
+              <a:rPr lang="ko-KR" altLang="en-US" sz="2000" dirty="0">
+                <a:solidFill>
+                  <a:schemeClr val="bg1"/>
+                </a:solidFill>
+              </a:rPr>
+              <a:t>사용 </a:t>
+            </a:r>
+            <a:r>
+              <a:rPr lang="en-US" altLang="ko-KR" sz="2000" dirty="0">
+                <a:solidFill>
+                  <a:schemeClr val="bg1"/>
+                </a:solidFill>
+              </a:rPr>
+              <a:t>RDBMS : SQL SERVER, </a:t>
+            </a:r>
+            <a:r>
+              <a:rPr lang="ko-KR" altLang="en-US" sz="2000" dirty="0">
+                <a:solidFill>
+                  <a:schemeClr val="bg1"/>
+                </a:solidFill>
+              </a:rPr>
+              <a:t>구글 </a:t>
+            </a:r>
+            <a:r>
+              <a:rPr lang="en-US" altLang="ko-KR" sz="2000" dirty="0">
+                <a:solidFill>
+                  <a:schemeClr val="bg1"/>
+                </a:solidFill>
+              </a:rPr>
+              <a:t>SMTP</a:t>
+            </a:r>
+          </a:p>
+          <a:p>
+            <a:pPr marL="0" indent="0">
+              <a:buNone/>
+            </a:pPr>
+            <a:r>
+              <a:rPr lang="en-US" altLang="ko-KR" sz="2000" dirty="0">
+                <a:solidFill>
+                  <a:schemeClr val="bg1"/>
+                </a:solidFill>
+              </a:rPr>
+              <a:t>* </a:t>
+            </a:r>
+            <a:r>
+              <a:rPr lang="ko-KR" altLang="en-US" sz="2000" dirty="0">
+                <a:solidFill>
+                  <a:schemeClr val="bg1"/>
+                </a:solidFill>
+              </a:rPr>
+              <a:t>사용 언어 </a:t>
+            </a:r>
+            <a:r>
+              <a:rPr lang="en-US" altLang="ko-KR" sz="2000" dirty="0">
+                <a:solidFill>
+                  <a:schemeClr val="bg1"/>
+                </a:solidFill>
+              </a:rPr>
+              <a:t>: ASP .NET, C# WINFORM, HTML, CSS</a:t>
+            </a:r>
+          </a:p>
+          <a:p>
+            <a:pPr marL="0" indent="0">
+              <a:buNone/>
+            </a:pPr>
+            <a:r>
+              <a:rPr lang="en-US" altLang="ko-KR" sz="2000" dirty="0">
+                <a:solidFill>
+                  <a:schemeClr val="bg1"/>
+                </a:solidFill>
+              </a:rPr>
+              <a:t>* </a:t>
+            </a:r>
+            <a:r>
+              <a:rPr lang="ko-KR" altLang="en-US" sz="2000" dirty="0">
+                <a:solidFill>
+                  <a:schemeClr val="bg1"/>
+                </a:solidFill>
+              </a:rPr>
+              <a:t>운영체제 </a:t>
+            </a:r>
+            <a:r>
+              <a:rPr lang="en-US" altLang="ko-KR" sz="2000" dirty="0">
+                <a:solidFill>
+                  <a:schemeClr val="bg1"/>
+                </a:solidFill>
+              </a:rPr>
+              <a:t>: Windows 10</a:t>
+            </a:r>
+            <a:r>
+              <a:rPr lang="ko-KR" altLang="en-US" sz="2000" dirty="0">
+                <a:solidFill>
+                  <a:schemeClr val="bg1"/>
+                </a:solidFill>
+              </a:rPr>
+              <a:t> </a:t>
+            </a:r>
+          </a:p>
+        </p:txBody>
+      </p:sp>
+      <p:pic>
+        <p:nvPicPr>
+          <p:cNvPr id="4" name="그림 3">
+            <a:extLst>
+              <a:ext uri="{FF2B5EF4-FFF2-40B4-BE49-F238E27FC236}">
+                <a16:creationId xmlns:a16="http://schemas.microsoft.com/office/drawing/2014/main" id="{4A0DD57E-8D15-4065-A20E-E19C6FCFD596}"/>
+              </a:ext>
+            </a:extLst>
+          </p:cNvPr>
+          <p:cNvPicPr>
+            <a:picLocks noChangeAspect="1"/>
+          </p:cNvPicPr>
+          <p:nvPr/>
+        </p:nvPicPr>
+        <p:blipFill>
+          <a:blip r:embed="rId2"/>
+          <a:stretch>
+            <a:fillRect/>
+          </a:stretch>
+        </p:blipFill>
+        <p:spPr>
+          <a:xfrm>
+            <a:off x="1499179" y="2046644"/>
+            <a:ext cx="2332139" cy="2163042"/>
           </a:xfrm>
           <a:prstGeom prst="rect">
             <a:avLst/>
           </a:prstGeom>
         </p:spPr>
+      </p:pic>
+      <p:pic>
+        <p:nvPicPr>
+          <p:cNvPr id="5" name="그림 4">
+            <a:extLst>
+              <a:ext uri="{FF2B5EF4-FFF2-40B4-BE49-F238E27FC236}">
+                <a16:creationId xmlns:a16="http://schemas.microsoft.com/office/drawing/2014/main" id="{E4BEE8E8-CFB9-4086-A894-531219CF56BA}"/>
+              </a:ext>
+            </a:extLst>
+          </p:cNvPr>
+          <p:cNvPicPr>
+            <a:picLocks noChangeAspect="1"/>
+          </p:cNvPicPr>
+          <p:nvPr/>
+        </p:nvPicPr>
+        <p:blipFill>
+          <a:blip r:embed="rId3"/>
+          <a:stretch>
+            <a:fillRect/>
+          </a:stretch>
+        </p:blipFill>
+        <p:spPr>
+          <a:xfrm>
+            <a:off x="5047432" y="2046644"/>
+            <a:ext cx="2296838" cy="2163042"/>
+          </a:xfrm>
+          <a:prstGeom prst="rect">
+            <a:avLst/>
+          </a:prstGeom>
+        </p:spPr>
+      </p:pic>
+      <p:pic>
+        <p:nvPicPr>
+          <p:cNvPr id="7" name="그림 6">
+            <a:extLst>
+              <a:ext uri="{FF2B5EF4-FFF2-40B4-BE49-F238E27FC236}">
+                <a16:creationId xmlns:a16="http://schemas.microsoft.com/office/drawing/2014/main" id="{AD980249-75F6-4524-8C8D-3D89B98AC79D}"/>
+              </a:ext>
+            </a:extLst>
+          </p:cNvPr>
+          <p:cNvPicPr>
+            <a:picLocks noChangeAspect="1"/>
+          </p:cNvPicPr>
+          <p:nvPr/>
+        </p:nvPicPr>
+        <p:blipFill>
+          <a:blip r:embed="rId4"/>
+          <a:stretch>
+            <a:fillRect/>
+          </a:stretch>
+        </p:blipFill>
+        <p:spPr>
+          <a:xfrm>
+            <a:off x="8242710" y="2052012"/>
+            <a:ext cx="2693303" cy="2157674"/>
+          </a:xfrm>
+          <a:prstGeom prst="rect">
+            <a:avLst/>
+          </a:prstGeom>
+        </p:spPr>
+      </p:pic>
+      <p:sp>
+        <p:nvSpPr>
+          <p:cNvPr id="8" name="TextBox 7">
+            <a:extLst>
+              <a:ext uri="{FF2B5EF4-FFF2-40B4-BE49-F238E27FC236}">
+                <a16:creationId xmlns:a16="http://schemas.microsoft.com/office/drawing/2014/main" id="{B02BEA5F-DE40-4E35-B22B-893761A69B70}"/>
+              </a:ext>
+            </a:extLst>
+          </p:cNvPr>
+          <p:cNvSpPr txBox="1"/>
+          <p:nvPr/>
+        </p:nvSpPr>
+        <p:spPr>
+          <a:xfrm>
+            <a:off x="1499179" y="4344623"/>
+            <a:ext cx="1608197" cy="369332"/>
+          </a:xfrm>
+          <a:prstGeom prst="rect">
+            <a:avLst/>
+          </a:prstGeom>
+          <a:noFill/>
+        </p:spPr>
         <p:txBody>
-          <a:bodyPr vert="horz" lIns="91440" tIns="45720" rIns="91440" bIns="45720" rtlCol="0">
-            <a:normAutofit fontScale="92500" lnSpcReduction="20000"/>
+          <a:bodyPr wrap="none" rtlCol="0">
+            <a:spAutoFit/>
           </a:bodyPr>
-          <a:lstStyle>
-            <a:lvl1pPr marL="0" indent="0" algn="ctr" defTabSz="914400" rtl="0" eaLnBrk="1" latinLnBrk="1" hangingPunct="1">
-              <a:lnSpc>
-                <a:spcPct val="90000"/>
-              </a:lnSpc>
-              <a:spcBef>
-                <a:spcPts val="1000"/>
-              </a:spcBef>
-              <a:buFont typeface="Arial" panose="020B0604020202020204" pitchFamily="34" charset="0"/>
-              <a:buNone/>
-              <a:defRPr sz="2400" kern="1200">
-                <a:solidFill>
-                  <a:schemeClr val="tx1"/>
-                </a:solidFill>
-                <a:latin typeface="+mn-lt"/>
-                <a:ea typeface="+mn-ea"/>
-                <a:cs typeface="+mn-cs"/>
-              </a:defRPr>
-            </a:lvl1pPr>
-            <a:lvl2pPr marL="457200" indent="0" algn="ctr" defTabSz="914400" rtl="0" eaLnBrk="1" latinLnBrk="1" hangingPunct="1">
-              <a:lnSpc>
-                <a:spcPct val="90000"/>
-              </a:lnSpc>
-              <a:spcBef>
-                <a:spcPts val="500"/>
-              </a:spcBef>
-              <a:buFont typeface="Arial" panose="020B0604020202020204" pitchFamily="34" charset="0"/>
-              <a:buNone/>
-              <a:defRPr sz="2000" kern="1200">
-                <a:solidFill>
-                  <a:schemeClr val="tx1"/>
-                </a:solidFill>
-                <a:latin typeface="+mn-lt"/>
-                <a:ea typeface="+mn-ea"/>
-                <a:cs typeface="+mn-cs"/>
-              </a:defRPr>
-            </a:lvl2pPr>
-            <a:lvl3pPr marL="914400" indent="0" algn="ctr" defTabSz="914400" rtl="0" eaLnBrk="1" latinLnBrk="1" hangingPunct="1">
-              <a:lnSpc>
-                <a:spcPct val="90000"/>
-              </a:lnSpc>
-              <a:spcBef>
-                <a:spcPts val="500"/>
-              </a:spcBef>
-              <a:buFont typeface="Arial" panose="020B0604020202020204" pitchFamily="34" charset="0"/>
-              <a:buNone/>
-              <a:defRPr sz="1800" kern="1200">
-                <a:solidFill>
-                  <a:schemeClr val="tx1"/>
-                </a:solidFill>
-                <a:latin typeface="+mn-lt"/>
-                <a:ea typeface="+mn-ea"/>
-                <a:cs typeface="+mn-cs"/>
-              </a:defRPr>
-            </a:lvl3pPr>
-            <a:lvl4pPr marL="1371600" indent="0" algn="ctr" defTabSz="914400" rtl="0" eaLnBrk="1" latinLnBrk="1" hangingPunct="1">
-              <a:lnSpc>
-                <a:spcPct val="90000"/>
-              </a:lnSpc>
-              <a:spcBef>
-                <a:spcPts val="500"/>
-              </a:spcBef>
-              <a:buFont typeface="Arial" panose="020B0604020202020204" pitchFamily="34" charset="0"/>
-              <a:buNone/>
-              <a:defRPr sz="1600" kern="1200">
-                <a:solidFill>
-                  <a:schemeClr val="tx1"/>
-                </a:solidFill>
-                <a:latin typeface="+mn-lt"/>
-                <a:ea typeface="+mn-ea"/>
-                <a:cs typeface="+mn-cs"/>
-              </a:defRPr>
-            </a:lvl4pPr>
-            <a:lvl5pPr marL="1828800" indent="0" algn="ctr" defTabSz="914400" rtl="0" eaLnBrk="1" latinLnBrk="1" hangingPunct="1">
-              <a:lnSpc>
-                <a:spcPct val="90000"/>
-              </a:lnSpc>
-              <a:spcBef>
-                <a:spcPts val="500"/>
-              </a:spcBef>
-              <a:buFont typeface="Arial" panose="020B0604020202020204" pitchFamily="34" charset="0"/>
-              <a:buNone/>
-              <a:defRPr sz="1600" kern="1200">
-                <a:solidFill>
-                  <a:schemeClr val="tx1"/>
-                </a:solidFill>
-                <a:latin typeface="+mn-lt"/>
-                <a:ea typeface="+mn-ea"/>
-                <a:cs typeface="+mn-cs"/>
-              </a:defRPr>
-            </a:lvl5pPr>
-            <a:lvl6pPr marL="2286000" indent="0" algn="ctr" defTabSz="914400" rtl="0" eaLnBrk="1" latinLnBrk="1" hangingPunct="1">
-              <a:lnSpc>
-                <a:spcPct val="90000"/>
-              </a:lnSpc>
-              <a:spcBef>
-                <a:spcPts val="500"/>
-              </a:spcBef>
-              <a:buFont typeface="Arial" panose="020B0604020202020204" pitchFamily="34" charset="0"/>
-              <a:buNone/>
-              <a:defRPr sz="1600" kern="1200">
-                <a:solidFill>
-                  <a:schemeClr val="tx1"/>
-                </a:solidFill>
-                <a:latin typeface="+mn-lt"/>
-                <a:ea typeface="+mn-ea"/>
-                <a:cs typeface="+mn-cs"/>
-              </a:defRPr>
-            </a:lvl6pPr>
-            <a:lvl7pPr marL="2743200" indent="0" algn="ctr" defTabSz="914400" rtl="0" eaLnBrk="1" latinLnBrk="1" hangingPunct="1">
-              <a:lnSpc>
-                <a:spcPct val="90000"/>
-              </a:lnSpc>
-              <a:spcBef>
-                <a:spcPts val="500"/>
-              </a:spcBef>
-              <a:buFont typeface="Arial" panose="020B0604020202020204" pitchFamily="34" charset="0"/>
-              <a:buNone/>
-              <a:defRPr sz="1600" kern="1200">
-                <a:solidFill>
-                  <a:schemeClr val="tx1"/>
-                </a:solidFill>
-                <a:latin typeface="+mn-lt"/>
-                <a:ea typeface="+mn-ea"/>
-                <a:cs typeface="+mn-cs"/>
-              </a:defRPr>
-            </a:lvl7pPr>
-            <a:lvl8pPr marL="3200400" indent="0" algn="ctr" defTabSz="914400" rtl="0" eaLnBrk="1" latinLnBrk="1" hangingPunct="1">
-              <a:lnSpc>
-                <a:spcPct val="90000"/>
-              </a:lnSpc>
-              <a:spcBef>
-                <a:spcPts val="500"/>
-              </a:spcBef>
-              <a:buFont typeface="Arial" panose="020B0604020202020204" pitchFamily="34" charset="0"/>
-              <a:buNone/>
-              <a:defRPr sz="1600" kern="1200">
-                <a:solidFill>
-                  <a:schemeClr val="tx1"/>
-                </a:solidFill>
-                <a:latin typeface="+mn-lt"/>
-                <a:ea typeface="+mn-ea"/>
-                <a:cs typeface="+mn-cs"/>
-              </a:defRPr>
-            </a:lvl8pPr>
-            <a:lvl9pPr marL="3657600" indent="0" algn="ctr" defTabSz="914400" rtl="0" eaLnBrk="1" latinLnBrk="1" hangingPunct="1">
-              <a:lnSpc>
-                <a:spcPct val="90000"/>
-              </a:lnSpc>
-              <a:spcBef>
-                <a:spcPts val="500"/>
-              </a:spcBef>
-              <a:buFont typeface="Arial" panose="020B0604020202020204" pitchFamily="34" charset="0"/>
-              <a:buNone/>
-              <a:defRPr sz="1600" kern="1200">
-                <a:solidFill>
-                  <a:schemeClr val="tx1"/>
-                </a:solidFill>
-                <a:latin typeface="+mn-lt"/>
-                <a:ea typeface="+mn-ea"/>
-                <a:cs typeface="+mn-cs"/>
-              </a:defRPr>
-            </a:lvl9pPr>
-          </a:lstStyle>
-          <a:p>
-            <a:endParaRPr lang="en-US" altLang="ko-KR" sz="4000" dirty="0">
+          <a:lstStyle/>
+          <a:p>
+            <a:r>
+              <a:rPr lang="en-US" altLang="ko-KR" dirty="0" err="1">
+                <a:solidFill>
+                  <a:schemeClr val="accent1">
+                    <a:lumMod val="50000"/>
+                  </a:schemeClr>
+                </a:solidFill>
+              </a:rPr>
+              <a:t>.net</a:t>
+            </a:r>
+            <a:r>
+              <a:rPr lang="ko-KR" altLang="en-US" dirty="0">
+                <a:solidFill>
+                  <a:schemeClr val="accent1">
+                    <a:lumMod val="50000"/>
+                  </a:schemeClr>
+                </a:solidFill>
+              </a:rPr>
+              <a:t> </a:t>
+            </a:r>
+            <a:r>
+              <a:rPr lang="en-US" altLang="ko-KR" dirty="0">
+                <a:solidFill>
+                  <a:schemeClr val="accent1">
+                    <a:lumMod val="50000"/>
+                  </a:schemeClr>
+                </a:solidFill>
+              </a:rPr>
+              <a:t>core</a:t>
+            </a:r>
+            <a:r>
+              <a:rPr lang="ko-KR" altLang="en-US" dirty="0">
+                <a:solidFill>
+                  <a:schemeClr val="accent1">
+                    <a:lumMod val="50000"/>
+                  </a:schemeClr>
+                </a:solidFill>
+              </a:rPr>
+              <a:t> </a:t>
+            </a:r>
+            <a:r>
+              <a:rPr lang="en-US" altLang="ko-KR" dirty="0" err="1">
+                <a:solidFill>
+                  <a:schemeClr val="accent1">
+                    <a:lumMod val="50000"/>
+                  </a:schemeClr>
+                </a:solidFill>
+              </a:rPr>
+              <a:t>mvc</a:t>
+            </a:r>
+            <a:endParaRPr lang="ko-KR" altLang="en-US" dirty="0">
               <a:solidFill>
-                <a:schemeClr val="bg1"/>
+                <a:schemeClr val="accent1">
+                  <a:lumMod val="50000"/>
+                </a:schemeClr>
               </a:solidFill>
             </a:endParaRPr>
           </a:p>
-          <a:p>
-            <a:endParaRPr lang="en-US" altLang="ko-KR" sz="4000" dirty="0">
+        </p:txBody>
+      </p:sp>
+      <p:sp>
+        <p:nvSpPr>
+          <p:cNvPr id="10" name="TextBox 9">
+            <a:extLst>
+              <a:ext uri="{FF2B5EF4-FFF2-40B4-BE49-F238E27FC236}">
+                <a16:creationId xmlns:a16="http://schemas.microsoft.com/office/drawing/2014/main" id="{48752810-7859-434E-962A-628B250DFFC2}"/>
+              </a:ext>
+            </a:extLst>
+          </p:cNvPr>
+          <p:cNvSpPr txBox="1"/>
+          <p:nvPr/>
+        </p:nvSpPr>
+        <p:spPr>
+          <a:xfrm>
+            <a:off x="5047432" y="4348069"/>
+            <a:ext cx="1903983" cy="646331"/>
+          </a:xfrm>
+          <a:prstGeom prst="rect">
+            <a:avLst/>
+          </a:prstGeom>
+          <a:noFill/>
+        </p:spPr>
+        <p:txBody>
+          <a:bodyPr wrap="none" rtlCol="0">
+            <a:spAutoFit/>
+          </a:bodyPr>
+          <a:lstStyle/>
+          <a:p>
+            <a:r>
+              <a:rPr lang="en-US" altLang="ko-KR" dirty="0">
+                <a:solidFill>
+                  <a:schemeClr val="accent1">
+                    <a:lumMod val="50000"/>
+                  </a:schemeClr>
+                </a:solidFill>
+              </a:rPr>
+              <a:t>Windows</a:t>
+            </a:r>
+            <a:r>
+              <a:rPr lang="ko-KR" altLang="en-US" dirty="0">
+                <a:solidFill>
+                  <a:schemeClr val="accent1">
+                    <a:lumMod val="50000"/>
+                  </a:schemeClr>
+                </a:solidFill>
+              </a:rPr>
+              <a:t> </a:t>
+            </a:r>
+            <a:r>
+              <a:rPr lang="en-US" altLang="ko-KR" dirty="0">
+                <a:solidFill>
+                  <a:schemeClr val="accent1">
+                    <a:lumMod val="50000"/>
+                  </a:schemeClr>
+                </a:solidFill>
+              </a:rPr>
+              <a:t>Form</a:t>
+            </a:r>
+          </a:p>
+          <a:p>
+            <a:r>
+              <a:rPr lang="en-US" altLang="ko-KR" dirty="0">
+                <a:solidFill>
+                  <a:schemeClr val="accent1">
+                    <a:lumMod val="50000"/>
+                  </a:schemeClr>
+                </a:solidFill>
+              </a:rPr>
+              <a:t>(</a:t>
+            </a:r>
+            <a:r>
+              <a:rPr lang="en-US" altLang="ko-KR" dirty="0" err="1">
+                <a:solidFill>
+                  <a:schemeClr val="accent1">
+                    <a:lumMod val="50000"/>
+                  </a:schemeClr>
+                </a:solidFill>
+              </a:rPr>
+              <a:t>.net</a:t>
+            </a:r>
+            <a:r>
+              <a:rPr lang="en-US" altLang="ko-KR" dirty="0">
+                <a:solidFill>
+                  <a:schemeClr val="accent1">
+                    <a:lumMod val="50000"/>
+                  </a:schemeClr>
+                </a:solidFill>
+              </a:rPr>
+              <a:t> framework)</a:t>
+            </a:r>
+            <a:endParaRPr lang="ko-KR" altLang="en-US" dirty="0">
               <a:solidFill>
-                <a:schemeClr val="bg1"/>
+                <a:schemeClr val="accent1">
+                  <a:lumMod val="50000"/>
+                </a:schemeClr>
               </a:solidFill>
             </a:endParaRPr>
           </a:p>
-          <a:p>
-            <a:r>
-              <a:rPr lang="en-US" altLang="ko-KR" sz="4000" dirty="0">
-                <a:solidFill>
-                  <a:schemeClr val="bg1"/>
-                </a:solidFill>
-              </a:rPr>
-              <a:t>Part 3</a:t>
-            </a:r>
-            <a:endParaRPr lang="ko-KR" altLang="en-US" sz="4000" dirty="0">
+        </p:txBody>
+      </p:sp>
+      <p:sp>
+        <p:nvSpPr>
+          <p:cNvPr id="11" name="TextBox 10">
+            <a:extLst>
+              <a:ext uri="{FF2B5EF4-FFF2-40B4-BE49-F238E27FC236}">
+                <a16:creationId xmlns:a16="http://schemas.microsoft.com/office/drawing/2014/main" id="{43188C98-B7D3-4F77-8B1C-49112CF37504}"/>
+              </a:ext>
+            </a:extLst>
+          </p:cNvPr>
+          <p:cNvSpPr txBox="1"/>
+          <p:nvPr/>
+        </p:nvSpPr>
+        <p:spPr>
+          <a:xfrm>
+            <a:off x="8245945" y="4353474"/>
+            <a:ext cx="1310487" cy="369332"/>
+          </a:xfrm>
+          <a:prstGeom prst="rect">
+            <a:avLst/>
+          </a:prstGeom>
+          <a:noFill/>
+        </p:spPr>
+        <p:txBody>
+          <a:bodyPr wrap="none" rtlCol="0">
+            <a:spAutoFit/>
+          </a:bodyPr>
+          <a:lstStyle/>
+          <a:p>
+            <a:r>
+              <a:rPr lang="en-US" altLang="ko-KR" dirty="0">
+                <a:solidFill>
+                  <a:schemeClr val="accent1">
+                    <a:lumMod val="50000"/>
+                  </a:schemeClr>
+                </a:solidFill>
+              </a:rPr>
+              <a:t>SQL server</a:t>
+            </a:r>
+            <a:endParaRPr lang="ko-KR" altLang="en-US" dirty="0">
               <a:solidFill>
-                <a:schemeClr val="bg1"/>
+                <a:schemeClr val="accent1">
+                  <a:lumMod val="50000"/>
+                </a:schemeClr>
               </a:solidFill>
             </a:endParaRPr>
           </a:p>
@@ -4935,7 +4960,7 @@
     </p:spTree>
     <p:extLst>
       <p:ext uri="{BB962C8B-B14F-4D97-AF65-F5344CB8AC3E}">
-        <p14:creationId xmlns:p14="http://schemas.microsoft.com/office/powerpoint/2010/main" val="2741752085"/>
+        <p14:creationId xmlns:p14="http://schemas.microsoft.com/office/powerpoint/2010/main" val="3180074486"/>
       </p:ext>
     </p:extLst>
   </p:cSld>
@@ -4964,10 +4989,10 @@
       </p:grpSpPr>
       <p:sp>
         <p:nvSpPr>
-          <p:cNvPr id="13" name="직사각형 12">
-            <a:extLst>
-              <a:ext uri="{FF2B5EF4-FFF2-40B4-BE49-F238E27FC236}">
-                <a16:creationId xmlns:a16="http://schemas.microsoft.com/office/drawing/2014/main" id="{03A9D439-D89E-41D7-829A-66144A0735B5}"/>
+          <p:cNvPr id="5" name="직사각형 4">
+            <a:extLst>
+              <a:ext uri="{FF2B5EF4-FFF2-40B4-BE49-F238E27FC236}">
+                <a16:creationId xmlns:a16="http://schemas.microsoft.com/office/drawing/2014/main" id="{5474E9E2-9B3C-4EC3-B438-30E252BD8CD9}"/>
               </a:ext>
             </a:extLst>
           </p:cNvPr>
@@ -5030,6 +5055,397 @@
           <a:lstStyle/>
           <a:p>
             <a:pPr algn="ctr"/>
+            <a:endParaRPr lang="ko-KR" altLang="en-US">
+              <a:solidFill>
+                <a:schemeClr val="bg1"/>
+              </a:solidFill>
+            </a:endParaRPr>
+          </a:p>
+        </p:txBody>
+      </p:sp>
+      <p:sp>
+        <p:nvSpPr>
+          <p:cNvPr id="2" name="제목 1">
+            <a:extLst>
+              <a:ext uri="{FF2B5EF4-FFF2-40B4-BE49-F238E27FC236}">
+                <a16:creationId xmlns:a16="http://schemas.microsoft.com/office/drawing/2014/main" id="{39B2E460-8AC4-4330-A692-40F926351511}"/>
+              </a:ext>
+            </a:extLst>
+          </p:cNvPr>
+          <p:cNvSpPr>
+            <a:spLocks noGrp="1"/>
+          </p:cNvSpPr>
+          <p:nvPr>
+            <p:ph type="ctrTitle"/>
+          </p:nvPr>
+        </p:nvSpPr>
+        <p:spPr/>
+        <p:txBody>
+          <a:bodyPr>
+            <a:normAutofit/>
+          </a:bodyPr>
+          <a:lstStyle/>
+          <a:p>
+            <a:r>
+              <a:rPr lang="ko-KR" altLang="en-US" sz="5500" dirty="0">
+                <a:solidFill>
+                  <a:schemeClr val="bg1"/>
+                </a:solidFill>
+              </a:rPr>
+              <a:t>프로젝트 설명</a:t>
+            </a:r>
+          </a:p>
+        </p:txBody>
+      </p:sp>
+      <p:sp>
+        <p:nvSpPr>
+          <p:cNvPr id="3" name="부제목 2">
+            <a:extLst>
+              <a:ext uri="{FF2B5EF4-FFF2-40B4-BE49-F238E27FC236}">
+                <a16:creationId xmlns:a16="http://schemas.microsoft.com/office/drawing/2014/main" id="{7B10D53B-7DA4-4430-8DBC-616224373F6B}"/>
+              </a:ext>
+            </a:extLst>
+          </p:cNvPr>
+          <p:cNvSpPr>
+            <a:spLocks noGrp="1"/>
+          </p:cNvSpPr>
+          <p:nvPr>
+            <p:ph type="subTitle" idx="1"/>
+          </p:nvPr>
+        </p:nvSpPr>
+        <p:spPr/>
+        <p:txBody>
+          <a:bodyPr/>
+          <a:lstStyle/>
+          <a:p>
+            <a:endParaRPr lang="ko-KR" altLang="en-US">
+              <a:solidFill>
+                <a:schemeClr val="bg1"/>
+              </a:solidFill>
+            </a:endParaRPr>
+          </a:p>
+        </p:txBody>
+      </p:sp>
+      <p:sp>
+        <p:nvSpPr>
+          <p:cNvPr id="4" name="부제목 2">
+            <a:extLst>
+              <a:ext uri="{FF2B5EF4-FFF2-40B4-BE49-F238E27FC236}">
+                <a16:creationId xmlns:a16="http://schemas.microsoft.com/office/drawing/2014/main" id="{B42ED9AE-F13F-4AFD-BD3D-345418301642}"/>
+              </a:ext>
+            </a:extLst>
+          </p:cNvPr>
+          <p:cNvSpPr txBox="1">
+            <a:spLocks/>
+          </p:cNvSpPr>
+          <p:nvPr/>
+        </p:nvSpPr>
+        <p:spPr>
+          <a:xfrm>
+            <a:off x="1440110" y="875616"/>
+            <a:ext cx="9144000" cy="1655762"/>
+          </a:xfrm>
+          <a:prstGeom prst="rect">
+            <a:avLst/>
+          </a:prstGeom>
+        </p:spPr>
+        <p:txBody>
+          <a:bodyPr vert="horz" lIns="91440" tIns="45720" rIns="91440" bIns="45720" rtlCol="0">
+            <a:normAutofit fontScale="92500" lnSpcReduction="20000"/>
+          </a:bodyPr>
+          <a:lstStyle>
+            <a:lvl1pPr marL="0" indent="0" algn="ctr" defTabSz="914400" rtl="0" eaLnBrk="1" latinLnBrk="1" hangingPunct="1">
+              <a:lnSpc>
+                <a:spcPct val="90000"/>
+              </a:lnSpc>
+              <a:spcBef>
+                <a:spcPts val="1000"/>
+              </a:spcBef>
+              <a:buFont typeface="Arial" panose="020B0604020202020204" pitchFamily="34" charset="0"/>
+              <a:buNone/>
+              <a:defRPr sz="2400" kern="1200">
+                <a:solidFill>
+                  <a:schemeClr val="tx1"/>
+                </a:solidFill>
+                <a:latin typeface="+mn-lt"/>
+                <a:ea typeface="+mn-ea"/>
+                <a:cs typeface="+mn-cs"/>
+              </a:defRPr>
+            </a:lvl1pPr>
+            <a:lvl2pPr marL="457200" indent="0" algn="ctr" defTabSz="914400" rtl="0" eaLnBrk="1" latinLnBrk="1" hangingPunct="1">
+              <a:lnSpc>
+                <a:spcPct val="90000"/>
+              </a:lnSpc>
+              <a:spcBef>
+                <a:spcPts val="500"/>
+              </a:spcBef>
+              <a:buFont typeface="Arial" panose="020B0604020202020204" pitchFamily="34" charset="0"/>
+              <a:buNone/>
+              <a:defRPr sz="2000" kern="1200">
+                <a:solidFill>
+                  <a:schemeClr val="tx1"/>
+                </a:solidFill>
+                <a:latin typeface="+mn-lt"/>
+                <a:ea typeface="+mn-ea"/>
+                <a:cs typeface="+mn-cs"/>
+              </a:defRPr>
+            </a:lvl2pPr>
+            <a:lvl3pPr marL="914400" indent="0" algn="ctr" defTabSz="914400" rtl="0" eaLnBrk="1" latinLnBrk="1" hangingPunct="1">
+              <a:lnSpc>
+                <a:spcPct val="90000"/>
+              </a:lnSpc>
+              <a:spcBef>
+                <a:spcPts val="500"/>
+              </a:spcBef>
+              <a:buFont typeface="Arial" panose="020B0604020202020204" pitchFamily="34" charset="0"/>
+              <a:buNone/>
+              <a:defRPr sz="1800" kern="1200">
+                <a:solidFill>
+                  <a:schemeClr val="tx1"/>
+                </a:solidFill>
+                <a:latin typeface="+mn-lt"/>
+                <a:ea typeface="+mn-ea"/>
+                <a:cs typeface="+mn-cs"/>
+              </a:defRPr>
+            </a:lvl3pPr>
+            <a:lvl4pPr marL="1371600" indent="0" algn="ctr" defTabSz="914400" rtl="0" eaLnBrk="1" latinLnBrk="1" hangingPunct="1">
+              <a:lnSpc>
+                <a:spcPct val="90000"/>
+              </a:lnSpc>
+              <a:spcBef>
+                <a:spcPts val="500"/>
+              </a:spcBef>
+              <a:buFont typeface="Arial" panose="020B0604020202020204" pitchFamily="34" charset="0"/>
+              <a:buNone/>
+              <a:defRPr sz="1600" kern="1200">
+                <a:solidFill>
+                  <a:schemeClr val="tx1"/>
+                </a:solidFill>
+                <a:latin typeface="+mn-lt"/>
+                <a:ea typeface="+mn-ea"/>
+                <a:cs typeface="+mn-cs"/>
+              </a:defRPr>
+            </a:lvl4pPr>
+            <a:lvl5pPr marL="1828800" indent="0" algn="ctr" defTabSz="914400" rtl="0" eaLnBrk="1" latinLnBrk="1" hangingPunct="1">
+              <a:lnSpc>
+                <a:spcPct val="90000"/>
+              </a:lnSpc>
+              <a:spcBef>
+                <a:spcPts val="500"/>
+              </a:spcBef>
+              <a:buFont typeface="Arial" panose="020B0604020202020204" pitchFamily="34" charset="0"/>
+              <a:buNone/>
+              <a:defRPr sz="1600" kern="1200">
+                <a:solidFill>
+                  <a:schemeClr val="tx1"/>
+                </a:solidFill>
+                <a:latin typeface="+mn-lt"/>
+                <a:ea typeface="+mn-ea"/>
+                <a:cs typeface="+mn-cs"/>
+              </a:defRPr>
+            </a:lvl5pPr>
+            <a:lvl6pPr marL="2286000" indent="0" algn="ctr" defTabSz="914400" rtl="0" eaLnBrk="1" latinLnBrk="1" hangingPunct="1">
+              <a:lnSpc>
+                <a:spcPct val="90000"/>
+              </a:lnSpc>
+              <a:spcBef>
+                <a:spcPts val="500"/>
+              </a:spcBef>
+              <a:buFont typeface="Arial" panose="020B0604020202020204" pitchFamily="34" charset="0"/>
+              <a:buNone/>
+              <a:defRPr sz="1600" kern="1200">
+                <a:solidFill>
+                  <a:schemeClr val="tx1"/>
+                </a:solidFill>
+                <a:latin typeface="+mn-lt"/>
+                <a:ea typeface="+mn-ea"/>
+                <a:cs typeface="+mn-cs"/>
+              </a:defRPr>
+            </a:lvl6pPr>
+            <a:lvl7pPr marL="2743200" indent="0" algn="ctr" defTabSz="914400" rtl="0" eaLnBrk="1" latinLnBrk="1" hangingPunct="1">
+              <a:lnSpc>
+                <a:spcPct val="90000"/>
+              </a:lnSpc>
+              <a:spcBef>
+                <a:spcPts val="500"/>
+              </a:spcBef>
+              <a:buFont typeface="Arial" panose="020B0604020202020204" pitchFamily="34" charset="0"/>
+              <a:buNone/>
+              <a:defRPr sz="1600" kern="1200">
+                <a:solidFill>
+                  <a:schemeClr val="tx1"/>
+                </a:solidFill>
+                <a:latin typeface="+mn-lt"/>
+                <a:ea typeface="+mn-ea"/>
+                <a:cs typeface="+mn-cs"/>
+              </a:defRPr>
+            </a:lvl7pPr>
+            <a:lvl8pPr marL="3200400" indent="0" algn="ctr" defTabSz="914400" rtl="0" eaLnBrk="1" latinLnBrk="1" hangingPunct="1">
+              <a:lnSpc>
+                <a:spcPct val="90000"/>
+              </a:lnSpc>
+              <a:spcBef>
+                <a:spcPts val="500"/>
+              </a:spcBef>
+              <a:buFont typeface="Arial" panose="020B0604020202020204" pitchFamily="34" charset="0"/>
+              <a:buNone/>
+              <a:defRPr sz="1600" kern="1200">
+                <a:solidFill>
+                  <a:schemeClr val="tx1"/>
+                </a:solidFill>
+                <a:latin typeface="+mn-lt"/>
+                <a:ea typeface="+mn-ea"/>
+                <a:cs typeface="+mn-cs"/>
+              </a:defRPr>
+            </a:lvl8pPr>
+            <a:lvl9pPr marL="3657600" indent="0" algn="ctr" defTabSz="914400" rtl="0" eaLnBrk="1" latinLnBrk="1" hangingPunct="1">
+              <a:lnSpc>
+                <a:spcPct val="90000"/>
+              </a:lnSpc>
+              <a:spcBef>
+                <a:spcPts val="500"/>
+              </a:spcBef>
+              <a:buFont typeface="Arial" panose="020B0604020202020204" pitchFamily="34" charset="0"/>
+              <a:buNone/>
+              <a:defRPr sz="1600" kern="1200">
+                <a:solidFill>
+                  <a:schemeClr val="tx1"/>
+                </a:solidFill>
+                <a:latin typeface="+mn-lt"/>
+                <a:ea typeface="+mn-ea"/>
+                <a:cs typeface="+mn-cs"/>
+              </a:defRPr>
+            </a:lvl9pPr>
+          </a:lstStyle>
+          <a:p>
+            <a:endParaRPr lang="en-US" altLang="ko-KR" sz="4000" dirty="0">
+              <a:solidFill>
+                <a:schemeClr val="bg1"/>
+              </a:solidFill>
+            </a:endParaRPr>
+          </a:p>
+          <a:p>
+            <a:endParaRPr lang="en-US" altLang="ko-KR" sz="4000" dirty="0">
+              <a:solidFill>
+                <a:schemeClr val="bg1"/>
+              </a:solidFill>
+            </a:endParaRPr>
+          </a:p>
+          <a:p>
+            <a:r>
+              <a:rPr lang="en-US" altLang="ko-KR" sz="4000" dirty="0">
+                <a:solidFill>
+                  <a:schemeClr val="bg1"/>
+                </a:solidFill>
+              </a:rPr>
+              <a:t>Part 3</a:t>
+            </a:r>
+            <a:endParaRPr lang="ko-KR" altLang="en-US" sz="4000" dirty="0">
+              <a:solidFill>
+                <a:schemeClr val="bg1"/>
+              </a:solidFill>
+            </a:endParaRPr>
+          </a:p>
+        </p:txBody>
+      </p:sp>
+    </p:spTree>
+    <p:extLst>
+      <p:ext uri="{BB962C8B-B14F-4D97-AF65-F5344CB8AC3E}">
+        <p14:creationId xmlns:p14="http://schemas.microsoft.com/office/powerpoint/2010/main" val="2741752085"/>
+      </p:ext>
+    </p:extLst>
+  </p:cSld>
+  <p:clrMapOvr>
+    <a:masterClrMapping/>
+  </p:clrMapOvr>
+</p:sld>
+</file>
+
+<file path=ppt/slides/slide13.xml><?xml version="1.0" encoding="utf-8"?>
+<p:sld xmlns:a="http://schemas.openxmlformats.org/drawingml/2006/main" xmlns:r="http://schemas.openxmlformats.org/officeDocument/2006/relationships" xmlns:p="http://schemas.openxmlformats.org/presentationml/2006/main">
+  <p:cSld>
+    <p:spTree>
+      <p:nvGrpSpPr>
+        <p:cNvPr id="1" name=""/>
+        <p:cNvGrpSpPr/>
+        <p:nvPr/>
+      </p:nvGrpSpPr>
+      <p:grpSpPr>
+        <a:xfrm>
+          <a:off x="0" y="0"/>
+          <a:ext cx="0" cy="0"/>
+          <a:chOff x="0" y="0"/>
+          <a:chExt cx="0" cy="0"/>
+        </a:xfrm>
+      </p:grpSpPr>
+      <p:sp>
+        <p:nvSpPr>
+          <p:cNvPr id="13" name="직사각형 12">
+            <a:extLst>
+              <a:ext uri="{FF2B5EF4-FFF2-40B4-BE49-F238E27FC236}">
+                <a16:creationId xmlns:a16="http://schemas.microsoft.com/office/drawing/2014/main" id="{03A9D439-D89E-41D7-829A-66144A0735B5}"/>
+              </a:ext>
+            </a:extLst>
+          </p:cNvPr>
+          <p:cNvSpPr/>
+          <p:nvPr/>
+        </p:nvSpPr>
+        <p:spPr>
+          <a:xfrm>
+            <a:off x="0" y="1"/>
+            <a:ext cx="12192000" cy="6858000"/>
+          </a:xfrm>
+          <a:prstGeom prst="rect">
+            <a:avLst/>
+          </a:prstGeom>
+          <a:gradFill flip="none" rotWithShape="1">
+            <a:gsLst>
+              <a:gs pos="41000">
+                <a:srgbClr val="3C6CC2"/>
+              </a:gs>
+              <a:gs pos="23000">
+                <a:srgbClr val="5781CA"/>
+              </a:gs>
+              <a:gs pos="5000">
+                <a:srgbClr val="9AB4DE"/>
+              </a:gs>
+              <a:gs pos="56000">
+                <a:schemeClr val="accent1">
+                  <a:lumMod val="75000"/>
+                </a:schemeClr>
+              </a:gs>
+              <a:gs pos="77000">
+                <a:srgbClr val="28477E"/>
+              </a:gs>
+              <a:gs pos="100000">
+                <a:srgbClr val="0F1A2F"/>
+              </a:gs>
+            </a:gsLst>
+            <a:lin ang="13500000" scaled="1"/>
+            <a:tileRect/>
+          </a:gradFill>
+        </p:spPr>
+        <p:style>
+          <a:lnRef idx="2">
+            <a:schemeClr val="accent1">
+              <a:shade val="50000"/>
+            </a:schemeClr>
+          </a:lnRef>
+          <a:fillRef idx="1">
+            <a:schemeClr val="accent1"/>
+          </a:fillRef>
+          <a:effectRef idx="0">
+            <a:schemeClr val="accent1"/>
+          </a:effectRef>
+          <a:fontRef idx="minor">
+            <a:schemeClr val="lt1"/>
+          </a:fontRef>
+        </p:style>
+        <p:txBody>
+          <a:bodyPr rtlCol="0" anchor="ctr"/>
+          <a:lstStyle/>
+          <a:p>
+            <a:pPr algn="ctr"/>
             <a:endParaRPr lang="ko-KR" altLang="en-US"/>
           </a:p>
         </p:txBody>
@@ -5372,7 +5788,7 @@
 </p:sld>
 </file>
 
-<file path=ppt/slides/slide13.xml><?xml version="1.0" encoding="utf-8"?>
+<file path=ppt/slides/slide14.xml><?xml version="1.0" encoding="utf-8"?>
 <p:sld xmlns:a="http://schemas.openxmlformats.org/drawingml/2006/main" xmlns:r="http://schemas.openxmlformats.org/officeDocument/2006/relationships" xmlns:p="http://schemas.openxmlformats.org/presentationml/2006/main">
   <p:cSld>
     <p:spTree>
@@ -6058,7 +6474,7 @@
 </p:sld>
 </file>
 
-<file path=ppt/slides/slide14.xml><?xml version="1.0" encoding="utf-8"?>
+<file path=ppt/slides/slide15.xml><?xml version="1.0" encoding="utf-8"?>
 <p:sld xmlns:a="http://schemas.openxmlformats.org/drawingml/2006/main" xmlns:r="http://schemas.openxmlformats.org/officeDocument/2006/relationships" xmlns:p="http://schemas.openxmlformats.org/presentationml/2006/main">
   <p:cSld>
     <p:spTree>
@@ -6751,7 +7167,7 @@
 </p:sld>
 </file>
 
-<file path=ppt/slides/slide15.xml><?xml version="1.0" encoding="utf-8"?>
+<file path=ppt/slides/slide16.xml><?xml version="1.0" encoding="utf-8"?>
 <p:sld xmlns:a="http://schemas.openxmlformats.org/drawingml/2006/main" xmlns:r="http://schemas.openxmlformats.org/officeDocument/2006/relationships" xmlns:p="http://schemas.openxmlformats.org/presentationml/2006/main">
   <p:cSld>
     <p:spTree>
@@ -7262,7 +7678,7 @@
 </p:sld>
 </file>
 
-<file path=ppt/slides/slide16.xml><?xml version="1.0" encoding="utf-8"?>
+<file path=ppt/slides/slide17.xml><?xml version="1.0" encoding="utf-8"?>
 <p:sld xmlns:a="http://schemas.openxmlformats.org/drawingml/2006/main" xmlns:r="http://schemas.openxmlformats.org/officeDocument/2006/relationships" xmlns:p="http://schemas.openxmlformats.org/presentationml/2006/main">
   <p:cSld>
     <p:spTree>
@@ -10560,7 +10976,7 @@
 </p:sld>
 </file>
 
-<file path=ppt/slides/slide17.xml><?xml version="1.0" encoding="utf-8"?>
+<file path=ppt/slides/slide18.xml><?xml version="1.0" encoding="utf-8"?>
 <p:sld xmlns:a="http://schemas.openxmlformats.org/drawingml/2006/main" xmlns:r="http://schemas.openxmlformats.org/officeDocument/2006/relationships" xmlns:p="http://schemas.openxmlformats.org/presentationml/2006/main">
   <p:cSld>
     <p:spTree>
@@ -11093,7 +11509,7 @@
 </p:sld>
 </file>
 
-<file path=ppt/slides/slide18.xml><?xml version="1.0" encoding="utf-8"?>
+<file path=ppt/slides/slide19.xml><?xml version="1.0" encoding="utf-8"?>
 <p:sld xmlns:a="http://schemas.openxmlformats.org/drawingml/2006/main" xmlns:r="http://schemas.openxmlformats.org/officeDocument/2006/relationships" xmlns:p="http://schemas.openxmlformats.org/presentationml/2006/main">
   <p:cSld>
     <p:spTree>
@@ -11886,7 +12302,402 @@
 </p:sld>
 </file>
 
-<file path=ppt/slides/slide19.xml><?xml version="1.0" encoding="utf-8"?>
+<file path=ppt/slides/slide2.xml><?xml version="1.0" encoding="utf-8"?>
+<p:sld xmlns:a="http://schemas.openxmlformats.org/drawingml/2006/main" xmlns:r="http://schemas.openxmlformats.org/officeDocument/2006/relationships" xmlns:p="http://schemas.openxmlformats.org/presentationml/2006/main">
+  <p:cSld>
+    <p:spTree>
+      <p:nvGrpSpPr>
+        <p:cNvPr id="1" name=""/>
+        <p:cNvGrpSpPr/>
+        <p:nvPr/>
+      </p:nvGrpSpPr>
+      <p:grpSpPr>
+        <a:xfrm>
+          <a:off x="0" y="0"/>
+          <a:ext cx="0" cy="0"/>
+          <a:chOff x="0" y="0"/>
+          <a:chExt cx="0" cy="0"/>
+        </a:xfrm>
+      </p:grpSpPr>
+      <p:sp>
+        <p:nvSpPr>
+          <p:cNvPr id="4" name="직사각형 3">
+            <a:extLst>
+              <a:ext uri="{FF2B5EF4-FFF2-40B4-BE49-F238E27FC236}">
+                <a16:creationId xmlns:a16="http://schemas.microsoft.com/office/drawing/2014/main" id="{B7FDB4A6-5E08-4BFC-816F-27705D182473}"/>
+              </a:ext>
+            </a:extLst>
+          </p:cNvPr>
+          <p:cNvSpPr/>
+          <p:nvPr/>
+        </p:nvSpPr>
+        <p:spPr>
+          <a:xfrm>
+            <a:off x="0" y="1"/>
+            <a:ext cx="12192000" cy="6858000"/>
+          </a:xfrm>
+          <a:prstGeom prst="rect">
+            <a:avLst/>
+          </a:prstGeom>
+          <a:gradFill flip="none" rotWithShape="1">
+            <a:gsLst>
+              <a:gs pos="41000">
+                <a:srgbClr val="3C6CC2"/>
+              </a:gs>
+              <a:gs pos="23000">
+                <a:srgbClr val="5781CA"/>
+              </a:gs>
+              <a:gs pos="5000">
+                <a:srgbClr val="9AB4DE"/>
+              </a:gs>
+              <a:gs pos="56000">
+                <a:schemeClr val="accent1">
+                  <a:lumMod val="75000"/>
+                </a:schemeClr>
+              </a:gs>
+              <a:gs pos="77000">
+                <a:srgbClr val="28477E"/>
+              </a:gs>
+              <a:gs pos="100000">
+                <a:srgbClr val="0F1A2F"/>
+              </a:gs>
+            </a:gsLst>
+            <a:lin ang="13500000" scaled="1"/>
+            <a:tileRect/>
+          </a:gradFill>
+        </p:spPr>
+        <p:style>
+          <a:lnRef idx="2">
+            <a:schemeClr val="accent1">
+              <a:shade val="50000"/>
+            </a:schemeClr>
+          </a:lnRef>
+          <a:fillRef idx="1">
+            <a:schemeClr val="accent1"/>
+          </a:fillRef>
+          <a:effectRef idx="0">
+            <a:schemeClr val="accent1"/>
+          </a:effectRef>
+          <a:fontRef idx="minor">
+            <a:schemeClr val="lt1"/>
+          </a:fontRef>
+        </p:style>
+        <p:txBody>
+          <a:bodyPr rtlCol="0" anchor="ctr"/>
+          <a:lstStyle/>
+          <a:p>
+            <a:pPr algn="ctr"/>
+            <a:endParaRPr lang="ko-KR" altLang="en-US"/>
+          </a:p>
+        </p:txBody>
+      </p:sp>
+      <p:sp>
+        <p:nvSpPr>
+          <p:cNvPr id="2" name="제목 1">
+            <a:extLst>
+              <a:ext uri="{FF2B5EF4-FFF2-40B4-BE49-F238E27FC236}">
+                <a16:creationId xmlns:a16="http://schemas.microsoft.com/office/drawing/2014/main" id="{42735CCD-7CE2-430C-9BFE-A4AE290A1A7D}"/>
+              </a:ext>
+            </a:extLst>
+          </p:cNvPr>
+          <p:cNvSpPr>
+            <a:spLocks noGrp="1"/>
+          </p:cNvSpPr>
+          <p:nvPr>
+            <p:ph type="title"/>
+          </p:nvPr>
+        </p:nvSpPr>
+        <p:spPr/>
+        <p:txBody>
+          <a:bodyPr/>
+          <a:lstStyle/>
+          <a:p>
+            <a:r>
+              <a:rPr lang="ko-KR" altLang="en-US" dirty="0">
+                <a:solidFill>
+                  <a:schemeClr val="bg1"/>
+                </a:solidFill>
+              </a:rPr>
+              <a:t>목차</a:t>
+            </a:r>
+          </a:p>
+        </p:txBody>
+      </p:sp>
+      <p:sp>
+        <p:nvSpPr>
+          <p:cNvPr id="3" name="내용 개체 틀 2">
+            <a:extLst>
+              <a:ext uri="{FF2B5EF4-FFF2-40B4-BE49-F238E27FC236}">
+                <a16:creationId xmlns:a16="http://schemas.microsoft.com/office/drawing/2014/main" id="{69BEF2B0-85AF-443E-9A28-F8B4EAD7CBDB}"/>
+              </a:ext>
+            </a:extLst>
+          </p:cNvPr>
+          <p:cNvSpPr>
+            <a:spLocks noGrp="1"/>
+          </p:cNvSpPr>
+          <p:nvPr>
+            <p:ph idx="1"/>
+          </p:nvPr>
+        </p:nvSpPr>
+        <p:spPr/>
+        <p:txBody>
+          <a:bodyPr>
+            <a:normAutofit/>
+          </a:bodyPr>
+          <a:lstStyle/>
+          <a:p>
+            <a:pPr marL="0" indent="0">
+              <a:buNone/>
+            </a:pPr>
+            <a:r>
+              <a:rPr lang="en-US" altLang="ko-KR" dirty="0">
+                <a:solidFill>
+                  <a:schemeClr val="bg1"/>
+                </a:solidFill>
+              </a:rPr>
+              <a:t>1. </a:t>
+            </a:r>
+            <a:r>
+              <a:rPr lang="ko-KR" altLang="en-US" dirty="0">
+                <a:solidFill>
+                  <a:schemeClr val="bg1"/>
+                </a:solidFill>
+              </a:rPr>
+              <a:t>프로젝트 개요</a:t>
+            </a:r>
+            <a:endParaRPr lang="en-US" altLang="ko-KR" dirty="0">
+              <a:solidFill>
+                <a:schemeClr val="bg1"/>
+              </a:solidFill>
+            </a:endParaRPr>
+          </a:p>
+          <a:p>
+            <a:pPr marL="0" indent="0">
+              <a:buNone/>
+            </a:pPr>
+            <a:r>
+              <a:rPr lang="en-US" altLang="ko-KR" dirty="0">
+                <a:solidFill>
+                  <a:schemeClr val="bg1"/>
+                </a:solidFill>
+              </a:rPr>
+              <a:t>2. </a:t>
+            </a:r>
+            <a:r>
+              <a:rPr lang="ko-KR" altLang="en-US" dirty="0">
+                <a:solidFill>
+                  <a:schemeClr val="bg1"/>
+                </a:solidFill>
+              </a:rPr>
+              <a:t>프로젝트 개발 환경</a:t>
+            </a:r>
+            <a:endParaRPr lang="en-US" altLang="ko-KR" dirty="0">
+              <a:solidFill>
+                <a:schemeClr val="bg1"/>
+              </a:solidFill>
+            </a:endParaRPr>
+          </a:p>
+          <a:p>
+            <a:pPr marL="0" indent="0">
+              <a:buNone/>
+            </a:pPr>
+            <a:r>
+              <a:rPr lang="en-US" altLang="ko-KR" dirty="0">
+                <a:solidFill>
+                  <a:schemeClr val="bg1"/>
+                </a:solidFill>
+              </a:rPr>
+              <a:t>3. </a:t>
+            </a:r>
+            <a:r>
+              <a:rPr lang="ko-KR" altLang="en-US" dirty="0">
+                <a:solidFill>
+                  <a:schemeClr val="bg1"/>
+                </a:solidFill>
+              </a:rPr>
+              <a:t>프로젝트 설명</a:t>
+            </a:r>
+            <a:endParaRPr lang="en-US" altLang="ko-KR" dirty="0">
+              <a:solidFill>
+                <a:schemeClr val="bg1"/>
+              </a:solidFill>
+            </a:endParaRPr>
+          </a:p>
+          <a:p>
+            <a:pPr marL="0" indent="0">
+              <a:buNone/>
+            </a:pPr>
+            <a:r>
+              <a:rPr lang="en-US" altLang="ko-KR" dirty="0">
+                <a:solidFill>
+                  <a:schemeClr val="bg1"/>
+                </a:solidFill>
+              </a:rPr>
+              <a:t>4. </a:t>
+            </a:r>
+            <a:r>
+              <a:rPr lang="ko-KR" altLang="en-US" dirty="0">
+                <a:solidFill>
+                  <a:schemeClr val="bg1"/>
+                </a:solidFill>
+              </a:rPr>
+              <a:t>프로젝트 일정 </a:t>
+            </a:r>
+            <a:r>
+              <a:rPr lang="en-US" altLang="ko-KR" dirty="0">
+                <a:solidFill>
+                  <a:schemeClr val="bg1"/>
+                </a:solidFill>
+              </a:rPr>
+              <a:t>&amp; </a:t>
+            </a:r>
+            <a:r>
+              <a:rPr lang="ko-KR" altLang="en-US" dirty="0">
+                <a:solidFill>
+                  <a:schemeClr val="bg1"/>
+                </a:solidFill>
+              </a:rPr>
+              <a:t>팀원 별 역할</a:t>
+            </a:r>
+            <a:endParaRPr lang="en-US" altLang="ko-KR" dirty="0">
+              <a:solidFill>
+                <a:schemeClr val="bg1"/>
+              </a:solidFill>
+            </a:endParaRPr>
+          </a:p>
+          <a:p>
+            <a:pPr marL="0" indent="0">
+              <a:buNone/>
+            </a:pPr>
+            <a:r>
+              <a:rPr lang="en-US" altLang="ko-KR" dirty="0">
+                <a:solidFill>
+                  <a:schemeClr val="bg1"/>
+                </a:solidFill>
+              </a:rPr>
+              <a:t>5. </a:t>
+            </a:r>
+            <a:r>
+              <a:rPr lang="ko-KR" altLang="en-US" dirty="0">
+                <a:solidFill>
+                  <a:schemeClr val="bg1"/>
+                </a:solidFill>
+              </a:rPr>
+              <a:t>시연</a:t>
+            </a:r>
+            <a:endParaRPr lang="en-US" altLang="ko-KR" dirty="0">
+              <a:solidFill>
+                <a:schemeClr val="bg1"/>
+              </a:solidFill>
+            </a:endParaRPr>
+          </a:p>
+          <a:p>
+            <a:pPr marL="0" indent="0">
+              <a:buNone/>
+            </a:pPr>
+            <a:r>
+              <a:rPr lang="en-US" altLang="ko-KR" dirty="0">
+                <a:solidFill>
+                  <a:schemeClr val="bg1"/>
+                </a:solidFill>
+              </a:rPr>
+              <a:t>6. </a:t>
+            </a:r>
+            <a:r>
+              <a:rPr lang="ko-KR" altLang="en-US" dirty="0">
+                <a:solidFill>
+                  <a:schemeClr val="bg1"/>
+                </a:solidFill>
+              </a:rPr>
+              <a:t>발표영상 링크</a:t>
+            </a:r>
+            <a:endParaRPr lang="en-US" altLang="ko-KR" dirty="0">
+              <a:solidFill>
+                <a:schemeClr val="bg1"/>
+              </a:solidFill>
+            </a:endParaRPr>
+          </a:p>
+          <a:p>
+            <a:pPr marL="0" indent="0">
+              <a:buNone/>
+            </a:pPr>
+            <a:r>
+              <a:rPr lang="en-US" altLang="ko-KR" dirty="0">
+                <a:solidFill>
+                  <a:schemeClr val="bg1"/>
+                </a:solidFill>
+              </a:rPr>
+              <a:t>7. </a:t>
+            </a:r>
+            <a:r>
+              <a:rPr lang="ko-KR" altLang="en-US" dirty="0">
+                <a:solidFill>
+                  <a:schemeClr val="bg1"/>
+                </a:solidFill>
+              </a:rPr>
+              <a:t>프로젝트 </a:t>
+            </a:r>
+            <a:r>
+              <a:rPr lang="en-US" altLang="ko-KR" dirty="0" err="1">
+                <a:solidFill>
+                  <a:schemeClr val="bg1"/>
+                </a:solidFill>
+              </a:rPr>
+              <a:t>github</a:t>
+            </a:r>
+            <a:r>
+              <a:rPr lang="ko-KR" altLang="en-US" dirty="0">
+                <a:solidFill>
+                  <a:schemeClr val="bg1"/>
+                </a:solidFill>
+              </a:rPr>
+              <a:t>링크</a:t>
+            </a:r>
+            <a:r>
+              <a:rPr lang="en-US" altLang="ko-KR" dirty="0">
+                <a:solidFill>
+                  <a:schemeClr val="bg1"/>
+                </a:solidFill>
+              </a:rPr>
+              <a:t>, commit </a:t>
+            </a:r>
+            <a:r>
+              <a:rPr lang="ko-KR" altLang="en-US" dirty="0">
+                <a:solidFill>
+                  <a:schemeClr val="bg1"/>
+                </a:solidFill>
+              </a:rPr>
+              <a:t>목록</a:t>
+            </a:r>
+            <a:endParaRPr lang="en-US" altLang="ko-KR" dirty="0">
+              <a:solidFill>
+                <a:schemeClr val="bg1"/>
+              </a:solidFill>
+            </a:endParaRPr>
+          </a:p>
+          <a:p>
+            <a:endParaRPr lang="ko-KR" altLang="en-US" dirty="0">
+              <a:solidFill>
+                <a:schemeClr val="bg1"/>
+              </a:solidFill>
+            </a:endParaRPr>
+          </a:p>
+        </p:txBody>
+      </p:sp>
+    </p:spTree>
+    <p:extLst>
+      <p:ext uri="{BB962C8B-B14F-4D97-AF65-F5344CB8AC3E}">
+        <p14:creationId xmlns:p14="http://schemas.microsoft.com/office/powerpoint/2010/main" val="687175909"/>
+      </p:ext>
+    </p:extLst>
+  </p:cSld>
+  <p:clrMapOvr>
+    <a:masterClrMapping/>
+  </p:clrMapOvr>
+</p:sld>
+</file>
+
+<file path=ppt/slides/slide20.xml><?xml version="1.0" encoding="utf-8"?>
 <p:sld xmlns:a="http://schemas.openxmlformats.org/drawingml/2006/main" xmlns:r="http://schemas.openxmlformats.org/officeDocument/2006/relationships" xmlns:p="http://schemas.openxmlformats.org/presentationml/2006/main">
   <p:cSld>
     <p:spTree>
@@ -12679,7 +13490,7 @@
 </p:sld>
 </file>
 
-<file path=ppt/slides/slide2.xml><?xml version="1.0" encoding="utf-8"?>
+<file path=ppt/slides/slide21.xml><?xml version="1.0" encoding="utf-8"?>
 <p:sld xmlns:a="http://schemas.openxmlformats.org/drawingml/2006/main" xmlns:r="http://schemas.openxmlformats.org/officeDocument/2006/relationships" xmlns:p="http://schemas.openxmlformats.org/presentationml/2006/main">
   <p:cSld>
     <p:spTree>
@@ -12698,10 +13509,10 @@
       </p:grpSpPr>
       <p:sp>
         <p:nvSpPr>
-          <p:cNvPr id="4" name="직사각형 3">
-            <a:extLst>
-              <a:ext uri="{FF2B5EF4-FFF2-40B4-BE49-F238E27FC236}">
-                <a16:creationId xmlns:a16="http://schemas.microsoft.com/office/drawing/2014/main" id="{B7FDB4A6-5E08-4BFC-816F-27705D182473}"/>
+          <p:cNvPr id="40" name="직사각형 39">
+            <a:extLst>
+              <a:ext uri="{FF2B5EF4-FFF2-40B4-BE49-F238E27FC236}">
+                <a16:creationId xmlns:a16="http://schemas.microsoft.com/office/drawing/2014/main" id="{E0A5EDE1-0120-4DF6-B776-64DC834CBA48}"/>
               </a:ext>
             </a:extLst>
           </p:cNvPr>
@@ -12790,269 +13601,13 @@
           <a:lstStyle/>
           <a:p>
             <a:r>
-              <a:rPr lang="ko-KR" altLang="en-US" dirty="0">
-                <a:solidFill>
-                  <a:schemeClr val="bg1"/>
-                </a:solidFill>
-              </a:rPr>
-              <a:t>목차</a:t>
-            </a:r>
-          </a:p>
-        </p:txBody>
-      </p:sp>
-      <p:sp>
-        <p:nvSpPr>
-          <p:cNvPr id="3" name="내용 개체 틀 2">
-            <a:extLst>
-              <a:ext uri="{FF2B5EF4-FFF2-40B4-BE49-F238E27FC236}">
-                <a16:creationId xmlns:a16="http://schemas.microsoft.com/office/drawing/2014/main" id="{69BEF2B0-85AF-443E-9A28-F8B4EAD7CBDB}"/>
-              </a:ext>
-            </a:extLst>
-          </p:cNvPr>
-          <p:cNvSpPr>
-            <a:spLocks noGrp="1"/>
-          </p:cNvSpPr>
-          <p:nvPr>
-            <p:ph idx="1"/>
-          </p:nvPr>
-        </p:nvSpPr>
-        <p:spPr/>
-        <p:txBody>
-          <a:bodyPr>
-            <a:normAutofit/>
-          </a:bodyPr>
-          <a:lstStyle/>
-          <a:p>
-            <a:pPr marL="0" indent="0">
-              <a:buNone/>
-            </a:pPr>
-            <a:r>
               <a:rPr lang="en-US" altLang="ko-KR" dirty="0">
                 <a:solidFill>
                   <a:schemeClr val="bg1"/>
                 </a:solidFill>
               </a:rPr>
-              <a:t>1. </a:t>
-            </a:r>
-            <a:r>
-              <a:rPr lang="ko-KR" altLang="en-US" dirty="0">
-                <a:solidFill>
-                  <a:schemeClr val="bg1"/>
-                </a:solidFill>
-              </a:rPr>
-              <a:t>프로젝트 개요</a:t>
-            </a:r>
-            <a:endParaRPr lang="en-US" altLang="ko-KR" dirty="0">
-              <a:solidFill>
-                <a:schemeClr val="bg1"/>
-              </a:solidFill>
-            </a:endParaRPr>
-          </a:p>
-          <a:p>
-            <a:pPr marL="0" indent="0">
-              <a:buNone/>
-            </a:pPr>
-            <a:r>
-              <a:rPr lang="en-US" altLang="ko-KR" dirty="0">
-                <a:solidFill>
-                  <a:schemeClr val="bg1"/>
-                </a:solidFill>
-              </a:rPr>
-              <a:t>2. </a:t>
-            </a:r>
-            <a:r>
-              <a:rPr lang="ko-KR" altLang="en-US" dirty="0">
-                <a:solidFill>
-                  <a:schemeClr val="bg1"/>
-                </a:solidFill>
-              </a:rPr>
-              <a:t>프로젝트 개발 환경</a:t>
-            </a:r>
-            <a:endParaRPr lang="en-US" altLang="ko-KR" dirty="0">
-              <a:solidFill>
-                <a:schemeClr val="bg1"/>
-              </a:solidFill>
-            </a:endParaRPr>
-          </a:p>
-          <a:p>
-            <a:pPr marL="0" indent="0">
-              <a:buNone/>
-            </a:pPr>
-            <a:r>
-              <a:rPr lang="en-US" altLang="ko-KR" dirty="0">
-                <a:solidFill>
-                  <a:schemeClr val="bg1"/>
-                </a:solidFill>
-              </a:rPr>
-              <a:t>3. </a:t>
-            </a:r>
-            <a:r>
-              <a:rPr lang="ko-KR" altLang="en-US" dirty="0">
-                <a:solidFill>
-                  <a:schemeClr val="bg1"/>
-                </a:solidFill>
-              </a:rPr>
-              <a:t>프로젝트 설명</a:t>
-            </a:r>
-            <a:endParaRPr lang="en-US" altLang="ko-KR" dirty="0">
-              <a:solidFill>
-                <a:schemeClr val="bg1"/>
-              </a:solidFill>
-            </a:endParaRPr>
-          </a:p>
-          <a:p>
-            <a:pPr marL="0" indent="0">
-              <a:buNone/>
-            </a:pPr>
-            <a:r>
-              <a:rPr lang="en-US" altLang="ko-KR" dirty="0">
-                <a:solidFill>
-                  <a:schemeClr val="bg1"/>
-                </a:solidFill>
-              </a:rPr>
-              <a:t>4. </a:t>
-            </a:r>
-            <a:r>
-              <a:rPr lang="ko-KR" altLang="en-US" dirty="0">
-                <a:solidFill>
-                  <a:schemeClr val="bg1"/>
-                </a:solidFill>
-              </a:rPr>
-              <a:t>프로젝트 일정 </a:t>
-            </a:r>
-            <a:r>
-              <a:rPr lang="en-US" altLang="ko-KR" dirty="0">
-                <a:solidFill>
-                  <a:schemeClr val="bg1"/>
-                </a:solidFill>
-              </a:rPr>
-              <a:t>&amp; </a:t>
-            </a:r>
-            <a:r>
-              <a:rPr lang="ko-KR" altLang="en-US" dirty="0">
-                <a:solidFill>
-                  <a:schemeClr val="bg1"/>
-                </a:solidFill>
-              </a:rPr>
-              <a:t>팀원 별 역할</a:t>
-            </a:r>
-            <a:endParaRPr lang="en-US" altLang="ko-KR" dirty="0">
-              <a:solidFill>
-                <a:schemeClr val="bg1"/>
-              </a:solidFill>
-            </a:endParaRPr>
-          </a:p>
-          <a:p>
-            <a:pPr marL="0" indent="0">
-              <a:buNone/>
-            </a:pPr>
-            <a:r>
-              <a:rPr lang="en-US" altLang="ko-KR" dirty="0">
-                <a:solidFill>
-                  <a:schemeClr val="bg1"/>
-                </a:solidFill>
-              </a:rPr>
-              <a:t>5. </a:t>
-            </a:r>
-            <a:r>
-              <a:rPr lang="ko-KR" altLang="en-US" dirty="0">
-                <a:solidFill>
-                  <a:schemeClr val="bg1"/>
-                </a:solidFill>
-              </a:rPr>
-              <a:t>시연</a:t>
-            </a:r>
-            <a:endParaRPr lang="en-US" altLang="ko-KR" dirty="0">
-              <a:solidFill>
-                <a:schemeClr val="bg1"/>
-              </a:solidFill>
-            </a:endParaRPr>
-          </a:p>
-          <a:p>
-            <a:pPr marL="0" indent="0">
-              <a:buNone/>
-            </a:pPr>
-            <a:r>
-              <a:rPr lang="en-US" altLang="ko-KR" dirty="0">
-                <a:solidFill>
-                  <a:schemeClr val="bg1"/>
-                </a:solidFill>
-              </a:rPr>
-              <a:t>6. </a:t>
-            </a:r>
-            <a:r>
-              <a:rPr lang="ko-KR" altLang="en-US" dirty="0">
-                <a:solidFill>
-                  <a:schemeClr val="bg1"/>
-                </a:solidFill>
-              </a:rPr>
-              <a:t>발표영상 링크</a:t>
-            </a:r>
-            <a:endParaRPr lang="en-US" altLang="ko-KR" dirty="0">
-              <a:solidFill>
-                <a:schemeClr val="bg1"/>
-              </a:solidFill>
-            </a:endParaRPr>
-          </a:p>
-          <a:p>
-            <a:pPr marL="0" indent="0">
-              <a:buNone/>
-            </a:pPr>
-            <a:r>
-              <a:rPr lang="en-US" altLang="ko-KR" dirty="0">
-                <a:solidFill>
-                  <a:schemeClr val="bg1"/>
-                </a:solidFill>
-              </a:rPr>
-              <a:t>7. </a:t>
-            </a:r>
-            <a:r>
-              <a:rPr lang="ko-KR" altLang="en-US" dirty="0">
-                <a:solidFill>
-                  <a:schemeClr val="bg1"/>
-                </a:solidFill>
-              </a:rPr>
-              <a:t>프로젝트 </a:t>
-            </a:r>
-            <a:r>
-              <a:rPr lang="en-US" altLang="ko-KR" dirty="0" err="1">
-                <a:solidFill>
-                  <a:schemeClr val="bg1"/>
-                </a:solidFill>
-              </a:rPr>
-              <a:t>github</a:t>
-            </a:r>
-            <a:r>
-              <a:rPr lang="ko-KR" altLang="en-US" dirty="0">
-                <a:solidFill>
-                  <a:schemeClr val="bg1"/>
-                </a:solidFill>
-              </a:rPr>
-              <a:t>링크</a:t>
-            </a:r>
-            <a:r>
-              <a:rPr lang="en-US" altLang="ko-KR" dirty="0">
-                <a:solidFill>
-                  <a:schemeClr val="bg1"/>
-                </a:solidFill>
-              </a:rPr>
-              <a:t>, commit </a:t>
-            </a:r>
-            <a:r>
-              <a:rPr lang="ko-KR" altLang="en-US" dirty="0">
-                <a:solidFill>
-                  <a:schemeClr val="bg1"/>
-                </a:solidFill>
-              </a:rPr>
-              <a:t>목록</a:t>
-            </a:r>
-            <a:endParaRPr lang="en-US" altLang="ko-KR" dirty="0">
-              <a:solidFill>
-                <a:schemeClr val="bg1"/>
-              </a:solidFill>
-            </a:endParaRPr>
-          </a:p>
-          <a:p>
+              <a:t>2. Windows form(4)</a:t>
+            </a:r>
             <a:endParaRPr lang="ko-KR" altLang="en-US" dirty="0">
               <a:solidFill>
                 <a:schemeClr val="bg1"/>
@@ -13061,10 +13616,255 @@
           </a:p>
         </p:txBody>
       </p:sp>
+      <p:sp>
+        <p:nvSpPr>
+          <p:cNvPr id="27" name="TextBox 26">
+            <a:extLst>
+              <a:ext uri="{FF2B5EF4-FFF2-40B4-BE49-F238E27FC236}">
+                <a16:creationId xmlns:a16="http://schemas.microsoft.com/office/drawing/2014/main" id="{0B28E471-C629-4D63-8919-AB8187B0F3EE}"/>
+              </a:ext>
+            </a:extLst>
+          </p:cNvPr>
+          <p:cNvSpPr txBox="1"/>
+          <p:nvPr/>
+        </p:nvSpPr>
+        <p:spPr>
+          <a:xfrm>
+            <a:off x="838199" y="1276347"/>
+            <a:ext cx="2509020" cy="353943"/>
+          </a:xfrm>
+          <a:prstGeom prst="rect">
+            <a:avLst/>
+          </a:prstGeom>
+          <a:noFill/>
+        </p:spPr>
+        <p:txBody>
+          <a:bodyPr wrap="none" rtlCol="0">
+            <a:spAutoFit/>
+          </a:bodyPr>
+          <a:lstStyle/>
+          <a:p>
+            <a:r>
+              <a:rPr lang="en-US" altLang="ko-KR" sz="1700" dirty="0">
+                <a:solidFill>
+                  <a:schemeClr val="bg1"/>
+                </a:solidFill>
+              </a:rPr>
+              <a:t>[</a:t>
+            </a:r>
+            <a:r>
+              <a:rPr lang="ko-KR" altLang="en-US" sz="1700" dirty="0">
+                <a:solidFill>
+                  <a:schemeClr val="bg1"/>
+                </a:solidFill>
+              </a:rPr>
+              <a:t>팀원 신청 메일 시스템</a:t>
+            </a:r>
+            <a:r>
+              <a:rPr lang="en-US" altLang="ko-KR" sz="1700" dirty="0">
+                <a:solidFill>
+                  <a:schemeClr val="bg1"/>
+                </a:solidFill>
+              </a:rPr>
+              <a:t>]</a:t>
+            </a:r>
+            <a:endParaRPr lang="ko-KR" altLang="en-US" sz="1700" dirty="0">
+              <a:solidFill>
+                <a:schemeClr val="bg1"/>
+              </a:solidFill>
+            </a:endParaRPr>
+          </a:p>
+        </p:txBody>
+      </p:sp>
+      <p:pic>
+        <p:nvPicPr>
+          <p:cNvPr id="3" name="그림 2">
+            <a:extLst>
+              <a:ext uri="{FF2B5EF4-FFF2-40B4-BE49-F238E27FC236}">
+                <a16:creationId xmlns:a16="http://schemas.microsoft.com/office/drawing/2014/main" id="{6C9A1991-032E-49BC-9C31-8962B78F58F0}"/>
+              </a:ext>
+            </a:extLst>
+          </p:cNvPr>
+          <p:cNvPicPr>
+            <a:picLocks noChangeAspect="1"/>
+          </p:cNvPicPr>
+          <p:nvPr/>
+        </p:nvPicPr>
+        <p:blipFill>
+          <a:blip r:embed="rId2"/>
+          <a:stretch>
+            <a:fillRect/>
+          </a:stretch>
+        </p:blipFill>
+        <p:spPr>
+          <a:xfrm>
+            <a:off x="963271" y="2055811"/>
+            <a:ext cx="8751481" cy="2731341"/>
+          </a:xfrm>
+          <a:prstGeom prst="rect">
+            <a:avLst/>
+          </a:prstGeom>
+        </p:spPr>
+      </p:pic>
+      <p:sp>
+        <p:nvSpPr>
+          <p:cNvPr id="36" name="TextBox 35">
+            <a:extLst>
+              <a:ext uri="{FF2B5EF4-FFF2-40B4-BE49-F238E27FC236}">
+                <a16:creationId xmlns:a16="http://schemas.microsoft.com/office/drawing/2014/main" id="{5B127CD0-212F-4A08-A9A5-E575D3B09E13}"/>
+              </a:ext>
+            </a:extLst>
+          </p:cNvPr>
+          <p:cNvSpPr txBox="1"/>
+          <p:nvPr/>
+        </p:nvSpPr>
+        <p:spPr>
+          <a:xfrm>
+            <a:off x="838199" y="5137704"/>
+            <a:ext cx="9876422" cy="877163"/>
+          </a:xfrm>
+          <a:prstGeom prst="rect">
+            <a:avLst/>
+          </a:prstGeom>
+          <a:noFill/>
+        </p:spPr>
+        <p:txBody>
+          <a:bodyPr wrap="none" rtlCol="0">
+            <a:spAutoFit/>
+          </a:bodyPr>
+          <a:lstStyle/>
+          <a:p>
+            <a:pPr marL="285750" indent="-285750">
+              <a:buFont typeface="Wingdings" panose="05000000000000000000" pitchFamily="2" charset="2"/>
+              <a:buChar char="à"/>
+            </a:pPr>
+            <a:r>
+              <a:rPr lang="ko-KR" altLang="en-US" sz="1700" dirty="0">
+                <a:solidFill>
+                  <a:schemeClr val="bg1"/>
+                </a:solidFill>
+                <a:sym typeface="Wingdings" panose="05000000000000000000" pitchFamily="2" charset="2"/>
+              </a:rPr>
+              <a:t>구글 </a:t>
+            </a:r>
+            <a:r>
+              <a:rPr lang="en-US" altLang="ko-KR" sz="1700" dirty="0">
+                <a:solidFill>
+                  <a:schemeClr val="bg1"/>
+                </a:solidFill>
+                <a:sym typeface="Wingdings" panose="05000000000000000000" pitchFamily="2" charset="2"/>
+              </a:rPr>
+              <a:t>SMTP </a:t>
+            </a:r>
+            <a:r>
+              <a:rPr lang="ko-KR" altLang="en-US" sz="1700" dirty="0">
+                <a:solidFill>
+                  <a:schemeClr val="bg1"/>
+                </a:solidFill>
+                <a:sym typeface="Wingdings" panose="05000000000000000000" pitchFamily="2" charset="2"/>
+              </a:rPr>
+              <a:t>서버 사용</a:t>
+            </a:r>
+            <a:endParaRPr lang="en-US" altLang="ko-KR" sz="1700" dirty="0">
+              <a:solidFill>
+                <a:schemeClr val="bg1"/>
+              </a:solidFill>
+              <a:sym typeface="Wingdings" panose="05000000000000000000" pitchFamily="2" charset="2"/>
+            </a:endParaRPr>
+          </a:p>
+          <a:p>
+            <a:endParaRPr lang="en-US" altLang="ko-KR" sz="1700" dirty="0">
+              <a:solidFill>
+                <a:schemeClr val="bg1"/>
+              </a:solidFill>
+              <a:sym typeface="Wingdings" panose="05000000000000000000" pitchFamily="2" charset="2"/>
+            </a:endParaRPr>
+          </a:p>
+          <a:p>
+            <a:r>
+              <a:rPr lang="en-US" altLang="ko-KR" sz="1700" dirty="0">
+                <a:solidFill>
+                  <a:schemeClr val="bg1"/>
+                </a:solidFill>
+                <a:sym typeface="Wingdings" panose="05000000000000000000" pitchFamily="2" charset="2"/>
+              </a:rPr>
+              <a:t>- </a:t>
+            </a:r>
+            <a:r>
+              <a:rPr lang="ko-KR" altLang="en-US" sz="1700" dirty="0">
+                <a:solidFill>
+                  <a:schemeClr val="bg1"/>
+                </a:solidFill>
+                <a:sym typeface="Wingdings" panose="05000000000000000000" pitchFamily="2" charset="2"/>
+              </a:rPr>
+              <a:t>메일 보내기 버튼을 누르면 </a:t>
+            </a:r>
+            <a:r>
+              <a:rPr lang="en-US" altLang="ko-KR" sz="1700" dirty="0">
+                <a:solidFill>
+                  <a:schemeClr val="bg1"/>
+                </a:solidFill>
+                <a:sym typeface="Wingdings" panose="05000000000000000000" pitchFamily="2" charset="2"/>
+              </a:rPr>
+              <a:t>‘</a:t>
+            </a:r>
+            <a:r>
+              <a:rPr lang="ko-KR" altLang="en-US" sz="1700" dirty="0" err="1">
+                <a:solidFill>
+                  <a:schemeClr val="bg1"/>
+                </a:solidFill>
+                <a:sym typeface="Wingdings" panose="05000000000000000000" pitchFamily="2" charset="2"/>
+              </a:rPr>
+              <a:t>티밍</a:t>
+            </a:r>
+            <a:r>
+              <a:rPr lang="en-US" altLang="ko-KR" sz="1700" dirty="0">
+                <a:solidFill>
+                  <a:schemeClr val="bg1"/>
+                </a:solidFill>
+                <a:sym typeface="Wingdings" panose="05000000000000000000" pitchFamily="2" charset="2"/>
+              </a:rPr>
+              <a:t>’ </a:t>
+            </a:r>
+            <a:r>
+              <a:rPr lang="ko-KR" altLang="en-US" sz="1700" dirty="0">
+                <a:solidFill>
+                  <a:schemeClr val="bg1"/>
+                </a:solidFill>
+                <a:sym typeface="Wingdings" panose="05000000000000000000" pitchFamily="2" charset="2"/>
+              </a:rPr>
+              <a:t>제작사에서 팀원 신청이 들어왔다고 아이디어 주인 메일로</a:t>
+            </a:r>
+            <a:r>
+              <a:rPr lang="en-US" altLang="ko-KR" sz="1700" dirty="0">
+                <a:solidFill>
+                  <a:schemeClr val="bg1"/>
+                </a:solidFill>
+                <a:sym typeface="Wingdings" panose="05000000000000000000" pitchFamily="2" charset="2"/>
+              </a:rPr>
+              <a:t> </a:t>
+            </a:r>
+            <a:r>
+              <a:rPr lang="ko-KR" altLang="en-US" sz="1700" dirty="0">
+                <a:solidFill>
+                  <a:schemeClr val="bg1"/>
+                </a:solidFill>
+                <a:sym typeface="Wingdings" panose="05000000000000000000" pitchFamily="2" charset="2"/>
+              </a:rPr>
+              <a:t>받기</a:t>
+            </a:r>
+            <a:endParaRPr lang="ko-KR" altLang="en-US" sz="1700" dirty="0">
+              <a:solidFill>
+                <a:schemeClr val="bg1"/>
+              </a:solidFill>
+            </a:endParaRPr>
+          </a:p>
+        </p:txBody>
+      </p:sp>
     </p:spTree>
     <p:extLst>
       <p:ext uri="{BB962C8B-B14F-4D97-AF65-F5344CB8AC3E}">
-        <p14:creationId xmlns:p14="http://schemas.microsoft.com/office/powerpoint/2010/main" val="687175909"/>
+        <p14:creationId xmlns:p14="http://schemas.microsoft.com/office/powerpoint/2010/main" val="4217513896"/>
       </p:ext>
     </p:extLst>
   </p:cSld>
@@ -13074,7 +13874,7 @@
 </p:sld>
 </file>
 
-<file path=ppt/slides/slide20.xml><?xml version="1.0" encoding="utf-8"?>
+<file path=ppt/slides/slide22.xml><?xml version="1.0" encoding="utf-8"?>
 <p:sld xmlns:a="http://schemas.openxmlformats.org/drawingml/2006/main" xmlns:r="http://schemas.openxmlformats.org/officeDocument/2006/relationships" xmlns:p="http://schemas.openxmlformats.org/presentationml/2006/main">
   <p:cSld>
     <p:spTree>
@@ -13093,10 +13893,10 @@
       </p:grpSpPr>
       <p:sp>
         <p:nvSpPr>
-          <p:cNvPr id="40" name="직사각형 39">
-            <a:extLst>
-              <a:ext uri="{FF2B5EF4-FFF2-40B4-BE49-F238E27FC236}">
-                <a16:creationId xmlns:a16="http://schemas.microsoft.com/office/drawing/2014/main" id="{E0A5EDE1-0120-4DF6-B776-64DC834CBA48}"/>
+          <p:cNvPr id="25" name="직사각형 24">
+            <a:extLst>
+              <a:ext uri="{FF2B5EF4-FFF2-40B4-BE49-F238E27FC236}">
+                <a16:creationId xmlns:a16="http://schemas.microsoft.com/office/drawing/2014/main" id="{4F70CAFA-D02D-4512-BD5B-3B9381A38681}"/>
               </a:ext>
             </a:extLst>
           </p:cNvPr>
@@ -13159,10 +13959,50 @@
           <a:lstStyle/>
           <a:p>
             <a:pPr algn="ctr"/>
-            <a:endParaRPr lang="ko-KR" altLang="en-US"/>
+            <a:endParaRPr lang="ko-KR" altLang="en-US">
+              <a:solidFill>
+                <a:schemeClr val="bg1"/>
+              </a:solidFill>
+            </a:endParaRPr>
           </a:p>
         </p:txBody>
       </p:sp>
+      <p:pic>
+        <p:nvPicPr>
+          <p:cNvPr id="17" name="내용 개체 틀 4" descr="스크린샷이(가) 표시된 사진&#10;&#10;자동 생성된 설명">
+            <a:extLst>
+              <a:ext uri="{FF2B5EF4-FFF2-40B4-BE49-F238E27FC236}">
+                <a16:creationId xmlns:a16="http://schemas.microsoft.com/office/drawing/2014/main" id="{1C9799CE-3392-4AF8-A3F2-425EC3F36F59}"/>
+              </a:ext>
+            </a:extLst>
+          </p:cNvPr>
+          <p:cNvPicPr>
+            <a:picLocks noChangeAspect="1"/>
+          </p:cNvPicPr>
+          <p:nvPr/>
+        </p:nvPicPr>
+        <p:blipFill>
+          <a:blip r:embed="rId2">
+            <a:extLst>
+              <a:ext uri="{28A0092B-C50C-407E-A947-70E740481C1C}">
+                <a14:useLocalDpi xmlns:a14="http://schemas.microsoft.com/office/drawing/2010/main" val="0"/>
+              </a:ext>
+            </a:extLst>
+          </a:blip>
+          <a:stretch>
+            <a:fillRect/>
+          </a:stretch>
+        </p:blipFill>
+        <p:spPr>
+          <a:xfrm>
+            <a:off x="838200" y="2290609"/>
+            <a:ext cx="4767887" cy="4351338"/>
+          </a:xfrm>
+          <a:prstGeom prst="rect">
+            <a:avLst/>
+          </a:prstGeom>
+        </p:spPr>
+      </p:pic>
       <p:sp>
         <p:nvSpPr>
           <p:cNvPr id="2" name="제목 1">
@@ -13190,7 +14030,7 @@
                   <a:schemeClr val="bg1"/>
                 </a:solidFill>
               </a:rPr>
-              <a:t>2. Windows form(4)</a:t>
+              <a:t>2. Windows form(5)</a:t>
             </a:r>
             <a:endParaRPr lang="ko-KR" altLang="en-US" dirty="0">
               <a:solidFill>
@@ -13202,10 +14042,10 @@
       </p:sp>
       <p:sp>
         <p:nvSpPr>
-          <p:cNvPr id="27" name="TextBox 26">
-            <a:extLst>
-              <a:ext uri="{FF2B5EF4-FFF2-40B4-BE49-F238E27FC236}">
-                <a16:creationId xmlns:a16="http://schemas.microsoft.com/office/drawing/2014/main" id="{0B28E471-C629-4D63-8919-AB8187B0F3EE}"/>
+          <p:cNvPr id="8" name="TextBox 7">
+            <a:extLst>
+              <a:ext uri="{FF2B5EF4-FFF2-40B4-BE49-F238E27FC236}">
+                <a16:creationId xmlns:a16="http://schemas.microsoft.com/office/drawing/2014/main" id="{E1125B83-CE62-41D2-B9A1-D2B66B577EF7}"/>
               </a:ext>
             </a:extLst>
           </p:cNvPr>
@@ -13214,8 +14054,8 @@
         </p:nvSpPr>
         <p:spPr>
           <a:xfrm>
-            <a:off x="838199" y="1276347"/>
-            <a:ext cx="2509020" cy="353943"/>
+            <a:off x="838200" y="1921277"/>
+            <a:ext cx="4248279" cy="369332"/>
           </a:xfrm>
           <a:prstGeom prst="rect">
             <a:avLst/>
@@ -13229,7 +14069,7 @@
           <a:lstStyle/>
           <a:p>
             <a:r>
-              <a:rPr lang="en-US" altLang="ko-KR" sz="1700" dirty="0">
+              <a:rPr lang="en-US" altLang="ko-KR" dirty="0">
                 <a:solidFill>
                   <a:schemeClr val="bg1"/>
                 </a:solidFill>
@@ -13237,22 +14077,38 @@
               <a:t>[</a:t>
             </a:r>
             <a:r>
-              <a:rPr lang="ko-KR" altLang="en-US" sz="1700" dirty="0">
-                <a:solidFill>
-                  <a:schemeClr val="bg1"/>
-                </a:solidFill>
-              </a:rPr>
-              <a:t>팀원 신청 메일 시스템</a:t>
-            </a:r>
-            <a:r>
-              <a:rPr lang="en-US" altLang="ko-KR" sz="1700" dirty="0">
+              <a:rPr lang="ko-KR" altLang="en-US" dirty="0">
+                <a:solidFill>
+                  <a:schemeClr val="bg1"/>
+                </a:solidFill>
+              </a:rPr>
+              <a:t>메인 페이지 </a:t>
+            </a:r>
+            <a:r>
+              <a:rPr lang="en-US" altLang="ko-KR" dirty="0">
+                <a:solidFill>
+                  <a:schemeClr val="bg1"/>
+                </a:solidFill>
+              </a:rPr>
+              <a:t>– </a:t>
+            </a:r>
+            <a:r>
+              <a:rPr lang="ko-KR" altLang="en-US" dirty="0">
+                <a:solidFill>
+                  <a:schemeClr val="bg1"/>
+                </a:solidFill>
+              </a:rPr>
+              <a:t>더 많은 아이디어 보기</a:t>
+            </a:r>
+            <a:r>
+              <a:rPr lang="en-US" altLang="ko-KR" dirty="0">
                 <a:solidFill>
                   <a:schemeClr val="bg1"/>
                 </a:solidFill>
               </a:rPr>
               <a:t>]</a:t>
             </a:r>
-            <a:endParaRPr lang="ko-KR" altLang="en-US" sz="1700" dirty="0">
+            <a:endParaRPr lang="ko-KR" altLang="en-US" dirty="0">
               <a:solidFill>
                 <a:schemeClr val="bg1"/>
               </a:solidFill>
@@ -13260,42 +14116,12 @@
           </a:p>
         </p:txBody>
       </p:sp>
-      <p:pic>
-        <p:nvPicPr>
-          <p:cNvPr id="3" name="그림 2">
-            <a:extLst>
-              <a:ext uri="{FF2B5EF4-FFF2-40B4-BE49-F238E27FC236}">
-                <a16:creationId xmlns:a16="http://schemas.microsoft.com/office/drawing/2014/main" id="{6C9A1991-032E-49BC-9C31-8962B78F58F0}"/>
-              </a:ext>
-            </a:extLst>
-          </p:cNvPr>
-          <p:cNvPicPr>
-            <a:picLocks noChangeAspect="1"/>
-          </p:cNvPicPr>
-          <p:nvPr/>
-        </p:nvPicPr>
-        <p:blipFill>
-          <a:blip r:embed="rId2"/>
-          <a:stretch>
-            <a:fillRect/>
-          </a:stretch>
-        </p:blipFill>
-        <p:spPr>
-          <a:xfrm>
-            <a:off x="963271" y="2055811"/>
-            <a:ext cx="8751481" cy="2731341"/>
-          </a:xfrm>
-          <a:prstGeom prst="rect">
-            <a:avLst/>
-          </a:prstGeom>
-        </p:spPr>
-      </p:pic>
       <p:sp>
         <p:nvSpPr>
-          <p:cNvPr id="36" name="TextBox 35">
-            <a:extLst>
-              <a:ext uri="{FF2B5EF4-FFF2-40B4-BE49-F238E27FC236}">
-                <a16:creationId xmlns:a16="http://schemas.microsoft.com/office/drawing/2014/main" id="{5B127CD0-212F-4A08-A9A5-E575D3B09E13}"/>
+          <p:cNvPr id="15" name="TextBox 14">
+            <a:extLst>
+              <a:ext uri="{FF2B5EF4-FFF2-40B4-BE49-F238E27FC236}">
+                <a16:creationId xmlns:a16="http://schemas.microsoft.com/office/drawing/2014/main" id="{CC665712-C0B2-4AE3-A356-8575B878FD5D}"/>
               </a:ext>
             </a:extLst>
           </p:cNvPr>
@@ -13304,8 +14130,8 @@
         </p:nvSpPr>
         <p:spPr>
           <a:xfrm>
-            <a:off x="838199" y="5137704"/>
-            <a:ext cx="9876422" cy="877163"/>
+            <a:off x="5857837" y="1736611"/>
+            <a:ext cx="3070071" cy="369332"/>
           </a:xfrm>
           <a:prstGeom prst="rect">
             <a:avLst/>
@@ -13318,126 +14144,299 @@
           </a:bodyPr>
           <a:lstStyle/>
           <a:p>
+            <a:r>
+              <a:rPr lang="en-US" altLang="ko-KR" dirty="0">
+                <a:solidFill>
+                  <a:schemeClr val="bg1"/>
+                </a:solidFill>
+              </a:rPr>
+              <a:t>[google</a:t>
+            </a:r>
+            <a:r>
+              <a:rPr lang="ko-KR" altLang="en-US" dirty="0">
+                <a:solidFill>
+                  <a:schemeClr val="bg1"/>
+                </a:solidFill>
+              </a:rPr>
+              <a:t> 검색결과를 스크랩</a:t>
+            </a:r>
+            <a:r>
+              <a:rPr lang="en-US" altLang="ko-KR" dirty="0">
+                <a:solidFill>
+                  <a:schemeClr val="bg1"/>
+                </a:solidFill>
+              </a:rPr>
+              <a:t>]</a:t>
+            </a:r>
+            <a:endParaRPr lang="ko-KR" altLang="en-US" dirty="0">
+              <a:solidFill>
+                <a:schemeClr val="bg1"/>
+              </a:solidFill>
+            </a:endParaRPr>
+          </a:p>
+        </p:txBody>
+      </p:sp>
+      <p:sp>
+        <p:nvSpPr>
+          <p:cNvPr id="14" name="1/2 액자 13">
+            <a:extLst>
+              <a:ext uri="{FF2B5EF4-FFF2-40B4-BE49-F238E27FC236}">
+                <a16:creationId xmlns:a16="http://schemas.microsoft.com/office/drawing/2014/main" id="{DD6958D0-FF91-4FED-923F-4E27B5B35921}"/>
+              </a:ext>
+            </a:extLst>
+          </p:cNvPr>
+          <p:cNvSpPr/>
+          <p:nvPr/>
+        </p:nvSpPr>
+        <p:spPr>
+          <a:xfrm rot="13555054">
+            <a:off x="3513603" y="3001230"/>
+            <a:ext cx="324668" cy="352337"/>
+          </a:xfrm>
+          <a:prstGeom prst="halfFrame">
+            <a:avLst>
+              <a:gd name="adj1" fmla="val 16352"/>
+              <a:gd name="adj2" fmla="val 16511"/>
+            </a:avLst>
+          </a:prstGeom>
+        </p:spPr>
+        <p:style>
+          <a:lnRef idx="2">
+            <a:schemeClr val="accent1">
+              <a:shade val="50000"/>
+            </a:schemeClr>
+          </a:lnRef>
+          <a:fillRef idx="1">
+            <a:schemeClr val="accent1"/>
+          </a:fillRef>
+          <a:effectRef idx="0">
+            <a:schemeClr val="accent1"/>
+          </a:effectRef>
+          <a:fontRef idx="minor">
+            <a:schemeClr val="lt1"/>
+          </a:fontRef>
+        </p:style>
+        <p:txBody>
+          <a:bodyPr rtlCol="0" anchor="ctr"/>
+          <a:lstStyle/>
+          <a:p>
+            <a:pPr algn="ctr"/>
+            <a:endParaRPr lang="ko-KR" altLang="en-US">
+              <a:solidFill>
+                <a:schemeClr val="bg1"/>
+              </a:solidFill>
+            </a:endParaRPr>
+          </a:p>
+        </p:txBody>
+      </p:sp>
+      <p:cxnSp>
+        <p:nvCxnSpPr>
+          <p:cNvPr id="22" name="직선 화살표 연결선 21">
+            <a:extLst>
+              <a:ext uri="{FF2B5EF4-FFF2-40B4-BE49-F238E27FC236}">
+                <a16:creationId xmlns:a16="http://schemas.microsoft.com/office/drawing/2014/main" id="{B7D36125-A52D-4EF4-A56D-973DFF3661DC}"/>
+              </a:ext>
+            </a:extLst>
+          </p:cNvPr>
+          <p:cNvCxnSpPr>
+            <a:cxnSpLocks/>
+          </p:cNvCxnSpPr>
+          <p:nvPr/>
+        </p:nvCxnSpPr>
+        <p:spPr>
+          <a:xfrm>
+            <a:off x="5606087" y="2734813"/>
+            <a:ext cx="251750" cy="0"/>
+          </a:xfrm>
+          <a:prstGeom prst="straightConnector1">
+            <a:avLst/>
+          </a:prstGeom>
+          <a:ln>
+            <a:solidFill>
+              <a:schemeClr val="tx1"/>
+            </a:solidFill>
+            <a:tailEnd type="triangle"/>
+          </a:ln>
+        </p:spPr>
+        <p:style>
+          <a:lnRef idx="1">
+            <a:schemeClr val="accent1"/>
+          </a:lnRef>
+          <a:fillRef idx="0">
+            <a:schemeClr val="accent1"/>
+          </a:fillRef>
+          <a:effectRef idx="0">
+            <a:schemeClr val="accent1"/>
+          </a:effectRef>
+          <a:fontRef idx="minor">
+            <a:schemeClr val="tx1"/>
+          </a:fontRef>
+        </p:style>
+      </p:cxnSp>
+      <p:pic>
+        <p:nvPicPr>
+          <p:cNvPr id="24" name="그림 23">
+            <a:extLst>
+              <a:ext uri="{FF2B5EF4-FFF2-40B4-BE49-F238E27FC236}">
+                <a16:creationId xmlns:a16="http://schemas.microsoft.com/office/drawing/2014/main" id="{4AB65497-707C-4339-9A1E-02EB44996FB0}"/>
+              </a:ext>
+            </a:extLst>
+          </p:cNvPr>
+          <p:cNvPicPr>
+            <a:picLocks noChangeAspect="1"/>
+          </p:cNvPicPr>
+          <p:nvPr/>
+        </p:nvPicPr>
+        <p:blipFill>
+          <a:blip r:embed="rId3"/>
+          <a:stretch>
+            <a:fillRect/>
+          </a:stretch>
+        </p:blipFill>
+        <p:spPr>
+          <a:xfrm>
+            <a:off x="5857837" y="2298896"/>
+            <a:ext cx="6231628" cy="2692544"/>
+          </a:xfrm>
+          <a:prstGeom prst="rect">
+            <a:avLst/>
+          </a:prstGeom>
+        </p:spPr>
+      </p:pic>
+      <p:sp>
+        <p:nvSpPr>
+          <p:cNvPr id="11" name="TextBox 10">
+            <a:extLst>
+              <a:ext uri="{FF2B5EF4-FFF2-40B4-BE49-F238E27FC236}">
+                <a16:creationId xmlns:a16="http://schemas.microsoft.com/office/drawing/2014/main" id="{9CA5BBA7-451C-49C5-8499-EA2E399CD1AA}"/>
+              </a:ext>
+            </a:extLst>
+          </p:cNvPr>
+          <p:cNvSpPr txBox="1"/>
+          <p:nvPr/>
+        </p:nvSpPr>
+        <p:spPr>
+          <a:xfrm>
+            <a:off x="6028167" y="5370722"/>
+            <a:ext cx="3639138" cy="646331"/>
+          </a:xfrm>
+          <a:prstGeom prst="rect">
+            <a:avLst/>
+          </a:prstGeom>
+          <a:noFill/>
+        </p:spPr>
+        <p:txBody>
+          <a:bodyPr wrap="none" rtlCol="0">
+            <a:spAutoFit/>
+          </a:bodyPr>
+          <a:lstStyle/>
+          <a:p>
             <a:pPr marL="285750" indent="-285750">
               <a:buFont typeface="Wingdings" panose="05000000000000000000" pitchFamily="2" charset="2"/>
               <a:buChar char="à"/>
             </a:pPr>
             <a:r>
-              <a:rPr lang="ko-KR" altLang="en-US" sz="1700" dirty="0">
+              <a:rPr lang="en-US" altLang="ko-KR" dirty="0">
                 <a:solidFill>
                   <a:schemeClr val="bg1"/>
                 </a:solidFill>
                 <a:sym typeface="Wingdings" panose="05000000000000000000" pitchFamily="2" charset="2"/>
               </a:rPr>
-              <a:t>구글 </a:t>
-            </a:r>
-            <a:r>
-              <a:rPr lang="en-US" altLang="ko-KR" sz="1700" dirty="0">
+              <a:t>Selenium </a:t>
+            </a:r>
+            <a:r>
+              <a:rPr lang="ko-KR" altLang="en-US" dirty="0">
                 <a:solidFill>
                   <a:schemeClr val="bg1"/>
                 </a:solidFill>
                 <a:sym typeface="Wingdings" panose="05000000000000000000" pitchFamily="2" charset="2"/>
               </a:rPr>
-              <a:t>SMTP </a:t>
-            </a:r>
-            <a:r>
-              <a:rPr lang="ko-KR" altLang="en-US" sz="1700" dirty="0">
+              <a:t>사용 </a:t>
+            </a:r>
+            <a:r>
+              <a:rPr lang="en-US" altLang="ko-KR" dirty="0">
                 <a:solidFill>
                   <a:schemeClr val="bg1"/>
                 </a:solidFill>
                 <a:sym typeface="Wingdings" panose="05000000000000000000" pitchFamily="2" charset="2"/>
               </a:rPr>
-              <a:t>서버 사용</a:t>
-            </a:r>
-            <a:endParaRPr lang="en-US" altLang="ko-KR" sz="1700" dirty="0">
-              <a:solidFill>
-                <a:schemeClr val="bg1"/>
-              </a:solidFill>
-              <a:sym typeface="Wingdings" panose="05000000000000000000" pitchFamily="2" charset="2"/>
-            </a:endParaRPr>
-          </a:p>
-          <a:p>
-            <a:endParaRPr lang="en-US" altLang="ko-KR" sz="1700" dirty="0">
-              <a:solidFill>
-                <a:schemeClr val="bg1"/>
-              </a:solidFill>
-              <a:sym typeface="Wingdings" panose="05000000000000000000" pitchFamily="2" charset="2"/>
-            </a:endParaRPr>
-          </a:p>
-          <a:p>
-            <a:r>
-              <a:rPr lang="en-US" altLang="ko-KR" sz="1700" dirty="0">
+              <a:t>!! </a:t>
+            </a:r>
+            <a:r>
+              <a:rPr lang="ko-KR" altLang="en-US" dirty="0" err="1">
                 <a:solidFill>
                   <a:schemeClr val="bg1"/>
                 </a:solidFill>
                 <a:sym typeface="Wingdings" panose="05000000000000000000" pitchFamily="2" charset="2"/>
               </a:rPr>
+              <a:t>크롤링</a:t>
+            </a:r>
+            <a:r>
+              <a:rPr lang="ko-KR" altLang="en-US" dirty="0">
+                <a:solidFill>
+                  <a:schemeClr val="bg1"/>
+                </a:solidFill>
+                <a:sym typeface="Wingdings" panose="05000000000000000000" pitchFamily="2" charset="2"/>
+              </a:rPr>
+              <a:t> 하기</a:t>
+            </a:r>
+            <a:r>
+              <a:rPr lang="en-US" altLang="ko-KR" dirty="0">
+                <a:solidFill>
+                  <a:schemeClr val="bg1"/>
+                </a:solidFill>
+                <a:sym typeface="Wingdings" panose="05000000000000000000" pitchFamily="2" charset="2"/>
+              </a:rPr>
+              <a:t>!!</a:t>
+            </a:r>
+          </a:p>
+          <a:p>
+            <a:r>
+              <a:rPr lang="en-US" altLang="ko-KR" dirty="0">
+                <a:solidFill>
+                  <a:schemeClr val="bg1"/>
+                </a:solidFill>
+                <a:sym typeface="Wingdings" panose="05000000000000000000" pitchFamily="2" charset="2"/>
+              </a:rPr>
               <a:t>- </a:t>
             </a:r>
             <a:r>
-              <a:rPr lang="ko-KR" altLang="en-US" sz="1700" dirty="0">
+              <a:rPr lang="en-US" altLang="ko-KR" dirty="0" err="1">
                 <a:solidFill>
                   <a:schemeClr val="bg1"/>
                 </a:solidFill>
                 <a:sym typeface="Wingdings" panose="05000000000000000000" pitchFamily="2" charset="2"/>
               </a:rPr>
-              <a:t>메일 보내기 버튼을 누르면 </a:t>
-            </a:r>
-            <a:r>
-              <a:rPr lang="en-US" altLang="ko-KR" sz="1700" dirty="0">
+              <a:t>Xpath</a:t>
+            </a:r>
+            <a:r>
+              <a:rPr lang="ko-KR" altLang="en-US" dirty="0">
                 <a:solidFill>
                   <a:schemeClr val="bg1"/>
                 </a:solidFill>
                 <a:sym typeface="Wingdings" panose="05000000000000000000" pitchFamily="2" charset="2"/>
               </a:rPr>
-              <a:t>‘</a:t>
-            </a:r>
-            <a:r>
-              <a:rPr lang="ko-KR" altLang="en-US" sz="1700" dirty="0" err="1">
+              <a:t>를 통한 </a:t>
+            </a:r>
+            <a:r>
+              <a:rPr lang="en-US" altLang="ko-KR" dirty="0">
                 <a:solidFill>
                   <a:schemeClr val="bg1"/>
                 </a:solidFill>
                 <a:sym typeface="Wingdings" panose="05000000000000000000" pitchFamily="2" charset="2"/>
               </a:rPr>
-              <a:t>티밍</a:t>
-            </a:r>
-            <a:r>
-              <a:rPr lang="en-US" altLang="ko-KR" sz="1700" dirty="0">
+              <a:t>HTML </a:t>
+            </a:r>
+            <a:r>
+              <a:rPr lang="ko-KR" altLang="en-US" dirty="0">
                 <a:solidFill>
                   <a:schemeClr val="bg1"/>
                 </a:solidFill>
                 <a:sym typeface="Wingdings" panose="05000000000000000000" pitchFamily="2" charset="2"/>
               </a:rPr>
-              <a:t>’ </a:t>
-            </a:r>
-            <a:r>
-              <a:rPr lang="ko-KR" altLang="en-US" sz="1700" dirty="0">
-                <a:solidFill>
-                  <a:schemeClr val="bg1"/>
-                </a:solidFill>
-                <a:sym typeface="Wingdings" panose="05000000000000000000" pitchFamily="2" charset="2"/>
-              </a:rPr>
-              <a:t>제작사에서 팀원 신청이 들어왔다고 아이디어 주인 메일로</a:t>
-            </a:r>
-            <a:r>
-              <a:rPr lang="en-US" altLang="ko-KR" sz="1700" dirty="0">
-                <a:solidFill>
-                  <a:schemeClr val="bg1"/>
-                </a:solidFill>
-                <a:sym typeface="Wingdings" panose="05000000000000000000" pitchFamily="2" charset="2"/>
-              </a:rPr>
-              <a:t> </a:t>
-            </a:r>
-            <a:r>
-              <a:rPr lang="ko-KR" altLang="en-US" sz="1700" dirty="0">
-                <a:solidFill>
-                  <a:schemeClr val="bg1"/>
-                </a:solidFill>
-                <a:sym typeface="Wingdings" panose="05000000000000000000" pitchFamily="2" charset="2"/>
-              </a:rPr>
-              <a:t>받기</a:t>
-            </a:r>
-            <a:endParaRPr lang="ko-KR" altLang="en-US" sz="1700" dirty="0">
+              <a:t>탐색</a:t>
+            </a:r>
+            <a:endParaRPr lang="ko-KR" altLang="en-US" dirty="0">
               <a:solidFill>
                 <a:schemeClr val="bg1"/>
               </a:solidFill>
@@ -13448,7 +14447,7 @@
     </p:spTree>
     <p:extLst>
       <p:ext uri="{BB962C8B-B14F-4D97-AF65-F5344CB8AC3E}">
-        <p14:creationId xmlns:p14="http://schemas.microsoft.com/office/powerpoint/2010/main" val="4217513896"/>
+        <p14:creationId xmlns:p14="http://schemas.microsoft.com/office/powerpoint/2010/main" val="2905104417"/>
       </p:ext>
     </p:extLst>
   </p:cSld>
@@ -13458,7 +14457,7 @@
 </p:sld>
 </file>
 
-<file path=ppt/slides/slide21.xml><?xml version="1.0" encoding="utf-8"?>
+<file path=ppt/slides/slide23.xml><?xml version="1.0" encoding="utf-8"?>
 <p:sld xmlns:a="http://schemas.openxmlformats.org/drawingml/2006/main" xmlns:r="http://schemas.openxmlformats.org/officeDocument/2006/relationships" xmlns:p="http://schemas.openxmlformats.org/presentationml/2006/main">
   <p:cSld>
     <p:spTree>
@@ -13551,42 +14550,6 @@
           </a:p>
         </p:txBody>
       </p:sp>
-      <p:pic>
-        <p:nvPicPr>
-          <p:cNvPr id="17" name="내용 개체 틀 4" descr="스크린샷이(가) 표시된 사진&#10;&#10;자동 생성된 설명">
-            <a:extLst>
-              <a:ext uri="{FF2B5EF4-FFF2-40B4-BE49-F238E27FC236}">
-                <a16:creationId xmlns:a16="http://schemas.microsoft.com/office/drawing/2014/main" id="{1C9799CE-3392-4AF8-A3F2-425EC3F36F59}"/>
-              </a:ext>
-            </a:extLst>
-          </p:cNvPr>
-          <p:cNvPicPr>
-            <a:picLocks noChangeAspect="1"/>
-          </p:cNvPicPr>
-          <p:nvPr/>
-        </p:nvPicPr>
-        <p:blipFill>
-          <a:blip r:embed="rId2">
-            <a:extLst>
-              <a:ext uri="{28A0092B-C50C-407E-A947-70E740481C1C}">
-                <a14:useLocalDpi xmlns:a14="http://schemas.microsoft.com/office/drawing/2010/main" val="0"/>
-              </a:ext>
-            </a:extLst>
-          </a:blip>
-          <a:stretch>
-            <a:fillRect/>
-          </a:stretch>
-        </p:blipFill>
-        <p:spPr>
-          <a:xfrm>
-            <a:off x="838200" y="2290609"/>
-            <a:ext cx="4767887" cy="4351338"/>
-          </a:xfrm>
-          <a:prstGeom prst="rect">
-            <a:avLst/>
-          </a:prstGeom>
-        </p:spPr>
-      </p:pic>
       <p:sp>
         <p:nvSpPr>
           <p:cNvPr id="2" name="제목 1">
@@ -13614,22 +14577,25 @@
                   <a:schemeClr val="bg1"/>
                 </a:solidFill>
               </a:rPr>
-              <a:t>2. Windows form(5)</a:t>
-            </a:r>
-            <a:endParaRPr lang="ko-KR" altLang="en-US" dirty="0">
-              <a:solidFill>
-                <a:schemeClr val="bg1"/>
-              </a:solidFill>
-            </a:endParaRPr>
+              <a:t>3. </a:t>
+            </a:r>
+            <a:r>
+              <a:rPr lang="ko-KR" altLang="en-US" dirty="0">
+                <a:solidFill>
+                  <a:schemeClr val="bg1"/>
+                </a:solidFill>
+              </a:rPr>
+              <a:t>추후 계획</a:t>
+            </a:r>
           </a:p>
         </p:txBody>
       </p:sp>
       <p:sp>
         <p:nvSpPr>
-          <p:cNvPr id="8" name="TextBox 7">
-            <a:extLst>
-              <a:ext uri="{FF2B5EF4-FFF2-40B4-BE49-F238E27FC236}">
-                <a16:creationId xmlns:a16="http://schemas.microsoft.com/office/drawing/2014/main" id="{E1125B83-CE62-41D2-B9A1-D2B66B577EF7}"/>
+          <p:cNvPr id="12" name="TextBox 11">
+            <a:extLst>
+              <a:ext uri="{FF2B5EF4-FFF2-40B4-BE49-F238E27FC236}">
+                <a16:creationId xmlns:a16="http://schemas.microsoft.com/office/drawing/2014/main" id="{14F02E9F-96B7-4B4E-982C-AE51A95A3F51}"/>
               </a:ext>
             </a:extLst>
           </p:cNvPr>
@@ -13639,7 +14605,7 @@
         <p:spPr>
           <a:xfrm>
             <a:off x="838200" y="1921277"/>
-            <a:ext cx="4248279" cy="369332"/>
+            <a:ext cx="9139518" cy="2031325"/>
           </a:xfrm>
           <a:prstGeom prst="rect">
             <a:avLst/>
@@ -13647,18 +14613,21 @@
           <a:noFill/>
         </p:spPr>
         <p:txBody>
-          <a:bodyPr wrap="none" rtlCol="0">
+          <a:bodyPr wrap="square" rtlCol="0">
             <a:spAutoFit/>
           </a:bodyPr>
           <a:lstStyle/>
           <a:p>
+            <a:pPr marL="342900" indent="-342900">
+              <a:buAutoNum type="arabicPeriod"/>
+            </a:pPr>
             <a:r>
               <a:rPr lang="en-US" altLang="ko-KR" dirty="0">
                 <a:solidFill>
                   <a:schemeClr val="bg1"/>
                 </a:solidFill>
               </a:rPr>
-              <a:t>[</a:t>
+              <a:t>AWS </a:t>
             </a:r>
             <a:r>
               <a:rPr lang="ko-KR" altLang="en-US" dirty="0">
@@ -13666,7 +14635,7 @@
                   <a:schemeClr val="bg1"/>
                 </a:solidFill>
               </a:rPr>
-              <a:t>메인 페이지 </a:t>
+              <a:t>서버와 연동하여 실제 웹 사이트 주소 </a:t>
             </a:r>
             <a:r>
               <a:rPr lang="en-US" altLang="ko-KR" dirty="0">
@@ -13674,7 +14643,7 @@
                   <a:schemeClr val="bg1"/>
                 </a:solidFill>
               </a:rPr>
-              <a:t>– </a:t>
+              <a:t>(</a:t>
             </a:r>
             <a:r>
               <a:rPr lang="ko-KR" altLang="en-US" dirty="0">
@@ -13682,7 +14651,7 @@
                   <a:schemeClr val="bg1"/>
                 </a:solidFill>
               </a:rPr>
-              <a:t>더 많은 아이디어 보기</a:t>
+              <a:t>로컬 </a:t>
             </a:r>
             <a:r>
               <a:rPr lang="en-US" altLang="ko-KR" dirty="0">
@@ -13690,348 +14659,115 @@
                   <a:schemeClr val="bg1"/>
                 </a:solidFill>
               </a:rPr>
-              <a:t>]</a:t>
-            </a:r>
-            <a:endParaRPr lang="ko-KR" altLang="en-US" dirty="0">
+              <a:t>x ) </a:t>
+            </a:r>
+            <a:r>
+              <a:rPr lang="ko-KR" altLang="en-US" dirty="0">
+                <a:solidFill>
+                  <a:schemeClr val="bg1"/>
+                </a:solidFill>
+              </a:rPr>
+              <a:t>로 웹 사이트 열기</a:t>
+            </a:r>
+            <a:endParaRPr lang="en-US" altLang="ko-KR" dirty="0">
               <a:solidFill>
                 <a:schemeClr val="bg1"/>
               </a:solidFill>
             </a:endParaRPr>
           </a:p>
-        </p:txBody>
-      </p:sp>
-      <p:sp>
-        <p:nvSpPr>
-          <p:cNvPr id="15" name="TextBox 14">
-            <a:extLst>
-              <a:ext uri="{FF2B5EF4-FFF2-40B4-BE49-F238E27FC236}">
-                <a16:creationId xmlns:a16="http://schemas.microsoft.com/office/drawing/2014/main" id="{CC665712-C0B2-4AE3-A356-8575B878FD5D}"/>
-              </a:ext>
-            </a:extLst>
-          </p:cNvPr>
-          <p:cNvSpPr txBox="1"/>
-          <p:nvPr/>
-        </p:nvSpPr>
-        <p:spPr>
-          <a:xfrm>
-            <a:off x="5857837" y="1736611"/>
-            <a:ext cx="3070071" cy="369332"/>
-          </a:xfrm>
-          <a:prstGeom prst="rect">
-            <a:avLst/>
-          </a:prstGeom>
-          <a:noFill/>
-        </p:spPr>
-        <p:txBody>
-          <a:bodyPr wrap="none" rtlCol="0">
-            <a:spAutoFit/>
-          </a:bodyPr>
-          <a:lstStyle/>
-          <a:p>
-            <a:r>
-              <a:rPr lang="en-US" altLang="ko-KR" dirty="0">
-                <a:solidFill>
-                  <a:schemeClr val="bg1"/>
-                </a:solidFill>
-              </a:rPr>
-              <a:t>[google</a:t>
-            </a:r>
-            <a:r>
-              <a:rPr lang="ko-KR" altLang="en-US" dirty="0">
-                <a:solidFill>
-                  <a:schemeClr val="bg1"/>
-                </a:solidFill>
-              </a:rPr>
-              <a:t> 검색결과를 스크랩</a:t>
-            </a:r>
-            <a:r>
-              <a:rPr lang="en-US" altLang="ko-KR" dirty="0">
-                <a:solidFill>
-                  <a:schemeClr val="bg1"/>
-                </a:solidFill>
-              </a:rPr>
-              <a:t>]</a:t>
-            </a:r>
-            <a:endParaRPr lang="ko-KR" altLang="en-US" dirty="0">
+          <a:p>
+            <a:pPr marL="342900" indent="-342900">
+              <a:buAutoNum type="arabicPeriod"/>
+            </a:pPr>
+            <a:endParaRPr lang="en-US" altLang="ko-KR" dirty="0">
               <a:solidFill>
                 <a:schemeClr val="bg1"/>
               </a:solidFill>
             </a:endParaRPr>
           </a:p>
-        </p:txBody>
-      </p:sp>
-      <p:sp>
-        <p:nvSpPr>
-          <p:cNvPr id="14" name="1/2 액자 13">
-            <a:extLst>
-              <a:ext uri="{FF2B5EF4-FFF2-40B4-BE49-F238E27FC236}">
-                <a16:creationId xmlns:a16="http://schemas.microsoft.com/office/drawing/2014/main" id="{DD6958D0-FF91-4FED-923F-4E27B5B35921}"/>
-              </a:ext>
-            </a:extLst>
-          </p:cNvPr>
-          <p:cNvSpPr/>
-          <p:nvPr/>
-        </p:nvSpPr>
-        <p:spPr>
-          <a:xfrm rot="13555054">
-            <a:off x="3513603" y="3001230"/>
-            <a:ext cx="324668" cy="352337"/>
-          </a:xfrm>
-          <a:prstGeom prst="halfFrame">
-            <a:avLst>
-              <a:gd name="adj1" fmla="val 16352"/>
-              <a:gd name="adj2" fmla="val 16511"/>
-            </a:avLst>
-          </a:prstGeom>
-        </p:spPr>
-        <p:style>
-          <a:lnRef idx="2">
-            <a:schemeClr val="accent1">
-              <a:shade val="50000"/>
-            </a:schemeClr>
-          </a:lnRef>
-          <a:fillRef idx="1">
-            <a:schemeClr val="accent1"/>
-          </a:fillRef>
-          <a:effectRef idx="0">
-            <a:schemeClr val="accent1"/>
-          </a:effectRef>
-          <a:fontRef idx="minor">
-            <a:schemeClr val="lt1"/>
-          </a:fontRef>
-        </p:style>
-        <p:txBody>
-          <a:bodyPr rtlCol="0" anchor="ctr"/>
-          <a:lstStyle/>
-          <a:p>
-            <a:pPr algn="ctr"/>
-            <a:endParaRPr lang="ko-KR" altLang="en-US">
+          <a:p>
+            <a:pPr marL="342900" indent="-342900">
+              <a:buAutoNum type="arabicPeriod"/>
+            </a:pPr>
+            <a:r>
+              <a:rPr lang="ko-KR" altLang="en-US" dirty="0">
+                <a:solidFill>
+                  <a:schemeClr val="bg1"/>
+                </a:solidFill>
+              </a:rPr>
+              <a:t>아이디어 거래 시스템 추가</a:t>
+            </a:r>
+            <a:endParaRPr lang="en-US" altLang="ko-KR" dirty="0">
               <a:solidFill>
                 <a:schemeClr val="bg1"/>
               </a:solidFill>
             </a:endParaRPr>
           </a:p>
-        </p:txBody>
-      </p:sp>
-      <p:cxnSp>
-        <p:nvCxnSpPr>
-          <p:cNvPr id="22" name="직선 화살표 연결선 21">
-            <a:extLst>
-              <a:ext uri="{FF2B5EF4-FFF2-40B4-BE49-F238E27FC236}">
-                <a16:creationId xmlns:a16="http://schemas.microsoft.com/office/drawing/2014/main" id="{B7D36125-A52D-4EF4-A56D-973DFF3661DC}"/>
-              </a:ext>
-            </a:extLst>
-          </p:cNvPr>
-          <p:cNvCxnSpPr>
-            <a:cxnSpLocks/>
-          </p:cNvCxnSpPr>
-          <p:nvPr/>
-        </p:nvCxnSpPr>
-        <p:spPr>
-          <a:xfrm>
-            <a:off x="5606087" y="2734813"/>
-            <a:ext cx="251750" cy="0"/>
-          </a:xfrm>
-          <a:prstGeom prst="straightConnector1">
-            <a:avLst/>
-          </a:prstGeom>
-          <a:ln>
-            <a:solidFill>
-              <a:schemeClr val="tx1"/>
-            </a:solidFill>
-            <a:tailEnd type="triangle"/>
-          </a:ln>
-        </p:spPr>
-        <p:style>
-          <a:lnRef idx="1">
-            <a:schemeClr val="accent1"/>
-          </a:lnRef>
-          <a:fillRef idx="0">
-            <a:schemeClr val="accent1"/>
-          </a:fillRef>
-          <a:effectRef idx="0">
-            <a:schemeClr val="accent1"/>
-          </a:effectRef>
-          <a:fontRef idx="minor">
-            <a:schemeClr val="tx1"/>
-          </a:fontRef>
-        </p:style>
-      </p:cxnSp>
-      <p:pic>
-        <p:nvPicPr>
-          <p:cNvPr id="24" name="그림 23">
-            <a:extLst>
-              <a:ext uri="{FF2B5EF4-FFF2-40B4-BE49-F238E27FC236}">
-                <a16:creationId xmlns:a16="http://schemas.microsoft.com/office/drawing/2014/main" id="{4AB65497-707C-4339-9A1E-02EB44996FB0}"/>
-              </a:ext>
-            </a:extLst>
-          </p:cNvPr>
-          <p:cNvPicPr>
-            <a:picLocks noChangeAspect="1"/>
-          </p:cNvPicPr>
-          <p:nvPr/>
-        </p:nvPicPr>
-        <p:blipFill>
-          <a:blip r:embed="rId3"/>
-          <a:stretch>
-            <a:fillRect/>
-          </a:stretch>
-        </p:blipFill>
-        <p:spPr>
-          <a:xfrm>
-            <a:off x="5857837" y="2298896"/>
-            <a:ext cx="6231628" cy="2692544"/>
-          </a:xfrm>
-          <a:prstGeom prst="rect">
-            <a:avLst/>
-          </a:prstGeom>
-        </p:spPr>
-      </p:pic>
-      <p:sp>
-        <p:nvSpPr>
-          <p:cNvPr id="11" name="TextBox 10">
-            <a:extLst>
-              <a:ext uri="{FF2B5EF4-FFF2-40B4-BE49-F238E27FC236}">
-                <a16:creationId xmlns:a16="http://schemas.microsoft.com/office/drawing/2014/main" id="{9CA5BBA7-451C-49C5-8499-EA2E399CD1AA}"/>
-              </a:ext>
-            </a:extLst>
-          </p:cNvPr>
-          <p:cNvSpPr txBox="1"/>
-          <p:nvPr/>
-        </p:nvSpPr>
-        <p:spPr>
-          <a:xfrm>
-            <a:off x="6028167" y="5370722"/>
-            <a:ext cx="3639138" cy="646331"/>
-          </a:xfrm>
-          <a:prstGeom prst="rect">
-            <a:avLst/>
-          </a:prstGeom>
-          <a:noFill/>
-        </p:spPr>
-        <p:txBody>
-          <a:bodyPr wrap="none" rtlCol="0">
-            <a:spAutoFit/>
-          </a:bodyPr>
-          <a:lstStyle/>
-          <a:p>
-            <a:pPr marL="285750" indent="-285750">
-              <a:buFont typeface="Wingdings" panose="05000000000000000000" pitchFamily="2" charset="2"/>
-              <a:buChar char="à"/>
+          <a:p>
+            <a:pPr marL="342900" indent="-342900">
+              <a:buAutoNum type="arabicPeriod"/>
             </a:pPr>
-            <a:r>
-              <a:rPr lang="en-US" altLang="ko-KR" dirty="0">
-                <a:solidFill>
-                  <a:schemeClr val="bg1"/>
-                </a:solidFill>
-                <a:sym typeface="Wingdings" panose="05000000000000000000" pitchFamily="2" charset="2"/>
-              </a:rPr>
-              <a:t>Selenium </a:t>
-            </a:r>
-            <a:r>
-              <a:rPr lang="ko-KR" altLang="en-US" dirty="0">
-                <a:solidFill>
-                  <a:schemeClr val="bg1"/>
-                </a:solidFill>
-                <a:sym typeface="Wingdings" panose="05000000000000000000" pitchFamily="2" charset="2"/>
-              </a:rPr>
-              <a:t>사용 </a:t>
-            </a:r>
-            <a:r>
-              <a:rPr lang="en-US" altLang="ko-KR" dirty="0">
-                <a:solidFill>
-                  <a:schemeClr val="bg1"/>
-                </a:solidFill>
-                <a:sym typeface="Wingdings" panose="05000000000000000000" pitchFamily="2" charset="2"/>
-              </a:rPr>
-              <a:t>!! </a:t>
-            </a:r>
-            <a:r>
-              <a:rPr lang="ko-KR" altLang="en-US" dirty="0" err="1">
-                <a:solidFill>
-                  <a:schemeClr val="bg1"/>
-                </a:solidFill>
-                <a:sym typeface="Wingdings" panose="05000000000000000000" pitchFamily="2" charset="2"/>
-              </a:rPr>
-              <a:t>크롤링</a:t>
-            </a:r>
-            <a:r>
-              <a:rPr lang="ko-KR" altLang="en-US" dirty="0">
-                <a:solidFill>
-                  <a:schemeClr val="bg1"/>
-                </a:solidFill>
-                <a:sym typeface="Wingdings" panose="05000000000000000000" pitchFamily="2" charset="2"/>
-              </a:rPr>
-              <a:t> 하기</a:t>
-            </a:r>
-            <a:r>
-              <a:rPr lang="en-US" altLang="ko-KR" dirty="0">
-                <a:solidFill>
-                  <a:schemeClr val="bg1"/>
-                </a:solidFill>
-                <a:sym typeface="Wingdings" panose="05000000000000000000" pitchFamily="2" charset="2"/>
-              </a:rPr>
-              <a:t>!!</a:t>
-            </a:r>
-          </a:p>
-          <a:p>
-            <a:r>
-              <a:rPr lang="en-US" altLang="ko-KR" dirty="0">
-                <a:solidFill>
-                  <a:schemeClr val="bg1"/>
-                </a:solidFill>
-                <a:sym typeface="Wingdings" panose="05000000000000000000" pitchFamily="2" charset="2"/>
-              </a:rPr>
-              <a:t>- </a:t>
-            </a:r>
-            <a:r>
-              <a:rPr lang="en-US" altLang="ko-KR" dirty="0" err="1">
-                <a:solidFill>
-                  <a:schemeClr val="bg1"/>
-                </a:solidFill>
-                <a:sym typeface="Wingdings" panose="05000000000000000000" pitchFamily="2" charset="2"/>
-              </a:rPr>
-              <a:t>Xpath</a:t>
-            </a:r>
-            <a:r>
-              <a:rPr lang="ko-KR" altLang="en-US" dirty="0">
-                <a:solidFill>
-                  <a:schemeClr val="bg1"/>
-                </a:solidFill>
-                <a:sym typeface="Wingdings" panose="05000000000000000000" pitchFamily="2" charset="2"/>
-              </a:rPr>
-              <a:t>를 통한 </a:t>
-            </a:r>
-            <a:r>
-              <a:rPr lang="en-US" altLang="ko-KR" dirty="0">
-                <a:solidFill>
-                  <a:schemeClr val="bg1"/>
-                </a:solidFill>
-                <a:sym typeface="Wingdings" panose="05000000000000000000" pitchFamily="2" charset="2"/>
-              </a:rPr>
-              <a:t>HTML </a:t>
-            </a:r>
-            <a:r>
-              <a:rPr lang="ko-KR" altLang="en-US" dirty="0">
-                <a:solidFill>
-                  <a:schemeClr val="bg1"/>
-                </a:solidFill>
-                <a:sym typeface="Wingdings" panose="05000000000000000000" pitchFamily="2" charset="2"/>
-              </a:rPr>
-              <a:t>탐색</a:t>
-            </a:r>
-            <a:endParaRPr lang="ko-KR" altLang="en-US" dirty="0">
+            <a:endParaRPr lang="en-US" altLang="ko-KR" dirty="0">
               <a:solidFill>
                 <a:schemeClr val="bg1"/>
               </a:solidFill>
             </a:endParaRPr>
+          </a:p>
+          <a:p>
+            <a:pPr marL="342900" indent="-342900">
+              <a:buAutoNum type="arabicPeriod"/>
+            </a:pPr>
+            <a:r>
+              <a:rPr lang="ko-KR" altLang="en-US" dirty="0">
+                <a:solidFill>
+                  <a:schemeClr val="bg1"/>
+                </a:solidFill>
+              </a:rPr>
+              <a:t>광고를 통한 수익 창출</a:t>
+            </a:r>
+            <a:endParaRPr lang="en-US" altLang="ko-KR" dirty="0">
+              <a:solidFill>
+                <a:schemeClr val="bg1"/>
+              </a:solidFill>
+            </a:endParaRPr>
+          </a:p>
+          <a:p>
+            <a:pPr marL="342900" indent="-342900">
+              <a:buAutoNum type="arabicPeriod"/>
+            </a:pPr>
+            <a:endParaRPr lang="en-US" altLang="ko-KR" dirty="0">
+              <a:solidFill>
+                <a:schemeClr val="bg1"/>
+              </a:solidFill>
+            </a:endParaRPr>
+          </a:p>
+          <a:p>
+            <a:pPr marL="342900" indent="-342900">
+              <a:buAutoNum type="arabicPeriod"/>
+            </a:pPr>
+            <a:r>
+              <a:rPr lang="ko-KR" altLang="en-US" dirty="0">
+                <a:solidFill>
+                  <a:schemeClr val="bg1"/>
+                </a:solidFill>
+              </a:rPr>
+              <a:t>실생활에 유익한 창업 아이템</a:t>
+            </a:r>
+            <a:r>
+              <a:rPr lang="en-US" altLang="ko-KR" dirty="0">
+                <a:solidFill>
+                  <a:schemeClr val="bg1"/>
+                </a:solidFill>
+              </a:rPr>
+              <a:t>!!</a:t>
+            </a:r>
           </a:p>
         </p:txBody>
       </p:sp>
     </p:spTree>
     <p:extLst>
       <p:ext uri="{BB962C8B-B14F-4D97-AF65-F5344CB8AC3E}">
-        <p14:creationId xmlns:p14="http://schemas.microsoft.com/office/powerpoint/2010/main" val="2905104417"/>
+        <p14:creationId xmlns:p14="http://schemas.microsoft.com/office/powerpoint/2010/main" val="3384469004"/>
       </p:ext>
     </p:extLst>
   </p:cSld>
@@ -14041,7 +14777,7 @@
 </p:sld>
 </file>
 
-<file path=ppt/slides/slide22.xml><?xml version="1.0" encoding="utf-8"?>
+<file path=ppt/slides/slide24.xml><?xml version="1.0" encoding="utf-8"?>
 <p:sld xmlns:a="http://schemas.openxmlformats.org/drawingml/2006/main" xmlns:r="http://schemas.openxmlformats.org/officeDocument/2006/relationships" xmlns:p="http://schemas.openxmlformats.org/presentationml/2006/main">
   <p:cSld>
     <p:spTree>
@@ -14060,10 +14796,10 @@
       </p:grpSpPr>
       <p:sp>
         <p:nvSpPr>
-          <p:cNvPr id="25" name="직사각형 24">
-            <a:extLst>
-              <a:ext uri="{FF2B5EF4-FFF2-40B4-BE49-F238E27FC236}">
-                <a16:creationId xmlns:a16="http://schemas.microsoft.com/office/drawing/2014/main" id="{4F70CAFA-D02D-4512-BD5B-3B9381A38681}"/>
+          <p:cNvPr id="5" name="직사각형 4">
+            <a:extLst>
+              <a:ext uri="{FF2B5EF4-FFF2-40B4-BE49-F238E27FC236}">
+                <a16:creationId xmlns:a16="http://schemas.microsoft.com/office/drawing/2014/main" id="{5A4DE811-5F54-4B9A-A1E4-64CC273743D9}"/>
               </a:ext>
             </a:extLst>
           </p:cNvPr>
@@ -14139,326 +14875,6 @@
           <p:cNvPr id="2" name="제목 1">
             <a:extLst>
               <a:ext uri="{FF2B5EF4-FFF2-40B4-BE49-F238E27FC236}">
-                <a16:creationId xmlns:a16="http://schemas.microsoft.com/office/drawing/2014/main" id="{42735CCD-7CE2-430C-9BFE-A4AE290A1A7D}"/>
-              </a:ext>
-            </a:extLst>
-          </p:cNvPr>
-          <p:cNvSpPr>
-            <a:spLocks noGrp="1"/>
-          </p:cNvSpPr>
-          <p:nvPr>
-            <p:ph type="title"/>
-          </p:nvPr>
-        </p:nvSpPr>
-        <p:spPr/>
-        <p:txBody>
-          <a:bodyPr/>
-          <a:lstStyle/>
-          <a:p>
-            <a:r>
-              <a:rPr lang="en-US" altLang="ko-KR" dirty="0">
-                <a:solidFill>
-                  <a:schemeClr val="bg1"/>
-                </a:solidFill>
-              </a:rPr>
-              <a:t>3. </a:t>
-            </a:r>
-            <a:r>
-              <a:rPr lang="ko-KR" altLang="en-US" dirty="0">
-                <a:solidFill>
-                  <a:schemeClr val="bg1"/>
-                </a:solidFill>
-              </a:rPr>
-              <a:t>추후 계획</a:t>
-            </a:r>
-          </a:p>
-        </p:txBody>
-      </p:sp>
-      <p:sp>
-        <p:nvSpPr>
-          <p:cNvPr id="12" name="TextBox 11">
-            <a:extLst>
-              <a:ext uri="{FF2B5EF4-FFF2-40B4-BE49-F238E27FC236}">
-                <a16:creationId xmlns:a16="http://schemas.microsoft.com/office/drawing/2014/main" id="{14F02E9F-96B7-4B4E-982C-AE51A95A3F51}"/>
-              </a:ext>
-            </a:extLst>
-          </p:cNvPr>
-          <p:cNvSpPr txBox="1"/>
-          <p:nvPr/>
-        </p:nvSpPr>
-        <p:spPr>
-          <a:xfrm>
-            <a:off x="838200" y="1921277"/>
-            <a:ext cx="9139518" cy="2031325"/>
-          </a:xfrm>
-          <a:prstGeom prst="rect">
-            <a:avLst/>
-          </a:prstGeom>
-          <a:noFill/>
-        </p:spPr>
-        <p:txBody>
-          <a:bodyPr wrap="square" rtlCol="0">
-            <a:spAutoFit/>
-          </a:bodyPr>
-          <a:lstStyle/>
-          <a:p>
-            <a:pPr marL="342900" indent="-342900">
-              <a:buAutoNum type="arabicPeriod"/>
-            </a:pPr>
-            <a:r>
-              <a:rPr lang="en-US" altLang="ko-KR" dirty="0">
-                <a:solidFill>
-                  <a:schemeClr val="bg1"/>
-                </a:solidFill>
-              </a:rPr>
-              <a:t>AWS </a:t>
-            </a:r>
-            <a:r>
-              <a:rPr lang="ko-KR" altLang="en-US" dirty="0">
-                <a:solidFill>
-                  <a:schemeClr val="bg1"/>
-                </a:solidFill>
-              </a:rPr>
-              <a:t>서버와 연동하여 실제 웹 사이트 주소 </a:t>
-            </a:r>
-            <a:r>
-              <a:rPr lang="en-US" altLang="ko-KR" dirty="0">
-                <a:solidFill>
-                  <a:schemeClr val="bg1"/>
-                </a:solidFill>
-              </a:rPr>
-              <a:t>(</a:t>
-            </a:r>
-            <a:r>
-              <a:rPr lang="ko-KR" altLang="en-US" dirty="0">
-                <a:solidFill>
-                  <a:schemeClr val="bg1"/>
-                </a:solidFill>
-              </a:rPr>
-              <a:t>로컬 </a:t>
-            </a:r>
-            <a:r>
-              <a:rPr lang="en-US" altLang="ko-KR" dirty="0">
-                <a:solidFill>
-                  <a:schemeClr val="bg1"/>
-                </a:solidFill>
-              </a:rPr>
-              <a:t>x ) </a:t>
-            </a:r>
-            <a:r>
-              <a:rPr lang="ko-KR" altLang="en-US" dirty="0">
-                <a:solidFill>
-                  <a:schemeClr val="bg1"/>
-                </a:solidFill>
-              </a:rPr>
-              <a:t>로 웹 사이트 열기</a:t>
-            </a:r>
-            <a:endParaRPr lang="en-US" altLang="ko-KR" dirty="0">
-              <a:solidFill>
-                <a:schemeClr val="bg1"/>
-              </a:solidFill>
-            </a:endParaRPr>
-          </a:p>
-          <a:p>
-            <a:pPr marL="342900" indent="-342900">
-              <a:buAutoNum type="arabicPeriod"/>
-            </a:pPr>
-            <a:endParaRPr lang="en-US" altLang="ko-KR" dirty="0">
-              <a:solidFill>
-                <a:schemeClr val="bg1"/>
-              </a:solidFill>
-            </a:endParaRPr>
-          </a:p>
-          <a:p>
-            <a:pPr marL="342900" indent="-342900">
-              <a:buAutoNum type="arabicPeriod"/>
-            </a:pPr>
-            <a:r>
-              <a:rPr lang="ko-KR" altLang="en-US" dirty="0">
-                <a:solidFill>
-                  <a:schemeClr val="bg1"/>
-                </a:solidFill>
-              </a:rPr>
-              <a:t>아이디어 거래 시스템 추가</a:t>
-            </a:r>
-            <a:endParaRPr lang="en-US" altLang="ko-KR" dirty="0">
-              <a:solidFill>
-                <a:schemeClr val="bg1"/>
-              </a:solidFill>
-            </a:endParaRPr>
-          </a:p>
-          <a:p>
-            <a:pPr marL="342900" indent="-342900">
-              <a:buAutoNum type="arabicPeriod"/>
-            </a:pPr>
-            <a:endParaRPr lang="en-US" altLang="ko-KR" dirty="0">
-              <a:solidFill>
-                <a:schemeClr val="bg1"/>
-              </a:solidFill>
-            </a:endParaRPr>
-          </a:p>
-          <a:p>
-            <a:pPr marL="342900" indent="-342900">
-              <a:buAutoNum type="arabicPeriod"/>
-            </a:pPr>
-            <a:r>
-              <a:rPr lang="ko-KR" altLang="en-US" dirty="0">
-                <a:solidFill>
-                  <a:schemeClr val="bg1"/>
-                </a:solidFill>
-              </a:rPr>
-              <a:t>광고를 통한 수익 창출</a:t>
-            </a:r>
-            <a:endParaRPr lang="en-US" altLang="ko-KR" dirty="0">
-              <a:solidFill>
-                <a:schemeClr val="bg1"/>
-              </a:solidFill>
-            </a:endParaRPr>
-          </a:p>
-          <a:p>
-            <a:pPr marL="342900" indent="-342900">
-              <a:buAutoNum type="arabicPeriod"/>
-            </a:pPr>
-            <a:endParaRPr lang="en-US" altLang="ko-KR" dirty="0">
-              <a:solidFill>
-                <a:schemeClr val="bg1"/>
-              </a:solidFill>
-            </a:endParaRPr>
-          </a:p>
-          <a:p>
-            <a:pPr marL="342900" indent="-342900">
-              <a:buAutoNum type="arabicPeriod"/>
-            </a:pPr>
-            <a:r>
-              <a:rPr lang="ko-KR" altLang="en-US" dirty="0">
-                <a:solidFill>
-                  <a:schemeClr val="bg1"/>
-                </a:solidFill>
-              </a:rPr>
-              <a:t>실생활에 유익한 창업 아이템</a:t>
-            </a:r>
-            <a:r>
-              <a:rPr lang="en-US" altLang="ko-KR" dirty="0">
-                <a:solidFill>
-                  <a:schemeClr val="bg1"/>
-                </a:solidFill>
-              </a:rPr>
-              <a:t>!!</a:t>
-            </a:r>
-          </a:p>
-        </p:txBody>
-      </p:sp>
-    </p:spTree>
-    <p:extLst>
-      <p:ext uri="{BB962C8B-B14F-4D97-AF65-F5344CB8AC3E}">
-        <p14:creationId xmlns:p14="http://schemas.microsoft.com/office/powerpoint/2010/main" val="3384469004"/>
-      </p:ext>
-    </p:extLst>
-  </p:cSld>
-  <p:clrMapOvr>
-    <a:masterClrMapping/>
-  </p:clrMapOvr>
-</p:sld>
-</file>
-
-<file path=ppt/slides/slide23.xml><?xml version="1.0" encoding="utf-8"?>
-<p:sld xmlns:a="http://schemas.openxmlformats.org/drawingml/2006/main" xmlns:r="http://schemas.openxmlformats.org/officeDocument/2006/relationships" xmlns:p="http://schemas.openxmlformats.org/presentationml/2006/main">
-  <p:cSld>
-    <p:spTree>
-      <p:nvGrpSpPr>
-        <p:cNvPr id="1" name=""/>
-        <p:cNvGrpSpPr/>
-        <p:nvPr/>
-      </p:nvGrpSpPr>
-      <p:grpSpPr>
-        <a:xfrm>
-          <a:off x="0" y="0"/>
-          <a:ext cx="0" cy="0"/>
-          <a:chOff x="0" y="0"/>
-          <a:chExt cx="0" cy="0"/>
-        </a:xfrm>
-      </p:grpSpPr>
-      <p:sp>
-        <p:nvSpPr>
-          <p:cNvPr id="5" name="직사각형 4">
-            <a:extLst>
-              <a:ext uri="{FF2B5EF4-FFF2-40B4-BE49-F238E27FC236}">
-                <a16:creationId xmlns:a16="http://schemas.microsoft.com/office/drawing/2014/main" id="{5A4DE811-5F54-4B9A-A1E4-64CC273743D9}"/>
-              </a:ext>
-            </a:extLst>
-          </p:cNvPr>
-          <p:cNvSpPr/>
-          <p:nvPr/>
-        </p:nvSpPr>
-        <p:spPr>
-          <a:xfrm>
-            <a:off x="0" y="1"/>
-            <a:ext cx="12192000" cy="6858000"/>
-          </a:xfrm>
-          <a:prstGeom prst="rect">
-            <a:avLst/>
-          </a:prstGeom>
-          <a:gradFill flip="none" rotWithShape="1">
-            <a:gsLst>
-              <a:gs pos="41000">
-                <a:srgbClr val="3C6CC2"/>
-              </a:gs>
-              <a:gs pos="23000">
-                <a:srgbClr val="5781CA"/>
-              </a:gs>
-              <a:gs pos="5000">
-                <a:srgbClr val="9AB4DE"/>
-              </a:gs>
-              <a:gs pos="56000">
-                <a:schemeClr val="accent1">
-                  <a:lumMod val="75000"/>
-                </a:schemeClr>
-              </a:gs>
-              <a:gs pos="77000">
-                <a:srgbClr val="28477E"/>
-              </a:gs>
-              <a:gs pos="100000">
-                <a:srgbClr val="0F1A2F"/>
-              </a:gs>
-            </a:gsLst>
-            <a:lin ang="13500000" scaled="1"/>
-            <a:tileRect/>
-          </a:gradFill>
-        </p:spPr>
-        <p:style>
-          <a:lnRef idx="2">
-            <a:schemeClr val="accent1">
-              <a:shade val="50000"/>
-            </a:schemeClr>
-          </a:lnRef>
-          <a:fillRef idx="1">
-            <a:schemeClr val="accent1"/>
-          </a:fillRef>
-          <a:effectRef idx="0">
-            <a:schemeClr val="accent1"/>
-          </a:effectRef>
-          <a:fontRef idx="minor">
-            <a:schemeClr val="lt1"/>
-          </a:fontRef>
-        </p:style>
-        <p:txBody>
-          <a:bodyPr rtlCol="0" anchor="ctr"/>
-          <a:lstStyle/>
-          <a:p>
-            <a:pPr algn="ctr"/>
-            <a:endParaRPr lang="ko-KR" altLang="en-US">
-              <a:solidFill>
-                <a:schemeClr val="bg1"/>
-              </a:solidFill>
-            </a:endParaRPr>
-          </a:p>
-        </p:txBody>
-      </p:sp>
-      <p:sp>
-        <p:nvSpPr>
-          <p:cNvPr id="2" name="제목 1">
-            <a:extLst>
-              <a:ext uri="{FF2B5EF4-FFF2-40B4-BE49-F238E27FC236}">
                 <a16:creationId xmlns:a16="http://schemas.microsoft.com/office/drawing/2014/main" id="{39B2E460-8AC4-4330-A692-40F926351511}"/>
               </a:ext>
             </a:extLst>
@@ -14781,7 +15197,7 @@
 </p:sld>
 </file>
 
-<file path=ppt/slides/slide24.xml><?xml version="1.0" encoding="utf-8"?>
+<file path=ppt/slides/slide25.xml><?xml version="1.0" encoding="utf-8"?>
 <p:sld xmlns:a="http://schemas.openxmlformats.org/drawingml/2006/main" xmlns:r="http://schemas.openxmlformats.org/officeDocument/2006/relationships" xmlns:p="http://schemas.openxmlformats.org/presentationml/2006/main">
   <p:cSld>
     <p:spTree>
@@ -16995,7 +17411,7 @@
 </p:sld>
 </file>
 
-<file path=ppt/slides/slide25.xml><?xml version="1.0" encoding="utf-8"?>
+<file path=ppt/slides/slide26.xml><?xml version="1.0" encoding="utf-8"?>
 <p:sld xmlns:a="http://schemas.openxmlformats.org/drawingml/2006/main" xmlns:r="http://schemas.openxmlformats.org/officeDocument/2006/relationships" xmlns:p="http://schemas.openxmlformats.org/presentationml/2006/main">
   <p:cSld>
     <p:spTree>
@@ -18568,7 +18984,7 @@
 </p:sld>
 </file>
 
-<file path=ppt/slides/slide26.xml><?xml version="1.0" encoding="utf-8"?>
+<file path=ppt/slides/slide27.xml><?xml version="1.0" encoding="utf-8"?>
 <p:sld xmlns:a="http://schemas.openxmlformats.org/drawingml/2006/main" xmlns:r="http://schemas.openxmlformats.org/officeDocument/2006/relationships" xmlns:p="http://schemas.openxmlformats.org/presentationml/2006/main">
   <p:cSld>
     <p:spTree>
@@ -18959,7 +19375,7 @@
 </p:sld>
 </file>
 
-<file path=ppt/slides/slide27.xml><?xml version="1.0" encoding="utf-8"?>
+<file path=ppt/slides/slide28.xml><?xml version="1.0" encoding="utf-8"?>
 <p:sld xmlns:a="http://schemas.openxmlformats.org/drawingml/2006/main" xmlns:r="http://schemas.openxmlformats.org/officeDocument/2006/relationships" xmlns:p="http://schemas.openxmlformats.org/presentationml/2006/main">
   <p:cSld>
     <p:spTree>
@@ -19230,7 +19646,7 @@
 </p:sld>
 </file>
 
-<file path=ppt/slides/slide28.xml><?xml version="1.0" encoding="utf-8"?>
+<file path=ppt/slides/slide29.xml><?xml version="1.0" encoding="utf-8"?>
 <p:sld xmlns:a="http://schemas.openxmlformats.org/drawingml/2006/main" xmlns:r="http://schemas.openxmlformats.org/officeDocument/2006/relationships" xmlns:p="http://schemas.openxmlformats.org/presentationml/2006/main">
   <p:cSld>
     <p:spTree>
@@ -19621,7 +20037,7 @@
 </p:sld>
 </file>
 
-<file path=ppt/slides/slide29.xml><?xml version="1.0" encoding="utf-8"?>
+<file path=ppt/slides/slide3.xml><?xml version="1.0" encoding="utf-8"?>
 <p:sld xmlns:a="http://schemas.openxmlformats.org/drawingml/2006/main" xmlns:r="http://schemas.openxmlformats.org/officeDocument/2006/relationships" xmlns:p="http://schemas.openxmlformats.org/presentationml/2006/main">
   <p:cSld>
     <p:spTree>
@@ -19643,7 +20059,7 @@
           <p:cNvPr id="4" name="직사각형 3">
             <a:extLst>
               <a:ext uri="{FF2B5EF4-FFF2-40B4-BE49-F238E27FC236}">
-                <a16:creationId xmlns:a16="http://schemas.microsoft.com/office/drawing/2014/main" id="{46605AEF-BEA5-4FD6-8FAD-5B5B36A044FB}"/>
+                <a16:creationId xmlns:a16="http://schemas.microsoft.com/office/drawing/2014/main" id="{DE14D5EF-6F12-468E-8746-9EC521752E51}"/>
               </a:ext>
             </a:extLst>
           </p:cNvPr>
@@ -19706,11 +20122,7 @@
           <a:lstStyle/>
           <a:p>
             <a:pPr algn="ctr"/>
-            <a:endParaRPr lang="ko-KR" altLang="en-US">
-              <a:solidFill>
-                <a:schemeClr val="bg1"/>
-              </a:solidFill>
-            </a:endParaRPr>
+            <a:endParaRPr lang="ko-KR" altLang="en-US"/>
           </a:p>
         </p:txBody>
       </p:sp>
@@ -19719,7 +20131,7 @@
           <p:cNvPr id="2" name="제목 1">
             <a:extLst>
               <a:ext uri="{FF2B5EF4-FFF2-40B4-BE49-F238E27FC236}">
-                <a16:creationId xmlns:a16="http://schemas.microsoft.com/office/drawing/2014/main" id="{42735CCD-7CE2-430C-9BFE-A4AE290A1A7D}"/>
+                <a16:creationId xmlns:a16="http://schemas.microsoft.com/office/drawing/2014/main" id="{39B2E460-8AC4-4330-A692-40F926351511}"/>
               </a:ext>
             </a:extLst>
           </p:cNvPr>
@@ -19727,7 +20139,7 @@
             <a:spLocks noGrp="1"/>
           </p:cNvSpPr>
           <p:nvPr>
-            <p:ph type="title"/>
+            <p:ph type="ctrTitle"/>
           </p:nvPr>
         </p:nvSpPr>
         <p:spPr/>
@@ -19736,22 +20148,22 @@
           <a:lstStyle/>
           <a:p>
             <a:r>
-              <a:rPr lang="ko-KR" altLang="en-US" dirty="0">
-                <a:solidFill>
-                  <a:schemeClr val="bg1"/>
-                </a:solidFill>
-              </a:rPr>
-              <a:t>발표 영상 링크</a:t>
+              <a:rPr lang="ko-KR" altLang="en-US" sz="5500" dirty="0">
+                <a:solidFill>
+                  <a:schemeClr val="bg1"/>
+                </a:solidFill>
+              </a:rPr>
+              <a:t>프로젝트 개요</a:t>
             </a:r>
           </a:p>
         </p:txBody>
       </p:sp>
       <p:sp>
         <p:nvSpPr>
-          <p:cNvPr id="3" name="내용 개체 틀 2">
-            <a:extLst>
-              <a:ext uri="{FF2B5EF4-FFF2-40B4-BE49-F238E27FC236}">
-                <a16:creationId xmlns:a16="http://schemas.microsoft.com/office/drawing/2014/main" id="{69BEF2B0-85AF-443E-9A28-F8B4EAD7CBDB}"/>
+          <p:cNvPr id="3" name="부제목 2">
+            <a:extLst>
+              <a:ext uri="{FF2B5EF4-FFF2-40B4-BE49-F238E27FC236}">
+                <a16:creationId xmlns:a16="http://schemas.microsoft.com/office/drawing/2014/main" id="{7B10D53B-7DA4-4430-8DBC-616224373F6B}"/>
               </a:ext>
             </a:extLst>
           </p:cNvPr>
@@ -19759,32 +20171,46 @@
             <a:spLocks noGrp="1"/>
           </p:cNvSpPr>
           <p:nvPr>
-            <p:ph idx="1"/>
+            <p:ph type="subTitle" idx="1"/>
           </p:nvPr>
         </p:nvSpPr>
-        <p:spPr/>
+        <p:spPr>
+          <a:xfrm>
+            <a:off x="1440110" y="875616"/>
+            <a:ext cx="9144000" cy="1655762"/>
+          </a:xfrm>
+        </p:spPr>
         <p:txBody>
-          <a:bodyPr/>
+          <a:bodyPr>
+            <a:normAutofit fontScale="92500" lnSpcReduction="20000"/>
+          </a:bodyPr>
           <a:lstStyle/>
           <a:p>
-            <a:r>
-              <a:rPr lang="en-US" altLang="ko-KR" dirty="0">
-                <a:solidFill>
-                  <a:srgbClr val="FF0000"/>
-                </a:solidFill>
-                <a:hlinkClick r:id="rId2">
-                  <a:extLst>
-                    <a:ext uri="{A12FA001-AC4F-418D-AE19-62706E023703}">
-                      <ahyp:hlinkClr xmlns:ahyp="http://schemas.microsoft.com/office/drawing/2018/hyperlinkcolor" val="tx"/>
-                    </a:ext>
-                  </a:extLst>
-                </a:hlinkClick>
-              </a:rPr>
-              <a:t>https://www.youtube.com/watch?v=Cf4qcb0HrUU&amp;t=14s</a:t>
-            </a:r>
-            <a:endParaRPr lang="ko-KR" altLang="en-US" dirty="0">
+            <a:endParaRPr lang="en-US" altLang="ko-KR" sz="4000" dirty="0">
               <a:solidFill>
-                <a:srgbClr val="FF0000"/>
+                <a:schemeClr val="bg1"/>
+              </a:solidFill>
+            </a:endParaRPr>
+          </a:p>
+          <a:p>
+            <a:endParaRPr lang="en-US" altLang="ko-KR" sz="4000" dirty="0">
+              <a:solidFill>
+                <a:schemeClr val="bg1"/>
+              </a:solidFill>
+            </a:endParaRPr>
+          </a:p>
+          <a:p>
+            <a:r>
+              <a:rPr lang="en-US" altLang="ko-KR" sz="4000" dirty="0">
+                <a:solidFill>
+                  <a:schemeClr val="bg1"/>
+                </a:solidFill>
+              </a:rPr>
+              <a:t>Part 1</a:t>
+            </a:r>
+            <a:endParaRPr lang="ko-KR" altLang="en-US" sz="4000" dirty="0">
+              <a:solidFill>
+                <a:schemeClr val="bg1"/>
               </a:solidFill>
             </a:endParaRPr>
           </a:p>
@@ -19793,7 +20219,7 @@
     </p:spTree>
     <p:extLst>
       <p:ext uri="{BB962C8B-B14F-4D97-AF65-F5344CB8AC3E}">
-        <p14:creationId xmlns:p14="http://schemas.microsoft.com/office/powerpoint/2010/main" val="560279067"/>
+        <p14:creationId xmlns:p14="http://schemas.microsoft.com/office/powerpoint/2010/main" val="3657994739"/>
       </p:ext>
     </p:extLst>
   </p:cSld>
@@ -19803,7 +20229,7 @@
 </p:sld>
 </file>
 
-<file path=ppt/slides/slide3.xml><?xml version="1.0" encoding="utf-8"?>
+<file path=ppt/slides/slide30.xml><?xml version="1.0" encoding="utf-8"?>
 <p:sld xmlns:a="http://schemas.openxmlformats.org/drawingml/2006/main" xmlns:r="http://schemas.openxmlformats.org/officeDocument/2006/relationships" xmlns:p="http://schemas.openxmlformats.org/presentationml/2006/main">
   <p:cSld>
     <p:spTree>
@@ -19825,7 +20251,7 @@
           <p:cNvPr id="4" name="직사각형 3">
             <a:extLst>
               <a:ext uri="{FF2B5EF4-FFF2-40B4-BE49-F238E27FC236}">
-                <a16:creationId xmlns:a16="http://schemas.microsoft.com/office/drawing/2014/main" id="{DE14D5EF-6F12-468E-8746-9EC521752E51}"/>
+                <a16:creationId xmlns:a16="http://schemas.microsoft.com/office/drawing/2014/main" id="{46605AEF-BEA5-4FD6-8FAD-5B5B36A044FB}"/>
               </a:ext>
             </a:extLst>
           </p:cNvPr>
@@ -19888,7 +20314,11 @@
           <a:lstStyle/>
           <a:p>
             <a:pPr algn="ctr"/>
-            <a:endParaRPr lang="ko-KR" altLang="en-US"/>
+            <a:endParaRPr lang="ko-KR" altLang="en-US">
+              <a:solidFill>
+                <a:schemeClr val="bg1"/>
+              </a:solidFill>
+            </a:endParaRPr>
           </a:p>
         </p:txBody>
       </p:sp>
@@ -19897,7 +20327,7 @@
           <p:cNvPr id="2" name="제목 1">
             <a:extLst>
               <a:ext uri="{FF2B5EF4-FFF2-40B4-BE49-F238E27FC236}">
-                <a16:creationId xmlns:a16="http://schemas.microsoft.com/office/drawing/2014/main" id="{39B2E460-8AC4-4330-A692-40F926351511}"/>
+                <a16:creationId xmlns:a16="http://schemas.microsoft.com/office/drawing/2014/main" id="{42735CCD-7CE2-430C-9BFE-A4AE290A1A7D}"/>
               </a:ext>
             </a:extLst>
           </p:cNvPr>
@@ -19905,7 +20335,7 @@
             <a:spLocks noGrp="1"/>
           </p:cNvSpPr>
           <p:nvPr>
-            <p:ph type="ctrTitle"/>
+            <p:ph type="title"/>
           </p:nvPr>
         </p:nvSpPr>
         <p:spPr/>
@@ -19914,22 +20344,22 @@
           <a:lstStyle/>
           <a:p>
             <a:r>
-              <a:rPr lang="ko-KR" altLang="en-US" sz="5500" dirty="0">
-                <a:solidFill>
-                  <a:schemeClr val="bg1"/>
-                </a:solidFill>
-              </a:rPr>
-              <a:t>프로젝트 개요</a:t>
+              <a:rPr lang="ko-KR" altLang="en-US" dirty="0">
+                <a:solidFill>
+                  <a:schemeClr val="bg1"/>
+                </a:solidFill>
+              </a:rPr>
+              <a:t>발표 영상 링크</a:t>
             </a:r>
           </a:p>
         </p:txBody>
       </p:sp>
       <p:sp>
         <p:nvSpPr>
-          <p:cNvPr id="3" name="부제목 2">
-            <a:extLst>
-              <a:ext uri="{FF2B5EF4-FFF2-40B4-BE49-F238E27FC236}">
-                <a16:creationId xmlns:a16="http://schemas.microsoft.com/office/drawing/2014/main" id="{7B10D53B-7DA4-4430-8DBC-616224373F6B}"/>
+          <p:cNvPr id="3" name="내용 개체 틀 2">
+            <a:extLst>
+              <a:ext uri="{FF2B5EF4-FFF2-40B4-BE49-F238E27FC236}">
+                <a16:creationId xmlns:a16="http://schemas.microsoft.com/office/drawing/2014/main" id="{69BEF2B0-85AF-443E-9A28-F8B4EAD7CBDB}"/>
               </a:ext>
             </a:extLst>
           </p:cNvPr>
@@ -19937,44 +20367,30 @@
             <a:spLocks noGrp="1"/>
           </p:cNvSpPr>
           <p:nvPr>
-            <p:ph type="subTitle" idx="1"/>
+            <p:ph idx="1"/>
           </p:nvPr>
         </p:nvSpPr>
-        <p:spPr>
-          <a:xfrm>
-            <a:off x="1440110" y="875616"/>
-            <a:ext cx="9144000" cy="1655762"/>
-          </a:xfrm>
-        </p:spPr>
+        <p:spPr/>
         <p:txBody>
-          <a:bodyPr>
-            <a:normAutofit fontScale="92500" lnSpcReduction="20000"/>
-          </a:bodyPr>
+          <a:bodyPr/>
           <a:lstStyle/>
           <a:p>
-            <a:endParaRPr lang="en-US" altLang="ko-KR" sz="4000" dirty="0">
-              <a:solidFill>
-                <a:schemeClr val="bg1"/>
-              </a:solidFill>
-            </a:endParaRPr>
-          </a:p>
-          <a:p>
-            <a:endParaRPr lang="en-US" altLang="ko-KR" sz="4000" dirty="0">
-              <a:solidFill>
-                <a:schemeClr val="bg1"/>
-              </a:solidFill>
-            </a:endParaRPr>
-          </a:p>
-          <a:p>
-            <a:r>
-              <a:rPr lang="en-US" altLang="ko-KR" sz="4000" dirty="0">
-                <a:solidFill>
-                  <a:schemeClr val="bg1"/>
-                </a:solidFill>
-              </a:rPr>
-              <a:t>Part 1</a:t>
-            </a:r>
-            <a:endParaRPr lang="ko-KR" altLang="en-US" sz="4000" dirty="0">
+            <a:r>
+              <a:rPr lang="en-US" altLang="ko-KR" dirty="0">
+                <a:solidFill>
+                  <a:schemeClr val="bg1"/>
+                </a:solidFill>
+                <a:hlinkClick r:id="rId2">
+                  <a:extLst>
+                    <a:ext uri="{A12FA001-AC4F-418D-AE19-62706E023703}">
+                      <ahyp:hlinkClr xmlns:ahyp="http://schemas.microsoft.com/office/drawing/2018/hyperlinkcolor" val="tx"/>
+                    </a:ext>
+                  </a:extLst>
+                </a:hlinkClick>
+              </a:rPr>
+              <a:t>https://www.youtube.com/watch?v=Cf4qcb0HrUU&amp;t=14s</a:t>
+            </a:r>
+            <a:endParaRPr lang="ko-KR" altLang="en-US" dirty="0">
               <a:solidFill>
                 <a:schemeClr val="bg1"/>
               </a:solidFill>
@@ -19985,7 +20401,7 @@
     </p:spTree>
     <p:extLst>
       <p:ext uri="{BB962C8B-B14F-4D97-AF65-F5344CB8AC3E}">
-        <p14:creationId xmlns:p14="http://schemas.microsoft.com/office/powerpoint/2010/main" val="3657994739"/>
+        <p14:creationId xmlns:p14="http://schemas.microsoft.com/office/powerpoint/2010/main" val="560279067"/>
       </p:ext>
     </p:extLst>
   </p:cSld>
@@ -19995,7 +20411,7 @@
 </p:sld>
 </file>
 
-<file path=ppt/slides/slide30.xml><?xml version="1.0" encoding="utf-8"?>
+<file path=ppt/slides/slide31.xml><?xml version="1.0" encoding="utf-8"?>
 <p:sld xmlns:a="http://schemas.openxmlformats.org/drawingml/2006/main" xmlns:r="http://schemas.openxmlformats.org/officeDocument/2006/relationships" xmlns:p="http://schemas.openxmlformats.org/presentationml/2006/main">
   <p:cSld>
     <p:spTree>
@@ -20393,7 +20809,7 @@
 </p:sld>
 </file>
 
-<file path=ppt/slides/slide31.xml><?xml version="1.0" encoding="utf-8"?>
+<file path=ppt/slides/slide32.xml><?xml version="1.0" encoding="utf-8"?>
 <p:sld xmlns:a="http://schemas.openxmlformats.org/drawingml/2006/main" xmlns:r="http://schemas.openxmlformats.org/officeDocument/2006/relationships" xmlns:p="http://schemas.openxmlformats.org/presentationml/2006/main">
   <p:cSld>
     <p:spTree>
@@ -20624,7 +21040,7 @@
 </p:sld>
 </file>
 
-<file path=ppt/slides/slide32.xml><?xml version="1.0" encoding="utf-8"?>
+<file path=ppt/slides/slide33.xml><?xml version="1.0" encoding="utf-8"?>
 <p:sld xmlns:a="http://schemas.openxmlformats.org/drawingml/2006/main" xmlns:r="http://schemas.openxmlformats.org/officeDocument/2006/relationships" xmlns:p="http://schemas.openxmlformats.org/presentationml/2006/main">
   <p:cSld>
     <p:spTree>
@@ -21098,7 +21514,7 @@
 </p:sld>
 </file>
 
-<file path=ppt/slides/slide33.xml><?xml version="1.0" encoding="utf-8"?>
+<file path=ppt/slides/slide34.xml><?xml version="1.0" encoding="utf-8"?>
 <p:sld xmlns:a="http://schemas.openxmlformats.org/drawingml/2006/main" xmlns:r="http://schemas.openxmlformats.org/officeDocument/2006/relationships" xmlns:p="http://schemas.openxmlformats.org/presentationml/2006/main">
   <p:cSld>
     <p:spTree>
@@ -21589,7 +22005,7 @@
 </p:sld>
 </file>
 
-<file path=ppt/slides/slide34.xml><?xml version="1.0" encoding="utf-8"?>
+<file path=ppt/slides/slide35.xml><?xml version="1.0" encoding="utf-8"?>
 <p:sld xmlns:a="http://schemas.openxmlformats.org/drawingml/2006/main" xmlns:r="http://schemas.openxmlformats.org/officeDocument/2006/relationships" xmlns:p="http://schemas.openxmlformats.org/presentationml/2006/main">
   <p:cSld>
     <p:spTree>
@@ -24055,6 +24471,1031 @@
 </file>
 
 <file path=ppt/slides/slide8.xml><?xml version="1.0" encoding="utf-8"?>
+<p:sld xmlns:a="http://schemas.openxmlformats.org/drawingml/2006/main" xmlns:r="http://schemas.openxmlformats.org/officeDocument/2006/relationships" xmlns:p="http://schemas.openxmlformats.org/presentationml/2006/main">
+  <p:cSld>
+    <p:spTree>
+      <p:nvGrpSpPr>
+        <p:cNvPr id="1" name=""/>
+        <p:cNvGrpSpPr/>
+        <p:nvPr/>
+      </p:nvGrpSpPr>
+      <p:grpSpPr>
+        <a:xfrm>
+          <a:off x="0" y="0"/>
+          <a:ext cx="0" cy="0"/>
+          <a:chOff x="0" y="0"/>
+          <a:chExt cx="0" cy="0"/>
+        </a:xfrm>
+      </p:grpSpPr>
+      <p:sp>
+        <p:nvSpPr>
+          <p:cNvPr id="10" name="직사각형 9">
+            <a:extLst>
+              <a:ext uri="{FF2B5EF4-FFF2-40B4-BE49-F238E27FC236}">
+                <a16:creationId xmlns:a16="http://schemas.microsoft.com/office/drawing/2014/main" id="{E7D0255F-3848-402F-ADA6-AA5996278388}"/>
+              </a:ext>
+            </a:extLst>
+          </p:cNvPr>
+          <p:cNvSpPr/>
+          <p:nvPr/>
+        </p:nvSpPr>
+        <p:spPr>
+          <a:xfrm>
+            <a:off x="0" y="1"/>
+            <a:ext cx="12192000" cy="6858000"/>
+          </a:xfrm>
+          <a:prstGeom prst="rect">
+            <a:avLst/>
+          </a:prstGeom>
+          <a:gradFill flip="none" rotWithShape="1">
+            <a:gsLst>
+              <a:gs pos="41000">
+                <a:srgbClr val="3C6CC2"/>
+              </a:gs>
+              <a:gs pos="23000">
+                <a:srgbClr val="5781CA"/>
+              </a:gs>
+              <a:gs pos="5000">
+                <a:srgbClr val="9AB4DE"/>
+              </a:gs>
+              <a:gs pos="56000">
+                <a:schemeClr val="accent1">
+                  <a:lumMod val="75000"/>
+                </a:schemeClr>
+              </a:gs>
+              <a:gs pos="77000">
+                <a:srgbClr val="28477E"/>
+              </a:gs>
+              <a:gs pos="100000">
+                <a:srgbClr val="0F1A2F"/>
+              </a:gs>
+            </a:gsLst>
+            <a:lin ang="13500000" scaled="1"/>
+            <a:tileRect/>
+          </a:gradFill>
+        </p:spPr>
+        <p:style>
+          <a:lnRef idx="2">
+            <a:schemeClr val="accent1">
+              <a:shade val="50000"/>
+            </a:schemeClr>
+          </a:lnRef>
+          <a:fillRef idx="1">
+            <a:schemeClr val="accent1"/>
+          </a:fillRef>
+          <a:effectRef idx="0">
+            <a:schemeClr val="accent1"/>
+          </a:effectRef>
+          <a:fontRef idx="minor">
+            <a:schemeClr val="lt1"/>
+          </a:fontRef>
+        </p:style>
+        <p:txBody>
+          <a:bodyPr rtlCol="0" anchor="ctr"/>
+          <a:lstStyle/>
+          <a:p>
+            <a:pPr algn="ctr"/>
+            <a:endParaRPr lang="ko-KR" altLang="en-US">
+              <a:solidFill>
+                <a:schemeClr val="bg1"/>
+              </a:solidFill>
+            </a:endParaRPr>
+          </a:p>
+        </p:txBody>
+      </p:sp>
+      <p:sp>
+        <p:nvSpPr>
+          <p:cNvPr id="2" name="제목 1">
+            <a:extLst>
+              <a:ext uri="{FF2B5EF4-FFF2-40B4-BE49-F238E27FC236}">
+                <a16:creationId xmlns:a16="http://schemas.microsoft.com/office/drawing/2014/main" id="{42735CCD-7CE2-430C-9BFE-A4AE290A1A7D}"/>
+              </a:ext>
+            </a:extLst>
+          </p:cNvPr>
+          <p:cNvSpPr>
+            <a:spLocks noGrp="1"/>
+          </p:cNvSpPr>
+          <p:nvPr>
+            <p:ph type="title"/>
+          </p:nvPr>
+        </p:nvSpPr>
+        <p:spPr/>
+        <p:txBody>
+          <a:bodyPr/>
+          <a:lstStyle/>
+          <a:p>
+            <a:r>
+              <a:rPr lang="ko-KR" altLang="en-US" dirty="0">
+                <a:solidFill>
+                  <a:schemeClr val="bg1"/>
+                </a:solidFill>
+              </a:rPr>
+              <a:t>제안서 주요 핵심 기능</a:t>
+            </a:r>
+          </a:p>
+        </p:txBody>
+      </p:sp>
+      <p:graphicFrame>
+        <p:nvGraphicFramePr>
+          <p:cNvPr id="8" name="표 8">
+            <a:extLst>
+              <a:ext uri="{FF2B5EF4-FFF2-40B4-BE49-F238E27FC236}">
+                <a16:creationId xmlns:a16="http://schemas.microsoft.com/office/drawing/2014/main" id="{3592128E-9896-4973-9061-E16220CC9D93}"/>
+              </a:ext>
+            </a:extLst>
+          </p:cNvPr>
+          <p:cNvGraphicFramePr>
+            <a:graphicFrameLocks noGrp="1"/>
+          </p:cNvGraphicFramePr>
+          <p:nvPr>
+            <p:ph idx="1"/>
+            <p:extLst>
+              <p:ext uri="{D42A27DB-BD31-4B8C-83A1-F6EECF244321}">
+                <p14:modId xmlns:p14="http://schemas.microsoft.com/office/powerpoint/2010/main" val="3790430633"/>
+              </p:ext>
+            </p:extLst>
+          </p:nvPr>
+        </p:nvGraphicFramePr>
+        <p:xfrm>
+          <a:off x="838200" y="1835784"/>
+          <a:ext cx="10851776" cy="2825705"/>
+        </p:xfrm>
+        <a:graphic>
+          <a:graphicData uri="http://schemas.openxmlformats.org/drawingml/2006/table">
+            <a:tbl>
+              <a:tblPr firstRow="1" bandRow="1">
+                <a:tableStyleId>{2D5ABB26-0587-4C30-8999-92F81FD0307C}</a:tableStyleId>
+              </a:tblPr>
+              <a:tblGrid>
+                <a:gridCol w="1799378">
+                  <a:extLst>
+                    <a:ext uri="{9D8B030D-6E8A-4147-A177-3AD203B41FA5}">
+                      <a16:colId xmlns:a16="http://schemas.microsoft.com/office/drawing/2014/main" val="2355632470"/>
+                    </a:ext>
+                  </a:extLst>
+                </a:gridCol>
+                <a:gridCol w="4000654">
+                  <a:extLst>
+                    <a:ext uri="{9D8B030D-6E8A-4147-A177-3AD203B41FA5}">
+                      <a16:colId xmlns:a16="http://schemas.microsoft.com/office/drawing/2014/main" val="353283640"/>
+                    </a:ext>
+                  </a:extLst>
+                </a:gridCol>
+                <a:gridCol w="5051744">
+                  <a:extLst>
+                    <a:ext uri="{9D8B030D-6E8A-4147-A177-3AD203B41FA5}">
+                      <a16:colId xmlns:a16="http://schemas.microsoft.com/office/drawing/2014/main" val="543825051"/>
+                    </a:ext>
+                  </a:extLst>
+                </a:gridCol>
+              </a:tblGrid>
+              <a:tr h="365664">
+                <a:tc>
+                  <a:txBody>
+                    <a:bodyPr/>
+                    <a:lstStyle/>
+                    <a:p>
+                      <a:pPr latinLnBrk="1"/>
+                      <a:endParaRPr lang="ko-KR" altLang="en-US" b="0" dirty="0">
+                        <a:solidFill>
+                          <a:schemeClr val="bg1"/>
+                        </a:solidFill>
+                      </a:endParaRPr>
+                    </a:p>
+                  </a:txBody>
+                  <a:tcPr>
+                    <a:lnL w="12700" cap="flat" cmpd="sng" algn="ctr">
+                      <a:solidFill>
+                        <a:schemeClr val="bg1"/>
+                      </a:solidFill>
+                      <a:prstDash val="solid"/>
+                      <a:round/>
+                      <a:headEnd type="none" w="med" len="med"/>
+                      <a:tailEnd type="none" w="med" len="med"/>
+                    </a:lnL>
+                    <a:lnR w="12700" cap="flat" cmpd="sng" algn="ctr">
+                      <a:solidFill>
+                        <a:schemeClr val="bg1"/>
+                      </a:solidFill>
+                      <a:prstDash val="solid"/>
+                      <a:round/>
+                      <a:headEnd type="none" w="med" len="med"/>
+                      <a:tailEnd type="none" w="med" len="med"/>
+                    </a:lnR>
+                    <a:lnT w="12700" cap="flat" cmpd="sng" algn="ctr">
+                      <a:solidFill>
+                        <a:schemeClr val="bg1"/>
+                      </a:solidFill>
+                      <a:prstDash val="solid"/>
+                      <a:round/>
+                      <a:headEnd type="none" w="med" len="med"/>
+                      <a:tailEnd type="none" w="med" len="med"/>
+                    </a:lnT>
+                    <a:lnB w="12700" cap="flat" cmpd="sng" algn="ctr">
+                      <a:solidFill>
+                        <a:schemeClr val="bg1"/>
+                      </a:solidFill>
+                      <a:prstDash val="solid"/>
+                      <a:round/>
+                      <a:headEnd type="none" w="med" len="med"/>
+                      <a:tailEnd type="none" w="med" len="med"/>
+                    </a:lnB>
+                    <a:noFill/>
+                  </a:tcPr>
+                </a:tc>
+                <a:tc>
+                  <a:txBody>
+                    <a:bodyPr/>
+                    <a:lstStyle/>
+                    <a:p>
+                      <a:pPr latinLnBrk="1"/>
+                      <a:endParaRPr lang="ko-KR" altLang="en-US" b="0" dirty="0">
+                        <a:solidFill>
+                          <a:schemeClr val="bg1"/>
+                        </a:solidFill>
+                      </a:endParaRPr>
+                    </a:p>
+                  </a:txBody>
+                  <a:tcPr>
+                    <a:lnL w="12700" cap="flat" cmpd="sng" algn="ctr">
+                      <a:solidFill>
+                        <a:schemeClr val="bg1"/>
+                      </a:solidFill>
+                      <a:prstDash val="solid"/>
+                      <a:round/>
+                      <a:headEnd type="none" w="med" len="med"/>
+                      <a:tailEnd type="none" w="med" len="med"/>
+                    </a:lnL>
+                    <a:lnR w="12700" cap="flat" cmpd="sng" algn="ctr">
+                      <a:solidFill>
+                        <a:schemeClr val="bg1"/>
+                      </a:solidFill>
+                      <a:prstDash val="solid"/>
+                      <a:round/>
+                      <a:headEnd type="none" w="med" len="med"/>
+                      <a:tailEnd type="none" w="med" len="med"/>
+                    </a:lnR>
+                    <a:lnT w="12700" cap="flat" cmpd="sng" algn="ctr">
+                      <a:solidFill>
+                        <a:schemeClr val="bg1"/>
+                      </a:solidFill>
+                      <a:prstDash val="solid"/>
+                      <a:round/>
+                      <a:headEnd type="none" w="med" len="med"/>
+                      <a:tailEnd type="none" w="med" len="med"/>
+                    </a:lnT>
+                    <a:lnB w="12700" cap="flat" cmpd="sng" algn="ctr">
+                      <a:solidFill>
+                        <a:schemeClr val="bg1"/>
+                      </a:solidFill>
+                      <a:prstDash val="solid"/>
+                      <a:round/>
+                      <a:headEnd type="none" w="med" len="med"/>
+                      <a:tailEnd type="none" w="med" len="med"/>
+                    </a:lnB>
+                    <a:noFill/>
+                  </a:tcPr>
+                </a:tc>
+                <a:tc>
+                  <a:txBody>
+                    <a:bodyPr/>
+                    <a:lstStyle/>
+                    <a:p>
+                      <a:pPr latinLnBrk="1"/>
+                      <a:r>
+                        <a:rPr lang="ko-KR" altLang="en-US" dirty="0">
+                          <a:solidFill>
+                            <a:schemeClr val="bg1"/>
+                          </a:solidFill>
+                        </a:rPr>
+                        <a:t>사용언어</a:t>
+                      </a:r>
+                      <a:endParaRPr lang="ko-KR" altLang="en-US" b="0" dirty="0">
+                        <a:solidFill>
+                          <a:schemeClr val="bg1"/>
+                        </a:solidFill>
+                      </a:endParaRPr>
+                    </a:p>
+                  </a:txBody>
+                  <a:tcPr>
+                    <a:lnL w="12700" cap="flat" cmpd="sng" algn="ctr">
+                      <a:solidFill>
+                        <a:schemeClr val="bg1"/>
+                      </a:solidFill>
+                      <a:prstDash val="solid"/>
+                      <a:round/>
+                      <a:headEnd type="none" w="med" len="med"/>
+                      <a:tailEnd type="none" w="med" len="med"/>
+                    </a:lnL>
+                    <a:lnR w="12700" cap="flat" cmpd="sng" algn="ctr">
+                      <a:solidFill>
+                        <a:schemeClr val="bg1"/>
+                      </a:solidFill>
+                      <a:prstDash val="solid"/>
+                      <a:round/>
+                      <a:headEnd type="none" w="med" len="med"/>
+                      <a:tailEnd type="none" w="med" len="med"/>
+                    </a:lnR>
+                    <a:lnT w="12700" cap="flat" cmpd="sng" algn="ctr">
+                      <a:solidFill>
+                        <a:schemeClr val="bg1"/>
+                      </a:solidFill>
+                      <a:prstDash val="solid"/>
+                      <a:round/>
+                      <a:headEnd type="none" w="med" len="med"/>
+                      <a:tailEnd type="none" w="med" len="med"/>
+                    </a:lnT>
+                    <a:lnB w="12700" cap="flat" cmpd="sng" algn="ctr">
+                      <a:solidFill>
+                        <a:schemeClr val="bg1"/>
+                      </a:solidFill>
+                      <a:prstDash val="solid"/>
+                      <a:round/>
+                      <a:headEnd type="none" w="med" len="med"/>
+                      <a:tailEnd type="none" w="med" len="med"/>
+                    </a:lnB>
+                    <a:noFill/>
+                  </a:tcPr>
+                </a:tc>
+                <a:extLst>
+                  <a:ext uri="{0D108BD9-81ED-4DB2-BD59-A6C34878D82A}">
+                    <a16:rowId xmlns:a16="http://schemas.microsoft.com/office/drawing/2014/main" val="1002199561"/>
+                  </a:ext>
+                </a:extLst>
+              </a:tr>
+              <a:tr h="631145">
+                <a:tc>
+                  <a:txBody>
+                    <a:bodyPr/>
+                    <a:lstStyle/>
+                    <a:p>
+                      <a:pPr latinLnBrk="1"/>
+                      <a:r>
+                        <a:rPr lang="ko-KR" altLang="en-US" dirty="0">
+                          <a:solidFill>
+                            <a:schemeClr val="bg1"/>
+                          </a:solidFill>
+                        </a:rPr>
+                        <a:t>기능 </a:t>
+                      </a:r>
+                      <a:r>
+                        <a:rPr lang="en-US" altLang="ko-KR" dirty="0">
+                          <a:solidFill>
+                            <a:schemeClr val="bg1"/>
+                          </a:solidFill>
+                        </a:rPr>
+                        <a:t>1</a:t>
+                      </a:r>
+                      <a:endParaRPr lang="ko-KR" altLang="en-US" dirty="0">
+                        <a:solidFill>
+                          <a:schemeClr val="bg1"/>
+                        </a:solidFill>
+                      </a:endParaRPr>
+                    </a:p>
+                  </a:txBody>
+                  <a:tcPr>
+                    <a:lnL w="12700" cap="flat" cmpd="sng" algn="ctr">
+                      <a:solidFill>
+                        <a:schemeClr val="bg1"/>
+                      </a:solidFill>
+                      <a:prstDash val="solid"/>
+                      <a:round/>
+                      <a:headEnd type="none" w="med" len="med"/>
+                      <a:tailEnd type="none" w="med" len="med"/>
+                    </a:lnL>
+                    <a:lnR w="12700" cap="flat" cmpd="sng" algn="ctr">
+                      <a:solidFill>
+                        <a:schemeClr val="bg1"/>
+                      </a:solidFill>
+                      <a:prstDash val="solid"/>
+                      <a:round/>
+                      <a:headEnd type="none" w="med" len="med"/>
+                      <a:tailEnd type="none" w="med" len="med"/>
+                    </a:lnR>
+                    <a:lnT w="12700" cap="flat" cmpd="sng" algn="ctr">
+                      <a:solidFill>
+                        <a:schemeClr val="bg1"/>
+                      </a:solidFill>
+                      <a:prstDash val="solid"/>
+                      <a:round/>
+                      <a:headEnd type="none" w="med" len="med"/>
+                      <a:tailEnd type="none" w="med" len="med"/>
+                    </a:lnT>
+                    <a:lnB w="12700" cap="flat" cmpd="sng" algn="ctr">
+                      <a:solidFill>
+                        <a:schemeClr val="bg1"/>
+                      </a:solidFill>
+                      <a:prstDash val="solid"/>
+                      <a:round/>
+                      <a:headEnd type="none" w="med" len="med"/>
+                      <a:tailEnd type="none" w="med" len="med"/>
+                    </a:lnB>
+                    <a:noFill/>
+                  </a:tcPr>
+                </a:tc>
+                <a:tc>
+                  <a:txBody>
+                    <a:bodyPr/>
+                    <a:lstStyle/>
+                    <a:p>
+                      <a:pPr latinLnBrk="1"/>
+                      <a:r>
+                        <a:rPr lang="ko-KR" altLang="en-US" dirty="0">
+                          <a:solidFill>
+                            <a:schemeClr val="bg1"/>
+                          </a:solidFill>
+                        </a:rPr>
+                        <a:t>회원 가입 및 로그인 기능 구현</a:t>
+                      </a:r>
+                    </a:p>
+                  </a:txBody>
+                  <a:tcPr>
+                    <a:lnL w="12700" cap="flat" cmpd="sng" algn="ctr">
+                      <a:solidFill>
+                        <a:schemeClr val="bg1"/>
+                      </a:solidFill>
+                      <a:prstDash val="solid"/>
+                      <a:round/>
+                      <a:headEnd type="none" w="med" len="med"/>
+                      <a:tailEnd type="none" w="med" len="med"/>
+                    </a:lnL>
+                    <a:lnR w="12700" cap="flat" cmpd="sng" algn="ctr">
+                      <a:solidFill>
+                        <a:schemeClr val="bg1"/>
+                      </a:solidFill>
+                      <a:prstDash val="solid"/>
+                      <a:round/>
+                      <a:headEnd type="none" w="med" len="med"/>
+                      <a:tailEnd type="none" w="med" len="med"/>
+                    </a:lnR>
+                    <a:lnT w="12700" cap="flat" cmpd="sng" algn="ctr">
+                      <a:solidFill>
+                        <a:schemeClr val="bg1"/>
+                      </a:solidFill>
+                      <a:prstDash val="solid"/>
+                      <a:round/>
+                      <a:headEnd type="none" w="med" len="med"/>
+                      <a:tailEnd type="none" w="med" len="med"/>
+                    </a:lnT>
+                    <a:lnB w="12700" cap="flat" cmpd="sng" algn="ctr">
+                      <a:solidFill>
+                        <a:schemeClr val="bg1"/>
+                      </a:solidFill>
+                      <a:prstDash val="solid"/>
+                      <a:round/>
+                      <a:headEnd type="none" w="med" len="med"/>
+                      <a:tailEnd type="none" w="med" len="med"/>
+                    </a:lnB>
+                    <a:noFill/>
+                  </a:tcPr>
+                </a:tc>
+                <a:tc>
+                  <a:txBody>
+                    <a:bodyPr/>
+                    <a:lstStyle/>
+                    <a:p>
+                      <a:pPr latinLnBrk="1"/>
+                      <a:r>
+                        <a:rPr lang="en-US" altLang="ko-KR" dirty="0">
+                          <a:solidFill>
+                            <a:schemeClr val="bg1"/>
+                          </a:solidFill>
+                        </a:rPr>
+                        <a:t>ASP .NET</a:t>
+                      </a:r>
+                    </a:p>
+                  </a:txBody>
+                  <a:tcPr>
+                    <a:lnL w="12700" cap="flat" cmpd="sng" algn="ctr">
+                      <a:solidFill>
+                        <a:schemeClr val="bg1"/>
+                      </a:solidFill>
+                      <a:prstDash val="solid"/>
+                      <a:round/>
+                      <a:headEnd type="none" w="med" len="med"/>
+                      <a:tailEnd type="none" w="med" len="med"/>
+                    </a:lnL>
+                    <a:lnR w="12700" cap="flat" cmpd="sng" algn="ctr">
+                      <a:solidFill>
+                        <a:schemeClr val="bg1"/>
+                      </a:solidFill>
+                      <a:prstDash val="solid"/>
+                      <a:round/>
+                      <a:headEnd type="none" w="med" len="med"/>
+                      <a:tailEnd type="none" w="med" len="med"/>
+                    </a:lnR>
+                    <a:lnT w="12700" cap="flat" cmpd="sng" algn="ctr">
+                      <a:solidFill>
+                        <a:schemeClr val="bg1"/>
+                      </a:solidFill>
+                      <a:prstDash val="solid"/>
+                      <a:round/>
+                      <a:headEnd type="none" w="med" len="med"/>
+                      <a:tailEnd type="none" w="med" len="med"/>
+                    </a:lnT>
+                    <a:lnB w="12700" cap="flat" cmpd="sng" algn="ctr">
+                      <a:solidFill>
+                        <a:schemeClr val="bg1"/>
+                      </a:solidFill>
+                      <a:prstDash val="solid"/>
+                      <a:round/>
+                      <a:headEnd type="none" w="med" len="med"/>
+                      <a:tailEnd type="none" w="med" len="med"/>
+                    </a:lnB>
+                    <a:noFill/>
+                  </a:tcPr>
+                </a:tc>
+                <a:extLst>
+                  <a:ext uri="{0D108BD9-81ED-4DB2-BD59-A6C34878D82A}">
+                    <a16:rowId xmlns:a16="http://schemas.microsoft.com/office/drawing/2014/main" val="1403756889"/>
+                  </a:ext>
+                </a:extLst>
+              </a:tr>
+              <a:tr h="0">
+                <a:tc>
+                  <a:txBody>
+                    <a:bodyPr/>
+                    <a:lstStyle/>
+                    <a:p>
+                      <a:pPr latinLnBrk="1"/>
+                      <a:r>
+                        <a:rPr lang="ko-KR" altLang="en-US" dirty="0">
+                          <a:solidFill>
+                            <a:schemeClr val="bg1"/>
+                          </a:solidFill>
+                        </a:rPr>
+                        <a:t>기능 </a:t>
+                      </a:r>
+                      <a:r>
+                        <a:rPr lang="en-US" altLang="ko-KR" dirty="0">
+                          <a:solidFill>
+                            <a:schemeClr val="bg1"/>
+                          </a:solidFill>
+                        </a:rPr>
+                        <a:t>2</a:t>
+                      </a:r>
+                      <a:endParaRPr lang="ko-KR" altLang="en-US" dirty="0">
+                        <a:solidFill>
+                          <a:schemeClr val="bg1"/>
+                        </a:solidFill>
+                      </a:endParaRPr>
+                    </a:p>
+                  </a:txBody>
+                  <a:tcPr>
+                    <a:lnL w="12700" cap="flat" cmpd="sng" algn="ctr">
+                      <a:solidFill>
+                        <a:schemeClr val="bg1"/>
+                      </a:solidFill>
+                      <a:prstDash val="solid"/>
+                      <a:round/>
+                      <a:headEnd type="none" w="med" len="med"/>
+                      <a:tailEnd type="none" w="med" len="med"/>
+                    </a:lnL>
+                    <a:lnR w="12700" cap="flat" cmpd="sng" algn="ctr">
+                      <a:solidFill>
+                        <a:schemeClr val="bg1"/>
+                      </a:solidFill>
+                      <a:prstDash val="solid"/>
+                      <a:round/>
+                      <a:headEnd type="none" w="med" len="med"/>
+                      <a:tailEnd type="none" w="med" len="med"/>
+                    </a:lnR>
+                    <a:lnT w="12700" cap="flat" cmpd="sng" algn="ctr">
+                      <a:solidFill>
+                        <a:schemeClr val="bg1"/>
+                      </a:solidFill>
+                      <a:prstDash val="solid"/>
+                      <a:round/>
+                      <a:headEnd type="none" w="med" len="med"/>
+                      <a:tailEnd type="none" w="med" len="med"/>
+                    </a:lnT>
+                    <a:lnB w="12700" cap="flat" cmpd="sng" algn="ctr">
+                      <a:solidFill>
+                        <a:schemeClr val="bg1"/>
+                      </a:solidFill>
+                      <a:prstDash val="solid"/>
+                      <a:round/>
+                      <a:headEnd type="none" w="med" len="med"/>
+                      <a:tailEnd type="none" w="med" len="med"/>
+                    </a:lnB>
+                    <a:noFill/>
+                  </a:tcPr>
+                </a:tc>
+                <a:tc>
+                  <a:txBody>
+                    <a:bodyPr/>
+                    <a:lstStyle/>
+                    <a:p>
+                      <a:pPr marL="0" marR="0" lvl="0" indent="0" algn="l" defTabSz="914400" rtl="0" eaLnBrk="1" fontAlgn="auto" latinLnBrk="1" hangingPunct="1">
+                        <a:lnSpc>
+                          <a:spcPct val="100000"/>
+                        </a:lnSpc>
+                        <a:spcBef>
+                          <a:spcPts val="0"/>
+                        </a:spcBef>
+                        <a:spcAft>
+                          <a:spcPts val="0"/>
+                        </a:spcAft>
+                        <a:buClrTx/>
+                        <a:buSzTx/>
+                        <a:buFontTx/>
+                        <a:buNone/>
+                        <a:tabLst/>
+                        <a:defRPr/>
+                      </a:pPr>
+                      <a:r>
+                        <a:rPr lang="ko-KR" altLang="en-US" dirty="0">
+                          <a:solidFill>
+                            <a:schemeClr val="bg1"/>
+                          </a:solidFill>
+                          <a:sym typeface="Wingdings" panose="05000000000000000000" pitchFamily="2" charset="2"/>
+                        </a:rPr>
+                        <a:t>프로젝트 등록 기능 및 추천 기능</a:t>
+                      </a:r>
+                      <a:endParaRPr lang="ko-KR" altLang="en-US" dirty="0">
+                        <a:solidFill>
+                          <a:schemeClr val="bg1"/>
+                        </a:solidFill>
+                      </a:endParaRPr>
+                    </a:p>
+                    <a:p>
+                      <a:pPr latinLnBrk="1"/>
+                      <a:endParaRPr lang="ko-KR" altLang="en-US" dirty="0">
+                        <a:solidFill>
+                          <a:schemeClr val="bg1"/>
+                        </a:solidFill>
+                      </a:endParaRPr>
+                    </a:p>
+                  </a:txBody>
+                  <a:tcPr>
+                    <a:lnL w="12700" cap="flat" cmpd="sng" algn="ctr">
+                      <a:solidFill>
+                        <a:schemeClr val="bg1"/>
+                      </a:solidFill>
+                      <a:prstDash val="solid"/>
+                      <a:round/>
+                      <a:headEnd type="none" w="med" len="med"/>
+                      <a:tailEnd type="none" w="med" len="med"/>
+                    </a:lnL>
+                    <a:lnR w="12700" cap="flat" cmpd="sng" algn="ctr">
+                      <a:solidFill>
+                        <a:schemeClr val="bg1"/>
+                      </a:solidFill>
+                      <a:prstDash val="solid"/>
+                      <a:round/>
+                      <a:headEnd type="none" w="med" len="med"/>
+                      <a:tailEnd type="none" w="med" len="med"/>
+                    </a:lnR>
+                    <a:lnT w="12700" cap="flat" cmpd="sng" algn="ctr">
+                      <a:solidFill>
+                        <a:schemeClr val="bg1"/>
+                      </a:solidFill>
+                      <a:prstDash val="solid"/>
+                      <a:round/>
+                      <a:headEnd type="none" w="med" len="med"/>
+                      <a:tailEnd type="none" w="med" len="med"/>
+                    </a:lnT>
+                    <a:lnB w="12700" cap="flat" cmpd="sng" algn="ctr">
+                      <a:solidFill>
+                        <a:schemeClr val="bg1"/>
+                      </a:solidFill>
+                      <a:prstDash val="solid"/>
+                      <a:round/>
+                      <a:headEnd type="none" w="med" len="med"/>
+                      <a:tailEnd type="none" w="med" len="med"/>
+                    </a:lnB>
+                    <a:noFill/>
+                  </a:tcPr>
+                </a:tc>
+                <a:tc>
+                  <a:txBody>
+                    <a:bodyPr/>
+                    <a:lstStyle/>
+                    <a:p>
+                      <a:pPr latinLnBrk="1"/>
+                      <a:r>
+                        <a:rPr lang="en-US" altLang="ko-KR" dirty="0">
+                          <a:solidFill>
+                            <a:schemeClr val="bg1"/>
+                          </a:solidFill>
+                        </a:rPr>
+                        <a:t>ASP .NET</a:t>
+                      </a:r>
+                    </a:p>
+                    <a:p>
+                      <a:pPr latinLnBrk="1"/>
+                      <a:endParaRPr lang="ko-KR" altLang="en-US" dirty="0">
+                        <a:solidFill>
+                          <a:schemeClr val="bg1"/>
+                        </a:solidFill>
+                      </a:endParaRPr>
+                    </a:p>
+                  </a:txBody>
+                  <a:tcPr>
+                    <a:lnL w="12700" cap="flat" cmpd="sng" algn="ctr">
+                      <a:solidFill>
+                        <a:schemeClr val="bg1"/>
+                      </a:solidFill>
+                      <a:prstDash val="solid"/>
+                      <a:round/>
+                      <a:headEnd type="none" w="med" len="med"/>
+                      <a:tailEnd type="none" w="med" len="med"/>
+                    </a:lnL>
+                    <a:lnR w="12700" cap="flat" cmpd="sng" algn="ctr">
+                      <a:solidFill>
+                        <a:schemeClr val="bg1"/>
+                      </a:solidFill>
+                      <a:prstDash val="solid"/>
+                      <a:round/>
+                      <a:headEnd type="none" w="med" len="med"/>
+                      <a:tailEnd type="none" w="med" len="med"/>
+                    </a:lnR>
+                    <a:lnT w="12700" cap="flat" cmpd="sng" algn="ctr">
+                      <a:solidFill>
+                        <a:schemeClr val="bg1"/>
+                      </a:solidFill>
+                      <a:prstDash val="solid"/>
+                      <a:round/>
+                      <a:headEnd type="none" w="med" len="med"/>
+                      <a:tailEnd type="none" w="med" len="med"/>
+                    </a:lnT>
+                    <a:lnB w="12700" cap="flat" cmpd="sng" algn="ctr">
+                      <a:solidFill>
+                        <a:schemeClr val="bg1"/>
+                      </a:solidFill>
+                      <a:prstDash val="solid"/>
+                      <a:round/>
+                      <a:headEnd type="none" w="med" len="med"/>
+                      <a:tailEnd type="none" w="med" len="med"/>
+                    </a:lnB>
+                    <a:noFill/>
+                  </a:tcPr>
+                </a:tc>
+                <a:extLst>
+                  <a:ext uri="{0D108BD9-81ED-4DB2-BD59-A6C34878D82A}">
+                    <a16:rowId xmlns:a16="http://schemas.microsoft.com/office/drawing/2014/main" val="1556098700"/>
+                  </a:ext>
+                </a:extLst>
+              </a:tr>
+              <a:tr h="365664">
+                <a:tc>
+                  <a:txBody>
+                    <a:bodyPr/>
+                    <a:lstStyle/>
+                    <a:p>
+                      <a:pPr latinLnBrk="1"/>
+                      <a:r>
+                        <a:rPr lang="ko-KR" altLang="en-US" dirty="0">
+                          <a:solidFill>
+                            <a:schemeClr val="bg1"/>
+                          </a:solidFill>
+                        </a:rPr>
+                        <a:t>기능 </a:t>
+                      </a:r>
+                      <a:r>
+                        <a:rPr lang="en-US" altLang="ko-KR" dirty="0">
+                          <a:solidFill>
+                            <a:schemeClr val="bg1"/>
+                          </a:solidFill>
+                        </a:rPr>
+                        <a:t>3</a:t>
+                      </a:r>
+                      <a:endParaRPr lang="ko-KR" altLang="en-US" dirty="0">
+                        <a:solidFill>
+                          <a:schemeClr val="bg1"/>
+                        </a:solidFill>
+                      </a:endParaRPr>
+                    </a:p>
+                  </a:txBody>
+                  <a:tcPr>
+                    <a:lnL w="12700" cap="flat" cmpd="sng" algn="ctr">
+                      <a:solidFill>
+                        <a:schemeClr val="bg1"/>
+                      </a:solidFill>
+                      <a:prstDash val="solid"/>
+                      <a:round/>
+                      <a:headEnd type="none" w="med" len="med"/>
+                      <a:tailEnd type="none" w="med" len="med"/>
+                    </a:lnL>
+                    <a:lnR w="12700" cap="flat" cmpd="sng" algn="ctr">
+                      <a:solidFill>
+                        <a:schemeClr val="bg1"/>
+                      </a:solidFill>
+                      <a:prstDash val="solid"/>
+                      <a:round/>
+                      <a:headEnd type="none" w="med" len="med"/>
+                      <a:tailEnd type="none" w="med" len="med"/>
+                    </a:lnR>
+                    <a:lnT w="12700" cap="flat" cmpd="sng" algn="ctr">
+                      <a:solidFill>
+                        <a:schemeClr val="bg1"/>
+                      </a:solidFill>
+                      <a:prstDash val="solid"/>
+                      <a:round/>
+                      <a:headEnd type="none" w="med" len="med"/>
+                      <a:tailEnd type="none" w="med" len="med"/>
+                    </a:lnT>
+                    <a:lnB w="12700" cap="flat" cmpd="sng" algn="ctr">
+                      <a:solidFill>
+                        <a:schemeClr val="bg1"/>
+                      </a:solidFill>
+                      <a:prstDash val="solid"/>
+                      <a:round/>
+                      <a:headEnd type="none" w="med" len="med"/>
+                      <a:tailEnd type="none" w="med" len="med"/>
+                    </a:lnB>
+                    <a:noFill/>
+                  </a:tcPr>
+                </a:tc>
+                <a:tc>
+                  <a:txBody>
+                    <a:bodyPr/>
+                    <a:lstStyle/>
+                    <a:p>
+                      <a:pPr latinLnBrk="1"/>
+                      <a:r>
+                        <a:rPr lang="ko-KR" altLang="en-US" dirty="0">
+                          <a:solidFill>
+                            <a:schemeClr val="bg1"/>
+                          </a:solidFill>
+                        </a:rPr>
+                        <a:t>프로젝트 참여 기능 구현</a:t>
+                      </a:r>
+                      <a:endParaRPr lang="en-US" altLang="ko-KR" dirty="0">
+                        <a:solidFill>
+                          <a:schemeClr val="bg1"/>
+                        </a:solidFill>
+                      </a:endParaRPr>
+                    </a:p>
+                    <a:p>
+                      <a:pPr latinLnBrk="1"/>
+                      <a:r>
+                        <a:rPr lang="en-US" altLang="ko-KR" dirty="0">
+                          <a:solidFill>
+                            <a:schemeClr val="bg1"/>
+                          </a:solidFill>
+                        </a:rPr>
+                        <a:t>( </a:t>
+                      </a:r>
+                      <a:r>
+                        <a:rPr lang="ko-KR" altLang="en-US" dirty="0">
+                          <a:solidFill>
+                            <a:schemeClr val="bg1"/>
+                          </a:solidFill>
+                        </a:rPr>
+                        <a:t>참여 버튼을 누르면 팀장이 승인 버튼으로 참여 기능 구현 </a:t>
+                      </a:r>
+                      <a:r>
+                        <a:rPr lang="en-US" altLang="ko-KR" dirty="0">
+                          <a:solidFill>
+                            <a:schemeClr val="bg1"/>
+                          </a:solidFill>
+                        </a:rPr>
+                        <a:t>)</a:t>
+                      </a:r>
+                    </a:p>
+                    <a:p>
+                      <a:pPr latinLnBrk="1"/>
+                      <a:r>
+                        <a:rPr lang="en-US" altLang="ko-KR" dirty="0">
+                          <a:solidFill>
+                            <a:schemeClr val="bg1"/>
+                          </a:solidFill>
+                        </a:rPr>
+                        <a:t> </a:t>
+                      </a:r>
+                      <a:endParaRPr lang="ko-KR" altLang="en-US" dirty="0">
+                        <a:solidFill>
+                          <a:schemeClr val="bg1"/>
+                        </a:solidFill>
+                      </a:endParaRPr>
+                    </a:p>
+                  </a:txBody>
+                  <a:tcPr>
+                    <a:lnL w="12700" cap="flat" cmpd="sng" algn="ctr">
+                      <a:solidFill>
+                        <a:schemeClr val="bg1"/>
+                      </a:solidFill>
+                      <a:prstDash val="solid"/>
+                      <a:round/>
+                      <a:headEnd type="none" w="med" len="med"/>
+                      <a:tailEnd type="none" w="med" len="med"/>
+                    </a:lnL>
+                    <a:lnR w="12700" cap="flat" cmpd="sng" algn="ctr">
+                      <a:solidFill>
+                        <a:schemeClr val="bg1"/>
+                      </a:solidFill>
+                      <a:prstDash val="solid"/>
+                      <a:round/>
+                      <a:headEnd type="none" w="med" len="med"/>
+                      <a:tailEnd type="none" w="med" len="med"/>
+                    </a:lnR>
+                    <a:lnT w="12700" cap="flat" cmpd="sng" algn="ctr">
+                      <a:solidFill>
+                        <a:schemeClr val="bg1"/>
+                      </a:solidFill>
+                      <a:prstDash val="solid"/>
+                      <a:round/>
+                      <a:headEnd type="none" w="med" len="med"/>
+                      <a:tailEnd type="none" w="med" len="med"/>
+                    </a:lnT>
+                    <a:lnB w="12700" cap="flat" cmpd="sng" algn="ctr">
+                      <a:solidFill>
+                        <a:schemeClr val="bg1"/>
+                      </a:solidFill>
+                      <a:prstDash val="solid"/>
+                      <a:round/>
+                      <a:headEnd type="none" w="med" len="med"/>
+                      <a:tailEnd type="none" w="med" len="med"/>
+                    </a:lnB>
+                    <a:noFill/>
+                  </a:tcPr>
+                </a:tc>
+                <a:tc>
+                  <a:txBody>
+                    <a:bodyPr/>
+                    <a:lstStyle/>
+                    <a:p>
+                      <a:pPr latinLnBrk="1"/>
+                      <a:r>
+                        <a:rPr lang="en-US" altLang="ko-KR" dirty="0">
+                          <a:solidFill>
+                            <a:schemeClr val="bg1"/>
+                          </a:solidFill>
+                        </a:rPr>
+                        <a:t>ASP .NET</a:t>
+                      </a:r>
+                      <a:endParaRPr lang="ko-KR" altLang="en-US" dirty="0">
+                        <a:solidFill>
+                          <a:schemeClr val="bg1"/>
+                        </a:solidFill>
+                      </a:endParaRPr>
+                    </a:p>
+                  </a:txBody>
+                  <a:tcPr>
+                    <a:lnL w="12700" cap="flat" cmpd="sng" algn="ctr">
+                      <a:solidFill>
+                        <a:schemeClr val="bg1"/>
+                      </a:solidFill>
+                      <a:prstDash val="solid"/>
+                      <a:round/>
+                      <a:headEnd type="none" w="med" len="med"/>
+                      <a:tailEnd type="none" w="med" len="med"/>
+                    </a:lnL>
+                    <a:lnR w="12700" cap="flat" cmpd="sng" algn="ctr">
+                      <a:solidFill>
+                        <a:schemeClr val="bg1"/>
+                      </a:solidFill>
+                      <a:prstDash val="solid"/>
+                      <a:round/>
+                      <a:headEnd type="none" w="med" len="med"/>
+                      <a:tailEnd type="none" w="med" len="med"/>
+                    </a:lnR>
+                    <a:lnT w="12700" cap="flat" cmpd="sng" algn="ctr">
+                      <a:solidFill>
+                        <a:schemeClr val="bg1"/>
+                      </a:solidFill>
+                      <a:prstDash val="solid"/>
+                      <a:round/>
+                      <a:headEnd type="none" w="med" len="med"/>
+                      <a:tailEnd type="none" w="med" len="med"/>
+                    </a:lnT>
+                    <a:lnB w="12700" cap="flat" cmpd="sng" algn="ctr">
+                      <a:solidFill>
+                        <a:schemeClr val="bg1"/>
+                      </a:solidFill>
+                      <a:prstDash val="solid"/>
+                      <a:round/>
+                      <a:headEnd type="none" w="med" len="med"/>
+                      <a:tailEnd type="none" w="med" len="med"/>
+                    </a:lnB>
+                    <a:noFill/>
+                  </a:tcPr>
+                </a:tc>
+                <a:extLst>
+                  <a:ext uri="{0D108BD9-81ED-4DB2-BD59-A6C34878D82A}">
+                    <a16:rowId xmlns:a16="http://schemas.microsoft.com/office/drawing/2014/main" val="2435572059"/>
+                  </a:ext>
+                </a:extLst>
+              </a:tr>
+            </a:tbl>
+          </a:graphicData>
+        </a:graphic>
+      </p:graphicFrame>
+    </p:spTree>
+    <p:extLst>
+      <p:ext uri="{BB962C8B-B14F-4D97-AF65-F5344CB8AC3E}">
+        <p14:creationId xmlns:p14="http://schemas.microsoft.com/office/powerpoint/2010/main" val="2344757389"/>
+      </p:ext>
+    </p:extLst>
+  </p:cSld>
+  <p:clrMapOvr>
+    <a:masterClrMapping/>
+  </p:clrMapOvr>
+</p:sld>
+</file>
+
+<file path=ppt/slides/slide9.xml><?xml version="1.0" encoding="utf-8"?>
 <p:sld xmlns:a="http://schemas.openxmlformats.org/drawingml/2006/main" xmlns:r="http://schemas.openxmlformats.org/officeDocument/2006/relationships" xmlns:p="http://schemas.openxmlformats.org/presentationml/2006/main">
   <p:cSld>
     <p:spTree>
@@ -25359,397 +26800,6 @@
 </p:sld>
 </file>
 
-<file path=ppt/slides/slide9.xml><?xml version="1.0" encoding="utf-8"?>
-<p:sld xmlns:a="http://schemas.openxmlformats.org/drawingml/2006/main" xmlns:r="http://schemas.openxmlformats.org/officeDocument/2006/relationships" xmlns:p="http://schemas.openxmlformats.org/presentationml/2006/main">
-  <p:cSld>
-    <p:spTree>
-      <p:nvGrpSpPr>
-        <p:cNvPr id="1" name=""/>
-        <p:cNvGrpSpPr/>
-        <p:nvPr/>
-      </p:nvGrpSpPr>
-      <p:grpSpPr>
-        <a:xfrm>
-          <a:off x="0" y="0"/>
-          <a:ext cx="0" cy="0"/>
-          <a:chOff x="0" y="0"/>
-          <a:chExt cx="0" cy="0"/>
-        </a:xfrm>
-      </p:grpSpPr>
-      <p:sp>
-        <p:nvSpPr>
-          <p:cNvPr id="5" name="직사각형 4">
-            <a:extLst>
-              <a:ext uri="{FF2B5EF4-FFF2-40B4-BE49-F238E27FC236}">
-                <a16:creationId xmlns:a16="http://schemas.microsoft.com/office/drawing/2014/main" id="{27EEACCD-89B3-4CB2-BCDC-BC0CA24B8239}"/>
-              </a:ext>
-            </a:extLst>
-          </p:cNvPr>
-          <p:cNvSpPr/>
-          <p:nvPr/>
-        </p:nvSpPr>
-        <p:spPr>
-          <a:xfrm>
-            <a:off x="0" y="1"/>
-            <a:ext cx="12192000" cy="6858000"/>
-          </a:xfrm>
-          <a:prstGeom prst="rect">
-            <a:avLst/>
-          </a:prstGeom>
-          <a:gradFill flip="none" rotWithShape="1">
-            <a:gsLst>
-              <a:gs pos="41000">
-                <a:srgbClr val="3C6CC2"/>
-              </a:gs>
-              <a:gs pos="23000">
-                <a:srgbClr val="5781CA"/>
-              </a:gs>
-              <a:gs pos="5000">
-                <a:srgbClr val="9AB4DE"/>
-              </a:gs>
-              <a:gs pos="56000">
-                <a:schemeClr val="accent1">
-                  <a:lumMod val="75000"/>
-                </a:schemeClr>
-              </a:gs>
-              <a:gs pos="77000">
-                <a:srgbClr val="28477E"/>
-              </a:gs>
-              <a:gs pos="100000">
-                <a:srgbClr val="0F1A2F"/>
-              </a:gs>
-            </a:gsLst>
-            <a:lin ang="13500000" scaled="1"/>
-            <a:tileRect/>
-          </a:gradFill>
-        </p:spPr>
-        <p:style>
-          <a:lnRef idx="2">
-            <a:schemeClr val="accent1">
-              <a:shade val="50000"/>
-            </a:schemeClr>
-          </a:lnRef>
-          <a:fillRef idx="1">
-            <a:schemeClr val="accent1"/>
-          </a:fillRef>
-          <a:effectRef idx="0">
-            <a:schemeClr val="accent1"/>
-          </a:effectRef>
-          <a:fontRef idx="minor">
-            <a:schemeClr val="lt1"/>
-          </a:fontRef>
-        </p:style>
-        <p:txBody>
-          <a:bodyPr rtlCol="0" anchor="ctr"/>
-          <a:lstStyle/>
-          <a:p>
-            <a:pPr algn="ctr"/>
-            <a:endParaRPr lang="ko-KR" altLang="en-US">
-              <a:solidFill>
-                <a:schemeClr val="bg1"/>
-              </a:solidFill>
-            </a:endParaRPr>
-          </a:p>
-        </p:txBody>
-      </p:sp>
-      <p:sp>
-        <p:nvSpPr>
-          <p:cNvPr id="2" name="제목 1">
-            <a:extLst>
-              <a:ext uri="{FF2B5EF4-FFF2-40B4-BE49-F238E27FC236}">
-                <a16:creationId xmlns:a16="http://schemas.microsoft.com/office/drawing/2014/main" id="{39B2E460-8AC4-4330-A692-40F926351511}"/>
-              </a:ext>
-            </a:extLst>
-          </p:cNvPr>
-          <p:cNvSpPr>
-            <a:spLocks noGrp="1"/>
-          </p:cNvSpPr>
-          <p:nvPr>
-            <p:ph type="ctrTitle"/>
-          </p:nvPr>
-        </p:nvSpPr>
-        <p:spPr/>
-        <p:txBody>
-          <a:bodyPr>
-            <a:normAutofit/>
-          </a:bodyPr>
-          <a:lstStyle/>
-          <a:p>
-            <a:r>
-              <a:rPr lang="ko-KR" altLang="en-US" sz="5500" dirty="0">
-                <a:solidFill>
-                  <a:schemeClr val="bg1"/>
-                </a:solidFill>
-              </a:rPr>
-              <a:t>프로젝트 개발 환경</a:t>
-            </a:r>
-          </a:p>
-        </p:txBody>
-      </p:sp>
-      <p:sp>
-        <p:nvSpPr>
-          <p:cNvPr id="3" name="부제목 2">
-            <a:extLst>
-              <a:ext uri="{FF2B5EF4-FFF2-40B4-BE49-F238E27FC236}">
-                <a16:creationId xmlns:a16="http://schemas.microsoft.com/office/drawing/2014/main" id="{7B10D53B-7DA4-4430-8DBC-616224373F6B}"/>
-              </a:ext>
-            </a:extLst>
-          </p:cNvPr>
-          <p:cNvSpPr>
-            <a:spLocks noGrp="1"/>
-          </p:cNvSpPr>
-          <p:nvPr>
-            <p:ph type="subTitle" idx="1"/>
-          </p:nvPr>
-        </p:nvSpPr>
-        <p:spPr/>
-        <p:txBody>
-          <a:bodyPr/>
-          <a:lstStyle/>
-          <a:p>
-            <a:endParaRPr lang="ko-KR" altLang="en-US">
-              <a:solidFill>
-                <a:schemeClr val="bg1"/>
-              </a:solidFill>
-            </a:endParaRPr>
-          </a:p>
-        </p:txBody>
-      </p:sp>
-      <p:sp>
-        <p:nvSpPr>
-          <p:cNvPr id="4" name="부제목 2">
-            <a:extLst>
-              <a:ext uri="{FF2B5EF4-FFF2-40B4-BE49-F238E27FC236}">
-                <a16:creationId xmlns:a16="http://schemas.microsoft.com/office/drawing/2014/main" id="{E50BFC9A-8DDE-4296-A655-9802BCF92882}"/>
-              </a:ext>
-            </a:extLst>
-          </p:cNvPr>
-          <p:cNvSpPr txBox="1">
-            <a:spLocks/>
-          </p:cNvSpPr>
-          <p:nvPr/>
-        </p:nvSpPr>
-        <p:spPr>
-          <a:xfrm>
-            <a:off x="1440110" y="875616"/>
-            <a:ext cx="9144000" cy="1655762"/>
-          </a:xfrm>
-          <a:prstGeom prst="rect">
-            <a:avLst/>
-          </a:prstGeom>
-        </p:spPr>
-        <p:txBody>
-          <a:bodyPr vert="horz" lIns="91440" tIns="45720" rIns="91440" bIns="45720" rtlCol="0">
-            <a:normAutofit fontScale="92500" lnSpcReduction="20000"/>
-          </a:bodyPr>
-          <a:lstStyle>
-            <a:lvl1pPr marL="0" indent="0" algn="ctr" defTabSz="914400" rtl="0" eaLnBrk="1" latinLnBrk="1" hangingPunct="1">
-              <a:lnSpc>
-                <a:spcPct val="90000"/>
-              </a:lnSpc>
-              <a:spcBef>
-                <a:spcPts val="1000"/>
-              </a:spcBef>
-              <a:buFont typeface="Arial" panose="020B0604020202020204" pitchFamily="34" charset="0"/>
-              <a:buNone/>
-              <a:defRPr sz="2400" kern="1200">
-                <a:solidFill>
-                  <a:schemeClr val="tx1"/>
-                </a:solidFill>
-                <a:latin typeface="+mn-lt"/>
-                <a:ea typeface="+mn-ea"/>
-                <a:cs typeface="+mn-cs"/>
-              </a:defRPr>
-            </a:lvl1pPr>
-            <a:lvl2pPr marL="457200" indent="0" algn="ctr" defTabSz="914400" rtl="0" eaLnBrk="1" latinLnBrk="1" hangingPunct="1">
-              <a:lnSpc>
-                <a:spcPct val="90000"/>
-              </a:lnSpc>
-              <a:spcBef>
-                <a:spcPts val="500"/>
-              </a:spcBef>
-              <a:buFont typeface="Arial" panose="020B0604020202020204" pitchFamily="34" charset="0"/>
-              <a:buNone/>
-              <a:defRPr sz="2000" kern="1200">
-                <a:solidFill>
-                  <a:schemeClr val="tx1"/>
-                </a:solidFill>
-                <a:latin typeface="+mn-lt"/>
-                <a:ea typeface="+mn-ea"/>
-                <a:cs typeface="+mn-cs"/>
-              </a:defRPr>
-            </a:lvl2pPr>
-            <a:lvl3pPr marL="914400" indent="0" algn="ctr" defTabSz="914400" rtl="0" eaLnBrk="1" latinLnBrk="1" hangingPunct="1">
-              <a:lnSpc>
-                <a:spcPct val="90000"/>
-              </a:lnSpc>
-              <a:spcBef>
-                <a:spcPts val="500"/>
-              </a:spcBef>
-              <a:buFont typeface="Arial" panose="020B0604020202020204" pitchFamily="34" charset="0"/>
-              <a:buNone/>
-              <a:defRPr sz="1800" kern="1200">
-                <a:solidFill>
-                  <a:schemeClr val="tx1"/>
-                </a:solidFill>
-                <a:latin typeface="+mn-lt"/>
-                <a:ea typeface="+mn-ea"/>
-                <a:cs typeface="+mn-cs"/>
-              </a:defRPr>
-            </a:lvl3pPr>
-            <a:lvl4pPr marL="1371600" indent="0" algn="ctr" defTabSz="914400" rtl="0" eaLnBrk="1" latinLnBrk="1" hangingPunct="1">
-              <a:lnSpc>
-                <a:spcPct val="90000"/>
-              </a:lnSpc>
-              <a:spcBef>
-                <a:spcPts val="500"/>
-              </a:spcBef>
-              <a:buFont typeface="Arial" panose="020B0604020202020204" pitchFamily="34" charset="0"/>
-              <a:buNone/>
-              <a:defRPr sz="1600" kern="1200">
-                <a:solidFill>
-                  <a:schemeClr val="tx1"/>
-                </a:solidFill>
-                <a:latin typeface="+mn-lt"/>
-                <a:ea typeface="+mn-ea"/>
-                <a:cs typeface="+mn-cs"/>
-              </a:defRPr>
-            </a:lvl4pPr>
-            <a:lvl5pPr marL="1828800" indent="0" algn="ctr" defTabSz="914400" rtl="0" eaLnBrk="1" latinLnBrk="1" hangingPunct="1">
-              <a:lnSpc>
-                <a:spcPct val="90000"/>
-              </a:lnSpc>
-              <a:spcBef>
-                <a:spcPts val="500"/>
-              </a:spcBef>
-              <a:buFont typeface="Arial" panose="020B0604020202020204" pitchFamily="34" charset="0"/>
-              <a:buNone/>
-              <a:defRPr sz="1600" kern="1200">
-                <a:solidFill>
-                  <a:schemeClr val="tx1"/>
-                </a:solidFill>
-                <a:latin typeface="+mn-lt"/>
-                <a:ea typeface="+mn-ea"/>
-                <a:cs typeface="+mn-cs"/>
-              </a:defRPr>
-            </a:lvl5pPr>
-            <a:lvl6pPr marL="2286000" indent="0" algn="ctr" defTabSz="914400" rtl="0" eaLnBrk="1" latinLnBrk="1" hangingPunct="1">
-              <a:lnSpc>
-                <a:spcPct val="90000"/>
-              </a:lnSpc>
-              <a:spcBef>
-                <a:spcPts val="500"/>
-              </a:spcBef>
-              <a:buFont typeface="Arial" panose="020B0604020202020204" pitchFamily="34" charset="0"/>
-              <a:buNone/>
-              <a:defRPr sz="1600" kern="1200">
-                <a:solidFill>
-                  <a:schemeClr val="tx1"/>
-                </a:solidFill>
-                <a:latin typeface="+mn-lt"/>
-                <a:ea typeface="+mn-ea"/>
-                <a:cs typeface="+mn-cs"/>
-              </a:defRPr>
-            </a:lvl6pPr>
-            <a:lvl7pPr marL="2743200" indent="0" algn="ctr" defTabSz="914400" rtl="0" eaLnBrk="1" latinLnBrk="1" hangingPunct="1">
-              <a:lnSpc>
-                <a:spcPct val="90000"/>
-              </a:lnSpc>
-              <a:spcBef>
-                <a:spcPts val="500"/>
-              </a:spcBef>
-              <a:buFont typeface="Arial" panose="020B0604020202020204" pitchFamily="34" charset="0"/>
-              <a:buNone/>
-              <a:defRPr sz="1600" kern="1200">
-                <a:solidFill>
-                  <a:schemeClr val="tx1"/>
-                </a:solidFill>
-                <a:latin typeface="+mn-lt"/>
-                <a:ea typeface="+mn-ea"/>
-                <a:cs typeface="+mn-cs"/>
-              </a:defRPr>
-            </a:lvl7pPr>
-            <a:lvl8pPr marL="3200400" indent="0" algn="ctr" defTabSz="914400" rtl="0" eaLnBrk="1" latinLnBrk="1" hangingPunct="1">
-              <a:lnSpc>
-                <a:spcPct val="90000"/>
-              </a:lnSpc>
-              <a:spcBef>
-                <a:spcPts val="500"/>
-              </a:spcBef>
-              <a:buFont typeface="Arial" panose="020B0604020202020204" pitchFamily="34" charset="0"/>
-              <a:buNone/>
-              <a:defRPr sz="1600" kern="1200">
-                <a:solidFill>
-                  <a:schemeClr val="tx1"/>
-                </a:solidFill>
-                <a:latin typeface="+mn-lt"/>
-                <a:ea typeface="+mn-ea"/>
-                <a:cs typeface="+mn-cs"/>
-              </a:defRPr>
-            </a:lvl8pPr>
-            <a:lvl9pPr marL="3657600" indent="0" algn="ctr" defTabSz="914400" rtl="0" eaLnBrk="1" latinLnBrk="1" hangingPunct="1">
-              <a:lnSpc>
-                <a:spcPct val="90000"/>
-              </a:lnSpc>
-              <a:spcBef>
-                <a:spcPts val="500"/>
-              </a:spcBef>
-              <a:buFont typeface="Arial" panose="020B0604020202020204" pitchFamily="34" charset="0"/>
-              <a:buNone/>
-              <a:defRPr sz="1600" kern="1200">
-                <a:solidFill>
-                  <a:schemeClr val="tx1"/>
-                </a:solidFill>
-                <a:latin typeface="+mn-lt"/>
-                <a:ea typeface="+mn-ea"/>
-                <a:cs typeface="+mn-cs"/>
-              </a:defRPr>
-            </a:lvl9pPr>
-          </a:lstStyle>
-          <a:p>
-            <a:endParaRPr lang="en-US" altLang="ko-KR" sz="4000" dirty="0">
-              <a:solidFill>
-                <a:schemeClr val="bg1"/>
-              </a:solidFill>
-            </a:endParaRPr>
-          </a:p>
-          <a:p>
-            <a:endParaRPr lang="en-US" altLang="ko-KR" sz="4000" dirty="0">
-              <a:solidFill>
-                <a:schemeClr val="bg1"/>
-              </a:solidFill>
-            </a:endParaRPr>
-          </a:p>
-          <a:p>
-            <a:r>
-              <a:rPr lang="en-US" altLang="ko-KR" sz="4000" dirty="0">
-                <a:solidFill>
-                  <a:schemeClr val="bg1"/>
-                </a:solidFill>
-              </a:rPr>
-              <a:t>Part 2</a:t>
-            </a:r>
-            <a:endParaRPr lang="ko-KR" altLang="en-US" sz="4000" dirty="0">
-              <a:solidFill>
-                <a:schemeClr val="bg1"/>
-              </a:solidFill>
-            </a:endParaRPr>
-          </a:p>
-        </p:txBody>
-      </p:sp>
-    </p:spTree>
-    <p:extLst>
-      <p:ext uri="{BB962C8B-B14F-4D97-AF65-F5344CB8AC3E}">
-        <p14:creationId xmlns:p14="http://schemas.microsoft.com/office/powerpoint/2010/main" val="1328205033"/>
-      </p:ext>
-    </p:extLst>
-  </p:cSld>
-  <p:clrMapOvr>
-    <a:masterClrMapping/>
-  </p:clrMapOvr>
-</p:sld>
-</file>
-
 <file path=ppt/theme/theme1.xml><?xml version="1.0" encoding="utf-8"?>
 <a:theme xmlns:a="http://schemas.openxmlformats.org/drawingml/2006/main" name="Office 테마">
   <a:themeElements>

--- a/Desktop/응소실플젝/2020학년도응소실/응용소프트웨어실습_6조_최종발표자료.pptx
+++ b/Desktop/응소실플젝/2020학년도응소실/응용소프트웨어실습_6조_최종발표자료.pptx
@@ -39,7 +39,8 @@
     <p:sldId id="263" r:id="rId33"/>
     <p:sldId id="264" r:id="rId34"/>
     <p:sldId id="292" r:id="rId35"/>
-    <p:sldId id="271" r:id="rId36"/>
+    <p:sldId id="297" r:id="rId36"/>
+    <p:sldId id="271" r:id="rId37"/>
   </p:sldIdLst>
   <p:sldSz cx="12192000" cy="6858000"/>
   <p:notesSz cx="6858000" cy="9144000"/>
@@ -3833,6 +3834,61 @@
           </a:p>
         </p:txBody>
       </p:sp>
+      <p:sp>
+        <p:nvSpPr>
+          <p:cNvPr id="4" name="TextBox 3">
+            <a:extLst>
+              <a:ext uri="{FF2B5EF4-FFF2-40B4-BE49-F238E27FC236}">
+                <a16:creationId xmlns:a16="http://schemas.microsoft.com/office/drawing/2014/main" id="{68F8E213-35DB-458C-87E3-9BB477066369}"/>
+              </a:ext>
+            </a:extLst>
+          </p:cNvPr>
+          <p:cNvSpPr txBox="1"/>
+          <p:nvPr/>
+        </p:nvSpPr>
+        <p:spPr>
+          <a:xfrm>
+            <a:off x="457200" y="728895"/>
+            <a:ext cx="2088776" cy="369332"/>
+          </a:xfrm>
+          <a:prstGeom prst="rect">
+            <a:avLst/>
+          </a:prstGeom>
+          <a:noFill/>
+        </p:spPr>
+        <p:txBody>
+          <a:bodyPr wrap="square" rtlCol="0">
+            <a:spAutoFit/>
+          </a:bodyPr>
+          <a:lstStyle/>
+          <a:p>
+            <a:r>
+              <a:rPr lang="ko-KR" altLang="en-US" dirty="0">
+                <a:solidFill>
+                  <a:schemeClr val="bg1"/>
+                </a:solidFill>
+              </a:rPr>
+              <a:t>발표자 </a:t>
+            </a:r>
+            <a:r>
+              <a:rPr lang="en-US" altLang="ko-KR" dirty="0">
+                <a:solidFill>
+                  <a:schemeClr val="bg1"/>
+                </a:solidFill>
+              </a:rPr>
+              <a:t>: </a:t>
+            </a:r>
+            <a:r>
+              <a:rPr lang="ko-KR" altLang="en-US" dirty="0">
+                <a:solidFill>
+                  <a:schemeClr val="bg1"/>
+                </a:solidFill>
+              </a:rPr>
+              <a:t>김태환</a:t>
+            </a:r>
+          </a:p>
+        </p:txBody>
+      </p:sp>
     </p:spTree>
     <p:extLst>
       <p:ext uri="{BB962C8B-B14F-4D97-AF65-F5344CB8AC3E}">
@@ -5506,7 +5562,7 @@
         </p:spPr>
         <p:txBody>
           <a:bodyPr>
-            <a:normAutofit/>
+            <a:normAutofit lnSpcReduction="10000"/>
           </a:bodyPr>
           <a:lstStyle/>
           <a:p>
@@ -5766,6 +5822,74 @@
               </a:rPr>
               <a:t>.</a:t>
             </a:r>
+          </a:p>
+          <a:p>
+            <a:pPr marL="457200" indent="-457200">
+              <a:buAutoNum type="arabicPeriod"/>
+            </a:pPr>
+            <a:endParaRPr lang="en-US" altLang="ko-KR" sz="2000" dirty="0">
+              <a:solidFill>
+                <a:schemeClr val="bg1"/>
+              </a:solidFill>
+            </a:endParaRPr>
+          </a:p>
+          <a:p>
+            <a:pPr marL="457200" indent="-457200">
+              <a:buAutoNum type="arabicPeriod"/>
+            </a:pPr>
+            <a:r>
+              <a:rPr lang="en-US" altLang="ko-KR" sz="2000" dirty="0">
+                <a:solidFill>
+                  <a:schemeClr val="bg1"/>
+                </a:solidFill>
+              </a:rPr>
+              <a:t>SELENIUM </a:t>
+            </a:r>
+            <a:r>
+              <a:rPr lang="ko-KR" altLang="en-US" sz="2000" dirty="0" err="1">
+                <a:solidFill>
+                  <a:schemeClr val="bg1"/>
+                </a:solidFill>
+              </a:rPr>
+              <a:t>크롤링</a:t>
+            </a:r>
+            <a:r>
+              <a:rPr lang="ko-KR" altLang="en-US" sz="2000" dirty="0">
+                <a:solidFill>
+                  <a:schemeClr val="bg1"/>
+                </a:solidFill>
+              </a:rPr>
+              <a:t> 시</a:t>
+            </a:r>
+            <a:r>
+              <a:rPr lang="en-US" altLang="ko-KR" sz="2000" dirty="0">
+                <a:solidFill>
+                  <a:schemeClr val="bg1"/>
+                </a:solidFill>
+              </a:rPr>
+              <a:t>, </a:t>
+            </a:r>
+            <a:r>
+              <a:rPr lang="ko-KR" altLang="en-US" sz="2000" dirty="0">
+                <a:solidFill>
+                  <a:schemeClr val="bg1"/>
+                </a:solidFill>
+              </a:rPr>
+              <a:t>시간이 오래 걸리는 점을 수업 시간에 학습하였던 쓰레드 및 비동기 프로그래밍 방법으로 해결하였다</a:t>
+            </a:r>
+            <a:r>
+              <a:rPr lang="en-US" altLang="ko-KR" sz="2000">
+                <a:solidFill>
+                  <a:schemeClr val="bg1"/>
+                </a:solidFill>
+              </a:rPr>
+              <a:t>.</a:t>
+            </a:r>
+            <a:endParaRPr lang="en-US" altLang="ko-KR" sz="2000" dirty="0">
+              <a:solidFill>
+                <a:schemeClr val="bg1"/>
+              </a:solidFill>
+            </a:endParaRPr>
           </a:p>
           <a:p>
             <a:pPr marL="0" indent="0">
@@ -17552,7 +17676,7 @@
             <p:ph idx="1"/>
             <p:extLst>
               <p:ext uri="{D42A27DB-BD31-4B8C-83A1-F6EECF244321}">
-                <p14:modId xmlns:p14="http://schemas.microsoft.com/office/powerpoint/2010/main" val="3154213775"/>
+                <p14:modId xmlns:p14="http://schemas.microsoft.com/office/powerpoint/2010/main" val="458811626"/>
               </p:ext>
             </p:extLst>
           </p:nvPr>
@@ -17941,12 +18065,14 @@
                     <a:p>
                       <a:pPr algn="ctr" latinLnBrk="1"/>
                       <a:r>
-                        <a:rPr lang="en-US" altLang="ko-KR" b="0" dirty="0">
+                        <a:rPr kumimoji="1" lang="en-US" altLang="ko-KR" b="0" dirty="0">
                           <a:solidFill>
                             <a:schemeClr val="bg1"/>
                           </a:solidFill>
+                          <a:ea typeface="함초롬돋움" panose="020B0604000101010101" pitchFamily="50" charset="-127"/>
+                          <a:cs typeface="함초롬돋움" panose="020B0604000101010101" pitchFamily="50" charset="-127"/>
                         </a:rPr>
-                        <a:t>2015726040</a:t>
+                        <a:t>2017203082</a:t>
                       </a:r>
                     </a:p>
                     <a:p>
@@ -20376,19 +20502,126 @@
           <a:lstStyle/>
           <a:p>
             <a:r>
+              <a:rPr lang="en-US" altLang="ko-KR">
+                <a:solidFill>
+                  <a:schemeClr val="bg1"/>
+                </a:solidFill>
+              </a:rPr>
+              <a:t>https://youtu.be/OgZV-OODMTM</a:t>
+            </a:r>
+            <a:endParaRPr lang="en-US" altLang="ko-KR" dirty="0">
+              <a:solidFill>
+                <a:schemeClr val="bg1"/>
+              </a:solidFill>
+            </a:endParaRPr>
+          </a:p>
+          <a:p>
+            <a:pPr marL="0" indent="0">
+              <a:buNone/>
+            </a:pPr>
+            <a:endParaRPr lang="en-US" altLang="ko-KR" dirty="0">
+              <a:solidFill>
+                <a:schemeClr val="bg1"/>
+              </a:solidFill>
+            </a:endParaRPr>
+          </a:p>
+          <a:p>
+            <a:pPr marL="0" indent="0">
+              <a:buNone/>
+            </a:pPr>
+            <a:endParaRPr lang="en-US" altLang="ko-KR" dirty="0">
+              <a:solidFill>
+                <a:schemeClr val="bg1"/>
+              </a:solidFill>
+            </a:endParaRPr>
+          </a:p>
+          <a:p>
+            <a:pPr marL="0" indent="0">
+              <a:buNone/>
+            </a:pPr>
+            <a:endParaRPr lang="en-US" altLang="ko-KR" dirty="0">
+              <a:solidFill>
+                <a:schemeClr val="bg1"/>
+              </a:solidFill>
+            </a:endParaRPr>
+          </a:p>
+          <a:p>
+            <a:pPr marL="0" indent="0">
+              <a:buNone/>
+            </a:pPr>
+            <a:endParaRPr lang="en-US" altLang="ko-KR" dirty="0">
+              <a:solidFill>
+                <a:schemeClr val="bg1"/>
+              </a:solidFill>
+            </a:endParaRPr>
+          </a:p>
+          <a:p>
+            <a:pPr marL="0" indent="0">
+              <a:buNone/>
+            </a:pPr>
+            <a:r>
               <a:rPr lang="en-US" altLang="ko-KR" dirty="0">
                 <a:solidFill>
                   <a:schemeClr val="bg1"/>
                 </a:solidFill>
-                <a:hlinkClick r:id="rId2">
-                  <a:extLst>
-                    <a:ext uri="{A12FA001-AC4F-418D-AE19-62706E023703}">
-                      <ahyp:hlinkClr xmlns:ahyp="http://schemas.microsoft.com/office/drawing/2018/hyperlinkcolor" val="tx"/>
-                    </a:ext>
-                  </a:extLst>
-                </a:hlinkClick>
-              </a:rPr>
-              <a:t>https://www.youtube.com/watch?v=Cf4qcb0HrUU&amp;t=14s</a:t>
+              </a:rPr>
+              <a:t>( </a:t>
+            </a:r>
+            <a:r>
+              <a:rPr lang="ko-KR" altLang="en-US" dirty="0">
+                <a:solidFill>
+                  <a:schemeClr val="bg1"/>
+                </a:solidFill>
+              </a:rPr>
+              <a:t>참고 </a:t>
+            </a:r>
+            <a:r>
+              <a:rPr lang="en-US" altLang="ko-KR" dirty="0">
+                <a:solidFill>
+                  <a:schemeClr val="bg1"/>
+                </a:solidFill>
+              </a:rPr>
+              <a:t>– Zoom</a:t>
+            </a:r>
+            <a:r>
+              <a:rPr lang="ko-KR" altLang="en-US" dirty="0">
+                <a:solidFill>
+                  <a:schemeClr val="bg1"/>
+                </a:solidFill>
+              </a:rPr>
+              <a:t>을 통한 화면 녹화를 하여서 녹화 화질이 엄청 좋지는 않지만</a:t>
+            </a:r>
+            <a:r>
+              <a:rPr lang="en-US" altLang="ko-KR" dirty="0">
+                <a:solidFill>
+                  <a:schemeClr val="bg1"/>
+                </a:solidFill>
+              </a:rPr>
+              <a:t>, </a:t>
+            </a:r>
+            <a:r>
+              <a:rPr lang="ko-KR" altLang="en-US" dirty="0" err="1">
+                <a:solidFill>
+                  <a:schemeClr val="bg1"/>
+                </a:solidFill>
+              </a:rPr>
+              <a:t>다시보기를</a:t>
+            </a:r>
+            <a:r>
+              <a:rPr lang="ko-KR" altLang="en-US" dirty="0">
+                <a:solidFill>
+                  <a:schemeClr val="bg1"/>
+                </a:solidFill>
+              </a:rPr>
+              <a:t> 통해 검증을 해 본 결과 충분한 내용전달은 되는 것 같으니 양해 바랍니다</a:t>
+            </a:r>
+            <a:r>
+              <a:rPr lang="en-US" altLang="ko-KR" dirty="0">
+                <a:solidFill>
+                  <a:schemeClr val="bg1"/>
+                </a:solidFill>
+              </a:rPr>
+              <a:t>. )</a:t>
             </a:r>
             <a:endParaRPr lang="ko-KR" altLang="en-US" dirty="0">
               <a:solidFill>
@@ -22006,6 +22239,602 @@
 </file>
 
 <file path=ppt/slides/slide35.xml><?xml version="1.0" encoding="utf-8"?>
+<p:sld xmlns:a="http://schemas.openxmlformats.org/drawingml/2006/main" xmlns:r="http://schemas.openxmlformats.org/officeDocument/2006/relationships" xmlns:p="http://schemas.openxmlformats.org/presentationml/2006/main">
+  <p:cSld>
+    <p:spTree>
+      <p:nvGrpSpPr>
+        <p:cNvPr id="1" name=""/>
+        <p:cNvGrpSpPr/>
+        <p:nvPr/>
+      </p:nvGrpSpPr>
+      <p:grpSpPr>
+        <a:xfrm>
+          <a:off x="0" y="0"/>
+          <a:ext cx="0" cy="0"/>
+          <a:chOff x="0" y="0"/>
+          <a:chExt cx="0" cy="0"/>
+        </a:xfrm>
+      </p:grpSpPr>
+      <p:sp>
+        <p:nvSpPr>
+          <p:cNvPr id="77" name="직사각형 76">
+            <a:extLst>
+              <a:ext uri="{FF2B5EF4-FFF2-40B4-BE49-F238E27FC236}">
+                <a16:creationId xmlns:a16="http://schemas.microsoft.com/office/drawing/2014/main" id="{1887A00A-9ED0-439A-B86A-74EE9C9673FB}"/>
+              </a:ext>
+            </a:extLst>
+          </p:cNvPr>
+          <p:cNvSpPr/>
+          <p:nvPr/>
+        </p:nvSpPr>
+        <p:spPr>
+          <a:xfrm>
+            <a:off x="0" y="1"/>
+            <a:ext cx="12192000" cy="6858000"/>
+          </a:xfrm>
+          <a:prstGeom prst="rect">
+            <a:avLst/>
+          </a:prstGeom>
+          <a:gradFill flip="none" rotWithShape="1">
+            <a:gsLst>
+              <a:gs pos="41000">
+                <a:srgbClr val="3C6CC2"/>
+              </a:gs>
+              <a:gs pos="23000">
+                <a:srgbClr val="5781CA"/>
+              </a:gs>
+              <a:gs pos="5000">
+                <a:srgbClr val="9AB4DE"/>
+              </a:gs>
+              <a:gs pos="56000">
+                <a:schemeClr val="accent1">
+                  <a:lumMod val="75000"/>
+                </a:schemeClr>
+              </a:gs>
+              <a:gs pos="77000">
+                <a:srgbClr val="28477E"/>
+              </a:gs>
+              <a:gs pos="100000">
+                <a:srgbClr val="0F1A2F"/>
+              </a:gs>
+            </a:gsLst>
+            <a:lin ang="13500000" scaled="1"/>
+            <a:tileRect/>
+          </a:gradFill>
+        </p:spPr>
+        <p:style>
+          <a:lnRef idx="2">
+            <a:schemeClr val="accent1">
+              <a:shade val="50000"/>
+            </a:schemeClr>
+          </a:lnRef>
+          <a:fillRef idx="1">
+            <a:schemeClr val="accent1"/>
+          </a:fillRef>
+          <a:effectRef idx="0">
+            <a:schemeClr val="accent1"/>
+          </a:effectRef>
+          <a:fontRef idx="minor">
+            <a:schemeClr val="lt1"/>
+          </a:fontRef>
+        </p:style>
+        <p:txBody>
+          <a:bodyPr rtlCol="0" anchor="ctr"/>
+          <a:lstStyle/>
+          <a:p>
+            <a:pPr algn="ctr"/>
+            <a:endParaRPr lang="ko-KR" altLang="en-US">
+              <a:solidFill>
+                <a:schemeClr val="bg1"/>
+              </a:solidFill>
+            </a:endParaRPr>
+          </a:p>
+        </p:txBody>
+      </p:sp>
+      <p:sp>
+        <p:nvSpPr>
+          <p:cNvPr id="57" name="제목 1">
+            <a:extLst>
+              <a:ext uri="{FF2B5EF4-FFF2-40B4-BE49-F238E27FC236}">
+                <a16:creationId xmlns:a16="http://schemas.microsoft.com/office/drawing/2014/main" id="{A978FF6C-979D-42F3-9578-933EB102BD31}"/>
+              </a:ext>
+            </a:extLst>
+          </p:cNvPr>
+          <p:cNvSpPr>
+            <a:spLocks noGrp="1"/>
+          </p:cNvSpPr>
+          <p:nvPr>
+            <p:ph type="title"/>
+          </p:nvPr>
+        </p:nvSpPr>
+        <p:spPr>
+          <a:xfrm>
+            <a:off x="838200" y="365125"/>
+            <a:ext cx="5160526" cy="1325563"/>
+          </a:xfrm>
+        </p:spPr>
+        <p:txBody>
+          <a:bodyPr/>
+          <a:lstStyle/>
+          <a:p>
+            <a:r>
+              <a:rPr lang="ko-KR" altLang="en-US" dirty="0">
+                <a:solidFill>
+                  <a:schemeClr val="bg1"/>
+                </a:solidFill>
+              </a:rPr>
+              <a:t>팀원 별 </a:t>
+            </a:r>
+            <a:r>
+              <a:rPr lang="en-US" altLang="ko-KR" dirty="0" err="1">
+                <a:solidFill>
+                  <a:schemeClr val="bg1"/>
+                </a:solidFill>
+              </a:rPr>
+              <a:t>Gitghub</a:t>
+            </a:r>
+            <a:r>
+              <a:rPr lang="en-US" altLang="ko-KR" dirty="0">
+                <a:solidFill>
+                  <a:schemeClr val="bg1"/>
+                </a:solidFill>
+              </a:rPr>
+              <a:t> ID</a:t>
+            </a:r>
+            <a:r>
+              <a:rPr lang="ko-KR" altLang="en-US" dirty="0">
+                <a:solidFill>
+                  <a:schemeClr val="bg1"/>
+                </a:solidFill>
+              </a:rPr>
+              <a:t> </a:t>
+            </a:r>
+          </a:p>
+        </p:txBody>
+      </p:sp>
+      <p:sp>
+        <p:nvSpPr>
+          <p:cNvPr id="2" name="TextBox 1">
+            <a:extLst>
+              <a:ext uri="{FF2B5EF4-FFF2-40B4-BE49-F238E27FC236}">
+                <a16:creationId xmlns:a16="http://schemas.microsoft.com/office/drawing/2014/main" id="{A6C48A24-F04B-42FC-8561-31A9AD9318FE}"/>
+              </a:ext>
+            </a:extLst>
+          </p:cNvPr>
+          <p:cNvSpPr txBox="1"/>
+          <p:nvPr/>
+        </p:nvSpPr>
+        <p:spPr>
+          <a:xfrm>
+            <a:off x="62754" y="2545976"/>
+            <a:ext cx="11985811" cy="3970318"/>
+          </a:xfrm>
+          <a:prstGeom prst="rect">
+            <a:avLst/>
+          </a:prstGeom>
+          <a:noFill/>
+        </p:spPr>
+        <p:txBody>
+          <a:bodyPr wrap="square" rtlCol="0">
+            <a:spAutoFit/>
+          </a:bodyPr>
+          <a:lstStyle/>
+          <a:p>
+            <a:r>
+              <a:rPr lang="en-US" altLang="ko-KR" sz="2400" dirty="0">
+                <a:solidFill>
+                  <a:schemeClr val="bg1"/>
+                </a:solidFill>
+              </a:rPr>
+              <a:t>* (</a:t>
+            </a:r>
+            <a:r>
+              <a:rPr lang="ko-KR" altLang="en-US" sz="2400" dirty="0">
+                <a:solidFill>
+                  <a:schemeClr val="bg1"/>
+                </a:solidFill>
+              </a:rPr>
+              <a:t>조장</a:t>
+            </a:r>
+            <a:r>
+              <a:rPr lang="en-US" altLang="ko-KR" sz="2400" dirty="0">
+                <a:solidFill>
+                  <a:schemeClr val="bg1"/>
+                </a:solidFill>
+              </a:rPr>
+              <a:t>)</a:t>
+            </a:r>
+            <a:r>
+              <a:rPr lang="ko-KR" altLang="en-US" sz="2400" dirty="0">
+                <a:solidFill>
+                  <a:schemeClr val="bg1"/>
+                </a:solidFill>
+              </a:rPr>
+              <a:t> 김태환 </a:t>
+            </a:r>
+            <a:r>
+              <a:rPr lang="en-US" altLang="ko-KR" sz="2400" dirty="0">
+                <a:solidFill>
+                  <a:schemeClr val="bg1"/>
+                </a:solidFill>
+              </a:rPr>
+              <a:t>- lionking6792</a:t>
+            </a:r>
+          </a:p>
+          <a:p>
+            <a:endParaRPr lang="en-US" altLang="ko-KR" sz="2400" dirty="0">
+              <a:solidFill>
+                <a:schemeClr val="bg1"/>
+              </a:solidFill>
+            </a:endParaRPr>
+          </a:p>
+          <a:p>
+            <a:r>
+              <a:rPr lang="en-US" altLang="ko-KR" sz="2400" dirty="0">
+                <a:solidFill>
+                  <a:schemeClr val="bg1"/>
+                </a:solidFill>
+              </a:rPr>
+              <a:t>* (</a:t>
+            </a:r>
+            <a:r>
+              <a:rPr lang="ko-KR" altLang="en-US" sz="2400" dirty="0">
+                <a:solidFill>
+                  <a:schemeClr val="bg1"/>
+                </a:solidFill>
+              </a:rPr>
+              <a:t>조원</a:t>
+            </a:r>
+            <a:r>
+              <a:rPr lang="en-US" altLang="ko-KR" sz="2400" dirty="0">
+                <a:solidFill>
+                  <a:schemeClr val="bg1"/>
+                </a:solidFill>
+              </a:rPr>
+              <a:t>) </a:t>
+            </a:r>
+            <a:r>
+              <a:rPr lang="ko-KR" altLang="en-US" sz="2400" dirty="0" err="1">
+                <a:solidFill>
+                  <a:schemeClr val="bg1"/>
+                </a:solidFill>
+              </a:rPr>
+              <a:t>백찬우</a:t>
+            </a:r>
+            <a:r>
+              <a:rPr lang="ko-KR" altLang="en-US" sz="2400" dirty="0">
+                <a:solidFill>
+                  <a:schemeClr val="bg1"/>
+                </a:solidFill>
+              </a:rPr>
+              <a:t> </a:t>
+            </a:r>
+            <a:r>
+              <a:rPr lang="en-US" altLang="ko-KR" sz="2400" dirty="0">
+                <a:solidFill>
+                  <a:schemeClr val="bg1"/>
+                </a:solidFill>
+              </a:rPr>
+              <a:t>- </a:t>
+            </a:r>
+            <a:r>
+              <a:rPr lang="en-US" altLang="ko-KR" sz="2400" dirty="0" err="1">
+                <a:solidFill>
+                  <a:schemeClr val="bg1"/>
+                </a:solidFill>
+              </a:rPr>
+              <a:t>Baekchanwoo</a:t>
+            </a:r>
+            <a:endParaRPr lang="en-US" altLang="ko-KR" sz="2400" dirty="0">
+              <a:solidFill>
+                <a:schemeClr val="bg1"/>
+              </a:solidFill>
+            </a:endParaRPr>
+          </a:p>
+          <a:p>
+            <a:endParaRPr lang="en-US" altLang="ko-KR" sz="2400" dirty="0">
+              <a:solidFill>
+                <a:schemeClr val="bg1"/>
+              </a:solidFill>
+            </a:endParaRPr>
+          </a:p>
+          <a:p>
+            <a:r>
+              <a:rPr lang="en-US" altLang="ko-KR" sz="2400" dirty="0">
+                <a:solidFill>
+                  <a:schemeClr val="bg1"/>
+                </a:solidFill>
+              </a:rPr>
+              <a:t>* (</a:t>
+            </a:r>
+            <a:r>
+              <a:rPr lang="ko-KR" altLang="en-US" sz="2400" dirty="0">
+                <a:solidFill>
+                  <a:schemeClr val="bg1"/>
+                </a:solidFill>
+              </a:rPr>
+              <a:t>조원</a:t>
+            </a:r>
+            <a:r>
+              <a:rPr lang="en-US" altLang="ko-KR" sz="2400" dirty="0">
+                <a:solidFill>
+                  <a:schemeClr val="bg1"/>
+                </a:solidFill>
+              </a:rPr>
+              <a:t>) </a:t>
+            </a:r>
+            <a:r>
+              <a:rPr lang="ko-KR" altLang="en-US" sz="2400" dirty="0" err="1">
+                <a:solidFill>
+                  <a:schemeClr val="bg1"/>
+                </a:solidFill>
+              </a:rPr>
+              <a:t>안유성</a:t>
+            </a:r>
+            <a:r>
+              <a:rPr lang="ko-KR" altLang="en-US" sz="2400" dirty="0">
+                <a:solidFill>
+                  <a:schemeClr val="bg1"/>
+                </a:solidFill>
+              </a:rPr>
+              <a:t> </a:t>
+            </a:r>
+            <a:r>
+              <a:rPr lang="en-US" altLang="ko-KR" sz="2400" dirty="0">
+                <a:solidFill>
+                  <a:schemeClr val="bg1"/>
+                </a:solidFill>
+              </a:rPr>
+              <a:t>– </a:t>
+            </a:r>
+            <a:r>
+              <a:rPr lang="en-US" altLang="ko-KR" sz="2400" dirty="0" err="1">
+                <a:solidFill>
+                  <a:schemeClr val="bg1"/>
+                </a:solidFill>
+              </a:rPr>
+              <a:t>bugdebugging</a:t>
+            </a:r>
+            <a:endParaRPr lang="en-US" altLang="ko-KR" sz="2400" dirty="0">
+              <a:solidFill>
+                <a:schemeClr val="bg1"/>
+              </a:solidFill>
+            </a:endParaRPr>
+          </a:p>
+          <a:p>
+            <a:pPr marL="342900" indent="-342900">
+              <a:buFont typeface="Arial" panose="020B0604020202020204" pitchFamily="34" charset="0"/>
+              <a:buChar char="•"/>
+            </a:pPr>
+            <a:endParaRPr lang="en-US" altLang="ko-KR" sz="2400" dirty="0">
+              <a:solidFill>
+                <a:schemeClr val="bg1"/>
+              </a:solidFill>
+            </a:endParaRPr>
+          </a:p>
+          <a:p>
+            <a:r>
+              <a:rPr lang="en-US" altLang="ko-KR" sz="2400" dirty="0">
+                <a:solidFill>
+                  <a:schemeClr val="bg1"/>
+                </a:solidFill>
+              </a:rPr>
+              <a:t> </a:t>
+            </a:r>
+            <a:r>
+              <a:rPr lang="en-US" altLang="ko-KR" sz="2400" dirty="0">
+                <a:solidFill>
+                  <a:schemeClr val="bg1"/>
+                </a:solidFill>
+                <a:sym typeface="Wingdings" panose="05000000000000000000" pitchFamily="2" charset="2"/>
+              </a:rPr>
+              <a:t> </a:t>
+            </a:r>
+            <a:r>
+              <a:rPr lang="ko-KR" altLang="en-US" sz="2400" dirty="0">
+                <a:solidFill>
+                  <a:schemeClr val="bg1"/>
+                </a:solidFill>
+                <a:sym typeface="Wingdings" panose="05000000000000000000" pitchFamily="2" charset="2"/>
+              </a:rPr>
+              <a:t>조교님은 다음과 같은 디렉토리 에서 저희의 </a:t>
+            </a:r>
+            <a:r>
+              <a:rPr lang="ko-KR" altLang="en-US" sz="2400" dirty="0" err="1">
+                <a:solidFill>
+                  <a:schemeClr val="bg1"/>
+                </a:solidFill>
+                <a:sym typeface="Wingdings" panose="05000000000000000000" pitchFamily="2" charset="2"/>
+              </a:rPr>
+              <a:t>깃허브</a:t>
+            </a:r>
+            <a:r>
+              <a:rPr lang="ko-KR" altLang="en-US" sz="2400" dirty="0">
+                <a:solidFill>
+                  <a:schemeClr val="bg1"/>
+                </a:solidFill>
+                <a:sym typeface="Wingdings" panose="05000000000000000000" pitchFamily="2" charset="2"/>
+              </a:rPr>
+              <a:t> 최종 결과물 디렉토리를 확인 하실 수 있습니다</a:t>
+            </a:r>
+            <a:r>
+              <a:rPr lang="en-US" altLang="ko-KR" sz="2400" dirty="0">
+                <a:solidFill>
+                  <a:schemeClr val="bg1"/>
+                </a:solidFill>
+                <a:sym typeface="Wingdings" panose="05000000000000000000" pitchFamily="2" charset="2"/>
+              </a:rPr>
+              <a:t>.</a:t>
+            </a:r>
+          </a:p>
+          <a:p>
+            <a:endParaRPr lang="en-US" altLang="ko-KR" sz="2400" dirty="0">
+              <a:solidFill>
+                <a:schemeClr val="bg1"/>
+              </a:solidFill>
+              <a:sym typeface="Wingdings" panose="05000000000000000000" pitchFamily="2" charset="2"/>
+            </a:endParaRPr>
+          </a:p>
+          <a:p>
+            <a:r>
+              <a:rPr lang="en-US" altLang="ko-KR" dirty="0">
+                <a:solidFill>
+                  <a:schemeClr val="bg1"/>
+                </a:solidFill>
+              </a:rPr>
+              <a:t>Desktop/</a:t>
+            </a:r>
+            <a:r>
+              <a:rPr lang="ko-KR" altLang="en-US" dirty="0" err="1">
+                <a:solidFill>
+                  <a:schemeClr val="bg1"/>
+                </a:solidFill>
+              </a:rPr>
+              <a:t>응소실플젝</a:t>
+            </a:r>
+            <a:r>
+              <a:rPr lang="en-US" altLang="ko-KR" dirty="0">
+                <a:solidFill>
+                  <a:schemeClr val="bg1"/>
+                </a:solidFill>
+              </a:rPr>
+              <a:t>/2020</a:t>
+            </a:r>
+            <a:r>
+              <a:rPr lang="ko-KR" altLang="en-US" dirty="0" err="1">
+                <a:solidFill>
+                  <a:schemeClr val="bg1"/>
+                </a:solidFill>
+              </a:rPr>
+              <a:t>학년도응소실</a:t>
+            </a:r>
+            <a:r>
+              <a:rPr lang="ko-KR" altLang="en-US" dirty="0">
+                <a:solidFill>
+                  <a:schemeClr val="bg1"/>
+                </a:solidFill>
+              </a:rPr>
+              <a:t> 디렉토리 </a:t>
+            </a:r>
+            <a:r>
+              <a:rPr lang="en-US" altLang="ko-KR" dirty="0">
+                <a:solidFill>
+                  <a:schemeClr val="bg1"/>
+                </a:solidFill>
+              </a:rPr>
+              <a:t>( </a:t>
+            </a:r>
+            <a:r>
+              <a:rPr lang="ko-KR" altLang="en-US" dirty="0">
+                <a:solidFill>
+                  <a:schemeClr val="bg1"/>
+                </a:solidFill>
+              </a:rPr>
+              <a:t>최종 결과물이 담겨 있습니다</a:t>
+            </a:r>
+            <a:r>
+              <a:rPr lang="en-US" altLang="ko-KR" dirty="0">
+                <a:solidFill>
+                  <a:schemeClr val="bg1"/>
+                </a:solidFill>
+              </a:rPr>
+              <a:t>. </a:t>
+            </a:r>
+            <a:r>
+              <a:rPr lang="ko-KR" altLang="en-US" dirty="0" err="1">
+                <a:solidFill>
+                  <a:schemeClr val="bg1"/>
+                </a:solidFill>
+              </a:rPr>
+              <a:t>제인서</a:t>
+            </a:r>
+            <a:r>
+              <a:rPr lang="en-US" altLang="ko-KR" dirty="0">
+                <a:solidFill>
+                  <a:schemeClr val="bg1"/>
+                </a:solidFill>
+              </a:rPr>
+              <a:t>, </a:t>
+            </a:r>
+            <a:r>
+              <a:rPr lang="ko-KR" altLang="en-US" dirty="0">
+                <a:solidFill>
+                  <a:schemeClr val="bg1"/>
+                </a:solidFill>
+              </a:rPr>
+              <a:t>최종발표자료</a:t>
+            </a:r>
+            <a:r>
+              <a:rPr lang="en-US" altLang="ko-KR" dirty="0">
+                <a:solidFill>
+                  <a:schemeClr val="bg1"/>
+                </a:solidFill>
+              </a:rPr>
+              <a:t>, </a:t>
+            </a:r>
+            <a:r>
+              <a:rPr lang="ko-KR" altLang="en-US" dirty="0">
+                <a:solidFill>
+                  <a:schemeClr val="bg1"/>
+                </a:solidFill>
+              </a:rPr>
+              <a:t>웹 프로젝트 폴더</a:t>
+            </a:r>
+            <a:r>
+              <a:rPr lang="en-US" altLang="ko-KR" dirty="0">
+                <a:solidFill>
+                  <a:schemeClr val="bg1"/>
+                </a:solidFill>
+              </a:rPr>
+              <a:t>, </a:t>
+            </a:r>
+            <a:r>
+              <a:rPr lang="ko-KR" altLang="en-US" dirty="0" err="1">
+                <a:solidFill>
+                  <a:schemeClr val="bg1"/>
+                </a:solidFill>
+              </a:rPr>
+              <a:t>윈폼</a:t>
+            </a:r>
+            <a:r>
+              <a:rPr lang="ko-KR" altLang="en-US" dirty="0">
+                <a:solidFill>
+                  <a:schemeClr val="bg1"/>
+                </a:solidFill>
+              </a:rPr>
+              <a:t> 프로젝트 폴더 </a:t>
+            </a:r>
+            <a:r>
+              <a:rPr lang="en-US" altLang="ko-KR" dirty="0">
+                <a:solidFill>
+                  <a:schemeClr val="bg1"/>
+                </a:solidFill>
+              </a:rPr>
+              <a:t>)</a:t>
+            </a:r>
+            <a:endParaRPr lang="en-US" altLang="ko-KR" sz="2400" dirty="0">
+              <a:solidFill>
+                <a:schemeClr val="bg1"/>
+              </a:solidFill>
+              <a:sym typeface="Wingdings" panose="05000000000000000000" pitchFamily="2" charset="2"/>
+            </a:endParaRPr>
+          </a:p>
+        </p:txBody>
+      </p:sp>
+    </p:spTree>
+    <p:extLst>
+      <p:ext uri="{BB962C8B-B14F-4D97-AF65-F5344CB8AC3E}">
+        <p14:creationId xmlns:p14="http://schemas.microsoft.com/office/powerpoint/2010/main" val="1043773527"/>
+      </p:ext>
+    </p:extLst>
+  </p:cSld>
+  <p:clrMapOvr>
+    <a:masterClrMapping/>
+  </p:clrMapOvr>
+</p:sld>
+</file>
+
+<file path=ppt/slides/slide36.xml><?xml version="1.0" encoding="utf-8"?>
 <p:sld xmlns:a="http://schemas.openxmlformats.org/drawingml/2006/main" xmlns:r="http://schemas.openxmlformats.org/officeDocument/2006/relationships" xmlns:p="http://schemas.openxmlformats.org/presentationml/2006/main">
   <p:cSld>
     <p:spTree>
@@ -25668,14 +26497,14 @@
             <p:ph idx="1"/>
             <p:extLst>
               <p:ext uri="{D42A27DB-BD31-4B8C-83A1-F6EECF244321}">
-                <p14:modId xmlns:p14="http://schemas.microsoft.com/office/powerpoint/2010/main" val="3368270752"/>
+                <p14:modId xmlns:p14="http://schemas.microsoft.com/office/powerpoint/2010/main" val="3508780172"/>
               </p:ext>
             </p:extLst>
           </p:nvPr>
         </p:nvGraphicFramePr>
         <p:xfrm>
           <a:off x="838200" y="1835784"/>
-          <a:ext cx="10851776" cy="4197305"/>
+          <a:ext cx="10851776" cy="4471625"/>
         </p:xfrm>
         <a:graphic>
           <a:graphicData uri="http://schemas.openxmlformats.org/drawingml/2006/table">
@@ -26352,6 +27181,25 @@
                           </a:solidFill>
                         </a:rPr>
                         <a:t>리스트 뷰와 트리 뷰 이벤트 사용</a:t>
+                      </a:r>
+                      <a:endParaRPr lang="en-US" altLang="ko-KR" dirty="0">
+                        <a:solidFill>
+                          <a:schemeClr val="bg1"/>
+                        </a:solidFill>
+                      </a:endParaRPr>
+                    </a:p>
+                    <a:p>
+                      <a:pPr marL="285750" indent="-285750" latinLnBrk="1">
+                        <a:buFontTx/>
+                        <a:buChar char="-"/>
+                      </a:pPr>
+                      <a:r>
+                        <a:rPr lang="ko-KR" altLang="en-US" dirty="0">
+                          <a:solidFill>
+                            <a:schemeClr val="bg1"/>
+                          </a:solidFill>
+                        </a:rPr>
+                        <a:t>쓰레드 및 비동기 프로그래밍 사용</a:t>
                       </a:r>
                       <a:endParaRPr lang="en-US" altLang="ko-KR" dirty="0">
                         <a:solidFill>

--- a/Desktop/응소실플젝/2020학년도응소실/응용소프트웨어실습_6조_최종발표자료.pptx
+++ b/Desktop/응소실플젝/2020학년도응소실/응용소프트웨어실습_6조_최종발표자료.pptx
@@ -306,7 +306,7 @@
           <a:p>
             <a:fld id="{9FD0A073-EB68-4A9A-8855-955EF3B21EF6}" type="datetimeFigureOut">
               <a:rPr lang="ko-KR" altLang="en-US" smtClean="0"/>
-              <a:t>2020-06-27</a:t>
+              <a:t>2020-06-28</a:t>
             </a:fld>
             <a:endParaRPr lang="ko-KR" altLang="en-US"/>
           </a:p>
@@ -504,7 +504,7 @@
           <a:p>
             <a:fld id="{9FD0A073-EB68-4A9A-8855-955EF3B21EF6}" type="datetimeFigureOut">
               <a:rPr lang="ko-KR" altLang="en-US" smtClean="0"/>
-              <a:t>2020-06-27</a:t>
+              <a:t>2020-06-28</a:t>
             </a:fld>
             <a:endParaRPr lang="ko-KR" altLang="en-US"/>
           </a:p>
@@ -712,7 +712,7 @@
           <a:p>
             <a:fld id="{9FD0A073-EB68-4A9A-8855-955EF3B21EF6}" type="datetimeFigureOut">
               <a:rPr lang="ko-KR" altLang="en-US" smtClean="0"/>
-              <a:t>2020-06-27</a:t>
+              <a:t>2020-06-28</a:t>
             </a:fld>
             <a:endParaRPr lang="ko-KR" altLang="en-US"/>
           </a:p>
@@ -910,7 +910,7 @@
           <a:p>
             <a:fld id="{9FD0A073-EB68-4A9A-8855-955EF3B21EF6}" type="datetimeFigureOut">
               <a:rPr lang="ko-KR" altLang="en-US" smtClean="0"/>
-              <a:t>2020-06-27</a:t>
+              <a:t>2020-06-28</a:t>
             </a:fld>
             <a:endParaRPr lang="ko-KR" altLang="en-US"/>
           </a:p>
@@ -1185,7 +1185,7 @@
           <a:p>
             <a:fld id="{9FD0A073-EB68-4A9A-8855-955EF3B21EF6}" type="datetimeFigureOut">
               <a:rPr lang="ko-KR" altLang="en-US" smtClean="0"/>
-              <a:t>2020-06-27</a:t>
+              <a:t>2020-06-28</a:t>
             </a:fld>
             <a:endParaRPr lang="ko-KR" altLang="en-US"/>
           </a:p>
@@ -1450,7 +1450,7 @@
           <a:p>
             <a:fld id="{9FD0A073-EB68-4A9A-8855-955EF3B21EF6}" type="datetimeFigureOut">
               <a:rPr lang="ko-KR" altLang="en-US" smtClean="0"/>
-              <a:t>2020-06-27</a:t>
+              <a:t>2020-06-28</a:t>
             </a:fld>
             <a:endParaRPr lang="ko-KR" altLang="en-US"/>
           </a:p>
@@ -1862,7 +1862,7 @@
           <a:p>
             <a:fld id="{9FD0A073-EB68-4A9A-8855-955EF3B21EF6}" type="datetimeFigureOut">
               <a:rPr lang="ko-KR" altLang="en-US" smtClean="0"/>
-              <a:t>2020-06-27</a:t>
+              <a:t>2020-06-28</a:t>
             </a:fld>
             <a:endParaRPr lang="ko-KR" altLang="en-US"/>
           </a:p>
@@ -2003,7 +2003,7 @@
           <a:p>
             <a:fld id="{9FD0A073-EB68-4A9A-8855-955EF3B21EF6}" type="datetimeFigureOut">
               <a:rPr lang="ko-KR" altLang="en-US" smtClean="0"/>
-              <a:t>2020-06-27</a:t>
+              <a:t>2020-06-28</a:t>
             </a:fld>
             <a:endParaRPr lang="ko-KR" altLang="en-US"/>
           </a:p>
@@ -2116,7 +2116,7 @@
           <a:p>
             <a:fld id="{9FD0A073-EB68-4A9A-8855-955EF3B21EF6}" type="datetimeFigureOut">
               <a:rPr lang="ko-KR" altLang="en-US" smtClean="0"/>
-              <a:t>2020-06-27</a:t>
+              <a:t>2020-06-28</a:t>
             </a:fld>
             <a:endParaRPr lang="ko-KR" altLang="en-US"/>
           </a:p>
@@ -2427,7 +2427,7 @@
           <a:p>
             <a:fld id="{9FD0A073-EB68-4A9A-8855-955EF3B21EF6}" type="datetimeFigureOut">
               <a:rPr lang="ko-KR" altLang="en-US" smtClean="0"/>
-              <a:t>2020-06-27</a:t>
+              <a:t>2020-06-28</a:t>
             </a:fld>
             <a:endParaRPr lang="ko-KR" altLang="en-US"/>
           </a:p>
@@ -2715,7 +2715,7 @@
           <a:p>
             <a:fld id="{9FD0A073-EB68-4A9A-8855-955EF3B21EF6}" type="datetimeFigureOut">
               <a:rPr lang="ko-KR" altLang="en-US" smtClean="0"/>
-              <a:t>2020-06-27</a:t>
+              <a:t>2020-06-28</a:t>
             </a:fld>
             <a:endParaRPr lang="ko-KR" altLang="en-US"/>
           </a:p>
@@ -2956,7 +2956,7 @@
           <a:p>
             <a:fld id="{9FD0A073-EB68-4A9A-8855-955EF3B21EF6}" type="datetimeFigureOut">
               <a:rPr lang="ko-KR" altLang="en-US" smtClean="0"/>
-              <a:t>2020-06-27</a:t>
+              <a:t>2020-06-28</a:t>
             </a:fld>
             <a:endParaRPr lang="ko-KR" altLang="en-US"/>
           </a:p>
@@ -20502,12 +20502,19 @@
           <a:lstStyle/>
           <a:p>
             <a:r>
-              <a:rPr lang="en-US" altLang="ko-KR">
-                <a:solidFill>
-                  <a:schemeClr val="bg1"/>
-                </a:solidFill>
-              </a:rPr>
-              <a:t>https://youtu.be/OgZV-OODMTM</a:t>
+              <a:rPr lang="en-US" altLang="ko-KR" dirty="0">
+                <a:solidFill>
+                  <a:schemeClr val="bg1"/>
+                </a:solidFill>
+                <a:hlinkClick r:id="rId2">
+                  <a:extLst>
+                    <a:ext uri="{A12FA001-AC4F-418D-AE19-62706E023703}">
+                      <ahyp:hlinkClr xmlns:ahyp="http://schemas.microsoft.com/office/drawing/2018/hyperlinkcolor" val="tx"/>
+                    </a:ext>
+                  </a:extLst>
+                </a:hlinkClick>
+              </a:rPr>
+              <a:t>https://youtu.be/3aooELzF_1M</a:t>
             </a:r>
             <a:endParaRPr lang="en-US" altLang="ko-KR" dirty="0">
               <a:solidFill>
@@ -20530,100 +20537,6 @@
               <a:buNone/>
             </a:pPr>
             <a:endParaRPr lang="en-US" altLang="ko-KR" dirty="0">
-              <a:solidFill>
-                <a:schemeClr val="bg1"/>
-              </a:solidFill>
-            </a:endParaRPr>
-          </a:p>
-          <a:p>
-            <a:pPr marL="0" indent="0">
-              <a:buNone/>
-            </a:pPr>
-            <a:endParaRPr lang="en-US" altLang="ko-KR" dirty="0">
-              <a:solidFill>
-                <a:schemeClr val="bg1"/>
-              </a:solidFill>
-            </a:endParaRPr>
-          </a:p>
-          <a:p>
-            <a:pPr marL="0" indent="0">
-              <a:buNone/>
-            </a:pPr>
-            <a:endParaRPr lang="en-US" altLang="ko-KR" dirty="0">
-              <a:solidFill>
-                <a:schemeClr val="bg1"/>
-              </a:solidFill>
-            </a:endParaRPr>
-          </a:p>
-          <a:p>
-            <a:pPr marL="0" indent="0">
-              <a:buNone/>
-            </a:pPr>
-            <a:r>
-              <a:rPr lang="en-US" altLang="ko-KR" dirty="0">
-                <a:solidFill>
-                  <a:schemeClr val="bg1"/>
-                </a:solidFill>
-              </a:rPr>
-              <a:t>( </a:t>
-            </a:r>
-            <a:r>
-              <a:rPr lang="ko-KR" altLang="en-US" dirty="0">
-                <a:solidFill>
-                  <a:schemeClr val="bg1"/>
-                </a:solidFill>
-              </a:rPr>
-              <a:t>참고 </a:t>
-            </a:r>
-            <a:r>
-              <a:rPr lang="en-US" altLang="ko-KR" dirty="0">
-                <a:solidFill>
-                  <a:schemeClr val="bg1"/>
-                </a:solidFill>
-              </a:rPr>
-              <a:t>– Zoom</a:t>
-            </a:r>
-            <a:r>
-              <a:rPr lang="ko-KR" altLang="en-US" dirty="0">
-                <a:solidFill>
-                  <a:schemeClr val="bg1"/>
-                </a:solidFill>
-              </a:rPr>
-              <a:t>을 통한 화면 녹화를 하여서 녹화 화질이 엄청 좋지는 않지만</a:t>
-            </a:r>
-            <a:r>
-              <a:rPr lang="en-US" altLang="ko-KR" dirty="0">
-                <a:solidFill>
-                  <a:schemeClr val="bg1"/>
-                </a:solidFill>
-              </a:rPr>
-              <a:t>, </a:t>
-            </a:r>
-            <a:r>
-              <a:rPr lang="ko-KR" altLang="en-US" dirty="0" err="1">
-                <a:solidFill>
-                  <a:schemeClr val="bg1"/>
-                </a:solidFill>
-              </a:rPr>
-              <a:t>다시보기를</a:t>
-            </a:r>
-            <a:r>
-              <a:rPr lang="ko-KR" altLang="en-US" dirty="0">
-                <a:solidFill>
-                  <a:schemeClr val="bg1"/>
-                </a:solidFill>
-              </a:rPr>
-              <a:t> 통해 검증을 해 본 결과 충분한 내용전달은 되는 것 같으니 양해 바랍니다</a:t>
-            </a:r>
-            <a:r>
-              <a:rPr lang="en-US" altLang="ko-KR" dirty="0">
-                <a:solidFill>
-                  <a:schemeClr val="bg1"/>
-                </a:solidFill>
-              </a:rPr>
-              <a:t>. )</a:t>
-            </a:r>
-            <a:endParaRPr lang="ko-KR" altLang="en-US" dirty="0">
               <a:solidFill>
                 <a:schemeClr val="bg1"/>
               </a:solidFill>
